--- a/HSHL_Hausautomationssysteme.potx.pptx
+++ b/HSHL_Hausautomationssysteme.potx.pptx
@@ -5,10 +5,10 @@
     <p:sldMasterId id="2147483648" r:id="rId1"/>
   </p:sldMasterIdLst>
   <p:notesMasterIdLst>
-    <p:notesMasterId r:id="rId7"/>
+    <p:notesMasterId r:id="rId12"/>
   </p:notesMasterIdLst>
   <p:handoutMasterIdLst>
-    <p:handoutMasterId r:id="rId8"/>
+    <p:handoutMasterId r:id="rId13"/>
   </p:handoutMasterIdLst>
   <p:sldIdLst>
     <p:sldId id="258" r:id="rId2"/>
@@ -16,6 +16,11 @@
     <p:sldId id="260" r:id="rId4"/>
     <p:sldId id="261" r:id="rId5"/>
     <p:sldId id="262" r:id="rId6"/>
+    <p:sldId id="263" r:id="rId7"/>
+    <p:sldId id="264" r:id="rId8"/>
+    <p:sldId id="265" r:id="rId9"/>
+    <p:sldId id="266" r:id="rId10"/>
+    <p:sldId id="267" r:id="rId11"/>
   </p:sldIdLst>
   <p:sldSz cx="9144000" cy="6858000" type="screen4x3"/>
   <p:notesSz cx="6858000" cy="9144000"/>
@@ -133,6 +138,10 @@
 </p:presentation>
 </file>
 
+<file path=ppt/revisionInfo.xml><?xml version="1.0" encoding="utf-8"?>
+<p1510:revInfo xmlns:a="http://schemas.openxmlformats.org/drawingml/2006/main" xmlns:r="http://schemas.openxmlformats.org/officeDocument/2006/relationships" xmlns:p1510="http://schemas.microsoft.com/office/powerpoint/2015/10/main"/>
+</file>
+
 <file path=ppt/handoutMasters/handoutMaster1.xml><?xml version="1.0" encoding="utf-8"?>
 <p:handoutMaster xmlns:a="http://schemas.openxmlformats.org/drawingml/2006/main" xmlns:r="http://schemas.openxmlformats.org/officeDocument/2006/relationships" xmlns:p="http://schemas.openxmlformats.org/presentationml/2006/main">
   <p:cSld>
@@ -218,7 +227,7 @@
           <a:p>
             <a:fld id="{276817F0-84FC-C145-AFC3-FA42D1D21F8E}" type="datetimeFigureOut">
               <a:rPr lang="de-DE" smtClean="0"/>
-              <a:t>31.05.2017</a:t>
+              <a:t>01.06.2017</a:t>
             </a:fld>
             <a:endParaRPr lang="de-DE"/>
           </a:p>
@@ -387,7 +396,7 @@
           <a:p>
             <a:fld id="{F80FA3C8-DE25-7348-A1F7-D749F91943C8}" type="datetimeFigureOut">
               <a:rPr lang="de-DE" smtClean="0"/>
-              <a:t>31.05.2017</a:t>
+              <a:t>01.06.2017</a:t>
             </a:fld>
             <a:endParaRPr lang="de-DE"/>
           </a:p>
@@ -863,7 +872,7 @@
           <a:p>
             <a:fld id="{C916D949-773C-3845-BFBA-C7D9987445EE}" type="datetime1">
               <a:rPr lang="de-DE" smtClean="0"/>
-              <a:t>31.05.2017</a:t>
+              <a:t>01.06.2017</a:t>
             </a:fld>
             <a:endParaRPr lang="de-DE" dirty="0"/>
           </a:p>
@@ -964,7 +973,7 @@
             <a:fld id="{A4ECBFB4-2031-A542-A2EF-20BD4D9E5256}" type="datetime1">
               <a:rPr lang="de-DE" smtClean="0"/>
               <a:pPr/>
-              <a:t>31.05.2017</a:t>
+              <a:t>01.06.2017</a:t>
             </a:fld>
             <a:r>
               <a:rPr lang="de-DE" dirty="0"/>
@@ -1249,7 +1258,7 @@
           <a:p>
             <a:fld id="{C916D949-773C-3845-BFBA-C7D9987445EE}" type="datetime1">
               <a:rPr lang="de-DE" smtClean="0"/>
-              <a:t>31.05.2017</a:t>
+              <a:t>01.06.2017</a:t>
             </a:fld>
             <a:endParaRPr lang="de-DE" dirty="0"/>
           </a:p>
@@ -1741,6 +1750,178 @@
 </p:sld>
 </file>
 
+<file path=ppt/slides/slide10.xml><?xml version="1.0" encoding="utf-8"?>
+<p:sld xmlns:a="http://schemas.openxmlformats.org/drawingml/2006/main" xmlns:r="http://schemas.openxmlformats.org/officeDocument/2006/relationships" xmlns:p="http://schemas.openxmlformats.org/presentationml/2006/main">
+  <p:cSld>
+    <p:spTree>
+      <p:nvGrpSpPr>
+        <p:cNvPr id="1" name=""/>
+        <p:cNvGrpSpPr/>
+        <p:nvPr/>
+      </p:nvGrpSpPr>
+      <p:grpSpPr>
+        <a:xfrm>
+          <a:off x="0" y="0"/>
+          <a:ext cx="0" cy="0"/>
+          <a:chOff x="0" y="0"/>
+          <a:chExt cx="0" cy="0"/>
+        </a:xfrm>
+      </p:grpSpPr>
+      <p:sp>
+        <p:nvSpPr>
+          <p:cNvPr id="2" name="Datumsplatzhalter 1"/>
+          <p:cNvSpPr>
+            <a:spLocks noGrp="1"/>
+          </p:cNvSpPr>
+          <p:nvPr>
+            <p:ph type="dt" sz="half" idx="10"/>
+          </p:nvPr>
+        </p:nvSpPr>
+        <p:spPr/>
+        <p:txBody>
+          <a:bodyPr/>
+          <a:lstStyle/>
+          <a:p>
+            <a:fld id="{A4ECBFB4-2031-A542-A2EF-20BD4D9E5256}" type="datetime1">
+              <a:rPr lang="de-DE" smtClean="0"/>
+              <a:pPr/>
+              <a:t>01.06.2017</a:t>
+            </a:fld>
+            <a:r>
+              <a:rPr lang="de-DE"/>
+              <a:t>	     Nadine Schwenke, Anna Blankenstein, Fabian Nawrath, Maximilian Bröer       Praxismodul 2	</a:t>
+            </a:r>
+            <a:endParaRPr lang="de-DE" dirty="0"/>
+          </a:p>
+        </p:txBody>
+      </p:sp>
+      <p:sp>
+        <p:nvSpPr>
+          <p:cNvPr id="3" name="Foliennummernplatzhalter 2"/>
+          <p:cNvSpPr>
+            <a:spLocks noGrp="1"/>
+          </p:cNvSpPr>
+          <p:nvPr>
+            <p:ph type="sldNum" sz="quarter" idx="12"/>
+          </p:nvPr>
+        </p:nvSpPr>
+        <p:spPr/>
+        <p:txBody>
+          <a:bodyPr/>
+          <a:lstStyle/>
+          <a:p>
+            <a:fld id="{E7BE1CCD-89A0-CC45-BF3E-2A331A7F0490}" type="slidenum">
+              <a:rPr lang="de-DE" smtClean="0"/>
+              <a:t>10</a:t>
+            </a:fld>
+            <a:endParaRPr lang="de-DE" dirty="0"/>
+          </a:p>
+        </p:txBody>
+      </p:sp>
+      <p:sp>
+        <p:nvSpPr>
+          <p:cNvPr id="4" name="Textfeld 3"/>
+          <p:cNvSpPr txBox="1"/>
+          <p:nvPr/>
+        </p:nvSpPr>
+        <p:spPr>
+          <a:xfrm>
+            <a:off x="900680" y="116300"/>
+            <a:ext cx="5907836" cy="553998"/>
+          </a:xfrm>
+          <a:prstGeom prst="rect">
+            <a:avLst/>
+          </a:prstGeom>
+          <a:noFill/>
+        </p:spPr>
+        <p:txBody>
+          <a:bodyPr wrap="none" rtlCol="0">
+            <a:spAutoFit/>
+          </a:bodyPr>
+          <a:lstStyle/>
+          <a:p>
+            <a:r>
+              <a:rPr lang="de-DE" sz="3000" dirty="0"/>
+              <a:t>Die Systeme – wie funktionieren sie?</a:t>
+            </a:r>
+          </a:p>
+        </p:txBody>
+      </p:sp>
+      <p:sp>
+        <p:nvSpPr>
+          <p:cNvPr id="5" name="Textfeld 4"/>
+          <p:cNvSpPr txBox="1"/>
+          <p:nvPr/>
+        </p:nvSpPr>
+        <p:spPr>
+          <a:xfrm>
+            <a:off x="3700607" y="670298"/>
+            <a:ext cx="1742785" cy="553998"/>
+          </a:xfrm>
+          <a:prstGeom prst="rect">
+            <a:avLst/>
+          </a:prstGeom>
+          <a:noFill/>
+        </p:spPr>
+        <p:txBody>
+          <a:bodyPr wrap="none" rtlCol="0">
+            <a:spAutoFit/>
+          </a:bodyPr>
+          <a:lstStyle/>
+          <a:p>
+            <a:r>
+              <a:rPr lang="de-DE" sz="3000" b="1" dirty="0"/>
+              <a:t>OpenHAB</a:t>
+            </a:r>
+          </a:p>
+        </p:txBody>
+      </p:sp>
+      <p:sp>
+        <p:nvSpPr>
+          <p:cNvPr id="6" name="Textfeld 5"/>
+          <p:cNvSpPr txBox="1"/>
+          <p:nvPr/>
+        </p:nvSpPr>
+        <p:spPr>
+          <a:xfrm>
+            <a:off x="1662545" y="1959429"/>
+            <a:ext cx="1255472" cy="492443"/>
+          </a:xfrm>
+          <a:prstGeom prst="rect">
+            <a:avLst/>
+          </a:prstGeom>
+          <a:noFill/>
+        </p:spPr>
+        <p:txBody>
+          <a:bodyPr wrap="none" rtlCol="0">
+            <a:spAutoFit/>
+          </a:bodyPr>
+          <a:lstStyle/>
+          <a:p>
+            <a:pPr marL="457200" indent="-457200">
+              <a:buFont typeface="Arial" panose="020B0604020202020204" pitchFamily="34" charset="0"/>
+              <a:buChar char="•"/>
+            </a:pPr>
+            <a:r>
+              <a:rPr lang="de-DE" sz="2600"/>
+              <a:t>sdsd</a:t>
+            </a:r>
+          </a:p>
+        </p:txBody>
+      </p:sp>
+    </p:spTree>
+    <p:extLst>
+      <p:ext uri="{BB962C8B-B14F-4D97-AF65-F5344CB8AC3E}">
+        <p14:creationId xmlns:p14="http://schemas.microsoft.com/office/powerpoint/2010/main" val="452485525"/>
+      </p:ext>
+    </p:extLst>
+  </p:cSld>
+  <p:clrMapOvr>
+    <a:masterClrMapping/>
+  </p:clrMapOvr>
+</p:sld>
+</file>
+
 <file path=ppt/slides/slide2.xml><?xml version="1.0" encoding="utf-8"?>
 <p:sld xmlns:a="http://schemas.openxmlformats.org/drawingml/2006/main" xmlns:r="http://schemas.openxmlformats.org/officeDocument/2006/relationships" xmlns:p="http://schemas.openxmlformats.org/presentationml/2006/main">
   <p:cSld>
@@ -1776,7 +1957,7 @@
             <a:fld id="{A4ECBFB4-2031-A542-A2EF-20BD4D9E5256}" type="datetime1">
               <a:rPr lang="de-DE" smtClean="0"/>
               <a:pPr/>
-              <a:t>31.05.2017</a:t>
+              <a:t>01.06.2017</a:t>
             </a:fld>
             <a:r>
               <a:rPr lang="de-DE"/>
@@ -2622,7 +2803,7 @@
           <a:p>
             <a:fld id="{20484179-97E7-4643-B5B7-BA9089E040D3}" type="datetime1">
               <a:rPr lang="de-DE" smtClean="0"/>
-              <a:t>31.05.2017</a:t>
+              <a:t>01.06.2017</a:t>
             </a:fld>
             <a:r>
               <a:rPr lang="de-DE" dirty="0"/>
@@ -3343,7 +3524,7 @@
             <a:fld id="{A4ECBFB4-2031-A542-A2EF-20BD4D9E5256}" type="datetime1">
               <a:rPr lang="de-DE" smtClean="0"/>
               <a:pPr/>
-              <a:t>31.05.2017</a:t>
+              <a:t>01.06.2017</a:t>
             </a:fld>
             <a:r>
               <a:rPr lang="de-DE"/>
@@ -4032,7 +4213,7 @@
             <a:fld id="{A4ECBFB4-2031-A542-A2EF-20BD4D9E5256}" type="datetime1">
               <a:rPr lang="de-DE" smtClean="0"/>
               <a:pPr/>
-              <a:t>31.05.2017</a:t>
+              <a:t>01.06.2017</a:t>
             </a:fld>
             <a:r>
               <a:rPr lang="de-DE"/>
@@ -4566,6 +4747,2554 @@
       <p:bldP spid="7" grpId="0"/>
       <p:bldP spid="8" grpId="0"/>
       <p:bldP spid="17" grpId="0"/>
+    </p:bldLst>
+  </p:timing>
+</p:sld>
+</file>
+
+<file path=ppt/slides/slide6.xml><?xml version="1.0" encoding="utf-8"?>
+<p:sld xmlns:a="http://schemas.openxmlformats.org/drawingml/2006/main" xmlns:r="http://schemas.openxmlformats.org/officeDocument/2006/relationships" xmlns:p="http://schemas.openxmlformats.org/presentationml/2006/main">
+  <p:cSld>
+    <p:spTree>
+      <p:nvGrpSpPr>
+        <p:cNvPr id="1" name=""/>
+        <p:cNvGrpSpPr/>
+        <p:nvPr/>
+      </p:nvGrpSpPr>
+      <p:grpSpPr>
+        <a:xfrm>
+          <a:off x="0" y="0"/>
+          <a:ext cx="0" cy="0"/>
+          <a:chOff x="0" y="0"/>
+          <a:chExt cx="0" cy="0"/>
+        </a:xfrm>
+      </p:grpSpPr>
+      <p:sp>
+        <p:nvSpPr>
+          <p:cNvPr id="2" name="Datumsplatzhalter 1"/>
+          <p:cNvSpPr>
+            <a:spLocks noGrp="1"/>
+          </p:cNvSpPr>
+          <p:nvPr>
+            <p:ph type="dt" sz="half" idx="10"/>
+          </p:nvPr>
+        </p:nvSpPr>
+        <p:spPr/>
+        <p:txBody>
+          <a:bodyPr/>
+          <a:lstStyle/>
+          <a:p>
+            <a:fld id="{A4ECBFB4-2031-A542-A2EF-20BD4D9E5256}" type="datetime1">
+              <a:rPr lang="de-DE" smtClean="0"/>
+              <a:pPr/>
+              <a:t>01.06.2017</a:t>
+            </a:fld>
+            <a:r>
+              <a:rPr lang="de-DE"/>
+              <a:t>	     Nadine Schwenke, Anna Blankenstein, Fabian Nawrath, Maximilian Bröer       Praxismodul 2	</a:t>
+            </a:r>
+            <a:endParaRPr lang="de-DE" dirty="0"/>
+          </a:p>
+        </p:txBody>
+      </p:sp>
+      <p:sp>
+        <p:nvSpPr>
+          <p:cNvPr id="3" name="Foliennummernplatzhalter 2"/>
+          <p:cNvSpPr>
+            <a:spLocks noGrp="1"/>
+          </p:cNvSpPr>
+          <p:nvPr>
+            <p:ph type="sldNum" sz="quarter" idx="12"/>
+          </p:nvPr>
+        </p:nvSpPr>
+        <p:spPr/>
+        <p:txBody>
+          <a:bodyPr/>
+          <a:lstStyle/>
+          <a:p>
+            <a:fld id="{E7BE1CCD-89A0-CC45-BF3E-2A331A7F0490}" type="slidenum">
+              <a:rPr lang="de-DE" smtClean="0"/>
+              <a:t>6</a:t>
+            </a:fld>
+            <a:endParaRPr lang="de-DE" dirty="0"/>
+          </a:p>
+        </p:txBody>
+      </p:sp>
+      <p:sp>
+        <p:nvSpPr>
+          <p:cNvPr id="4" name="Textfeld 3"/>
+          <p:cNvSpPr txBox="1"/>
+          <p:nvPr/>
+        </p:nvSpPr>
+        <p:spPr>
+          <a:xfrm>
+            <a:off x="900680" y="116300"/>
+            <a:ext cx="5907836" cy="553998"/>
+          </a:xfrm>
+          <a:prstGeom prst="rect">
+            <a:avLst/>
+          </a:prstGeom>
+          <a:noFill/>
+        </p:spPr>
+        <p:txBody>
+          <a:bodyPr wrap="none" rtlCol="0">
+            <a:spAutoFit/>
+          </a:bodyPr>
+          <a:lstStyle/>
+          <a:p>
+            <a:r>
+              <a:rPr lang="de-DE" sz="3000" dirty="0"/>
+              <a:t>Die Systeme – wie funktionieren sie?</a:t>
+            </a:r>
+          </a:p>
+        </p:txBody>
+      </p:sp>
+      <p:sp>
+        <p:nvSpPr>
+          <p:cNvPr id="5" name="Textfeld 4"/>
+          <p:cNvSpPr txBox="1"/>
+          <p:nvPr/>
+        </p:nvSpPr>
+        <p:spPr>
+          <a:xfrm>
+            <a:off x="4172098" y="670298"/>
+            <a:ext cx="859531" cy="553998"/>
+          </a:xfrm>
+          <a:prstGeom prst="rect">
+            <a:avLst/>
+          </a:prstGeom>
+          <a:noFill/>
+        </p:spPr>
+        <p:txBody>
+          <a:bodyPr wrap="none" rtlCol="0">
+            <a:spAutoFit/>
+          </a:bodyPr>
+          <a:lstStyle/>
+          <a:p>
+            <a:r>
+              <a:rPr lang="de-DE" sz="3000" b="1" dirty="0"/>
+              <a:t>KNX</a:t>
+            </a:r>
+          </a:p>
+        </p:txBody>
+      </p:sp>
+      <p:sp>
+        <p:nvSpPr>
+          <p:cNvPr id="6" name="Textfeld 5"/>
+          <p:cNvSpPr txBox="1"/>
+          <p:nvPr/>
+        </p:nvSpPr>
+        <p:spPr>
+          <a:xfrm>
+            <a:off x="900680" y="1224296"/>
+            <a:ext cx="4587666" cy="492443"/>
+          </a:xfrm>
+          <a:prstGeom prst="rect">
+            <a:avLst/>
+          </a:prstGeom>
+          <a:noFill/>
+        </p:spPr>
+        <p:txBody>
+          <a:bodyPr wrap="none" rtlCol="0">
+            <a:spAutoFit/>
+          </a:bodyPr>
+          <a:lstStyle/>
+          <a:p>
+            <a:pPr marL="457200" indent="-457200">
+              <a:buFont typeface="Arial" panose="020B0604020202020204" pitchFamily="34" charset="0"/>
+              <a:buChar char="•"/>
+            </a:pPr>
+            <a:r>
+              <a:rPr lang="de-DE" sz="2600" dirty="0"/>
+              <a:t>Maximale Größe des Systems</a:t>
+            </a:r>
+          </a:p>
+        </p:txBody>
+      </p:sp>
+      <p:sp>
+        <p:nvSpPr>
+          <p:cNvPr id="7" name="Textfeld 6"/>
+          <p:cNvSpPr txBox="1"/>
+          <p:nvPr/>
+        </p:nvSpPr>
+        <p:spPr>
+          <a:xfrm>
+            <a:off x="900680" y="1714465"/>
+            <a:ext cx="2535438" cy="461665"/>
+          </a:xfrm>
+          <a:prstGeom prst="rect">
+            <a:avLst/>
+          </a:prstGeom>
+          <a:noFill/>
+        </p:spPr>
+        <p:txBody>
+          <a:bodyPr wrap="none" rtlCol="0">
+            <a:spAutoFit/>
+          </a:bodyPr>
+          <a:lstStyle/>
+          <a:p>
+            <a:pPr marL="800100" lvl="1" indent="-342900">
+              <a:buFont typeface="Courier New" panose="02070309020205020404" pitchFamily="49" charset="0"/>
+              <a:buChar char="o"/>
+            </a:pPr>
+            <a:r>
+              <a:rPr lang="de-DE" sz="2400" dirty="0"/>
+              <a:t>15 Bereiche </a:t>
+            </a:r>
+          </a:p>
+        </p:txBody>
+      </p:sp>
+      <p:sp>
+        <p:nvSpPr>
+          <p:cNvPr id="8" name="Textfeld 7"/>
+          <p:cNvSpPr txBox="1"/>
+          <p:nvPr/>
+        </p:nvSpPr>
+        <p:spPr>
+          <a:xfrm>
+            <a:off x="900680" y="2338294"/>
+            <a:ext cx="4009046" cy="461665"/>
+          </a:xfrm>
+          <a:prstGeom prst="rect">
+            <a:avLst/>
+          </a:prstGeom>
+          <a:noFill/>
+        </p:spPr>
+        <p:txBody>
+          <a:bodyPr wrap="none" rtlCol="0">
+            <a:spAutoFit/>
+          </a:bodyPr>
+          <a:lstStyle/>
+          <a:p>
+            <a:pPr marL="800100" lvl="1" indent="-342900">
+              <a:buFont typeface="Courier New" panose="02070309020205020404" pitchFamily="49" charset="0"/>
+              <a:buChar char="o"/>
+            </a:pPr>
+            <a:r>
+              <a:rPr lang="de-DE" sz="2400" dirty="0"/>
+              <a:t>1 Bereich fasst maximal:</a:t>
+            </a:r>
+          </a:p>
+        </p:txBody>
+      </p:sp>
+      <p:sp>
+        <p:nvSpPr>
+          <p:cNvPr id="9" name="Textfeld 8"/>
+          <p:cNvSpPr txBox="1"/>
+          <p:nvPr/>
+        </p:nvSpPr>
+        <p:spPr>
+          <a:xfrm>
+            <a:off x="900680" y="2804045"/>
+            <a:ext cx="4333494" cy="461665"/>
+          </a:xfrm>
+          <a:prstGeom prst="rect">
+            <a:avLst/>
+          </a:prstGeom>
+          <a:noFill/>
+        </p:spPr>
+        <p:txBody>
+          <a:bodyPr wrap="none" rtlCol="0">
+            <a:spAutoFit/>
+          </a:bodyPr>
+          <a:lstStyle/>
+          <a:p>
+            <a:pPr marL="1200150" lvl="2" indent="-285750">
+              <a:buFont typeface="Symbol" panose="05050102010706020507" pitchFamily="18" charset="2"/>
+              <a:buChar char="-"/>
+            </a:pPr>
+            <a:r>
+              <a:rPr lang="de-DE" sz="2400" dirty="0"/>
+              <a:t>15 Linien + 1 Hauptlinie</a:t>
+            </a:r>
+          </a:p>
+        </p:txBody>
+      </p:sp>
+      <p:sp>
+        <p:nvSpPr>
+          <p:cNvPr id="10" name="Textfeld 9"/>
+          <p:cNvSpPr txBox="1"/>
+          <p:nvPr/>
+        </p:nvSpPr>
+        <p:spPr>
+          <a:xfrm>
+            <a:off x="900680" y="3429686"/>
+            <a:ext cx="4128502" cy="461665"/>
+          </a:xfrm>
+          <a:prstGeom prst="rect">
+            <a:avLst/>
+          </a:prstGeom>
+          <a:noFill/>
+        </p:spPr>
+        <p:txBody>
+          <a:bodyPr wrap="none" rtlCol="0">
+            <a:spAutoFit/>
+          </a:bodyPr>
+          <a:lstStyle/>
+          <a:p>
+            <a:pPr marL="1200150" lvl="2" indent="-285750">
+              <a:buFont typeface="Symbol" panose="05050102010706020507" pitchFamily="18" charset="2"/>
+              <a:buChar char="-"/>
+            </a:pPr>
+            <a:r>
+              <a:rPr lang="de-DE" sz="2400" dirty="0"/>
+              <a:t>1 Linie fasst maximal: </a:t>
+            </a:r>
+          </a:p>
+        </p:txBody>
+      </p:sp>
+      <p:sp>
+        <p:nvSpPr>
+          <p:cNvPr id="11" name="Textfeld 10"/>
+          <p:cNvSpPr txBox="1"/>
+          <p:nvPr/>
+        </p:nvSpPr>
+        <p:spPr>
+          <a:xfrm>
+            <a:off x="900680" y="3887265"/>
+            <a:ext cx="3698320" cy="461665"/>
+          </a:xfrm>
+          <a:prstGeom prst="rect">
+            <a:avLst/>
+          </a:prstGeom>
+          <a:noFill/>
+        </p:spPr>
+        <p:txBody>
+          <a:bodyPr wrap="none" rtlCol="0">
+            <a:spAutoFit/>
+          </a:bodyPr>
+          <a:lstStyle/>
+          <a:p>
+            <a:pPr marL="1714500" lvl="3" indent="-342900">
+              <a:buSzPct val="90000"/>
+              <a:buFont typeface="Arial" panose="020B0604020202020204" pitchFamily="34" charset="0"/>
+              <a:buChar char="•"/>
+            </a:pPr>
+            <a:r>
+              <a:rPr lang="de-DE" sz="2400" dirty="0"/>
+              <a:t>63 Teilnehmer</a:t>
+            </a:r>
+          </a:p>
+        </p:txBody>
+      </p:sp>
+    </p:spTree>
+    <p:extLst>
+      <p:ext uri="{BB962C8B-B14F-4D97-AF65-F5344CB8AC3E}">
+        <p14:creationId xmlns:p14="http://schemas.microsoft.com/office/powerpoint/2010/main" val="1566830401"/>
+      </p:ext>
+    </p:extLst>
+  </p:cSld>
+  <p:clrMapOvr>
+    <a:masterClrMapping/>
+  </p:clrMapOvr>
+  <p:timing>
+    <p:tnLst>
+      <p:par>
+        <p:cTn id="1" dur="indefinite" restart="never" nodeType="tmRoot">
+          <p:childTnLst>
+            <p:seq concurrent="1" nextAc="seek">
+              <p:cTn id="2" dur="indefinite" nodeType="mainSeq">
+                <p:childTnLst>
+                  <p:par>
+                    <p:cTn id="3" fill="hold">
+                      <p:stCondLst>
+                        <p:cond delay="indefinite"/>
+                      </p:stCondLst>
+                      <p:childTnLst>
+                        <p:par>
+                          <p:cTn id="4" fill="hold">
+                            <p:stCondLst>
+                              <p:cond delay="0"/>
+                            </p:stCondLst>
+                            <p:childTnLst>
+                              <p:par>
+                                <p:cTn id="5" presetID="1" presetClass="entr" presetSubtype="0" fill="hold" grpId="0" nodeType="clickEffect">
+                                  <p:stCondLst>
+                                    <p:cond delay="0"/>
+                                  </p:stCondLst>
+                                  <p:childTnLst>
+                                    <p:set>
+                                      <p:cBhvr>
+                                        <p:cTn id="6" dur="1" fill="hold">
+                                          <p:stCondLst>
+                                            <p:cond delay="0"/>
+                                          </p:stCondLst>
+                                        </p:cTn>
+                                        <p:tgtEl>
+                                          <p:spTgt spid="6"/>
+                                        </p:tgtEl>
+                                        <p:attrNameLst>
+                                          <p:attrName>style.visibility</p:attrName>
+                                        </p:attrNameLst>
+                                      </p:cBhvr>
+                                      <p:to>
+                                        <p:strVal val="visible"/>
+                                      </p:to>
+                                    </p:set>
+                                  </p:childTnLst>
+                                </p:cTn>
+                              </p:par>
+                              <p:par>
+                                <p:cTn id="7" presetID="1" presetClass="entr" presetSubtype="0" fill="hold" grpId="0" nodeType="withEffect">
+                                  <p:stCondLst>
+                                    <p:cond delay="0"/>
+                                  </p:stCondLst>
+                                  <p:childTnLst>
+                                    <p:set>
+                                      <p:cBhvr>
+                                        <p:cTn id="8" dur="1" fill="hold">
+                                          <p:stCondLst>
+                                            <p:cond delay="0"/>
+                                          </p:stCondLst>
+                                        </p:cTn>
+                                        <p:tgtEl>
+                                          <p:spTgt spid="7"/>
+                                        </p:tgtEl>
+                                        <p:attrNameLst>
+                                          <p:attrName>style.visibility</p:attrName>
+                                        </p:attrNameLst>
+                                      </p:cBhvr>
+                                      <p:to>
+                                        <p:strVal val="visible"/>
+                                      </p:to>
+                                    </p:set>
+                                  </p:childTnLst>
+                                </p:cTn>
+                              </p:par>
+                            </p:childTnLst>
+                          </p:cTn>
+                        </p:par>
+                      </p:childTnLst>
+                    </p:cTn>
+                  </p:par>
+                  <p:par>
+                    <p:cTn id="9" fill="hold">
+                      <p:stCondLst>
+                        <p:cond delay="indefinite"/>
+                      </p:stCondLst>
+                      <p:childTnLst>
+                        <p:par>
+                          <p:cTn id="10" fill="hold">
+                            <p:stCondLst>
+                              <p:cond delay="0"/>
+                            </p:stCondLst>
+                            <p:childTnLst>
+                              <p:par>
+                                <p:cTn id="11" presetID="1" presetClass="entr" presetSubtype="0" fill="hold" grpId="0" nodeType="clickEffect">
+                                  <p:stCondLst>
+                                    <p:cond delay="0"/>
+                                  </p:stCondLst>
+                                  <p:childTnLst>
+                                    <p:set>
+                                      <p:cBhvr>
+                                        <p:cTn id="12" dur="1" fill="hold">
+                                          <p:stCondLst>
+                                            <p:cond delay="0"/>
+                                          </p:stCondLst>
+                                        </p:cTn>
+                                        <p:tgtEl>
+                                          <p:spTgt spid="8"/>
+                                        </p:tgtEl>
+                                        <p:attrNameLst>
+                                          <p:attrName>style.visibility</p:attrName>
+                                        </p:attrNameLst>
+                                      </p:cBhvr>
+                                      <p:to>
+                                        <p:strVal val="visible"/>
+                                      </p:to>
+                                    </p:set>
+                                  </p:childTnLst>
+                                </p:cTn>
+                              </p:par>
+                              <p:par>
+                                <p:cTn id="13" presetID="1" presetClass="entr" presetSubtype="0" fill="hold" grpId="0" nodeType="withEffect">
+                                  <p:stCondLst>
+                                    <p:cond delay="0"/>
+                                  </p:stCondLst>
+                                  <p:childTnLst>
+                                    <p:set>
+                                      <p:cBhvr>
+                                        <p:cTn id="14" dur="1" fill="hold">
+                                          <p:stCondLst>
+                                            <p:cond delay="0"/>
+                                          </p:stCondLst>
+                                        </p:cTn>
+                                        <p:tgtEl>
+                                          <p:spTgt spid="9"/>
+                                        </p:tgtEl>
+                                        <p:attrNameLst>
+                                          <p:attrName>style.visibility</p:attrName>
+                                        </p:attrNameLst>
+                                      </p:cBhvr>
+                                      <p:to>
+                                        <p:strVal val="visible"/>
+                                      </p:to>
+                                    </p:set>
+                                  </p:childTnLst>
+                                </p:cTn>
+                              </p:par>
+                            </p:childTnLst>
+                          </p:cTn>
+                        </p:par>
+                      </p:childTnLst>
+                    </p:cTn>
+                  </p:par>
+                  <p:par>
+                    <p:cTn id="15" fill="hold">
+                      <p:stCondLst>
+                        <p:cond delay="indefinite"/>
+                      </p:stCondLst>
+                      <p:childTnLst>
+                        <p:par>
+                          <p:cTn id="16" fill="hold">
+                            <p:stCondLst>
+                              <p:cond delay="0"/>
+                            </p:stCondLst>
+                            <p:childTnLst>
+                              <p:par>
+                                <p:cTn id="17" presetID="1" presetClass="entr" presetSubtype="0" fill="hold" grpId="0" nodeType="clickEffect">
+                                  <p:stCondLst>
+                                    <p:cond delay="0"/>
+                                  </p:stCondLst>
+                                  <p:childTnLst>
+                                    <p:set>
+                                      <p:cBhvr>
+                                        <p:cTn id="18" dur="1" fill="hold">
+                                          <p:stCondLst>
+                                            <p:cond delay="0"/>
+                                          </p:stCondLst>
+                                        </p:cTn>
+                                        <p:tgtEl>
+                                          <p:spTgt spid="10"/>
+                                        </p:tgtEl>
+                                        <p:attrNameLst>
+                                          <p:attrName>style.visibility</p:attrName>
+                                        </p:attrNameLst>
+                                      </p:cBhvr>
+                                      <p:to>
+                                        <p:strVal val="visible"/>
+                                      </p:to>
+                                    </p:set>
+                                  </p:childTnLst>
+                                </p:cTn>
+                              </p:par>
+                              <p:par>
+                                <p:cTn id="19" presetID="1" presetClass="entr" presetSubtype="0" fill="hold" grpId="0" nodeType="withEffect">
+                                  <p:stCondLst>
+                                    <p:cond delay="0"/>
+                                  </p:stCondLst>
+                                  <p:childTnLst>
+                                    <p:set>
+                                      <p:cBhvr>
+                                        <p:cTn id="20" dur="1" fill="hold">
+                                          <p:stCondLst>
+                                            <p:cond delay="0"/>
+                                          </p:stCondLst>
+                                        </p:cTn>
+                                        <p:tgtEl>
+                                          <p:spTgt spid="11"/>
+                                        </p:tgtEl>
+                                        <p:attrNameLst>
+                                          <p:attrName>style.visibility</p:attrName>
+                                        </p:attrNameLst>
+                                      </p:cBhvr>
+                                      <p:to>
+                                        <p:strVal val="visible"/>
+                                      </p:to>
+                                    </p:set>
+                                  </p:childTnLst>
+                                </p:cTn>
+                              </p:par>
+                            </p:childTnLst>
+                          </p:cTn>
+                        </p:par>
+                      </p:childTnLst>
+                    </p:cTn>
+                  </p:par>
+                </p:childTnLst>
+              </p:cTn>
+              <p:prevCondLst>
+                <p:cond evt="onPrev" delay="0">
+                  <p:tgtEl>
+                    <p:sldTgt/>
+                  </p:tgtEl>
+                </p:cond>
+              </p:prevCondLst>
+              <p:nextCondLst>
+                <p:cond evt="onNext" delay="0">
+                  <p:tgtEl>
+                    <p:sldTgt/>
+                  </p:tgtEl>
+                </p:cond>
+              </p:nextCondLst>
+            </p:seq>
+          </p:childTnLst>
+        </p:cTn>
+      </p:par>
+    </p:tnLst>
+    <p:bldLst>
+      <p:bldP spid="6" grpId="0"/>
+      <p:bldP spid="7" grpId="0"/>
+      <p:bldP spid="8" grpId="0"/>
+      <p:bldP spid="9" grpId="0"/>
+      <p:bldP spid="10" grpId="0"/>
+      <p:bldP spid="11" grpId="0"/>
+    </p:bldLst>
+  </p:timing>
+</p:sld>
+</file>
+
+<file path=ppt/slides/slide7.xml><?xml version="1.0" encoding="utf-8"?>
+<p:sld xmlns:a="http://schemas.openxmlformats.org/drawingml/2006/main" xmlns:r="http://schemas.openxmlformats.org/officeDocument/2006/relationships" xmlns:p="http://schemas.openxmlformats.org/presentationml/2006/main">
+  <p:cSld>
+    <p:spTree>
+      <p:nvGrpSpPr>
+        <p:cNvPr id="1" name=""/>
+        <p:cNvGrpSpPr/>
+        <p:nvPr/>
+      </p:nvGrpSpPr>
+      <p:grpSpPr>
+        <a:xfrm>
+          <a:off x="0" y="0"/>
+          <a:ext cx="0" cy="0"/>
+          <a:chOff x="0" y="0"/>
+          <a:chExt cx="0" cy="0"/>
+        </a:xfrm>
+      </p:grpSpPr>
+      <p:sp>
+        <p:nvSpPr>
+          <p:cNvPr id="2" name="Datumsplatzhalter 1"/>
+          <p:cNvSpPr>
+            <a:spLocks noGrp="1"/>
+          </p:cNvSpPr>
+          <p:nvPr>
+            <p:ph type="dt" sz="half" idx="10"/>
+          </p:nvPr>
+        </p:nvSpPr>
+        <p:spPr/>
+        <p:txBody>
+          <a:bodyPr/>
+          <a:lstStyle/>
+          <a:p>
+            <a:fld id="{A4ECBFB4-2031-A542-A2EF-20BD4D9E5256}" type="datetime1">
+              <a:rPr lang="de-DE" smtClean="0"/>
+              <a:pPr/>
+              <a:t>01.06.2017</a:t>
+            </a:fld>
+            <a:r>
+              <a:rPr lang="de-DE"/>
+              <a:t>	     Nadine Schwenke, Anna Blankenstein, Fabian Nawrath, Maximilian Bröer       Praxismodul 2	</a:t>
+            </a:r>
+            <a:endParaRPr lang="de-DE" dirty="0"/>
+          </a:p>
+        </p:txBody>
+      </p:sp>
+      <p:sp>
+        <p:nvSpPr>
+          <p:cNvPr id="3" name="Foliennummernplatzhalter 2"/>
+          <p:cNvSpPr>
+            <a:spLocks noGrp="1"/>
+          </p:cNvSpPr>
+          <p:nvPr>
+            <p:ph type="sldNum" sz="quarter" idx="12"/>
+          </p:nvPr>
+        </p:nvSpPr>
+        <p:spPr/>
+        <p:txBody>
+          <a:bodyPr/>
+          <a:lstStyle/>
+          <a:p>
+            <a:fld id="{E7BE1CCD-89A0-CC45-BF3E-2A331A7F0490}" type="slidenum">
+              <a:rPr lang="de-DE" smtClean="0"/>
+              <a:t>7</a:t>
+            </a:fld>
+            <a:endParaRPr lang="de-DE" dirty="0"/>
+          </a:p>
+        </p:txBody>
+      </p:sp>
+      <p:sp>
+        <p:nvSpPr>
+          <p:cNvPr id="4" name="Textfeld 3"/>
+          <p:cNvSpPr txBox="1"/>
+          <p:nvPr/>
+        </p:nvSpPr>
+        <p:spPr>
+          <a:xfrm>
+            <a:off x="900680" y="116300"/>
+            <a:ext cx="5907836" cy="553998"/>
+          </a:xfrm>
+          <a:prstGeom prst="rect">
+            <a:avLst/>
+          </a:prstGeom>
+          <a:noFill/>
+        </p:spPr>
+        <p:txBody>
+          <a:bodyPr wrap="none" rtlCol="0">
+            <a:spAutoFit/>
+          </a:bodyPr>
+          <a:lstStyle/>
+          <a:p>
+            <a:r>
+              <a:rPr lang="de-DE" sz="3000" dirty="0"/>
+              <a:t>Die Systeme – wie funktionieren sie?</a:t>
+            </a:r>
+          </a:p>
+        </p:txBody>
+      </p:sp>
+      <p:sp>
+        <p:nvSpPr>
+          <p:cNvPr id="5" name="Textfeld 4"/>
+          <p:cNvSpPr txBox="1"/>
+          <p:nvPr/>
+        </p:nvSpPr>
+        <p:spPr>
+          <a:xfrm>
+            <a:off x="3546911" y="670298"/>
+            <a:ext cx="2050177" cy="553998"/>
+          </a:xfrm>
+          <a:prstGeom prst="rect">
+            <a:avLst/>
+          </a:prstGeom>
+          <a:noFill/>
+        </p:spPr>
+        <p:txBody>
+          <a:bodyPr wrap="none" rtlCol="0">
+            <a:spAutoFit/>
+          </a:bodyPr>
+          <a:lstStyle/>
+          <a:p>
+            <a:r>
+              <a:rPr lang="de-DE" sz="3000" b="1" dirty="0"/>
+              <a:t>HomeMatic</a:t>
+            </a:r>
+          </a:p>
+        </p:txBody>
+      </p:sp>
+      <p:sp>
+        <p:nvSpPr>
+          <p:cNvPr id="7" name="Textfeld 6"/>
+          <p:cNvSpPr txBox="1"/>
+          <p:nvPr/>
+        </p:nvSpPr>
+        <p:spPr>
+          <a:xfrm>
+            <a:off x="896869" y="1224296"/>
+            <a:ext cx="4045979" cy="492443"/>
+          </a:xfrm>
+          <a:prstGeom prst="rect">
+            <a:avLst/>
+          </a:prstGeom>
+          <a:noFill/>
+        </p:spPr>
+        <p:txBody>
+          <a:bodyPr wrap="none" rtlCol="0">
+            <a:spAutoFit/>
+          </a:bodyPr>
+          <a:lstStyle/>
+          <a:p>
+            <a:pPr marL="457200" indent="-457200">
+              <a:buFont typeface="Arial" panose="020B0604020202020204" pitchFamily="34" charset="0"/>
+              <a:buChar char="•"/>
+            </a:pPr>
+            <a:r>
+              <a:rPr lang="de-DE" sz="2600" dirty="0"/>
+              <a:t>Hausautomationssystem </a:t>
+            </a:r>
+          </a:p>
+        </p:txBody>
+      </p:sp>
+      <p:sp>
+        <p:nvSpPr>
+          <p:cNvPr id="8" name="Textfeld 7"/>
+          <p:cNvSpPr txBox="1"/>
+          <p:nvPr/>
+        </p:nvSpPr>
+        <p:spPr>
+          <a:xfrm>
+            <a:off x="900680" y="1716739"/>
+            <a:ext cx="2947474" cy="461665"/>
+          </a:xfrm>
+          <a:prstGeom prst="rect">
+            <a:avLst/>
+          </a:prstGeom>
+          <a:noFill/>
+        </p:spPr>
+        <p:txBody>
+          <a:bodyPr wrap="none" rtlCol="0">
+            <a:spAutoFit/>
+          </a:bodyPr>
+          <a:lstStyle/>
+          <a:p>
+            <a:pPr marL="800100" lvl="1" indent="-342900">
+              <a:buFont typeface="Courier New" panose="02070309020205020404" pitchFamily="49" charset="0"/>
+              <a:buChar char="o"/>
+            </a:pPr>
+            <a:r>
+              <a:rPr lang="de-DE" sz="2400" dirty="0"/>
+              <a:t>Bietet Aktoren,</a:t>
+            </a:r>
+          </a:p>
+        </p:txBody>
+      </p:sp>
+      <p:sp>
+        <p:nvSpPr>
+          <p:cNvPr id="9" name="Textfeld 8"/>
+          <p:cNvSpPr txBox="1"/>
+          <p:nvPr/>
+        </p:nvSpPr>
+        <p:spPr>
+          <a:xfrm>
+            <a:off x="900680" y="2178404"/>
+            <a:ext cx="2429639" cy="461665"/>
+          </a:xfrm>
+          <a:prstGeom prst="rect">
+            <a:avLst/>
+          </a:prstGeom>
+          <a:noFill/>
+        </p:spPr>
+        <p:txBody>
+          <a:bodyPr wrap="none" rtlCol="0">
+            <a:spAutoFit/>
+          </a:bodyPr>
+          <a:lstStyle/>
+          <a:p>
+            <a:pPr marL="800100" lvl="1" indent="-342900">
+              <a:buFont typeface="Courier New" panose="02070309020205020404" pitchFamily="49" charset="0"/>
+              <a:buChar char="o"/>
+            </a:pPr>
+            <a:r>
+              <a:rPr lang="de-DE" sz="2400" dirty="0"/>
+              <a:t>Sensoren &amp;</a:t>
+            </a:r>
+          </a:p>
+        </p:txBody>
+      </p:sp>
+      <p:sp>
+        <p:nvSpPr>
+          <p:cNvPr id="10" name="Textfeld 9"/>
+          <p:cNvSpPr txBox="1"/>
+          <p:nvPr/>
+        </p:nvSpPr>
+        <p:spPr>
+          <a:xfrm>
+            <a:off x="900680" y="2645603"/>
+            <a:ext cx="3432799" cy="461665"/>
+          </a:xfrm>
+          <a:prstGeom prst="rect">
+            <a:avLst/>
+          </a:prstGeom>
+          <a:noFill/>
+        </p:spPr>
+        <p:txBody>
+          <a:bodyPr wrap="none" rtlCol="0">
+            <a:spAutoFit/>
+          </a:bodyPr>
+          <a:lstStyle/>
+          <a:p>
+            <a:pPr marL="800100" lvl="1" indent="-342900">
+              <a:buFont typeface="Courier New" panose="02070309020205020404" pitchFamily="49" charset="0"/>
+              <a:buChar char="o"/>
+            </a:pPr>
+            <a:r>
+              <a:rPr lang="de-DE" sz="2400" dirty="0"/>
+              <a:t>Zentraleinheiten an</a:t>
+            </a:r>
+          </a:p>
+        </p:txBody>
+      </p:sp>
+      <p:sp>
+        <p:nvSpPr>
+          <p:cNvPr id="11" name="Textfeld 10"/>
+          <p:cNvSpPr txBox="1"/>
+          <p:nvPr/>
+        </p:nvSpPr>
+        <p:spPr>
+          <a:xfrm>
+            <a:off x="896869" y="3202268"/>
+            <a:ext cx="5687391" cy="492443"/>
+          </a:xfrm>
+          <a:prstGeom prst="rect">
+            <a:avLst/>
+          </a:prstGeom>
+          <a:noFill/>
+        </p:spPr>
+        <p:txBody>
+          <a:bodyPr wrap="none" rtlCol="0">
+            <a:spAutoFit/>
+          </a:bodyPr>
+          <a:lstStyle/>
+          <a:p>
+            <a:pPr marL="457200" indent="-457200">
+              <a:buFont typeface="Arial" panose="020B0604020202020204" pitchFamily="34" charset="0"/>
+              <a:buChar char="•"/>
+            </a:pPr>
+            <a:r>
+              <a:rPr lang="de-DE" sz="2600" dirty="0"/>
+              <a:t>Übertragungsverfahren kombinierbar</a:t>
+            </a:r>
+          </a:p>
+        </p:txBody>
+      </p:sp>
+      <p:sp>
+        <p:nvSpPr>
+          <p:cNvPr id="12" name="Textfeld 11"/>
+          <p:cNvSpPr txBox="1"/>
+          <p:nvPr/>
+        </p:nvSpPr>
+        <p:spPr>
+          <a:xfrm>
+            <a:off x="900680" y="3694711"/>
+            <a:ext cx="3772251" cy="461665"/>
+          </a:xfrm>
+          <a:prstGeom prst="rect">
+            <a:avLst/>
+          </a:prstGeom>
+          <a:noFill/>
+        </p:spPr>
+        <p:txBody>
+          <a:bodyPr wrap="none" rtlCol="0">
+            <a:spAutoFit/>
+          </a:bodyPr>
+          <a:lstStyle/>
+          <a:p>
+            <a:pPr marL="800100" lvl="1" indent="-342900">
+              <a:buFont typeface="Courier New" panose="02070309020205020404" pitchFamily="49" charset="0"/>
+              <a:buChar char="o"/>
+            </a:pPr>
+            <a:r>
+              <a:rPr lang="de-DE" sz="2400" dirty="0"/>
+              <a:t>Bus-Protokoll (RS-485)</a:t>
+            </a:r>
+          </a:p>
+        </p:txBody>
+      </p:sp>
+      <p:sp>
+        <p:nvSpPr>
+          <p:cNvPr id="13" name="Textfeld 12"/>
+          <p:cNvSpPr txBox="1"/>
+          <p:nvPr/>
+        </p:nvSpPr>
+        <p:spPr>
+          <a:xfrm>
+            <a:off x="900680" y="4153719"/>
+            <a:ext cx="6013377" cy="461665"/>
+          </a:xfrm>
+          <a:prstGeom prst="rect">
+            <a:avLst/>
+          </a:prstGeom>
+          <a:noFill/>
+        </p:spPr>
+        <p:txBody>
+          <a:bodyPr wrap="none" rtlCol="0">
+            <a:spAutoFit/>
+          </a:bodyPr>
+          <a:lstStyle/>
+          <a:p>
+            <a:pPr marL="800100" lvl="1" indent="-342900">
+              <a:buFont typeface="Courier New" panose="02070309020205020404" pitchFamily="49" charset="0"/>
+              <a:buChar char="o"/>
+            </a:pPr>
+            <a:r>
+              <a:rPr lang="de-DE" sz="2400" dirty="0"/>
+              <a:t>Funk-Protokoll (bidirektional, SRD-Band)</a:t>
+            </a:r>
+          </a:p>
+        </p:txBody>
+      </p:sp>
+    </p:spTree>
+    <p:extLst>
+      <p:ext uri="{BB962C8B-B14F-4D97-AF65-F5344CB8AC3E}">
+        <p14:creationId xmlns:p14="http://schemas.microsoft.com/office/powerpoint/2010/main" val="691290422"/>
+      </p:ext>
+    </p:extLst>
+  </p:cSld>
+  <p:clrMapOvr>
+    <a:masterClrMapping/>
+  </p:clrMapOvr>
+  <p:timing>
+    <p:tnLst>
+      <p:par>
+        <p:cTn id="1" dur="indefinite" restart="never" nodeType="tmRoot">
+          <p:childTnLst>
+            <p:seq concurrent="1" nextAc="seek">
+              <p:cTn id="2" dur="indefinite" nodeType="mainSeq">
+                <p:childTnLst>
+                  <p:par>
+                    <p:cTn id="3" fill="hold">
+                      <p:stCondLst>
+                        <p:cond delay="indefinite"/>
+                      </p:stCondLst>
+                      <p:childTnLst>
+                        <p:par>
+                          <p:cTn id="4" fill="hold">
+                            <p:stCondLst>
+                              <p:cond delay="0"/>
+                            </p:stCondLst>
+                            <p:childTnLst>
+                              <p:par>
+                                <p:cTn id="5" presetID="1" presetClass="entr" presetSubtype="0" fill="hold" grpId="0" nodeType="clickEffect">
+                                  <p:stCondLst>
+                                    <p:cond delay="0"/>
+                                  </p:stCondLst>
+                                  <p:childTnLst>
+                                    <p:set>
+                                      <p:cBhvr>
+                                        <p:cTn id="6" dur="1" fill="hold">
+                                          <p:stCondLst>
+                                            <p:cond delay="0"/>
+                                          </p:stCondLst>
+                                        </p:cTn>
+                                        <p:tgtEl>
+                                          <p:spTgt spid="7"/>
+                                        </p:tgtEl>
+                                        <p:attrNameLst>
+                                          <p:attrName>style.visibility</p:attrName>
+                                        </p:attrNameLst>
+                                      </p:cBhvr>
+                                      <p:to>
+                                        <p:strVal val="visible"/>
+                                      </p:to>
+                                    </p:set>
+                                  </p:childTnLst>
+                                </p:cTn>
+                              </p:par>
+                              <p:par>
+                                <p:cTn id="7" presetID="1" presetClass="entr" presetSubtype="0" fill="hold" grpId="0" nodeType="withEffect">
+                                  <p:stCondLst>
+                                    <p:cond delay="0"/>
+                                  </p:stCondLst>
+                                  <p:childTnLst>
+                                    <p:set>
+                                      <p:cBhvr>
+                                        <p:cTn id="8" dur="1" fill="hold">
+                                          <p:stCondLst>
+                                            <p:cond delay="0"/>
+                                          </p:stCondLst>
+                                        </p:cTn>
+                                        <p:tgtEl>
+                                          <p:spTgt spid="8"/>
+                                        </p:tgtEl>
+                                        <p:attrNameLst>
+                                          <p:attrName>style.visibility</p:attrName>
+                                        </p:attrNameLst>
+                                      </p:cBhvr>
+                                      <p:to>
+                                        <p:strVal val="visible"/>
+                                      </p:to>
+                                    </p:set>
+                                  </p:childTnLst>
+                                </p:cTn>
+                              </p:par>
+                            </p:childTnLst>
+                          </p:cTn>
+                        </p:par>
+                      </p:childTnLst>
+                    </p:cTn>
+                  </p:par>
+                  <p:par>
+                    <p:cTn id="9" fill="hold">
+                      <p:stCondLst>
+                        <p:cond delay="indefinite"/>
+                      </p:stCondLst>
+                      <p:childTnLst>
+                        <p:par>
+                          <p:cTn id="10" fill="hold">
+                            <p:stCondLst>
+                              <p:cond delay="0"/>
+                            </p:stCondLst>
+                            <p:childTnLst>
+                              <p:par>
+                                <p:cTn id="11" presetID="1" presetClass="entr" presetSubtype="0" fill="hold" grpId="0" nodeType="clickEffect">
+                                  <p:stCondLst>
+                                    <p:cond delay="0"/>
+                                  </p:stCondLst>
+                                  <p:childTnLst>
+                                    <p:set>
+                                      <p:cBhvr>
+                                        <p:cTn id="12" dur="1" fill="hold">
+                                          <p:stCondLst>
+                                            <p:cond delay="0"/>
+                                          </p:stCondLst>
+                                        </p:cTn>
+                                        <p:tgtEl>
+                                          <p:spTgt spid="9"/>
+                                        </p:tgtEl>
+                                        <p:attrNameLst>
+                                          <p:attrName>style.visibility</p:attrName>
+                                        </p:attrNameLst>
+                                      </p:cBhvr>
+                                      <p:to>
+                                        <p:strVal val="visible"/>
+                                      </p:to>
+                                    </p:set>
+                                  </p:childTnLst>
+                                </p:cTn>
+                              </p:par>
+                            </p:childTnLst>
+                          </p:cTn>
+                        </p:par>
+                      </p:childTnLst>
+                    </p:cTn>
+                  </p:par>
+                  <p:par>
+                    <p:cTn id="13" fill="hold">
+                      <p:stCondLst>
+                        <p:cond delay="indefinite"/>
+                      </p:stCondLst>
+                      <p:childTnLst>
+                        <p:par>
+                          <p:cTn id="14" fill="hold">
+                            <p:stCondLst>
+                              <p:cond delay="0"/>
+                            </p:stCondLst>
+                            <p:childTnLst>
+                              <p:par>
+                                <p:cTn id="15" presetID="1" presetClass="entr" presetSubtype="0" fill="hold" grpId="0" nodeType="clickEffect">
+                                  <p:stCondLst>
+                                    <p:cond delay="0"/>
+                                  </p:stCondLst>
+                                  <p:childTnLst>
+                                    <p:set>
+                                      <p:cBhvr>
+                                        <p:cTn id="16" dur="1" fill="hold">
+                                          <p:stCondLst>
+                                            <p:cond delay="0"/>
+                                          </p:stCondLst>
+                                        </p:cTn>
+                                        <p:tgtEl>
+                                          <p:spTgt spid="10"/>
+                                        </p:tgtEl>
+                                        <p:attrNameLst>
+                                          <p:attrName>style.visibility</p:attrName>
+                                        </p:attrNameLst>
+                                      </p:cBhvr>
+                                      <p:to>
+                                        <p:strVal val="visible"/>
+                                      </p:to>
+                                    </p:set>
+                                  </p:childTnLst>
+                                </p:cTn>
+                              </p:par>
+                            </p:childTnLst>
+                          </p:cTn>
+                        </p:par>
+                      </p:childTnLst>
+                    </p:cTn>
+                  </p:par>
+                  <p:par>
+                    <p:cTn id="17" fill="hold">
+                      <p:stCondLst>
+                        <p:cond delay="indefinite"/>
+                      </p:stCondLst>
+                      <p:childTnLst>
+                        <p:par>
+                          <p:cTn id="18" fill="hold">
+                            <p:stCondLst>
+                              <p:cond delay="0"/>
+                            </p:stCondLst>
+                            <p:childTnLst>
+                              <p:par>
+                                <p:cTn id="19" presetID="1" presetClass="entr" presetSubtype="0" fill="hold" grpId="0" nodeType="clickEffect">
+                                  <p:stCondLst>
+                                    <p:cond delay="0"/>
+                                  </p:stCondLst>
+                                  <p:childTnLst>
+                                    <p:set>
+                                      <p:cBhvr>
+                                        <p:cTn id="20" dur="1" fill="hold">
+                                          <p:stCondLst>
+                                            <p:cond delay="0"/>
+                                          </p:stCondLst>
+                                        </p:cTn>
+                                        <p:tgtEl>
+                                          <p:spTgt spid="12"/>
+                                        </p:tgtEl>
+                                        <p:attrNameLst>
+                                          <p:attrName>style.visibility</p:attrName>
+                                        </p:attrNameLst>
+                                      </p:cBhvr>
+                                      <p:to>
+                                        <p:strVal val="visible"/>
+                                      </p:to>
+                                    </p:set>
+                                  </p:childTnLst>
+                                </p:cTn>
+                              </p:par>
+                              <p:par>
+                                <p:cTn id="21" presetID="1" presetClass="entr" presetSubtype="0" fill="hold" grpId="0" nodeType="withEffect">
+                                  <p:stCondLst>
+                                    <p:cond delay="0"/>
+                                  </p:stCondLst>
+                                  <p:childTnLst>
+                                    <p:set>
+                                      <p:cBhvr>
+                                        <p:cTn id="22" dur="1" fill="hold">
+                                          <p:stCondLst>
+                                            <p:cond delay="0"/>
+                                          </p:stCondLst>
+                                        </p:cTn>
+                                        <p:tgtEl>
+                                          <p:spTgt spid="11"/>
+                                        </p:tgtEl>
+                                        <p:attrNameLst>
+                                          <p:attrName>style.visibility</p:attrName>
+                                        </p:attrNameLst>
+                                      </p:cBhvr>
+                                      <p:to>
+                                        <p:strVal val="visible"/>
+                                      </p:to>
+                                    </p:set>
+                                  </p:childTnLst>
+                                </p:cTn>
+                              </p:par>
+                            </p:childTnLst>
+                          </p:cTn>
+                        </p:par>
+                      </p:childTnLst>
+                    </p:cTn>
+                  </p:par>
+                  <p:par>
+                    <p:cTn id="23" fill="hold">
+                      <p:stCondLst>
+                        <p:cond delay="indefinite"/>
+                      </p:stCondLst>
+                      <p:childTnLst>
+                        <p:par>
+                          <p:cTn id="24" fill="hold">
+                            <p:stCondLst>
+                              <p:cond delay="0"/>
+                            </p:stCondLst>
+                            <p:childTnLst>
+                              <p:par>
+                                <p:cTn id="25" presetID="1" presetClass="entr" presetSubtype="0" fill="hold" grpId="0" nodeType="clickEffect">
+                                  <p:stCondLst>
+                                    <p:cond delay="0"/>
+                                  </p:stCondLst>
+                                  <p:childTnLst>
+                                    <p:set>
+                                      <p:cBhvr>
+                                        <p:cTn id="26" dur="1" fill="hold">
+                                          <p:stCondLst>
+                                            <p:cond delay="0"/>
+                                          </p:stCondLst>
+                                        </p:cTn>
+                                        <p:tgtEl>
+                                          <p:spTgt spid="13"/>
+                                        </p:tgtEl>
+                                        <p:attrNameLst>
+                                          <p:attrName>style.visibility</p:attrName>
+                                        </p:attrNameLst>
+                                      </p:cBhvr>
+                                      <p:to>
+                                        <p:strVal val="visible"/>
+                                      </p:to>
+                                    </p:set>
+                                  </p:childTnLst>
+                                </p:cTn>
+                              </p:par>
+                            </p:childTnLst>
+                          </p:cTn>
+                        </p:par>
+                      </p:childTnLst>
+                    </p:cTn>
+                  </p:par>
+                </p:childTnLst>
+              </p:cTn>
+              <p:prevCondLst>
+                <p:cond evt="onPrev" delay="0">
+                  <p:tgtEl>
+                    <p:sldTgt/>
+                  </p:tgtEl>
+                </p:cond>
+              </p:prevCondLst>
+              <p:nextCondLst>
+                <p:cond evt="onNext" delay="0">
+                  <p:tgtEl>
+                    <p:sldTgt/>
+                  </p:tgtEl>
+                </p:cond>
+              </p:nextCondLst>
+            </p:seq>
+          </p:childTnLst>
+        </p:cTn>
+      </p:par>
+    </p:tnLst>
+    <p:bldLst>
+      <p:bldP spid="7" grpId="0"/>
+      <p:bldP spid="8" grpId="0"/>
+      <p:bldP spid="9" grpId="0"/>
+      <p:bldP spid="10" grpId="0"/>
+      <p:bldP spid="11" grpId="0"/>
+      <p:bldP spid="12" grpId="0"/>
+      <p:bldP spid="13" grpId="0"/>
+    </p:bldLst>
+  </p:timing>
+</p:sld>
+</file>
+
+<file path=ppt/slides/slide8.xml><?xml version="1.0" encoding="utf-8"?>
+<p:sld xmlns:a="http://schemas.openxmlformats.org/drawingml/2006/main" xmlns:r="http://schemas.openxmlformats.org/officeDocument/2006/relationships" xmlns:p="http://schemas.openxmlformats.org/presentationml/2006/main">
+  <p:cSld>
+    <p:spTree>
+      <p:nvGrpSpPr>
+        <p:cNvPr id="1" name=""/>
+        <p:cNvGrpSpPr/>
+        <p:nvPr/>
+      </p:nvGrpSpPr>
+      <p:grpSpPr>
+        <a:xfrm>
+          <a:off x="0" y="0"/>
+          <a:ext cx="0" cy="0"/>
+          <a:chOff x="0" y="0"/>
+          <a:chExt cx="0" cy="0"/>
+        </a:xfrm>
+      </p:grpSpPr>
+      <p:sp>
+        <p:nvSpPr>
+          <p:cNvPr id="2" name="Datumsplatzhalter 1"/>
+          <p:cNvSpPr>
+            <a:spLocks noGrp="1"/>
+          </p:cNvSpPr>
+          <p:nvPr>
+            <p:ph type="dt" sz="half" idx="10"/>
+          </p:nvPr>
+        </p:nvSpPr>
+        <p:spPr/>
+        <p:txBody>
+          <a:bodyPr/>
+          <a:lstStyle/>
+          <a:p>
+            <a:fld id="{A4ECBFB4-2031-A542-A2EF-20BD4D9E5256}" type="datetime1">
+              <a:rPr lang="de-DE" smtClean="0"/>
+              <a:pPr/>
+              <a:t>01.06.2017</a:t>
+            </a:fld>
+            <a:r>
+              <a:rPr lang="de-DE"/>
+              <a:t>	     Nadine Schwenke, Anna Blankenstein, Fabian Nawrath, Maximilian Bröer       Praxismodul 2	</a:t>
+            </a:r>
+            <a:endParaRPr lang="de-DE" dirty="0"/>
+          </a:p>
+        </p:txBody>
+      </p:sp>
+      <p:sp>
+        <p:nvSpPr>
+          <p:cNvPr id="3" name="Foliennummernplatzhalter 2"/>
+          <p:cNvSpPr>
+            <a:spLocks noGrp="1"/>
+          </p:cNvSpPr>
+          <p:nvPr>
+            <p:ph type="sldNum" sz="quarter" idx="12"/>
+          </p:nvPr>
+        </p:nvSpPr>
+        <p:spPr/>
+        <p:txBody>
+          <a:bodyPr/>
+          <a:lstStyle/>
+          <a:p>
+            <a:fld id="{E7BE1CCD-89A0-CC45-BF3E-2A331A7F0490}" type="slidenum">
+              <a:rPr lang="de-DE" smtClean="0"/>
+              <a:t>8</a:t>
+            </a:fld>
+            <a:endParaRPr lang="de-DE" dirty="0"/>
+          </a:p>
+        </p:txBody>
+      </p:sp>
+      <p:sp>
+        <p:nvSpPr>
+          <p:cNvPr id="4" name="Textfeld 3"/>
+          <p:cNvSpPr txBox="1"/>
+          <p:nvPr/>
+        </p:nvSpPr>
+        <p:spPr>
+          <a:xfrm>
+            <a:off x="900680" y="116300"/>
+            <a:ext cx="5907836" cy="553998"/>
+          </a:xfrm>
+          <a:prstGeom prst="rect">
+            <a:avLst/>
+          </a:prstGeom>
+          <a:noFill/>
+        </p:spPr>
+        <p:txBody>
+          <a:bodyPr wrap="none" rtlCol="0">
+            <a:spAutoFit/>
+          </a:bodyPr>
+          <a:lstStyle/>
+          <a:p>
+            <a:r>
+              <a:rPr lang="de-DE" sz="3000" dirty="0"/>
+              <a:t>Die Systeme – wie funktionieren sie?</a:t>
+            </a:r>
+          </a:p>
+        </p:txBody>
+      </p:sp>
+      <p:sp>
+        <p:nvSpPr>
+          <p:cNvPr id="5" name="Textfeld 4"/>
+          <p:cNvSpPr txBox="1"/>
+          <p:nvPr/>
+        </p:nvSpPr>
+        <p:spPr>
+          <a:xfrm>
+            <a:off x="3546911" y="670298"/>
+            <a:ext cx="2050177" cy="553998"/>
+          </a:xfrm>
+          <a:prstGeom prst="rect">
+            <a:avLst/>
+          </a:prstGeom>
+          <a:noFill/>
+        </p:spPr>
+        <p:txBody>
+          <a:bodyPr wrap="none" rtlCol="0">
+            <a:spAutoFit/>
+          </a:bodyPr>
+          <a:lstStyle/>
+          <a:p>
+            <a:r>
+              <a:rPr lang="de-DE" sz="3000" b="1" dirty="0"/>
+              <a:t>HomeMatic</a:t>
+            </a:r>
+          </a:p>
+        </p:txBody>
+      </p:sp>
+      <p:sp>
+        <p:nvSpPr>
+          <p:cNvPr id="6" name="Textfeld 5"/>
+          <p:cNvSpPr txBox="1"/>
+          <p:nvPr/>
+        </p:nvSpPr>
+        <p:spPr>
+          <a:xfrm>
+            <a:off x="900680" y="1224296"/>
+            <a:ext cx="3795654" cy="492443"/>
+          </a:xfrm>
+          <a:prstGeom prst="rect">
+            <a:avLst/>
+          </a:prstGeom>
+          <a:noFill/>
+        </p:spPr>
+        <p:txBody>
+          <a:bodyPr wrap="none" rtlCol="0">
+            <a:spAutoFit/>
+          </a:bodyPr>
+          <a:lstStyle/>
+          <a:p>
+            <a:pPr marL="457200" indent="-457200">
+              <a:buFont typeface="Arial" panose="020B0604020202020204" pitchFamily="34" charset="0"/>
+              <a:buChar char="•"/>
+            </a:pPr>
+            <a:r>
+              <a:rPr lang="de-DE" sz="2600" dirty="0"/>
+              <a:t>Die Zentraleinheit: CCU</a:t>
+            </a:r>
+          </a:p>
+        </p:txBody>
+      </p:sp>
+      <p:sp>
+        <p:nvSpPr>
+          <p:cNvPr id="8" name="Textfeld 7"/>
+          <p:cNvSpPr txBox="1"/>
+          <p:nvPr/>
+        </p:nvSpPr>
+        <p:spPr>
+          <a:xfrm>
+            <a:off x="900680" y="2547736"/>
+            <a:ext cx="6485943" cy="461665"/>
+          </a:xfrm>
+          <a:prstGeom prst="rect">
+            <a:avLst/>
+          </a:prstGeom>
+          <a:noFill/>
+        </p:spPr>
+        <p:txBody>
+          <a:bodyPr wrap="none" rtlCol="0">
+            <a:spAutoFit/>
+          </a:bodyPr>
+          <a:lstStyle/>
+          <a:p>
+            <a:pPr marL="800100" lvl="1" indent="-342900">
+              <a:buFont typeface="Courier New" panose="02070309020205020404" pitchFamily="49" charset="0"/>
+              <a:buChar char="o"/>
+            </a:pPr>
+            <a:r>
+              <a:rPr lang="de-DE" sz="2400" dirty="0"/>
+              <a:t>Verfügt (als Einzige) über den Bus-Anschluss</a:t>
+            </a:r>
+          </a:p>
+        </p:txBody>
+      </p:sp>
+      <p:sp>
+        <p:nvSpPr>
+          <p:cNvPr id="11" name="Textfeld 10"/>
+          <p:cNvSpPr txBox="1"/>
+          <p:nvPr/>
+        </p:nvSpPr>
+        <p:spPr>
+          <a:xfrm>
+            <a:off x="900680" y="1716739"/>
+            <a:ext cx="6380978" cy="830997"/>
+          </a:xfrm>
+          <a:prstGeom prst="rect">
+            <a:avLst/>
+          </a:prstGeom>
+          <a:noFill/>
+        </p:spPr>
+        <p:txBody>
+          <a:bodyPr wrap="none" rtlCol="0">
+            <a:spAutoFit/>
+          </a:bodyPr>
+          <a:lstStyle/>
+          <a:p>
+            <a:pPr marL="800100" lvl="1" indent="-342900">
+              <a:buFont typeface="Courier New" panose="02070309020205020404" pitchFamily="49" charset="0"/>
+              <a:buChar char="o"/>
+            </a:pPr>
+            <a:r>
+              <a:rPr lang="de-DE" sz="2400" dirty="0"/>
+              <a:t>Integriert eigenen Webserver</a:t>
+            </a:r>
+          </a:p>
+          <a:p>
+            <a:pPr marL="1257300" lvl="2" indent="-342900">
+              <a:buFont typeface="Symbol" panose="05050102010706020507" pitchFamily="18" charset="2"/>
+              <a:buChar char="-"/>
+            </a:pPr>
+            <a:r>
+              <a:rPr lang="de-DE" sz="2400" dirty="0"/>
+              <a:t>Programmierbar über den Webbrowser</a:t>
+            </a:r>
+          </a:p>
+        </p:txBody>
+      </p:sp>
+      <p:sp>
+        <p:nvSpPr>
+          <p:cNvPr id="13" name="Textfeld 12"/>
+          <p:cNvSpPr txBox="1"/>
+          <p:nvPr/>
+        </p:nvSpPr>
+        <p:spPr>
+          <a:xfrm>
+            <a:off x="900680" y="3009401"/>
+            <a:ext cx="7410427" cy="461665"/>
+          </a:xfrm>
+          <a:prstGeom prst="rect">
+            <a:avLst/>
+          </a:prstGeom>
+          <a:noFill/>
+        </p:spPr>
+        <p:txBody>
+          <a:bodyPr wrap="none" rtlCol="0">
+            <a:spAutoFit/>
+          </a:bodyPr>
+          <a:lstStyle/>
+          <a:p>
+            <a:pPr marL="1257300" lvl="2" indent="-342900">
+              <a:buFont typeface="Symbol" panose="05050102010706020507" pitchFamily="18" charset="2"/>
+              <a:buChar char="-"/>
+            </a:pPr>
+            <a:r>
+              <a:rPr lang="de-DE" sz="2400" dirty="0"/>
+              <a:t>Bei drahtgebundenen Komponenten notwendig</a:t>
+            </a:r>
+          </a:p>
+        </p:txBody>
+      </p:sp>
+      <p:sp>
+        <p:nvSpPr>
+          <p:cNvPr id="14" name="Textfeld 13"/>
+          <p:cNvSpPr txBox="1"/>
+          <p:nvPr/>
+        </p:nvSpPr>
+        <p:spPr>
+          <a:xfrm>
+            <a:off x="900680" y="4196852"/>
+            <a:ext cx="6920612" cy="492443"/>
+          </a:xfrm>
+          <a:prstGeom prst="rect">
+            <a:avLst/>
+          </a:prstGeom>
+          <a:noFill/>
+        </p:spPr>
+        <p:txBody>
+          <a:bodyPr wrap="none" rtlCol="0">
+            <a:spAutoFit/>
+          </a:bodyPr>
+          <a:lstStyle/>
+          <a:p>
+            <a:pPr marL="457200" indent="-457200">
+              <a:buFont typeface="Arial" panose="020B0604020202020204" pitchFamily="34" charset="0"/>
+              <a:buChar char="•"/>
+            </a:pPr>
+            <a:r>
+              <a:rPr lang="de-DE" sz="2600" dirty="0"/>
+              <a:t>Funkverbindungen auch über Adapter möglich</a:t>
+            </a:r>
+          </a:p>
+        </p:txBody>
+      </p:sp>
+      <p:sp>
+        <p:nvSpPr>
+          <p:cNvPr id="15" name="Textfeld 14"/>
+          <p:cNvSpPr txBox="1"/>
+          <p:nvPr/>
+        </p:nvSpPr>
+        <p:spPr>
+          <a:xfrm>
+            <a:off x="900680" y="4689295"/>
+            <a:ext cx="3825214" cy="1200329"/>
+          </a:xfrm>
+          <a:prstGeom prst="rect">
+            <a:avLst/>
+          </a:prstGeom>
+          <a:noFill/>
+        </p:spPr>
+        <p:txBody>
+          <a:bodyPr wrap="none" rtlCol="0">
+            <a:spAutoFit/>
+          </a:bodyPr>
+          <a:lstStyle/>
+          <a:p>
+            <a:pPr marL="800100" lvl="1" indent="-342900">
+              <a:buFont typeface="Courier New" panose="02070309020205020404" pitchFamily="49" charset="0"/>
+              <a:buChar char="o"/>
+            </a:pPr>
+            <a:r>
+              <a:rPr lang="de-DE" sz="2400" dirty="0"/>
+              <a:t>LAN-Adapter</a:t>
+            </a:r>
+          </a:p>
+          <a:p>
+            <a:pPr marL="800100" lvl="1" indent="-342900">
+              <a:buFont typeface="Courier New" panose="02070309020205020404" pitchFamily="49" charset="0"/>
+              <a:buChar char="o"/>
+            </a:pPr>
+            <a:r>
+              <a:rPr lang="de-DE" sz="2400" dirty="0"/>
+              <a:t>USB-Adapter </a:t>
+            </a:r>
+          </a:p>
+          <a:p>
+            <a:pPr lvl="1"/>
+            <a:r>
+              <a:rPr lang="de-DE" sz="2400" dirty="0"/>
+              <a:t>	=&gt; Direktverknüpfung</a:t>
+            </a:r>
+          </a:p>
+        </p:txBody>
+      </p:sp>
+      <p:sp>
+        <p:nvSpPr>
+          <p:cNvPr id="16" name="Textfeld 15"/>
+          <p:cNvSpPr txBox="1"/>
+          <p:nvPr/>
+        </p:nvSpPr>
+        <p:spPr>
+          <a:xfrm>
+            <a:off x="901705" y="3471066"/>
+            <a:ext cx="6919587" cy="461665"/>
+          </a:xfrm>
+          <a:prstGeom prst="rect">
+            <a:avLst/>
+          </a:prstGeom>
+          <a:noFill/>
+        </p:spPr>
+        <p:txBody>
+          <a:bodyPr wrap="none" rtlCol="0">
+            <a:spAutoFit/>
+          </a:bodyPr>
+          <a:lstStyle/>
+          <a:p>
+            <a:pPr marL="800100" lvl="1" indent="-342900">
+              <a:buFont typeface="Courier New" panose="02070309020205020404" pitchFamily="49" charset="0"/>
+              <a:buChar char="o"/>
+            </a:pPr>
+            <a:r>
+              <a:rPr lang="de-DE" sz="2400" dirty="0"/>
+              <a:t>Steuer, Kontroll- &amp; Konfigurationsmöglichkeiten</a:t>
+            </a:r>
+          </a:p>
+        </p:txBody>
+      </p:sp>
+    </p:spTree>
+    <p:extLst>
+      <p:ext uri="{BB962C8B-B14F-4D97-AF65-F5344CB8AC3E}">
+        <p14:creationId xmlns:p14="http://schemas.microsoft.com/office/powerpoint/2010/main" val="139041115"/>
+      </p:ext>
+    </p:extLst>
+  </p:cSld>
+  <p:clrMapOvr>
+    <a:masterClrMapping/>
+  </p:clrMapOvr>
+  <p:timing>
+    <p:tnLst>
+      <p:par>
+        <p:cTn id="1" dur="indefinite" restart="never" nodeType="tmRoot">
+          <p:childTnLst>
+            <p:seq concurrent="1" nextAc="seek">
+              <p:cTn id="2" dur="indefinite" nodeType="mainSeq">
+                <p:childTnLst>
+                  <p:par>
+                    <p:cTn id="3" fill="hold">
+                      <p:stCondLst>
+                        <p:cond delay="indefinite"/>
+                      </p:stCondLst>
+                      <p:childTnLst>
+                        <p:par>
+                          <p:cTn id="4" fill="hold">
+                            <p:stCondLst>
+                              <p:cond delay="0"/>
+                            </p:stCondLst>
+                            <p:childTnLst>
+                              <p:par>
+                                <p:cTn id="5" presetID="1" presetClass="entr" presetSubtype="0" fill="hold" grpId="0" nodeType="clickEffect">
+                                  <p:stCondLst>
+                                    <p:cond delay="0"/>
+                                  </p:stCondLst>
+                                  <p:childTnLst>
+                                    <p:set>
+                                      <p:cBhvr>
+                                        <p:cTn id="6" dur="1" fill="hold">
+                                          <p:stCondLst>
+                                            <p:cond delay="0"/>
+                                          </p:stCondLst>
+                                        </p:cTn>
+                                        <p:tgtEl>
+                                          <p:spTgt spid="6"/>
+                                        </p:tgtEl>
+                                        <p:attrNameLst>
+                                          <p:attrName>style.visibility</p:attrName>
+                                        </p:attrNameLst>
+                                      </p:cBhvr>
+                                      <p:to>
+                                        <p:strVal val="visible"/>
+                                      </p:to>
+                                    </p:set>
+                                  </p:childTnLst>
+                                </p:cTn>
+                              </p:par>
+                            </p:childTnLst>
+                          </p:cTn>
+                        </p:par>
+                      </p:childTnLst>
+                    </p:cTn>
+                  </p:par>
+                  <p:par>
+                    <p:cTn id="7" fill="hold">
+                      <p:stCondLst>
+                        <p:cond delay="indefinite"/>
+                      </p:stCondLst>
+                      <p:childTnLst>
+                        <p:par>
+                          <p:cTn id="8" fill="hold">
+                            <p:stCondLst>
+                              <p:cond delay="0"/>
+                            </p:stCondLst>
+                            <p:childTnLst>
+                              <p:par>
+                                <p:cTn id="9" presetID="1" presetClass="entr" presetSubtype="0" fill="hold" grpId="0" nodeType="clickEffect">
+                                  <p:stCondLst>
+                                    <p:cond delay="0"/>
+                                  </p:stCondLst>
+                                  <p:childTnLst>
+                                    <p:set>
+                                      <p:cBhvr>
+                                        <p:cTn id="10" dur="1" fill="hold">
+                                          <p:stCondLst>
+                                            <p:cond delay="0"/>
+                                          </p:stCondLst>
+                                        </p:cTn>
+                                        <p:tgtEl>
+                                          <p:spTgt spid="11"/>
+                                        </p:tgtEl>
+                                        <p:attrNameLst>
+                                          <p:attrName>style.visibility</p:attrName>
+                                        </p:attrNameLst>
+                                      </p:cBhvr>
+                                      <p:to>
+                                        <p:strVal val="visible"/>
+                                      </p:to>
+                                    </p:set>
+                                  </p:childTnLst>
+                                </p:cTn>
+                              </p:par>
+                            </p:childTnLst>
+                          </p:cTn>
+                        </p:par>
+                      </p:childTnLst>
+                    </p:cTn>
+                  </p:par>
+                  <p:par>
+                    <p:cTn id="11" fill="hold">
+                      <p:stCondLst>
+                        <p:cond delay="indefinite"/>
+                      </p:stCondLst>
+                      <p:childTnLst>
+                        <p:par>
+                          <p:cTn id="12" fill="hold">
+                            <p:stCondLst>
+                              <p:cond delay="0"/>
+                            </p:stCondLst>
+                            <p:childTnLst>
+                              <p:par>
+                                <p:cTn id="13" presetID="1" presetClass="entr" presetSubtype="0" fill="hold" grpId="0" nodeType="clickEffect">
+                                  <p:stCondLst>
+                                    <p:cond delay="0"/>
+                                  </p:stCondLst>
+                                  <p:childTnLst>
+                                    <p:set>
+                                      <p:cBhvr>
+                                        <p:cTn id="14" dur="1" fill="hold">
+                                          <p:stCondLst>
+                                            <p:cond delay="0"/>
+                                          </p:stCondLst>
+                                        </p:cTn>
+                                        <p:tgtEl>
+                                          <p:spTgt spid="8"/>
+                                        </p:tgtEl>
+                                        <p:attrNameLst>
+                                          <p:attrName>style.visibility</p:attrName>
+                                        </p:attrNameLst>
+                                      </p:cBhvr>
+                                      <p:to>
+                                        <p:strVal val="visible"/>
+                                      </p:to>
+                                    </p:set>
+                                  </p:childTnLst>
+                                </p:cTn>
+                              </p:par>
+                              <p:par>
+                                <p:cTn id="15" presetID="1" presetClass="entr" presetSubtype="0" fill="hold" grpId="0" nodeType="withEffect">
+                                  <p:stCondLst>
+                                    <p:cond delay="0"/>
+                                  </p:stCondLst>
+                                  <p:childTnLst>
+                                    <p:set>
+                                      <p:cBhvr>
+                                        <p:cTn id="16" dur="1" fill="hold">
+                                          <p:stCondLst>
+                                            <p:cond delay="0"/>
+                                          </p:stCondLst>
+                                        </p:cTn>
+                                        <p:tgtEl>
+                                          <p:spTgt spid="13"/>
+                                        </p:tgtEl>
+                                        <p:attrNameLst>
+                                          <p:attrName>style.visibility</p:attrName>
+                                        </p:attrNameLst>
+                                      </p:cBhvr>
+                                      <p:to>
+                                        <p:strVal val="visible"/>
+                                      </p:to>
+                                    </p:set>
+                                  </p:childTnLst>
+                                </p:cTn>
+                              </p:par>
+                            </p:childTnLst>
+                          </p:cTn>
+                        </p:par>
+                      </p:childTnLst>
+                    </p:cTn>
+                  </p:par>
+                  <p:par>
+                    <p:cTn id="17" fill="hold">
+                      <p:stCondLst>
+                        <p:cond delay="indefinite"/>
+                      </p:stCondLst>
+                      <p:childTnLst>
+                        <p:par>
+                          <p:cTn id="18" fill="hold">
+                            <p:stCondLst>
+                              <p:cond delay="0"/>
+                            </p:stCondLst>
+                            <p:childTnLst>
+                              <p:par>
+                                <p:cTn id="19" presetID="1" presetClass="entr" presetSubtype="0" fill="hold" grpId="0" nodeType="clickEffect">
+                                  <p:stCondLst>
+                                    <p:cond delay="0"/>
+                                  </p:stCondLst>
+                                  <p:childTnLst>
+                                    <p:set>
+                                      <p:cBhvr>
+                                        <p:cTn id="20" dur="1" fill="hold">
+                                          <p:stCondLst>
+                                            <p:cond delay="0"/>
+                                          </p:stCondLst>
+                                        </p:cTn>
+                                        <p:tgtEl>
+                                          <p:spTgt spid="14"/>
+                                        </p:tgtEl>
+                                        <p:attrNameLst>
+                                          <p:attrName>style.visibility</p:attrName>
+                                        </p:attrNameLst>
+                                      </p:cBhvr>
+                                      <p:to>
+                                        <p:strVal val="visible"/>
+                                      </p:to>
+                                    </p:set>
+                                  </p:childTnLst>
+                                </p:cTn>
+                              </p:par>
+                              <p:par>
+                                <p:cTn id="21" presetID="1" presetClass="entr" presetSubtype="0" fill="hold" grpId="0" nodeType="withEffect">
+                                  <p:stCondLst>
+                                    <p:cond delay="0"/>
+                                  </p:stCondLst>
+                                  <p:childTnLst>
+                                    <p:set>
+                                      <p:cBhvr>
+                                        <p:cTn id="22" dur="1" fill="hold">
+                                          <p:stCondLst>
+                                            <p:cond delay="0"/>
+                                          </p:stCondLst>
+                                        </p:cTn>
+                                        <p:tgtEl>
+                                          <p:spTgt spid="15"/>
+                                        </p:tgtEl>
+                                        <p:attrNameLst>
+                                          <p:attrName>style.visibility</p:attrName>
+                                        </p:attrNameLst>
+                                      </p:cBhvr>
+                                      <p:to>
+                                        <p:strVal val="visible"/>
+                                      </p:to>
+                                    </p:set>
+                                  </p:childTnLst>
+                                </p:cTn>
+                              </p:par>
+                            </p:childTnLst>
+                          </p:cTn>
+                        </p:par>
+                      </p:childTnLst>
+                    </p:cTn>
+                  </p:par>
+                </p:childTnLst>
+              </p:cTn>
+              <p:prevCondLst>
+                <p:cond evt="onPrev" delay="0">
+                  <p:tgtEl>
+                    <p:sldTgt/>
+                  </p:tgtEl>
+                </p:cond>
+              </p:prevCondLst>
+              <p:nextCondLst>
+                <p:cond evt="onNext" delay="0">
+                  <p:tgtEl>
+                    <p:sldTgt/>
+                  </p:tgtEl>
+                </p:cond>
+              </p:nextCondLst>
+            </p:seq>
+          </p:childTnLst>
+        </p:cTn>
+      </p:par>
+    </p:tnLst>
+    <p:bldLst>
+      <p:bldP spid="6" grpId="0"/>
+      <p:bldP spid="8" grpId="0"/>
+      <p:bldP spid="11" grpId="0"/>
+      <p:bldP spid="13" grpId="0"/>
+      <p:bldP spid="14" grpId="0"/>
+      <p:bldP spid="15" grpId="0"/>
+    </p:bldLst>
+  </p:timing>
+</p:sld>
+</file>
+
+<file path=ppt/slides/slide9.xml><?xml version="1.0" encoding="utf-8"?>
+<p:sld xmlns:a="http://schemas.openxmlformats.org/drawingml/2006/main" xmlns:r="http://schemas.openxmlformats.org/officeDocument/2006/relationships" xmlns:p="http://schemas.openxmlformats.org/presentationml/2006/main">
+  <p:cSld>
+    <p:spTree>
+      <p:nvGrpSpPr>
+        <p:cNvPr id="1" name=""/>
+        <p:cNvGrpSpPr/>
+        <p:nvPr/>
+      </p:nvGrpSpPr>
+      <p:grpSpPr>
+        <a:xfrm>
+          <a:off x="0" y="0"/>
+          <a:ext cx="0" cy="0"/>
+          <a:chOff x="0" y="0"/>
+          <a:chExt cx="0" cy="0"/>
+        </a:xfrm>
+      </p:grpSpPr>
+      <p:sp>
+        <p:nvSpPr>
+          <p:cNvPr id="2" name="Datumsplatzhalter 1"/>
+          <p:cNvSpPr>
+            <a:spLocks noGrp="1"/>
+          </p:cNvSpPr>
+          <p:nvPr>
+            <p:ph type="dt" sz="half" idx="10"/>
+          </p:nvPr>
+        </p:nvSpPr>
+        <p:spPr/>
+        <p:txBody>
+          <a:bodyPr/>
+          <a:lstStyle/>
+          <a:p>
+            <a:fld id="{A4ECBFB4-2031-A542-A2EF-20BD4D9E5256}" type="datetime1">
+              <a:rPr lang="de-DE" smtClean="0"/>
+              <a:pPr/>
+              <a:t>01.06.2017</a:t>
+            </a:fld>
+            <a:r>
+              <a:rPr lang="de-DE"/>
+              <a:t>	     Nadine Schwenke, Anna Blankenstein, Fabian Nawrath, Maximilian Bröer       Praxismodul 2	</a:t>
+            </a:r>
+            <a:endParaRPr lang="de-DE" dirty="0"/>
+          </a:p>
+        </p:txBody>
+      </p:sp>
+      <p:sp>
+        <p:nvSpPr>
+          <p:cNvPr id="3" name="Foliennummernplatzhalter 2"/>
+          <p:cNvSpPr>
+            <a:spLocks noGrp="1"/>
+          </p:cNvSpPr>
+          <p:nvPr>
+            <p:ph type="sldNum" sz="quarter" idx="12"/>
+          </p:nvPr>
+        </p:nvSpPr>
+        <p:spPr/>
+        <p:txBody>
+          <a:bodyPr/>
+          <a:lstStyle/>
+          <a:p>
+            <a:fld id="{E7BE1CCD-89A0-CC45-BF3E-2A331A7F0490}" type="slidenum">
+              <a:rPr lang="de-DE" smtClean="0"/>
+              <a:t>9</a:t>
+            </a:fld>
+            <a:endParaRPr lang="de-DE" dirty="0"/>
+          </a:p>
+        </p:txBody>
+      </p:sp>
+      <p:sp>
+        <p:nvSpPr>
+          <p:cNvPr id="4" name="Textfeld 3"/>
+          <p:cNvSpPr txBox="1"/>
+          <p:nvPr/>
+        </p:nvSpPr>
+        <p:spPr>
+          <a:xfrm>
+            <a:off x="900680" y="116300"/>
+            <a:ext cx="5907836" cy="553998"/>
+          </a:xfrm>
+          <a:prstGeom prst="rect">
+            <a:avLst/>
+          </a:prstGeom>
+          <a:noFill/>
+        </p:spPr>
+        <p:txBody>
+          <a:bodyPr wrap="none" rtlCol="0">
+            <a:spAutoFit/>
+          </a:bodyPr>
+          <a:lstStyle/>
+          <a:p>
+            <a:r>
+              <a:rPr lang="de-DE" sz="3000" dirty="0"/>
+              <a:t>Die Systeme – wie funktionieren sie?</a:t>
+            </a:r>
+          </a:p>
+        </p:txBody>
+      </p:sp>
+      <p:sp>
+        <p:nvSpPr>
+          <p:cNvPr id="5" name="Textfeld 4"/>
+          <p:cNvSpPr txBox="1"/>
+          <p:nvPr/>
+        </p:nvSpPr>
+        <p:spPr>
+          <a:xfrm>
+            <a:off x="3700607" y="670298"/>
+            <a:ext cx="1742785" cy="553998"/>
+          </a:xfrm>
+          <a:prstGeom prst="rect">
+            <a:avLst/>
+          </a:prstGeom>
+          <a:noFill/>
+        </p:spPr>
+        <p:txBody>
+          <a:bodyPr wrap="none" rtlCol="0">
+            <a:spAutoFit/>
+          </a:bodyPr>
+          <a:lstStyle/>
+          <a:p>
+            <a:r>
+              <a:rPr lang="de-DE" sz="3000" b="1" dirty="0"/>
+              <a:t>OpenHAB</a:t>
+            </a:r>
+          </a:p>
+        </p:txBody>
+      </p:sp>
+      <p:sp>
+        <p:nvSpPr>
+          <p:cNvPr id="6" name="Textfeld 5"/>
+          <p:cNvSpPr txBox="1"/>
+          <p:nvPr/>
+        </p:nvSpPr>
+        <p:spPr>
+          <a:xfrm>
+            <a:off x="900680" y="1224296"/>
+            <a:ext cx="3551613" cy="492443"/>
+          </a:xfrm>
+          <a:prstGeom prst="rect">
+            <a:avLst/>
+          </a:prstGeom>
+          <a:noFill/>
+        </p:spPr>
+        <p:txBody>
+          <a:bodyPr wrap="none" rtlCol="0">
+            <a:spAutoFit/>
+          </a:bodyPr>
+          <a:lstStyle/>
+          <a:p>
+            <a:pPr marL="457200" indent="-457200">
+              <a:buFont typeface="Arial" panose="020B0604020202020204" pitchFamily="34" charset="0"/>
+              <a:buChar char="•"/>
+            </a:pPr>
+            <a:r>
+              <a:rPr lang="de-DE" sz="2600" dirty="0"/>
+              <a:t>Integrationsplattform</a:t>
+            </a:r>
+          </a:p>
+        </p:txBody>
+      </p:sp>
+      <p:sp>
+        <p:nvSpPr>
+          <p:cNvPr id="7" name="Textfeld 6"/>
+          <p:cNvSpPr txBox="1"/>
+          <p:nvPr/>
+        </p:nvSpPr>
+        <p:spPr>
+          <a:xfrm>
+            <a:off x="900680" y="2178404"/>
+            <a:ext cx="6530314" cy="461665"/>
+          </a:xfrm>
+          <a:prstGeom prst="rect">
+            <a:avLst/>
+          </a:prstGeom>
+          <a:noFill/>
+        </p:spPr>
+        <p:txBody>
+          <a:bodyPr wrap="none" rtlCol="0">
+            <a:spAutoFit/>
+          </a:bodyPr>
+          <a:lstStyle/>
+          <a:p>
+            <a:pPr marL="800100" lvl="1" indent="-342900">
+              <a:buFont typeface="Courier New" panose="02070309020205020404" pitchFamily="49" charset="0"/>
+              <a:buChar char="o"/>
+            </a:pPr>
+            <a:r>
+              <a:rPr lang="de-DE" sz="2400" dirty="0"/>
+              <a:t>Schafft eine einheitliche Benutzeroberfläche</a:t>
+            </a:r>
+          </a:p>
+        </p:txBody>
+      </p:sp>
+      <p:sp>
+        <p:nvSpPr>
+          <p:cNvPr id="8" name="Textfeld 7"/>
+          <p:cNvSpPr txBox="1"/>
+          <p:nvPr/>
+        </p:nvSpPr>
+        <p:spPr>
+          <a:xfrm>
+            <a:off x="900680" y="1716739"/>
+            <a:ext cx="7504362" cy="461665"/>
+          </a:xfrm>
+          <a:prstGeom prst="rect">
+            <a:avLst/>
+          </a:prstGeom>
+          <a:noFill/>
+        </p:spPr>
+        <p:txBody>
+          <a:bodyPr wrap="none" rtlCol="0">
+            <a:spAutoFit/>
+          </a:bodyPr>
+          <a:lstStyle/>
+          <a:p>
+            <a:pPr marL="800100" lvl="1" indent="-342900">
+              <a:buFont typeface="Courier New" panose="02070309020205020404" pitchFamily="49" charset="0"/>
+              <a:buChar char="o"/>
+            </a:pPr>
+            <a:r>
+              <a:rPr lang="de-DE" sz="2400" dirty="0"/>
+              <a:t>Integriert verschiedenste Systeme und Technologien</a:t>
+            </a:r>
+          </a:p>
+        </p:txBody>
+      </p:sp>
+      <p:sp>
+        <p:nvSpPr>
+          <p:cNvPr id="9" name="Textfeld 8"/>
+          <p:cNvSpPr txBox="1"/>
+          <p:nvPr/>
+        </p:nvSpPr>
+        <p:spPr>
+          <a:xfrm>
+            <a:off x="900680" y="2635221"/>
+            <a:ext cx="3207225" cy="461665"/>
+          </a:xfrm>
+          <a:prstGeom prst="rect">
+            <a:avLst/>
+          </a:prstGeom>
+          <a:noFill/>
+        </p:spPr>
+        <p:txBody>
+          <a:bodyPr wrap="none" rtlCol="0">
+            <a:spAutoFit/>
+          </a:bodyPr>
+          <a:lstStyle/>
+          <a:p>
+            <a:pPr marL="800100" lvl="1" indent="-342900">
+              <a:buFont typeface="Courier New" panose="02070309020205020404" pitchFamily="49" charset="0"/>
+              <a:buChar char="o"/>
+            </a:pPr>
+            <a:r>
+              <a:rPr lang="de-DE" sz="2400" dirty="0"/>
+              <a:t>Herstellerneutral</a:t>
+            </a:r>
+          </a:p>
+        </p:txBody>
+      </p:sp>
+      <p:sp>
+        <p:nvSpPr>
+          <p:cNvPr id="10" name="Textfeld 9"/>
+          <p:cNvSpPr txBox="1"/>
+          <p:nvPr/>
+        </p:nvSpPr>
+        <p:spPr>
+          <a:xfrm>
+            <a:off x="900680" y="3092038"/>
+            <a:ext cx="5614422" cy="461665"/>
+          </a:xfrm>
+          <a:prstGeom prst="rect">
+            <a:avLst/>
+          </a:prstGeom>
+          <a:noFill/>
+        </p:spPr>
+        <p:txBody>
+          <a:bodyPr wrap="none" rtlCol="0">
+            <a:spAutoFit/>
+          </a:bodyPr>
+          <a:lstStyle/>
+          <a:p>
+            <a:pPr marL="800100" lvl="1" indent="-342900">
+              <a:buFont typeface="Courier New" panose="02070309020205020404" pitchFamily="49" charset="0"/>
+              <a:buChar char="o"/>
+            </a:pPr>
+            <a:r>
+              <a:rPr lang="de-DE" sz="2400" dirty="0"/>
+              <a:t>Hardware- und protokoll-unabhängig</a:t>
+            </a:r>
+          </a:p>
+        </p:txBody>
+      </p:sp>
+      <p:sp>
+        <p:nvSpPr>
+          <p:cNvPr id="11" name="Textfeld 10"/>
+          <p:cNvSpPr txBox="1"/>
+          <p:nvPr/>
+        </p:nvSpPr>
+        <p:spPr>
+          <a:xfrm>
+            <a:off x="2438249" y="4469261"/>
+            <a:ext cx="3339312" cy="553998"/>
+          </a:xfrm>
+          <a:prstGeom prst="rect">
+            <a:avLst/>
+          </a:prstGeom>
+          <a:noFill/>
+        </p:spPr>
+        <p:txBody>
+          <a:bodyPr wrap="none" rtlCol="0">
+            <a:spAutoFit/>
+          </a:bodyPr>
+          <a:lstStyle/>
+          <a:p>
+            <a:r>
+              <a:rPr lang="de-DE" sz="3000" i="1" dirty="0">
+                <a:solidFill>
+                  <a:srgbClr val="FF0000"/>
+                </a:solidFill>
+              </a:rPr>
+              <a:t>*Bild von der GUI ?*</a:t>
+            </a:r>
+          </a:p>
+        </p:txBody>
+      </p:sp>
+    </p:spTree>
+    <p:extLst>
+      <p:ext uri="{BB962C8B-B14F-4D97-AF65-F5344CB8AC3E}">
+        <p14:creationId xmlns:p14="http://schemas.microsoft.com/office/powerpoint/2010/main" val="4098217591"/>
+      </p:ext>
+    </p:extLst>
+  </p:cSld>
+  <p:clrMapOvr>
+    <a:masterClrMapping/>
+  </p:clrMapOvr>
+  <p:timing>
+    <p:tnLst>
+      <p:par>
+        <p:cTn id="1" dur="indefinite" restart="never" nodeType="tmRoot">
+          <p:childTnLst>
+            <p:seq concurrent="1" nextAc="seek">
+              <p:cTn id="2" dur="indefinite" nodeType="mainSeq">
+                <p:childTnLst>
+                  <p:par>
+                    <p:cTn id="3" fill="hold">
+                      <p:stCondLst>
+                        <p:cond delay="indefinite"/>
+                      </p:stCondLst>
+                      <p:childTnLst>
+                        <p:par>
+                          <p:cTn id="4" fill="hold">
+                            <p:stCondLst>
+                              <p:cond delay="0"/>
+                            </p:stCondLst>
+                            <p:childTnLst>
+                              <p:par>
+                                <p:cTn id="5" presetID="1" presetClass="entr" presetSubtype="0" fill="hold" grpId="0" nodeType="clickEffect">
+                                  <p:stCondLst>
+                                    <p:cond delay="0"/>
+                                  </p:stCondLst>
+                                  <p:childTnLst>
+                                    <p:set>
+                                      <p:cBhvr>
+                                        <p:cTn id="6" dur="1" fill="hold">
+                                          <p:stCondLst>
+                                            <p:cond delay="0"/>
+                                          </p:stCondLst>
+                                        </p:cTn>
+                                        <p:tgtEl>
+                                          <p:spTgt spid="6"/>
+                                        </p:tgtEl>
+                                        <p:attrNameLst>
+                                          <p:attrName>style.visibility</p:attrName>
+                                        </p:attrNameLst>
+                                      </p:cBhvr>
+                                      <p:to>
+                                        <p:strVal val="visible"/>
+                                      </p:to>
+                                    </p:set>
+                                  </p:childTnLst>
+                                </p:cTn>
+                              </p:par>
+                            </p:childTnLst>
+                          </p:cTn>
+                        </p:par>
+                      </p:childTnLst>
+                    </p:cTn>
+                  </p:par>
+                  <p:par>
+                    <p:cTn id="7" fill="hold">
+                      <p:stCondLst>
+                        <p:cond delay="indefinite"/>
+                      </p:stCondLst>
+                      <p:childTnLst>
+                        <p:par>
+                          <p:cTn id="8" fill="hold">
+                            <p:stCondLst>
+                              <p:cond delay="0"/>
+                            </p:stCondLst>
+                            <p:childTnLst>
+                              <p:par>
+                                <p:cTn id="9" presetID="1" presetClass="entr" presetSubtype="0" fill="hold" grpId="0" nodeType="clickEffect">
+                                  <p:stCondLst>
+                                    <p:cond delay="0"/>
+                                  </p:stCondLst>
+                                  <p:childTnLst>
+                                    <p:set>
+                                      <p:cBhvr>
+                                        <p:cTn id="10" dur="1" fill="hold">
+                                          <p:stCondLst>
+                                            <p:cond delay="0"/>
+                                          </p:stCondLst>
+                                        </p:cTn>
+                                        <p:tgtEl>
+                                          <p:spTgt spid="8"/>
+                                        </p:tgtEl>
+                                        <p:attrNameLst>
+                                          <p:attrName>style.visibility</p:attrName>
+                                        </p:attrNameLst>
+                                      </p:cBhvr>
+                                      <p:to>
+                                        <p:strVal val="visible"/>
+                                      </p:to>
+                                    </p:set>
+                                  </p:childTnLst>
+                                </p:cTn>
+                              </p:par>
+                            </p:childTnLst>
+                          </p:cTn>
+                        </p:par>
+                      </p:childTnLst>
+                    </p:cTn>
+                  </p:par>
+                  <p:par>
+                    <p:cTn id="11" fill="hold">
+                      <p:stCondLst>
+                        <p:cond delay="indefinite"/>
+                      </p:stCondLst>
+                      <p:childTnLst>
+                        <p:par>
+                          <p:cTn id="12" fill="hold">
+                            <p:stCondLst>
+                              <p:cond delay="0"/>
+                            </p:stCondLst>
+                            <p:childTnLst>
+                              <p:par>
+                                <p:cTn id="13" presetID="1" presetClass="entr" presetSubtype="0" fill="hold" grpId="0" nodeType="clickEffect">
+                                  <p:stCondLst>
+                                    <p:cond delay="0"/>
+                                  </p:stCondLst>
+                                  <p:childTnLst>
+                                    <p:set>
+                                      <p:cBhvr>
+                                        <p:cTn id="14" dur="1" fill="hold">
+                                          <p:stCondLst>
+                                            <p:cond delay="0"/>
+                                          </p:stCondLst>
+                                        </p:cTn>
+                                        <p:tgtEl>
+                                          <p:spTgt spid="7"/>
+                                        </p:tgtEl>
+                                        <p:attrNameLst>
+                                          <p:attrName>style.visibility</p:attrName>
+                                        </p:attrNameLst>
+                                      </p:cBhvr>
+                                      <p:to>
+                                        <p:strVal val="visible"/>
+                                      </p:to>
+                                    </p:set>
+                                  </p:childTnLst>
+                                </p:cTn>
+                              </p:par>
+                            </p:childTnLst>
+                          </p:cTn>
+                        </p:par>
+                      </p:childTnLst>
+                    </p:cTn>
+                  </p:par>
+                  <p:par>
+                    <p:cTn id="15" fill="hold">
+                      <p:stCondLst>
+                        <p:cond delay="indefinite"/>
+                      </p:stCondLst>
+                      <p:childTnLst>
+                        <p:par>
+                          <p:cTn id="16" fill="hold">
+                            <p:stCondLst>
+                              <p:cond delay="0"/>
+                            </p:stCondLst>
+                            <p:childTnLst>
+                              <p:par>
+                                <p:cTn id="17" presetID="1" presetClass="entr" presetSubtype="0" fill="hold" grpId="0" nodeType="clickEffect">
+                                  <p:stCondLst>
+                                    <p:cond delay="0"/>
+                                  </p:stCondLst>
+                                  <p:childTnLst>
+                                    <p:set>
+                                      <p:cBhvr>
+                                        <p:cTn id="18" dur="1" fill="hold">
+                                          <p:stCondLst>
+                                            <p:cond delay="0"/>
+                                          </p:stCondLst>
+                                        </p:cTn>
+                                        <p:tgtEl>
+                                          <p:spTgt spid="9"/>
+                                        </p:tgtEl>
+                                        <p:attrNameLst>
+                                          <p:attrName>style.visibility</p:attrName>
+                                        </p:attrNameLst>
+                                      </p:cBhvr>
+                                      <p:to>
+                                        <p:strVal val="visible"/>
+                                      </p:to>
+                                    </p:set>
+                                  </p:childTnLst>
+                                </p:cTn>
+                              </p:par>
+                            </p:childTnLst>
+                          </p:cTn>
+                        </p:par>
+                      </p:childTnLst>
+                    </p:cTn>
+                  </p:par>
+                  <p:par>
+                    <p:cTn id="19" fill="hold">
+                      <p:stCondLst>
+                        <p:cond delay="indefinite"/>
+                      </p:stCondLst>
+                      <p:childTnLst>
+                        <p:par>
+                          <p:cTn id="20" fill="hold">
+                            <p:stCondLst>
+                              <p:cond delay="0"/>
+                            </p:stCondLst>
+                            <p:childTnLst>
+                              <p:par>
+                                <p:cTn id="21" presetID="1" presetClass="entr" presetSubtype="0" fill="hold" grpId="0" nodeType="clickEffect">
+                                  <p:stCondLst>
+                                    <p:cond delay="0"/>
+                                  </p:stCondLst>
+                                  <p:childTnLst>
+                                    <p:set>
+                                      <p:cBhvr>
+                                        <p:cTn id="22" dur="1" fill="hold">
+                                          <p:stCondLst>
+                                            <p:cond delay="0"/>
+                                          </p:stCondLst>
+                                        </p:cTn>
+                                        <p:tgtEl>
+                                          <p:spTgt spid="10"/>
+                                        </p:tgtEl>
+                                        <p:attrNameLst>
+                                          <p:attrName>style.visibility</p:attrName>
+                                        </p:attrNameLst>
+                                      </p:cBhvr>
+                                      <p:to>
+                                        <p:strVal val="visible"/>
+                                      </p:to>
+                                    </p:set>
+                                  </p:childTnLst>
+                                </p:cTn>
+                              </p:par>
+                            </p:childTnLst>
+                          </p:cTn>
+                        </p:par>
+                      </p:childTnLst>
+                    </p:cTn>
+                  </p:par>
+                </p:childTnLst>
+              </p:cTn>
+              <p:prevCondLst>
+                <p:cond evt="onPrev" delay="0">
+                  <p:tgtEl>
+                    <p:sldTgt/>
+                  </p:tgtEl>
+                </p:cond>
+              </p:prevCondLst>
+              <p:nextCondLst>
+                <p:cond evt="onNext" delay="0">
+                  <p:tgtEl>
+                    <p:sldTgt/>
+                  </p:tgtEl>
+                </p:cond>
+              </p:nextCondLst>
+            </p:seq>
+          </p:childTnLst>
+        </p:cTn>
+      </p:par>
+    </p:tnLst>
+    <p:bldLst>
+      <p:bldP spid="6" grpId="0"/>
+      <p:bldP spid="7" grpId="0"/>
+      <p:bldP spid="8" grpId="0"/>
+      <p:bldP spid="9" grpId="0"/>
+      <p:bldP spid="10" grpId="0"/>
     </p:bldLst>
   </p:timing>
 </p:sld>

--- a/HSHL_Hausautomationssysteme.potx.pptx
+++ b/HSHL_Hausautomationssysteme.potx.pptx
@@ -5,10 +5,10 @@
     <p:sldMasterId id="2147483648" r:id="rId1"/>
   </p:sldMasterIdLst>
   <p:notesMasterIdLst>
-    <p:notesMasterId r:id="rId12"/>
+    <p:notesMasterId r:id="rId17"/>
   </p:notesMasterIdLst>
   <p:handoutMasterIdLst>
-    <p:handoutMasterId r:id="rId13"/>
+    <p:handoutMasterId r:id="rId18"/>
   </p:handoutMasterIdLst>
   <p:sldIdLst>
     <p:sldId id="258" r:id="rId2"/>
@@ -21,6 +21,11 @@
     <p:sldId id="265" r:id="rId9"/>
     <p:sldId id="266" r:id="rId10"/>
     <p:sldId id="267" r:id="rId11"/>
+    <p:sldId id="268" r:id="rId12"/>
+    <p:sldId id="269" r:id="rId13"/>
+    <p:sldId id="270" r:id="rId14"/>
+    <p:sldId id="272" r:id="rId15"/>
+    <p:sldId id="271" r:id="rId16"/>
   </p:sldIdLst>
   <p:sldSz cx="9144000" cy="6858000" type="screen4x3"/>
   <p:notesSz cx="6858000" cy="9144000"/>
@@ -1884,8 +1889,8 @@
         </p:nvSpPr>
         <p:spPr>
           <a:xfrm>
-            <a:off x="1662545" y="1959429"/>
-            <a:ext cx="1255472" cy="492443"/>
+            <a:off x="900680" y="4259363"/>
+            <a:ext cx="3142592" cy="492443"/>
           </a:xfrm>
           <a:prstGeom prst="rect">
             <a:avLst/>
@@ -1903,8 +1908,239 @@
               <a:buChar char="•"/>
             </a:pPr>
             <a:r>
-              <a:rPr lang="de-DE" sz="2600"/>
-              <a:t>sdsd</a:t>
+              <a:rPr lang="de-DE" sz="2600" dirty="0"/>
+              <a:t>Modularer Aufbau</a:t>
+            </a:r>
+          </a:p>
+        </p:txBody>
+      </p:sp>
+      <p:sp>
+        <p:nvSpPr>
+          <p:cNvPr id="7" name="Textfeld 6"/>
+          <p:cNvSpPr txBox="1"/>
+          <p:nvPr/>
+        </p:nvSpPr>
+        <p:spPr>
+          <a:xfrm>
+            <a:off x="900680" y="4751806"/>
+            <a:ext cx="8049383" cy="461665"/>
+          </a:xfrm>
+          <a:prstGeom prst="rect">
+            <a:avLst/>
+          </a:prstGeom>
+          <a:noFill/>
+        </p:spPr>
+        <p:txBody>
+          <a:bodyPr wrap="none" rtlCol="0">
+            <a:spAutoFit/>
+          </a:bodyPr>
+          <a:lstStyle/>
+          <a:p>
+            <a:pPr marL="800100" lvl="1" indent="-342900">
+              <a:buFont typeface="Courier New" panose="02070309020205020404" pitchFamily="49" charset="0"/>
+              <a:buChar char="o"/>
+            </a:pPr>
+            <a:r>
+              <a:rPr lang="de-DE" sz="2400" dirty="0"/>
+              <a:t>Einfügen / Entfernen von Geräten im laufenden Betrieb</a:t>
+            </a:r>
+          </a:p>
+        </p:txBody>
+      </p:sp>
+      <p:sp>
+        <p:nvSpPr>
+          <p:cNvPr id="11" name="Textfeld 10"/>
+          <p:cNvSpPr txBox="1"/>
+          <p:nvPr/>
+        </p:nvSpPr>
+        <p:spPr>
+          <a:xfrm>
+            <a:off x="900680" y="1224296"/>
+            <a:ext cx="2895344" cy="492443"/>
+          </a:xfrm>
+          <a:prstGeom prst="rect">
+            <a:avLst/>
+          </a:prstGeom>
+          <a:noFill/>
+        </p:spPr>
+        <p:txBody>
+          <a:bodyPr wrap="none" rtlCol="0">
+            <a:spAutoFit/>
+          </a:bodyPr>
+          <a:lstStyle/>
+          <a:p>
+            <a:pPr marL="457200" indent="-457200">
+              <a:buFont typeface="Arial" panose="020B0604020202020204" pitchFamily="34" charset="0"/>
+              <a:buChar char="•"/>
+            </a:pPr>
+            <a:r>
+              <a:rPr lang="de-DE" sz="2600" dirty="0"/>
+              <a:t>OpenHAB Cloud</a:t>
+            </a:r>
+          </a:p>
+        </p:txBody>
+      </p:sp>
+      <p:sp>
+        <p:nvSpPr>
+          <p:cNvPr id="12" name="Textfeld 11"/>
+          <p:cNvSpPr txBox="1"/>
+          <p:nvPr/>
+        </p:nvSpPr>
+        <p:spPr>
+          <a:xfrm>
+            <a:off x="900680" y="1712851"/>
+            <a:ext cx="4347216" cy="461665"/>
+          </a:xfrm>
+          <a:prstGeom prst="rect">
+            <a:avLst/>
+          </a:prstGeom>
+          <a:noFill/>
+        </p:spPr>
+        <p:txBody>
+          <a:bodyPr wrap="none" rtlCol="0">
+            <a:spAutoFit/>
+          </a:bodyPr>
+          <a:lstStyle/>
+          <a:p>
+            <a:pPr marL="800100" lvl="1" indent="-342900">
+              <a:buFont typeface="Courier New" panose="02070309020205020404" pitchFamily="49" charset="0"/>
+              <a:buChar char="o"/>
+            </a:pPr>
+            <a:r>
+              <a:rPr lang="de-DE" sz="2400" dirty="0"/>
+              <a:t>Begleitender Cloud Service</a:t>
+            </a:r>
+          </a:p>
+        </p:txBody>
+      </p:sp>
+      <p:sp>
+        <p:nvSpPr>
+          <p:cNvPr id="13" name="Textfeld 12"/>
+          <p:cNvSpPr txBox="1"/>
+          <p:nvPr/>
+        </p:nvSpPr>
+        <p:spPr>
+          <a:xfrm>
+            <a:off x="900680" y="2174516"/>
+            <a:ext cx="3846502" cy="461665"/>
+          </a:xfrm>
+          <a:prstGeom prst="rect">
+            <a:avLst/>
+          </a:prstGeom>
+          <a:noFill/>
+        </p:spPr>
+        <p:txBody>
+          <a:bodyPr wrap="none" rtlCol="0">
+            <a:spAutoFit/>
+          </a:bodyPr>
+          <a:lstStyle/>
+          <a:p>
+            <a:pPr marL="800100" lvl="1" indent="-342900">
+              <a:buFont typeface="Courier New" panose="02070309020205020404" pitchFamily="49" charset="0"/>
+              <a:buChar char="o"/>
+            </a:pPr>
+            <a:r>
+              <a:rPr lang="de-DE" sz="2400" dirty="0"/>
+              <a:t>Sicherer Remotezugriff</a:t>
+            </a:r>
+          </a:p>
+        </p:txBody>
+      </p:sp>
+      <p:sp>
+        <p:nvSpPr>
+          <p:cNvPr id="14" name="Textfeld 13"/>
+          <p:cNvSpPr txBox="1"/>
+          <p:nvPr/>
+        </p:nvSpPr>
+        <p:spPr>
+          <a:xfrm>
+            <a:off x="900680" y="2632293"/>
+            <a:ext cx="6122189" cy="461665"/>
+          </a:xfrm>
+          <a:prstGeom prst="rect">
+            <a:avLst/>
+          </a:prstGeom>
+          <a:noFill/>
+        </p:spPr>
+        <p:txBody>
+          <a:bodyPr wrap="none" rtlCol="0">
+            <a:spAutoFit/>
+          </a:bodyPr>
+          <a:lstStyle/>
+          <a:p>
+            <a:pPr marL="800100" lvl="1" indent="-342900">
+              <a:buFont typeface="Courier New" panose="02070309020205020404" pitchFamily="49" charset="0"/>
+              <a:buChar char="o"/>
+            </a:pPr>
+            <a:r>
+              <a:rPr lang="de-DE" sz="2400" dirty="0"/>
+              <a:t>Gerätestatistiken sammeln / visualisieren</a:t>
+            </a:r>
+          </a:p>
+        </p:txBody>
+      </p:sp>
+      <p:sp>
+        <p:nvSpPr>
+          <p:cNvPr id="15" name="Textfeld 14"/>
+          <p:cNvSpPr txBox="1"/>
+          <p:nvPr/>
+        </p:nvSpPr>
+        <p:spPr>
+          <a:xfrm>
+            <a:off x="900680" y="3204531"/>
+            <a:ext cx="5079917" cy="492443"/>
+          </a:xfrm>
+          <a:prstGeom prst="rect">
+            <a:avLst/>
+          </a:prstGeom>
+          <a:noFill/>
+        </p:spPr>
+        <p:txBody>
+          <a:bodyPr wrap="none" rtlCol="0">
+            <a:spAutoFit/>
+          </a:bodyPr>
+          <a:lstStyle/>
+          <a:p>
+            <a:pPr marL="457200" indent="-457200">
+              <a:buFont typeface="Arial" panose="020B0604020202020204" pitchFamily="34" charset="0"/>
+              <a:buChar char="•"/>
+            </a:pPr>
+            <a:r>
+              <a:rPr lang="de-DE" sz="2600" dirty="0"/>
+              <a:t>Kann auf fast jedem Gerät laufen</a:t>
+            </a:r>
+          </a:p>
+        </p:txBody>
+      </p:sp>
+      <p:sp>
+        <p:nvSpPr>
+          <p:cNvPr id="16" name="Textfeld 15"/>
+          <p:cNvSpPr txBox="1"/>
+          <p:nvPr/>
+        </p:nvSpPr>
+        <p:spPr>
+          <a:xfrm>
+            <a:off x="900680" y="3697987"/>
+            <a:ext cx="7561750" cy="461665"/>
+          </a:xfrm>
+          <a:prstGeom prst="rect">
+            <a:avLst/>
+          </a:prstGeom>
+          <a:noFill/>
+        </p:spPr>
+        <p:txBody>
+          <a:bodyPr wrap="none" rtlCol="0">
+            <a:spAutoFit/>
+          </a:bodyPr>
+          <a:lstStyle/>
+          <a:p>
+            <a:pPr marL="800100" lvl="1" indent="-342900">
+              <a:buFont typeface="Courier New" panose="02070309020205020404" pitchFamily="49" charset="0"/>
+              <a:buChar char="o"/>
+            </a:pPr>
+            <a:r>
+              <a:rPr lang="de-DE" sz="2400" dirty="0"/>
+              <a:t>Muss JVM unterstützen (Java Programme ausführen)</a:t>
             </a:r>
           </a:p>
         </p:txBody>
@@ -1913,6 +2149,3174 @@
     <p:extLst>
       <p:ext uri="{BB962C8B-B14F-4D97-AF65-F5344CB8AC3E}">
         <p14:creationId xmlns:p14="http://schemas.microsoft.com/office/powerpoint/2010/main" val="452485525"/>
+      </p:ext>
+    </p:extLst>
+  </p:cSld>
+  <p:clrMapOvr>
+    <a:masterClrMapping/>
+  </p:clrMapOvr>
+  <p:timing>
+    <p:tnLst>
+      <p:par>
+        <p:cTn id="1" dur="indefinite" restart="never" nodeType="tmRoot">
+          <p:childTnLst>
+            <p:seq concurrent="1" nextAc="seek">
+              <p:cTn id="2" dur="indefinite" nodeType="mainSeq">
+                <p:childTnLst>
+                  <p:par>
+                    <p:cTn id="3" fill="hold">
+                      <p:stCondLst>
+                        <p:cond delay="indefinite"/>
+                      </p:stCondLst>
+                      <p:childTnLst>
+                        <p:par>
+                          <p:cTn id="4" fill="hold">
+                            <p:stCondLst>
+                              <p:cond delay="0"/>
+                            </p:stCondLst>
+                            <p:childTnLst>
+                              <p:par>
+                                <p:cTn id="5" presetID="1" presetClass="entr" presetSubtype="0" fill="hold" grpId="0" nodeType="clickEffect">
+                                  <p:stCondLst>
+                                    <p:cond delay="0"/>
+                                  </p:stCondLst>
+                                  <p:childTnLst>
+                                    <p:set>
+                                      <p:cBhvr>
+                                        <p:cTn id="6" dur="1" fill="hold">
+                                          <p:stCondLst>
+                                            <p:cond delay="0"/>
+                                          </p:stCondLst>
+                                        </p:cTn>
+                                        <p:tgtEl>
+                                          <p:spTgt spid="11"/>
+                                        </p:tgtEl>
+                                        <p:attrNameLst>
+                                          <p:attrName>style.visibility</p:attrName>
+                                        </p:attrNameLst>
+                                      </p:cBhvr>
+                                      <p:to>
+                                        <p:strVal val="visible"/>
+                                      </p:to>
+                                    </p:set>
+                                  </p:childTnLst>
+                                </p:cTn>
+                              </p:par>
+                            </p:childTnLst>
+                          </p:cTn>
+                        </p:par>
+                      </p:childTnLst>
+                    </p:cTn>
+                  </p:par>
+                  <p:par>
+                    <p:cTn id="7" fill="hold">
+                      <p:stCondLst>
+                        <p:cond delay="indefinite"/>
+                      </p:stCondLst>
+                      <p:childTnLst>
+                        <p:par>
+                          <p:cTn id="8" fill="hold">
+                            <p:stCondLst>
+                              <p:cond delay="0"/>
+                            </p:stCondLst>
+                            <p:childTnLst>
+                              <p:par>
+                                <p:cTn id="9" presetID="1" presetClass="entr" presetSubtype="0" fill="hold" grpId="0" nodeType="clickEffect">
+                                  <p:stCondLst>
+                                    <p:cond delay="0"/>
+                                  </p:stCondLst>
+                                  <p:childTnLst>
+                                    <p:set>
+                                      <p:cBhvr>
+                                        <p:cTn id="10" dur="1" fill="hold">
+                                          <p:stCondLst>
+                                            <p:cond delay="0"/>
+                                          </p:stCondLst>
+                                        </p:cTn>
+                                        <p:tgtEl>
+                                          <p:spTgt spid="12"/>
+                                        </p:tgtEl>
+                                        <p:attrNameLst>
+                                          <p:attrName>style.visibility</p:attrName>
+                                        </p:attrNameLst>
+                                      </p:cBhvr>
+                                      <p:to>
+                                        <p:strVal val="visible"/>
+                                      </p:to>
+                                    </p:set>
+                                  </p:childTnLst>
+                                </p:cTn>
+                              </p:par>
+                              <p:par>
+                                <p:cTn id="11" presetID="1" presetClass="entr" presetSubtype="0" fill="hold" grpId="0" nodeType="withEffect">
+                                  <p:stCondLst>
+                                    <p:cond delay="0"/>
+                                  </p:stCondLst>
+                                  <p:childTnLst>
+                                    <p:set>
+                                      <p:cBhvr>
+                                        <p:cTn id="12" dur="1" fill="hold">
+                                          <p:stCondLst>
+                                            <p:cond delay="0"/>
+                                          </p:stCondLst>
+                                        </p:cTn>
+                                        <p:tgtEl>
+                                          <p:spTgt spid="13"/>
+                                        </p:tgtEl>
+                                        <p:attrNameLst>
+                                          <p:attrName>style.visibility</p:attrName>
+                                        </p:attrNameLst>
+                                      </p:cBhvr>
+                                      <p:to>
+                                        <p:strVal val="visible"/>
+                                      </p:to>
+                                    </p:set>
+                                  </p:childTnLst>
+                                </p:cTn>
+                              </p:par>
+                              <p:par>
+                                <p:cTn id="13" presetID="1" presetClass="entr" presetSubtype="0" fill="hold" grpId="0" nodeType="withEffect">
+                                  <p:stCondLst>
+                                    <p:cond delay="0"/>
+                                  </p:stCondLst>
+                                  <p:childTnLst>
+                                    <p:set>
+                                      <p:cBhvr>
+                                        <p:cTn id="14" dur="1" fill="hold">
+                                          <p:stCondLst>
+                                            <p:cond delay="0"/>
+                                          </p:stCondLst>
+                                        </p:cTn>
+                                        <p:tgtEl>
+                                          <p:spTgt spid="14"/>
+                                        </p:tgtEl>
+                                        <p:attrNameLst>
+                                          <p:attrName>style.visibility</p:attrName>
+                                        </p:attrNameLst>
+                                      </p:cBhvr>
+                                      <p:to>
+                                        <p:strVal val="visible"/>
+                                      </p:to>
+                                    </p:set>
+                                  </p:childTnLst>
+                                </p:cTn>
+                              </p:par>
+                            </p:childTnLst>
+                          </p:cTn>
+                        </p:par>
+                      </p:childTnLst>
+                    </p:cTn>
+                  </p:par>
+                  <p:par>
+                    <p:cTn id="15" fill="hold">
+                      <p:stCondLst>
+                        <p:cond delay="indefinite"/>
+                      </p:stCondLst>
+                      <p:childTnLst>
+                        <p:par>
+                          <p:cTn id="16" fill="hold">
+                            <p:stCondLst>
+                              <p:cond delay="0"/>
+                            </p:stCondLst>
+                            <p:childTnLst>
+                              <p:par>
+                                <p:cTn id="17" presetID="1" presetClass="entr" presetSubtype="0" fill="hold" grpId="0" nodeType="clickEffect">
+                                  <p:stCondLst>
+                                    <p:cond delay="0"/>
+                                  </p:stCondLst>
+                                  <p:childTnLst>
+                                    <p:set>
+                                      <p:cBhvr>
+                                        <p:cTn id="18" dur="1" fill="hold">
+                                          <p:stCondLst>
+                                            <p:cond delay="0"/>
+                                          </p:stCondLst>
+                                        </p:cTn>
+                                        <p:tgtEl>
+                                          <p:spTgt spid="15"/>
+                                        </p:tgtEl>
+                                        <p:attrNameLst>
+                                          <p:attrName>style.visibility</p:attrName>
+                                        </p:attrNameLst>
+                                      </p:cBhvr>
+                                      <p:to>
+                                        <p:strVal val="visible"/>
+                                      </p:to>
+                                    </p:set>
+                                  </p:childTnLst>
+                                </p:cTn>
+                              </p:par>
+                              <p:par>
+                                <p:cTn id="19" presetID="1" presetClass="entr" presetSubtype="0" fill="hold" grpId="0" nodeType="withEffect">
+                                  <p:stCondLst>
+                                    <p:cond delay="0"/>
+                                  </p:stCondLst>
+                                  <p:childTnLst>
+                                    <p:set>
+                                      <p:cBhvr>
+                                        <p:cTn id="20" dur="1" fill="hold">
+                                          <p:stCondLst>
+                                            <p:cond delay="0"/>
+                                          </p:stCondLst>
+                                        </p:cTn>
+                                        <p:tgtEl>
+                                          <p:spTgt spid="16"/>
+                                        </p:tgtEl>
+                                        <p:attrNameLst>
+                                          <p:attrName>style.visibility</p:attrName>
+                                        </p:attrNameLst>
+                                      </p:cBhvr>
+                                      <p:to>
+                                        <p:strVal val="visible"/>
+                                      </p:to>
+                                    </p:set>
+                                  </p:childTnLst>
+                                </p:cTn>
+                              </p:par>
+                            </p:childTnLst>
+                          </p:cTn>
+                        </p:par>
+                      </p:childTnLst>
+                    </p:cTn>
+                  </p:par>
+                  <p:par>
+                    <p:cTn id="21" fill="hold">
+                      <p:stCondLst>
+                        <p:cond delay="indefinite"/>
+                      </p:stCondLst>
+                      <p:childTnLst>
+                        <p:par>
+                          <p:cTn id="22" fill="hold">
+                            <p:stCondLst>
+                              <p:cond delay="0"/>
+                            </p:stCondLst>
+                            <p:childTnLst>
+                              <p:par>
+                                <p:cTn id="23" presetID="1" presetClass="entr" presetSubtype="0" fill="hold" grpId="0" nodeType="clickEffect">
+                                  <p:stCondLst>
+                                    <p:cond delay="0"/>
+                                  </p:stCondLst>
+                                  <p:childTnLst>
+                                    <p:set>
+                                      <p:cBhvr>
+                                        <p:cTn id="24" dur="1" fill="hold">
+                                          <p:stCondLst>
+                                            <p:cond delay="0"/>
+                                          </p:stCondLst>
+                                        </p:cTn>
+                                        <p:tgtEl>
+                                          <p:spTgt spid="7"/>
+                                        </p:tgtEl>
+                                        <p:attrNameLst>
+                                          <p:attrName>style.visibility</p:attrName>
+                                        </p:attrNameLst>
+                                      </p:cBhvr>
+                                      <p:to>
+                                        <p:strVal val="visible"/>
+                                      </p:to>
+                                    </p:set>
+                                  </p:childTnLst>
+                                </p:cTn>
+                              </p:par>
+                              <p:par>
+                                <p:cTn id="25" presetID="1" presetClass="entr" presetSubtype="0" fill="hold" grpId="0" nodeType="withEffect">
+                                  <p:stCondLst>
+                                    <p:cond delay="0"/>
+                                  </p:stCondLst>
+                                  <p:childTnLst>
+                                    <p:set>
+                                      <p:cBhvr>
+                                        <p:cTn id="26" dur="1" fill="hold">
+                                          <p:stCondLst>
+                                            <p:cond delay="0"/>
+                                          </p:stCondLst>
+                                        </p:cTn>
+                                        <p:tgtEl>
+                                          <p:spTgt spid="6"/>
+                                        </p:tgtEl>
+                                        <p:attrNameLst>
+                                          <p:attrName>style.visibility</p:attrName>
+                                        </p:attrNameLst>
+                                      </p:cBhvr>
+                                      <p:to>
+                                        <p:strVal val="visible"/>
+                                      </p:to>
+                                    </p:set>
+                                  </p:childTnLst>
+                                </p:cTn>
+                              </p:par>
+                            </p:childTnLst>
+                          </p:cTn>
+                        </p:par>
+                      </p:childTnLst>
+                    </p:cTn>
+                  </p:par>
+                </p:childTnLst>
+              </p:cTn>
+              <p:prevCondLst>
+                <p:cond evt="onPrev" delay="0">
+                  <p:tgtEl>
+                    <p:sldTgt/>
+                  </p:tgtEl>
+                </p:cond>
+              </p:prevCondLst>
+              <p:nextCondLst>
+                <p:cond evt="onNext" delay="0">
+                  <p:tgtEl>
+                    <p:sldTgt/>
+                  </p:tgtEl>
+                </p:cond>
+              </p:nextCondLst>
+            </p:seq>
+          </p:childTnLst>
+        </p:cTn>
+      </p:par>
+    </p:tnLst>
+    <p:bldLst>
+      <p:bldP spid="6" grpId="0"/>
+      <p:bldP spid="7" grpId="0"/>
+      <p:bldP spid="11" grpId="0"/>
+      <p:bldP spid="12" grpId="0"/>
+      <p:bldP spid="13" grpId="0"/>
+      <p:bldP spid="14" grpId="0"/>
+      <p:bldP spid="15" grpId="0"/>
+      <p:bldP spid="16" grpId="0"/>
+    </p:bldLst>
+  </p:timing>
+</p:sld>
+</file>
+
+<file path=ppt/slides/slide11.xml><?xml version="1.0" encoding="utf-8"?>
+<p:sld xmlns:a="http://schemas.openxmlformats.org/drawingml/2006/main" xmlns:r="http://schemas.openxmlformats.org/officeDocument/2006/relationships" xmlns:p="http://schemas.openxmlformats.org/presentationml/2006/main">
+  <p:cSld>
+    <p:spTree>
+      <p:nvGrpSpPr>
+        <p:cNvPr id="1" name=""/>
+        <p:cNvGrpSpPr/>
+        <p:nvPr/>
+      </p:nvGrpSpPr>
+      <p:grpSpPr>
+        <a:xfrm>
+          <a:off x="0" y="0"/>
+          <a:ext cx="0" cy="0"/>
+          <a:chOff x="0" y="0"/>
+          <a:chExt cx="0" cy="0"/>
+        </a:xfrm>
+      </p:grpSpPr>
+      <p:sp>
+        <p:nvSpPr>
+          <p:cNvPr id="2" name="Datumsplatzhalter 1"/>
+          <p:cNvSpPr>
+            <a:spLocks noGrp="1"/>
+          </p:cNvSpPr>
+          <p:nvPr>
+            <p:ph type="dt" sz="half" idx="10"/>
+          </p:nvPr>
+        </p:nvSpPr>
+        <p:spPr/>
+        <p:txBody>
+          <a:bodyPr/>
+          <a:lstStyle/>
+          <a:p>
+            <a:fld id="{A4ECBFB4-2031-A542-A2EF-20BD4D9E5256}" type="datetime1">
+              <a:rPr lang="de-DE" smtClean="0"/>
+              <a:pPr/>
+              <a:t>01.06.2017</a:t>
+            </a:fld>
+            <a:r>
+              <a:rPr lang="de-DE"/>
+              <a:t>	     Nadine Schwenke, Anna Blankenstein, Fabian Nawrath, Maximilian Bröer       Praxismodul 2	</a:t>
+            </a:r>
+            <a:endParaRPr lang="de-DE" dirty="0"/>
+          </a:p>
+        </p:txBody>
+      </p:sp>
+      <p:sp>
+        <p:nvSpPr>
+          <p:cNvPr id="3" name="Foliennummernplatzhalter 2"/>
+          <p:cNvSpPr>
+            <a:spLocks noGrp="1"/>
+          </p:cNvSpPr>
+          <p:nvPr>
+            <p:ph type="sldNum" sz="quarter" idx="12"/>
+          </p:nvPr>
+        </p:nvSpPr>
+        <p:spPr/>
+        <p:txBody>
+          <a:bodyPr/>
+          <a:lstStyle/>
+          <a:p>
+            <a:fld id="{E7BE1CCD-89A0-CC45-BF3E-2A331A7F0490}" type="slidenum">
+              <a:rPr lang="de-DE" smtClean="0"/>
+              <a:t>11</a:t>
+            </a:fld>
+            <a:endParaRPr lang="de-DE" dirty="0"/>
+          </a:p>
+        </p:txBody>
+      </p:sp>
+      <p:sp>
+        <p:nvSpPr>
+          <p:cNvPr id="4" name="Textfeld 3"/>
+          <p:cNvSpPr txBox="1"/>
+          <p:nvPr/>
+        </p:nvSpPr>
+        <p:spPr>
+          <a:xfrm>
+            <a:off x="1322503" y="125722"/>
+            <a:ext cx="5699189" cy="553998"/>
+          </a:xfrm>
+          <a:prstGeom prst="rect">
+            <a:avLst/>
+          </a:prstGeom>
+          <a:noFill/>
+        </p:spPr>
+        <p:txBody>
+          <a:bodyPr wrap="none" rtlCol="0">
+            <a:spAutoFit/>
+          </a:bodyPr>
+          <a:lstStyle/>
+          <a:p>
+            <a:r>
+              <a:rPr lang="de-DE" sz="3000" dirty="0"/>
+              <a:t>Möglichkeiten der Hausautomation</a:t>
+            </a:r>
+          </a:p>
+        </p:txBody>
+      </p:sp>
+      <p:sp>
+        <p:nvSpPr>
+          <p:cNvPr id="5" name="Textfeld 4"/>
+          <p:cNvSpPr txBox="1"/>
+          <p:nvPr/>
+        </p:nvSpPr>
+        <p:spPr>
+          <a:xfrm>
+            <a:off x="3173284" y="685000"/>
+            <a:ext cx="2797432" cy="553998"/>
+          </a:xfrm>
+          <a:prstGeom prst="rect">
+            <a:avLst/>
+          </a:prstGeom>
+          <a:noFill/>
+        </p:spPr>
+        <p:txBody>
+          <a:bodyPr wrap="none" rtlCol="0">
+            <a:spAutoFit/>
+          </a:bodyPr>
+          <a:lstStyle/>
+          <a:p>
+            <a:r>
+              <a:rPr lang="de-DE" sz="3000" b="1" dirty="0"/>
+              <a:t>Produktgruppen</a:t>
+            </a:r>
+          </a:p>
+        </p:txBody>
+      </p:sp>
+    </p:spTree>
+    <p:extLst>
+      <p:ext uri="{BB962C8B-B14F-4D97-AF65-F5344CB8AC3E}">
+        <p14:creationId xmlns:p14="http://schemas.microsoft.com/office/powerpoint/2010/main" val="2321884389"/>
+      </p:ext>
+    </p:extLst>
+  </p:cSld>
+  <p:clrMapOvr>
+    <a:masterClrMapping/>
+  </p:clrMapOvr>
+</p:sld>
+</file>
+
+<file path=ppt/slides/slide12.xml><?xml version="1.0" encoding="utf-8"?>
+<p:sld xmlns:a="http://schemas.openxmlformats.org/drawingml/2006/main" xmlns:r="http://schemas.openxmlformats.org/officeDocument/2006/relationships" xmlns:p="http://schemas.openxmlformats.org/presentationml/2006/main">
+  <p:cSld>
+    <p:spTree>
+      <p:nvGrpSpPr>
+        <p:cNvPr id="1" name=""/>
+        <p:cNvGrpSpPr/>
+        <p:nvPr/>
+      </p:nvGrpSpPr>
+      <p:grpSpPr>
+        <a:xfrm>
+          <a:off x="0" y="0"/>
+          <a:ext cx="0" cy="0"/>
+          <a:chOff x="0" y="0"/>
+          <a:chExt cx="0" cy="0"/>
+        </a:xfrm>
+      </p:grpSpPr>
+      <p:sp>
+        <p:nvSpPr>
+          <p:cNvPr id="2" name="Datumsplatzhalter 1"/>
+          <p:cNvSpPr>
+            <a:spLocks noGrp="1"/>
+          </p:cNvSpPr>
+          <p:nvPr>
+            <p:ph type="dt" sz="half" idx="10"/>
+          </p:nvPr>
+        </p:nvSpPr>
+        <p:spPr/>
+        <p:txBody>
+          <a:bodyPr/>
+          <a:lstStyle/>
+          <a:p>
+            <a:fld id="{A4ECBFB4-2031-A542-A2EF-20BD4D9E5256}" type="datetime1">
+              <a:rPr lang="de-DE" smtClean="0"/>
+              <a:pPr/>
+              <a:t>01.06.2017</a:t>
+            </a:fld>
+            <a:r>
+              <a:rPr lang="de-DE"/>
+              <a:t>	     Nadine Schwenke, Anna Blankenstein, Fabian Nawrath, Maximilian Bröer       Praxismodul 2	</a:t>
+            </a:r>
+            <a:endParaRPr lang="de-DE" dirty="0"/>
+          </a:p>
+        </p:txBody>
+      </p:sp>
+      <p:sp>
+        <p:nvSpPr>
+          <p:cNvPr id="3" name="Foliennummernplatzhalter 2"/>
+          <p:cNvSpPr>
+            <a:spLocks noGrp="1"/>
+          </p:cNvSpPr>
+          <p:nvPr>
+            <p:ph type="sldNum" sz="quarter" idx="12"/>
+          </p:nvPr>
+        </p:nvSpPr>
+        <p:spPr/>
+        <p:txBody>
+          <a:bodyPr/>
+          <a:lstStyle/>
+          <a:p>
+            <a:fld id="{E7BE1CCD-89A0-CC45-BF3E-2A331A7F0490}" type="slidenum">
+              <a:rPr lang="de-DE" smtClean="0"/>
+              <a:t>12</a:t>
+            </a:fld>
+            <a:endParaRPr lang="de-DE" dirty="0"/>
+          </a:p>
+        </p:txBody>
+      </p:sp>
+      <p:sp>
+        <p:nvSpPr>
+          <p:cNvPr id="4" name="Textfeld 3"/>
+          <p:cNvSpPr txBox="1"/>
+          <p:nvPr/>
+        </p:nvSpPr>
+        <p:spPr>
+          <a:xfrm>
+            <a:off x="2753874" y="116300"/>
+            <a:ext cx="3636252" cy="553998"/>
+          </a:xfrm>
+          <a:prstGeom prst="rect">
+            <a:avLst/>
+          </a:prstGeom>
+          <a:noFill/>
+        </p:spPr>
+        <p:txBody>
+          <a:bodyPr wrap="none" rtlCol="0">
+            <a:spAutoFit/>
+          </a:bodyPr>
+          <a:lstStyle/>
+          <a:p>
+            <a:r>
+              <a:rPr lang="de-DE" sz="3000" dirty="0"/>
+              <a:t>OpenHAB - Programm</a:t>
+            </a:r>
+          </a:p>
+        </p:txBody>
+      </p:sp>
+      <p:sp>
+        <p:nvSpPr>
+          <p:cNvPr id="5" name="Textfeld 4"/>
+          <p:cNvSpPr txBox="1"/>
+          <p:nvPr/>
+        </p:nvSpPr>
+        <p:spPr>
+          <a:xfrm>
+            <a:off x="3469166" y="670298"/>
+            <a:ext cx="2205668" cy="553998"/>
+          </a:xfrm>
+          <a:prstGeom prst="rect">
+            <a:avLst/>
+          </a:prstGeom>
+          <a:noFill/>
+        </p:spPr>
+        <p:txBody>
+          <a:bodyPr wrap="none" rtlCol="0">
+            <a:spAutoFit/>
+          </a:bodyPr>
+          <a:lstStyle/>
+          <a:p>
+            <a:r>
+              <a:rPr lang="de-DE" sz="3000" b="1" dirty="0"/>
+              <a:t>Live - </a:t>
+            </a:r>
+            <a:r>
+              <a:rPr lang="de-DE" sz="3000" b="1" dirty="0" err="1"/>
+              <a:t>Coding</a:t>
+            </a:r>
+            <a:endParaRPr lang="de-DE" sz="3000" b="1" dirty="0"/>
+          </a:p>
+        </p:txBody>
+      </p:sp>
+    </p:spTree>
+    <p:extLst>
+      <p:ext uri="{BB962C8B-B14F-4D97-AF65-F5344CB8AC3E}">
+        <p14:creationId xmlns:p14="http://schemas.microsoft.com/office/powerpoint/2010/main" val="3715821988"/>
+      </p:ext>
+    </p:extLst>
+  </p:cSld>
+  <p:clrMapOvr>
+    <a:masterClrMapping/>
+  </p:clrMapOvr>
+</p:sld>
+</file>
+
+<file path=ppt/slides/slide13.xml><?xml version="1.0" encoding="utf-8"?>
+<p:sld xmlns:a="http://schemas.openxmlformats.org/drawingml/2006/main" xmlns:r="http://schemas.openxmlformats.org/officeDocument/2006/relationships" xmlns:p="http://schemas.openxmlformats.org/presentationml/2006/main">
+  <p:cSld>
+    <p:spTree>
+      <p:nvGrpSpPr>
+        <p:cNvPr id="1" name=""/>
+        <p:cNvGrpSpPr/>
+        <p:nvPr/>
+      </p:nvGrpSpPr>
+      <p:grpSpPr>
+        <a:xfrm>
+          <a:off x="0" y="0"/>
+          <a:ext cx="0" cy="0"/>
+          <a:chOff x="0" y="0"/>
+          <a:chExt cx="0" cy="0"/>
+        </a:xfrm>
+      </p:grpSpPr>
+      <p:sp>
+        <p:nvSpPr>
+          <p:cNvPr id="2" name="Datumsplatzhalter 1"/>
+          <p:cNvSpPr>
+            <a:spLocks noGrp="1"/>
+          </p:cNvSpPr>
+          <p:nvPr>
+            <p:ph type="dt" sz="half" idx="10"/>
+          </p:nvPr>
+        </p:nvSpPr>
+        <p:spPr/>
+        <p:txBody>
+          <a:bodyPr/>
+          <a:lstStyle/>
+          <a:p>
+            <a:fld id="{A4ECBFB4-2031-A542-A2EF-20BD4D9E5256}" type="datetime1">
+              <a:rPr lang="de-DE" smtClean="0"/>
+              <a:pPr/>
+              <a:t>01.06.2017</a:t>
+            </a:fld>
+            <a:r>
+              <a:rPr lang="de-DE"/>
+              <a:t>	     Nadine Schwenke, Anna Blankenstein, Fabian Nawrath, Maximilian Bröer       Praxismodul 2	</a:t>
+            </a:r>
+            <a:endParaRPr lang="de-DE" dirty="0"/>
+          </a:p>
+        </p:txBody>
+      </p:sp>
+      <p:sp>
+        <p:nvSpPr>
+          <p:cNvPr id="3" name="Foliennummernplatzhalter 2"/>
+          <p:cNvSpPr>
+            <a:spLocks noGrp="1"/>
+          </p:cNvSpPr>
+          <p:nvPr>
+            <p:ph type="sldNum" sz="quarter" idx="12"/>
+          </p:nvPr>
+        </p:nvSpPr>
+        <p:spPr/>
+        <p:txBody>
+          <a:bodyPr/>
+          <a:lstStyle/>
+          <a:p>
+            <a:fld id="{E7BE1CCD-89A0-CC45-BF3E-2A331A7F0490}" type="slidenum">
+              <a:rPr lang="de-DE" smtClean="0"/>
+              <a:t>13</a:t>
+            </a:fld>
+            <a:endParaRPr lang="de-DE" dirty="0"/>
+          </a:p>
+        </p:txBody>
+      </p:sp>
+      <p:sp>
+        <p:nvSpPr>
+          <p:cNvPr id="4" name="Textfeld 3"/>
+          <p:cNvSpPr txBox="1"/>
+          <p:nvPr/>
+        </p:nvSpPr>
+        <p:spPr>
+          <a:xfrm>
+            <a:off x="1603734" y="116300"/>
+            <a:ext cx="5136727" cy="553998"/>
+          </a:xfrm>
+          <a:prstGeom prst="rect">
+            <a:avLst/>
+          </a:prstGeom>
+          <a:noFill/>
+        </p:spPr>
+        <p:txBody>
+          <a:bodyPr wrap="none" rtlCol="0">
+            <a:spAutoFit/>
+          </a:bodyPr>
+          <a:lstStyle/>
+          <a:p>
+            <a:r>
+              <a:rPr lang="de-DE" sz="3000" dirty="0"/>
+              <a:t>Gegenüberstellung der Systeme</a:t>
+            </a:r>
+          </a:p>
+        </p:txBody>
+      </p:sp>
+      <p:graphicFrame>
+        <p:nvGraphicFramePr>
+          <p:cNvPr id="6" name="Tabelle 5"/>
+          <p:cNvGraphicFramePr>
+            <a:graphicFrameLocks noGrp="1"/>
+          </p:cNvGraphicFramePr>
+          <p:nvPr>
+            <p:extLst>
+              <p:ext uri="{D42A27DB-BD31-4B8C-83A1-F6EECF244321}">
+                <p14:modId xmlns:p14="http://schemas.microsoft.com/office/powerpoint/2010/main" val="1110244285"/>
+              </p:ext>
+            </p:extLst>
+          </p:nvPr>
+        </p:nvGraphicFramePr>
+        <p:xfrm>
+          <a:off x="647998" y="1278246"/>
+          <a:ext cx="7884000" cy="4723928"/>
+        </p:xfrm>
+        <a:graphic>
+          <a:graphicData uri="http://schemas.openxmlformats.org/drawingml/2006/table">
+            <a:tbl>
+              <a:tblPr firstRow="1" firstCol="1" bandCol="1">
+                <a:tableStyleId>{91EBBBCC-DAD2-459C-BE2E-F6DE35CF9A28}</a:tableStyleId>
+              </a:tblPr>
+              <a:tblGrid>
+                <a:gridCol w="1311431">
+                  <a:extLst>
+                    <a:ext uri="{9D8B030D-6E8A-4147-A177-3AD203B41FA5}">
+                      <a16:colId xmlns:a16="http://schemas.microsoft.com/office/drawing/2014/main" val="1601678116"/>
+                    </a:ext>
+                  </a:extLst>
+                </a:gridCol>
+                <a:gridCol w="3063833">
+                  <a:extLst>
+                    <a:ext uri="{9D8B030D-6E8A-4147-A177-3AD203B41FA5}">
+                      <a16:colId xmlns:a16="http://schemas.microsoft.com/office/drawing/2014/main" val="4020795703"/>
+                    </a:ext>
+                  </a:extLst>
+                </a:gridCol>
+                <a:gridCol w="3508736">
+                  <a:extLst>
+                    <a:ext uri="{9D8B030D-6E8A-4147-A177-3AD203B41FA5}">
+                      <a16:colId xmlns:a16="http://schemas.microsoft.com/office/drawing/2014/main" val="2444339589"/>
+                    </a:ext>
+                  </a:extLst>
+                </a:gridCol>
+              </a:tblGrid>
+              <a:tr h="456964">
+                <a:tc>
+                  <a:txBody>
+                    <a:bodyPr/>
+                    <a:lstStyle/>
+                    <a:p>
+                      <a:r>
+                        <a:rPr lang="de-DE" dirty="0"/>
+                        <a:t>System</a:t>
+                      </a:r>
+                    </a:p>
+                  </a:txBody>
+                  <a:tcPr>
+                    <a:lnR w="12700" cap="flat" cmpd="sng" algn="ctr">
+                      <a:solidFill>
+                        <a:schemeClr val="tx1"/>
+                      </a:solidFill>
+                      <a:prstDash val="solid"/>
+                      <a:round/>
+                      <a:headEnd type="none" w="med" len="med"/>
+                      <a:tailEnd type="none" w="med" len="med"/>
+                    </a:lnR>
+                    <a:lnB w="12700" cap="flat" cmpd="sng" algn="ctr">
+                      <a:noFill/>
+                      <a:prstDash val="solid"/>
+                      <a:round/>
+                      <a:headEnd type="none" w="med" len="med"/>
+                      <a:tailEnd type="none" w="med" len="med"/>
+                    </a:lnB>
+                  </a:tcPr>
+                </a:tc>
+                <a:tc>
+                  <a:txBody>
+                    <a:bodyPr/>
+                    <a:lstStyle/>
+                    <a:p>
+                      <a:pPr algn="ctr"/>
+                      <a:r>
+                        <a:rPr lang="de-DE" dirty="0"/>
+                        <a:t>Vorteile</a:t>
+                      </a:r>
+                    </a:p>
+                  </a:txBody>
+                  <a:tcPr>
+                    <a:lnL w="12700" cap="flat" cmpd="sng" algn="ctr">
+                      <a:solidFill>
+                        <a:schemeClr val="tx1"/>
+                      </a:solidFill>
+                      <a:prstDash val="solid"/>
+                      <a:round/>
+                      <a:headEnd type="none" w="med" len="med"/>
+                      <a:tailEnd type="none" w="med" len="med"/>
+                    </a:lnL>
+                    <a:lnR w="12700" cap="flat" cmpd="sng" algn="ctr">
+                      <a:solidFill>
+                        <a:schemeClr val="tx1"/>
+                      </a:solidFill>
+                      <a:prstDash val="solid"/>
+                      <a:round/>
+                      <a:headEnd type="none" w="med" len="med"/>
+                      <a:tailEnd type="none" w="med" len="med"/>
+                    </a:lnR>
+                    <a:lnB w="12700" cap="flat" cmpd="sng" algn="ctr">
+                      <a:noFill/>
+                      <a:prstDash val="solid"/>
+                      <a:round/>
+                      <a:headEnd type="none" w="med" len="med"/>
+                      <a:tailEnd type="none" w="med" len="med"/>
+                    </a:lnB>
+                  </a:tcPr>
+                </a:tc>
+                <a:tc>
+                  <a:txBody>
+                    <a:bodyPr/>
+                    <a:lstStyle/>
+                    <a:p>
+                      <a:pPr algn="ctr"/>
+                      <a:r>
+                        <a:rPr lang="de-DE" dirty="0"/>
+                        <a:t>Nachteile</a:t>
+                      </a:r>
+                    </a:p>
+                  </a:txBody>
+                  <a:tcPr>
+                    <a:lnL w="12700" cap="flat" cmpd="sng" algn="ctr">
+                      <a:solidFill>
+                        <a:schemeClr val="tx1"/>
+                      </a:solidFill>
+                      <a:prstDash val="solid"/>
+                      <a:round/>
+                      <a:headEnd type="none" w="med" len="med"/>
+                      <a:tailEnd type="none" w="med" len="med"/>
+                    </a:lnL>
+                    <a:lnB w="12700" cap="flat" cmpd="sng" algn="ctr">
+                      <a:noFill/>
+                      <a:prstDash val="solid"/>
+                      <a:round/>
+                      <a:headEnd type="none" w="med" len="med"/>
+                      <a:tailEnd type="none" w="med" len="med"/>
+                    </a:lnB>
+                  </a:tcPr>
+                </a:tc>
+                <a:extLst>
+                  <a:ext uri="{0D108BD9-81ED-4DB2-BD59-A6C34878D82A}">
+                    <a16:rowId xmlns:a16="http://schemas.microsoft.com/office/drawing/2014/main" val="2415866842"/>
+                  </a:ext>
+                </a:extLst>
+              </a:tr>
+              <a:tr h="456964">
+                <a:tc rowSpan="3">
+                  <a:txBody>
+                    <a:bodyPr/>
+                    <a:lstStyle/>
+                    <a:p>
+                      <a:pPr algn="l"/>
+                      <a:r>
+                        <a:rPr lang="de-DE" sz="3000" dirty="0"/>
+                        <a:t>KNX</a:t>
+                      </a:r>
+                    </a:p>
+                  </a:txBody>
+                  <a:tcPr anchor="ctr">
+                    <a:lnL w="12700" cap="flat" cmpd="sng" algn="ctr">
+                      <a:noFill/>
+                      <a:prstDash val="solid"/>
+                      <a:round/>
+                      <a:headEnd type="none" w="med" len="med"/>
+                      <a:tailEnd type="none" w="med" len="med"/>
+                    </a:lnL>
+                    <a:lnR w="12700" cap="flat" cmpd="sng" algn="ctr">
+                      <a:solidFill>
+                        <a:schemeClr val="tx1"/>
+                      </a:solidFill>
+                      <a:prstDash val="solid"/>
+                      <a:round/>
+                      <a:headEnd type="none" w="med" len="med"/>
+                      <a:tailEnd type="none" w="med" len="med"/>
+                    </a:lnR>
+                    <a:lnT w="12700" cap="flat" cmpd="sng" algn="ctr">
+                      <a:noFill/>
+                      <a:prstDash val="solid"/>
+                      <a:round/>
+                      <a:headEnd type="none" w="med" len="med"/>
+                      <a:tailEnd type="none" w="med" len="med"/>
+                    </a:lnT>
+                    <a:lnB w="28575" cap="flat" cmpd="sng" algn="ctr">
+                      <a:solidFill>
+                        <a:schemeClr val="tx1"/>
+                      </a:solidFill>
+                      <a:prstDash val="solid"/>
+                      <a:round/>
+                      <a:headEnd type="none" w="med" len="med"/>
+                      <a:tailEnd type="none" w="med" len="med"/>
+                    </a:lnB>
+                  </a:tcPr>
+                </a:tc>
+                <a:tc>
+                  <a:txBody>
+                    <a:bodyPr/>
+                    <a:lstStyle/>
+                    <a:p>
+                      <a:r>
+                        <a:rPr lang="de-DE" sz="2200" dirty="0"/>
+                        <a:t>Dezentraler Aufbau</a:t>
+                      </a:r>
+                    </a:p>
+                  </a:txBody>
+                  <a:tcPr>
+                    <a:lnL w="12700" cap="flat" cmpd="sng" algn="ctr">
+                      <a:solidFill>
+                        <a:schemeClr val="tx1"/>
+                      </a:solidFill>
+                      <a:prstDash val="solid"/>
+                      <a:round/>
+                      <a:headEnd type="none" w="med" len="med"/>
+                      <a:tailEnd type="none" w="med" len="med"/>
+                    </a:lnL>
+                    <a:lnR w="12700" cap="flat" cmpd="sng" algn="ctr">
+                      <a:solidFill>
+                        <a:schemeClr val="tx1"/>
+                      </a:solidFill>
+                      <a:prstDash val="solid"/>
+                      <a:round/>
+                      <a:headEnd type="none" w="med" len="med"/>
+                      <a:tailEnd type="none" w="med" len="med"/>
+                    </a:lnR>
+                    <a:lnT w="12700" cap="flat" cmpd="sng" algn="ctr">
+                      <a:noFill/>
+                      <a:prstDash val="solid"/>
+                      <a:round/>
+                      <a:headEnd type="none" w="med" len="med"/>
+                      <a:tailEnd type="none" w="med" len="med"/>
+                    </a:lnT>
+                    <a:lnB w="12700" cap="flat" cmpd="sng" algn="ctr">
+                      <a:solidFill>
+                        <a:schemeClr val="tx1"/>
+                      </a:solidFill>
+                      <a:prstDash val="solid"/>
+                      <a:round/>
+                      <a:headEnd type="none" w="med" len="med"/>
+                      <a:tailEnd type="none" w="med" len="med"/>
+                    </a:lnB>
+                  </a:tcPr>
+                </a:tc>
+                <a:tc>
+                  <a:txBody>
+                    <a:bodyPr/>
+                    <a:lstStyle/>
+                    <a:p>
+                      <a:r>
+                        <a:rPr lang="de-DE" sz="2200" dirty="0"/>
+                        <a:t>µ-Prozessor macht die Geräte teurer</a:t>
+                      </a:r>
+                    </a:p>
+                  </a:txBody>
+                  <a:tcPr>
+                    <a:lnL w="12700" cap="flat" cmpd="sng" algn="ctr">
+                      <a:solidFill>
+                        <a:schemeClr val="tx1"/>
+                      </a:solidFill>
+                      <a:prstDash val="solid"/>
+                      <a:round/>
+                      <a:headEnd type="none" w="med" len="med"/>
+                      <a:tailEnd type="none" w="med" len="med"/>
+                    </a:lnL>
+                    <a:lnR w="12700" cap="flat" cmpd="sng" algn="ctr">
+                      <a:noFill/>
+                      <a:prstDash val="solid"/>
+                      <a:round/>
+                      <a:headEnd type="none" w="med" len="med"/>
+                      <a:tailEnd type="none" w="med" len="med"/>
+                    </a:lnR>
+                    <a:lnT w="12700" cap="flat" cmpd="sng" algn="ctr">
+                      <a:noFill/>
+                      <a:prstDash val="solid"/>
+                      <a:round/>
+                      <a:headEnd type="none" w="med" len="med"/>
+                      <a:tailEnd type="none" w="med" len="med"/>
+                    </a:lnT>
+                    <a:lnB w="12700" cap="flat" cmpd="sng" algn="ctr">
+                      <a:solidFill>
+                        <a:schemeClr val="tx1"/>
+                      </a:solidFill>
+                      <a:prstDash val="solid"/>
+                      <a:round/>
+                      <a:headEnd type="none" w="med" len="med"/>
+                      <a:tailEnd type="none" w="med" len="med"/>
+                    </a:lnB>
+                  </a:tcPr>
+                </a:tc>
+                <a:extLst>
+                  <a:ext uri="{0D108BD9-81ED-4DB2-BD59-A6C34878D82A}">
+                    <a16:rowId xmlns:a16="http://schemas.microsoft.com/office/drawing/2014/main" val="2038430032"/>
+                  </a:ext>
+                </a:extLst>
+              </a:tr>
+              <a:tr h="456964">
+                <a:tc vMerge="1">
+                  <a:txBody>
+                    <a:bodyPr/>
+                    <a:lstStyle/>
+                    <a:p>
+                      <a:endParaRPr lang="de-DE" dirty="0"/>
+                    </a:p>
+                  </a:txBody>
+                  <a:tcPr>
+                    <a:lnL w="12700" cap="flat" cmpd="sng" algn="ctr">
+                      <a:noFill/>
+                      <a:prstDash val="solid"/>
+                      <a:round/>
+                      <a:headEnd type="none" w="med" len="med"/>
+                      <a:tailEnd type="none" w="med" len="med"/>
+                    </a:lnL>
+                    <a:lnR w="12700" cap="flat" cmpd="sng" algn="ctr">
+                      <a:solidFill>
+                        <a:schemeClr val="tx1"/>
+                      </a:solidFill>
+                      <a:prstDash val="solid"/>
+                      <a:round/>
+                      <a:headEnd type="none" w="med" len="med"/>
+                      <a:tailEnd type="none" w="med" len="med"/>
+                    </a:lnR>
+                    <a:lnT w="12700" cap="flat" cmpd="sng" algn="ctr">
+                      <a:solidFill>
+                        <a:schemeClr val="tx1"/>
+                      </a:solidFill>
+                      <a:prstDash val="solid"/>
+                      <a:round/>
+                      <a:headEnd type="none" w="med" len="med"/>
+                      <a:tailEnd type="none" w="med" len="med"/>
+                    </a:lnT>
+                    <a:lnB w="12700" cap="flat" cmpd="sng" algn="ctr">
+                      <a:solidFill>
+                        <a:schemeClr val="tx1"/>
+                      </a:solidFill>
+                      <a:prstDash val="solid"/>
+                      <a:round/>
+                      <a:headEnd type="none" w="med" len="med"/>
+                      <a:tailEnd type="none" w="med" len="med"/>
+                    </a:lnB>
+                  </a:tcPr>
+                </a:tc>
+                <a:tc>
+                  <a:txBody>
+                    <a:bodyPr/>
+                    <a:lstStyle/>
+                    <a:p>
+                      <a:r>
+                        <a:rPr lang="de-DE" sz="2100" dirty="0"/>
+                        <a:t>Einheitliche, Übertragung/ Kom</a:t>
+                      </a:r>
+                      <a:r>
+                        <a:rPr lang="de-DE" sz="2000" dirty="0"/>
+                        <a:t>munik</a:t>
+                      </a:r>
+                      <a:r>
+                        <a:rPr lang="de-DE" sz="2100" dirty="0"/>
+                        <a:t>ation</a:t>
+                      </a:r>
+                    </a:p>
+                  </a:txBody>
+                  <a:tcPr>
+                    <a:lnL w="12700" cap="flat" cmpd="sng" algn="ctr">
+                      <a:solidFill>
+                        <a:schemeClr val="tx1"/>
+                      </a:solidFill>
+                      <a:prstDash val="solid"/>
+                      <a:round/>
+                      <a:headEnd type="none" w="med" len="med"/>
+                      <a:tailEnd type="none" w="med" len="med"/>
+                    </a:lnL>
+                    <a:lnR w="12700" cap="flat" cmpd="sng" algn="ctr">
+                      <a:solidFill>
+                        <a:schemeClr val="tx1"/>
+                      </a:solidFill>
+                      <a:prstDash val="solid"/>
+                      <a:round/>
+                      <a:headEnd type="none" w="med" len="med"/>
+                      <a:tailEnd type="none" w="med" len="med"/>
+                    </a:lnR>
+                    <a:lnT w="12700" cap="flat" cmpd="sng" algn="ctr">
+                      <a:solidFill>
+                        <a:schemeClr val="tx1"/>
+                      </a:solidFill>
+                      <a:prstDash val="solid"/>
+                      <a:round/>
+                      <a:headEnd type="none" w="med" len="med"/>
+                      <a:tailEnd type="none" w="med" len="med"/>
+                    </a:lnT>
+                    <a:lnB w="12700" cap="flat" cmpd="sng" algn="ctr">
+                      <a:solidFill>
+                        <a:schemeClr val="tx1"/>
+                      </a:solidFill>
+                      <a:prstDash val="solid"/>
+                      <a:round/>
+                      <a:headEnd type="none" w="med" len="med"/>
+                      <a:tailEnd type="none" w="med" len="med"/>
+                    </a:lnB>
+                  </a:tcPr>
+                </a:tc>
+                <a:tc>
+                  <a:txBody>
+                    <a:bodyPr/>
+                    <a:lstStyle/>
+                    <a:p>
+                      <a:r>
+                        <a:rPr lang="de-DE" sz="2200" dirty="0"/>
+                        <a:t>Linienkoppler &amp; Bereichskoppler nötig </a:t>
+                      </a:r>
+                    </a:p>
+                  </a:txBody>
+                  <a:tcPr>
+                    <a:lnL w="12700" cap="flat" cmpd="sng" algn="ctr">
+                      <a:solidFill>
+                        <a:schemeClr val="tx1"/>
+                      </a:solidFill>
+                      <a:prstDash val="solid"/>
+                      <a:round/>
+                      <a:headEnd type="none" w="med" len="med"/>
+                      <a:tailEnd type="none" w="med" len="med"/>
+                    </a:lnL>
+                    <a:lnR w="12700" cap="flat" cmpd="sng" algn="ctr">
+                      <a:noFill/>
+                      <a:prstDash val="solid"/>
+                      <a:round/>
+                      <a:headEnd type="none" w="med" len="med"/>
+                      <a:tailEnd type="none" w="med" len="med"/>
+                    </a:lnR>
+                    <a:lnT w="12700" cap="flat" cmpd="sng" algn="ctr">
+                      <a:solidFill>
+                        <a:schemeClr val="tx1"/>
+                      </a:solidFill>
+                      <a:prstDash val="solid"/>
+                      <a:round/>
+                      <a:headEnd type="none" w="med" len="med"/>
+                      <a:tailEnd type="none" w="med" len="med"/>
+                    </a:lnT>
+                    <a:lnB w="12700" cap="flat" cmpd="sng" algn="ctr">
+                      <a:solidFill>
+                        <a:schemeClr val="tx1"/>
+                      </a:solidFill>
+                      <a:prstDash val="solid"/>
+                      <a:round/>
+                      <a:headEnd type="none" w="med" len="med"/>
+                      <a:tailEnd type="none" w="med" len="med"/>
+                    </a:lnB>
+                  </a:tcPr>
+                </a:tc>
+                <a:extLst>
+                  <a:ext uri="{0D108BD9-81ED-4DB2-BD59-A6C34878D82A}">
+                    <a16:rowId xmlns:a16="http://schemas.microsoft.com/office/drawing/2014/main" val="2461466357"/>
+                  </a:ext>
+                </a:extLst>
+              </a:tr>
+              <a:tr h="456964">
+                <a:tc vMerge="1">
+                  <a:txBody>
+                    <a:bodyPr/>
+                    <a:lstStyle/>
+                    <a:p>
+                      <a:endParaRPr lang="de-DE" dirty="0"/>
+                    </a:p>
+                  </a:txBody>
+                  <a:tcPr>
+                    <a:lnL w="12700" cap="flat" cmpd="sng" algn="ctr">
+                      <a:noFill/>
+                      <a:prstDash val="solid"/>
+                      <a:round/>
+                      <a:headEnd type="none" w="med" len="med"/>
+                      <a:tailEnd type="none" w="med" len="med"/>
+                    </a:lnL>
+                    <a:lnR w="12700" cap="flat" cmpd="sng" algn="ctr">
+                      <a:solidFill>
+                        <a:schemeClr val="tx1"/>
+                      </a:solidFill>
+                      <a:prstDash val="solid"/>
+                      <a:round/>
+                      <a:headEnd type="none" w="med" len="med"/>
+                      <a:tailEnd type="none" w="med" len="med"/>
+                    </a:lnR>
+                    <a:lnT w="12700" cap="flat" cmpd="sng" algn="ctr">
+                      <a:solidFill>
+                        <a:schemeClr val="tx1"/>
+                      </a:solidFill>
+                      <a:prstDash val="solid"/>
+                      <a:round/>
+                      <a:headEnd type="none" w="med" len="med"/>
+                      <a:tailEnd type="none" w="med" len="med"/>
+                    </a:lnT>
+                    <a:lnB w="12700" cap="flat" cmpd="sng" algn="ctr">
+                      <a:solidFill>
+                        <a:schemeClr val="tx1"/>
+                      </a:solidFill>
+                      <a:prstDash val="solid"/>
+                      <a:round/>
+                      <a:headEnd type="none" w="med" len="med"/>
+                      <a:tailEnd type="none" w="med" len="med"/>
+                    </a:lnB>
+                  </a:tcPr>
+                </a:tc>
+                <a:tc>
+                  <a:txBody>
+                    <a:bodyPr/>
+                    <a:lstStyle/>
+                    <a:p>
+                      <a:r>
+                        <a:rPr lang="de-DE" sz="2200" dirty="0"/>
+                        <a:t>4 Möglichkeiten der Übertragungsverfahren</a:t>
+                      </a:r>
+                    </a:p>
+                  </a:txBody>
+                  <a:tcPr>
+                    <a:lnL w="12700" cap="flat" cmpd="sng" algn="ctr">
+                      <a:solidFill>
+                        <a:schemeClr val="tx1"/>
+                      </a:solidFill>
+                      <a:prstDash val="solid"/>
+                      <a:round/>
+                      <a:headEnd type="none" w="med" len="med"/>
+                      <a:tailEnd type="none" w="med" len="med"/>
+                    </a:lnL>
+                    <a:lnR w="12700" cap="flat" cmpd="sng" algn="ctr">
+                      <a:solidFill>
+                        <a:schemeClr val="tx1"/>
+                      </a:solidFill>
+                      <a:prstDash val="solid"/>
+                      <a:round/>
+                      <a:headEnd type="none" w="med" len="med"/>
+                      <a:tailEnd type="none" w="med" len="med"/>
+                    </a:lnR>
+                    <a:lnT w="12700" cap="flat" cmpd="sng" algn="ctr">
+                      <a:solidFill>
+                        <a:schemeClr val="tx1"/>
+                      </a:solidFill>
+                      <a:prstDash val="solid"/>
+                      <a:round/>
+                      <a:headEnd type="none" w="med" len="med"/>
+                      <a:tailEnd type="none" w="med" len="med"/>
+                    </a:lnT>
+                    <a:lnB w="28575" cap="flat" cmpd="sng" algn="ctr">
+                      <a:solidFill>
+                        <a:schemeClr val="tx1"/>
+                      </a:solidFill>
+                      <a:prstDash val="solid"/>
+                      <a:round/>
+                      <a:headEnd type="none" w="med" len="med"/>
+                      <a:tailEnd type="none" w="med" len="med"/>
+                    </a:lnB>
+                  </a:tcPr>
+                </a:tc>
+                <a:tc>
+                  <a:txBody>
+                    <a:bodyPr/>
+                    <a:lstStyle/>
+                    <a:p>
+                      <a:r>
+                        <a:rPr lang="de-DE" sz="2200" dirty="0"/>
+                        <a:t>Programmierung erfordert Softwarekenntnisse</a:t>
+                      </a:r>
+                    </a:p>
+                  </a:txBody>
+                  <a:tcPr>
+                    <a:lnL w="12700" cap="flat" cmpd="sng" algn="ctr">
+                      <a:solidFill>
+                        <a:schemeClr val="tx1"/>
+                      </a:solidFill>
+                      <a:prstDash val="solid"/>
+                      <a:round/>
+                      <a:headEnd type="none" w="med" len="med"/>
+                      <a:tailEnd type="none" w="med" len="med"/>
+                    </a:lnL>
+                    <a:lnR w="12700" cap="flat" cmpd="sng" algn="ctr">
+                      <a:noFill/>
+                      <a:prstDash val="solid"/>
+                      <a:round/>
+                      <a:headEnd type="none" w="med" len="med"/>
+                      <a:tailEnd type="none" w="med" len="med"/>
+                    </a:lnR>
+                    <a:lnT w="12700" cap="flat" cmpd="sng" algn="ctr">
+                      <a:solidFill>
+                        <a:schemeClr val="tx1"/>
+                      </a:solidFill>
+                      <a:prstDash val="solid"/>
+                      <a:round/>
+                      <a:headEnd type="none" w="med" len="med"/>
+                      <a:tailEnd type="none" w="med" len="med"/>
+                    </a:lnT>
+                    <a:lnB w="28575" cap="flat" cmpd="sng" algn="ctr">
+                      <a:solidFill>
+                        <a:schemeClr val="tx1"/>
+                      </a:solidFill>
+                      <a:prstDash val="solid"/>
+                      <a:round/>
+                      <a:headEnd type="none" w="med" len="med"/>
+                      <a:tailEnd type="none" w="med" len="med"/>
+                    </a:lnB>
+                  </a:tcPr>
+                </a:tc>
+                <a:extLst>
+                  <a:ext uri="{0D108BD9-81ED-4DB2-BD59-A6C34878D82A}">
+                    <a16:rowId xmlns:a16="http://schemas.microsoft.com/office/drawing/2014/main" val="4130422648"/>
+                  </a:ext>
+                </a:extLst>
+              </a:tr>
+              <a:tr h="456964">
+                <a:tc rowSpan="3">
+                  <a:txBody>
+                    <a:bodyPr/>
+                    <a:lstStyle/>
+                    <a:p>
+                      <a:pPr algn="l"/>
+                      <a:r>
+                        <a:rPr lang="de-DE" sz="3000" dirty="0"/>
+                        <a:t>Home-Matic</a:t>
+                      </a:r>
+                    </a:p>
+                  </a:txBody>
+                  <a:tcPr anchor="ctr">
+                    <a:lnL w="12700" cap="flat" cmpd="sng" algn="ctr">
+                      <a:noFill/>
+                      <a:prstDash val="solid"/>
+                      <a:round/>
+                      <a:headEnd type="none" w="med" len="med"/>
+                      <a:tailEnd type="none" w="med" len="med"/>
+                    </a:lnL>
+                    <a:lnR w="12700" cap="flat" cmpd="sng" algn="ctr">
+                      <a:solidFill>
+                        <a:schemeClr val="tx1"/>
+                      </a:solidFill>
+                      <a:prstDash val="solid"/>
+                      <a:round/>
+                      <a:headEnd type="none" w="med" len="med"/>
+                      <a:tailEnd type="none" w="med" len="med"/>
+                    </a:lnR>
+                    <a:lnT w="28575" cap="flat" cmpd="sng" algn="ctr">
+                      <a:solidFill>
+                        <a:schemeClr val="tx1"/>
+                      </a:solidFill>
+                      <a:prstDash val="solid"/>
+                      <a:round/>
+                      <a:headEnd type="none" w="med" len="med"/>
+                      <a:tailEnd type="none" w="med" len="med"/>
+                    </a:lnT>
+                    <a:lnB w="12700" cap="flat" cmpd="sng" algn="ctr">
+                      <a:solidFill>
+                        <a:schemeClr val="tx1"/>
+                      </a:solidFill>
+                      <a:prstDash val="solid"/>
+                      <a:round/>
+                      <a:headEnd type="none" w="med" len="med"/>
+                      <a:tailEnd type="none" w="med" len="med"/>
+                    </a:lnB>
+                  </a:tcPr>
+                </a:tc>
+                <a:tc>
+                  <a:txBody>
+                    <a:bodyPr/>
+                    <a:lstStyle/>
+                    <a:p>
+                      <a:r>
+                        <a:rPr lang="de-DE" sz="2200" dirty="0"/>
+                        <a:t>Schwerpunkt im Funk-Bereich</a:t>
+                      </a:r>
+                    </a:p>
+                  </a:txBody>
+                  <a:tcPr>
+                    <a:lnL w="12700" cap="flat" cmpd="sng" algn="ctr">
+                      <a:solidFill>
+                        <a:schemeClr val="tx1"/>
+                      </a:solidFill>
+                      <a:prstDash val="solid"/>
+                      <a:round/>
+                      <a:headEnd type="none" w="med" len="med"/>
+                      <a:tailEnd type="none" w="med" len="med"/>
+                    </a:lnL>
+                    <a:lnR w="12700" cap="flat" cmpd="sng" algn="ctr">
+                      <a:solidFill>
+                        <a:schemeClr val="tx1"/>
+                      </a:solidFill>
+                      <a:prstDash val="solid"/>
+                      <a:round/>
+                      <a:headEnd type="none" w="med" len="med"/>
+                      <a:tailEnd type="none" w="med" len="med"/>
+                    </a:lnR>
+                    <a:lnT w="28575" cap="flat" cmpd="sng" algn="ctr">
+                      <a:solidFill>
+                        <a:schemeClr val="tx1"/>
+                      </a:solidFill>
+                      <a:prstDash val="solid"/>
+                      <a:round/>
+                      <a:headEnd type="none" w="med" len="med"/>
+                      <a:tailEnd type="none" w="med" len="med"/>
+                    </a:lnT>
+                    <a:lnB w="12700" cap="flat" cmpd="sng" algn="ctr">
+                      <a:solidFill>
+                        <a:schemeClr val="tx1"/>
+                      </a:solidFill>
+                      <a:prstDash val="solid"/>
+                      <a:round/>
+                      <a:headEnd type="none" w="med" len="med"/>
+                      <a:tailEnd type="none" w="med" len="med"/>
+                    </a:lnB>
+                  </a:tcPr>
+                </a:tc>
+                <a:tc>
+                  <a:txBody>
+                    <a:bodyPr/>
+                    <a:lstStyle/>
+                    <a:p>
+                      <a:r>
+                        <a:rPr lang="de-DE" sz="2200" dirty="0"/>
+                        <a:t>Programme nur über CCU realisierbar</a:t>
+                      </a:r>
+                    </a:p>
+                  </a:txBody>
+                  <a:tcPr>
+                    <a:lnL w="12700" cap="flat" cmpd="sng" algn="ctr">
+                      <a:solidFill>
+                        <a:schemeClr val="tx1"/>
+                      </a:solidFill>
+                      <a:prstDash val="solid"/>
+                      <a:round/>
+                      <a:headEnd type="none" w="med" len="med"/>
+                      <a:tailEnd type="none" w="med" len="med"/>
+                    </a:lnL>
+                    <a:lnR w="12700" cap="flat" cmpd="sng" algn="ctr">
+                      <a:noFill/>
+                      <a:prstDash val="solid"/>
+                      <a:round/>
+                      <a:headEnd type="none" w="med" len="med"/>
+                      <a:tailEnd type="none" w="med" len="med"/>
+                    </a:lnR>
+                    <a:lnT w="28575" cap="flat" cmpd="sng" algn="ctr">
+                      <a:solidFill>
+                        <a:schemeClr val="tx1"/>
+                      </a:solidFill>
+                      <a:prstDash val="solid"/>
+                      <a:round/>
+                      <a:headEnd type="none" w="med" len="med"/>
+                      <a:tailEnd type="none" w="med" len="med"/>
+                    </a:lnT>
+                    <a:lnB w="12700" cap="flat" cmpd="sng" algn="ctr">
+                      <a:solidFill>
+                        <a:schemeClr val="tx1"/>
+                      </a:solidFill>
+                      <a:prstDash val="solid"/>
+                      <a:round/>
+                      <a:headEnd type="none" w="med" len="med"/>
+                      <a:tailEnd type="none" w="med" len="med"/>
+                    </a:lnB>
+                  </a:tcPr>
+                </a:tc>
+                <a:extLst>
+                  <a:ext uri="{0D108BD9-81ED-4DB2-BD59-A6C34878D82A}">
+                    <a16:rowId xmlns:a16="http://schemas.microsoft.com/office/drawing/2014/main" val="1285428597"/>
+                  </a:ext>
+                </a:extLst>
+              </a:tr>
+              <a:tr h="456964">
+                <a:tc vMerge="1">
+                  <a:txBody>
+                    <a:bodyPr/>
+                    <a:lstStyle/>
+                    <a:p>
+                      <a:endParaRPr lang="de-DE" sz="3000" dirty="0"/>
+                    </a:p>
+                  </a:txBody>
+                  <a:tcPr>
+                    <a:lnL w="12700" cap="flat" cmpd="sng" algn="ctr">
+                      <a:noFill/>
+                      <a:prstDash val="solid"/>
+                      <a:round/>
+                      <a:headEnd type="none" w="med" len="med"/>
+                      <a:tailEnd type="none" w="med" len="med"/>
+                    </a:lnL>
+                    <a:lnR w="12700" cap="flat" cmpd="sng" algn="ctr">
+                      <a:solidFill>
+                        <a:schemeClr val="tx1"/>
+                      </a:solidFill>
+                      <a:prstDash val="solid"/>
+                      <a:round/>
+                      <a:headEnd type="none" w="med" len="med"/>
+                      <a:tailEnd type="none" w="med" len="med"/>
+                    </a:lnR>
+                    <a:lnT w="12700" cap="flat" cmpd="sng" algn="ctr">
+                      <a:solidFill>
+                        <a:schemeClr val="tx1"/>
+                      </a:solidFill>
+                      <a:prstDash val="solid"/>
+                      <a:round/>
+                      <a:headEnd type="none" w="med" len="med"/>
+                      <a:tailEnd type="none" w="med" len="med"/>
+                    </a:lnT>
+                    <a:lnB w="12700" cap="flat" cmpd="sng" algn="ctr">
+                      <a:solidFill>
+                        <a:schemeClr val="tx1"/>
+                      </a:solidFill>
+                      <a:prstDash val="solid"/>
+                      <a:round/>
+                      <a:headEnd type="none" w="med" len="med"/>
+                      <a:tailEnd type="none" w="med" len="med"/>
+                    </a:lnB>
+                  </a:tcPr>
+                </a:tc>
+                <a:tc>
+                  <a:txBody>
+                    <a:bodyPr/>
+                    <a:lstStyle/>
+                    <a:p>
+                      <a:r>
+                        <a:rPr lang="de-DE" sz="2200" dirty="0"/>
+                        <a:t>Bidirektionale Protokolle</a:t>
+                      </a:r>
+                    </a:p>
+                  </a:txBody>
+                  <a:tcPr>
+                    <a:lnL w="12700" cap="flat" cmpd="sng" algn="ctr">
+                      <a:solidFill>
+                        <a:schemeClr val="tx1"/>
+                      </a:solidFill>
+                      <a:prstDash val="solid"/>
+                      <a:round/>
+                      <a:headEnd type="none" w="med" len="med"/>
+                      <a:tailEnd type="none" w="med" len="med"/>
+                    </a:lnL>
+                    <a:lnR w="12700" cap="flat" cmpd="sng" algn="ctr">
+                      <a:solidFill>
+                        <a:schemeClr val="tx1"/>
+                      </a:solidFill>
+                      <a:prstDash val="solid"/>
+                      <a:round/>
+                      <a:headEnd type="none" w="med" len="med"/>
+                      <a:tailEnd type="none" w="med" len="med"/>
+                    </a:lnR>
+                    <a:lnT w="12700" cap="flat" cmpd="sng" algn="ctr">
+                      <a:solidFill>
+                        <a:schemeClr val="tx1"/>
+                      </a:solidFill>
+                      <a:prstDash val="solid"/>
+                      <a:round/>
+                      <a:headEnd type="none" w="med" len="med"/>
+                      <a:tailEnd type="none" w="med" len="med"/>
+                    </a:lnT>
+                    <a:lnB w="12700" cap="flat" cmpd="sng" algn="ctr">
+                      <a:solidFill>
+                        <a:schemeClr val="tx1"/>
+                      </a:solidFill>
+                      <a:prstDash val="solid"/>
+                      <a:round/>
+                      <a:headEnd type="none" w="med" len="med"/>
+                      <a:tailEnd type="none" w="med" len="med"/>
+                    </a:lnB>
+                  </a:tcPr>
+                </a:tc>
+                <a:tc>
+                  <a:txBody>
+                    <a:bodyPr/>
+                    <a:lstStyle/>
+                    <a:p>
+                      <a:endParaRPr lang="de-DE" sz="2200" dirty="0"/>
+                    </a:p>
+                  </a:txBody>
+                  <a:tcPr>
+                    <a:lnL w="12700" cap="flat" cmpd="sng" algn="ctr">
+                      <a:solidFill>
+                        <a:schemeClr val="tx1"/>
+                      </a:solidFill>
+                      <a:prstDash val="solid"/>
+                      <a:round/>
+                      <a:headEnd type="none" w="med" len="med"/>
+                      <a:tailEnd type="none" w="med" len="med"/>
+                    </a:lnL>
+                    <a:lnR w="12700" cap="flat" cmpd="sng" algn="ctr">
+                      <a:noFill/>
+                      <a:prstDash val="solid"/>
+                      <a:round/>
+                      <a:headEnd type="none" w="med" len="med"/>
+                      <a:tailEnd type="none" w="med" len="med"/>
+                    </a:lnR>
+                    <a:lnT w="12700" cap="flat" cmpd="sng" algn="ctr">
+                      <a:solidFill>
+                        <a:schemeClr val="tx1"/>
+                      </a:solidFill>
+                      <a:prstDash val="solid"/>
+                      <a:round/>
+                      <a:headEnd type="none" w="med" len="med"/>
+                      <a:tailEnd type="none" w="med" len="med"/>
+                    </a:lnT>
+                    <a:lnB w="12700" cap="flat" cmpd="sng" algn="ctr">
+                      <a:solidFill>
+                        <a:schemeClr val="tx1"/>
+                      </a:solidFill>
+                      <a:prstDash val="solid"/>
+                      <a:round/>
+                      <a:headEnd type="none" w="med" len="med"/>
+                      <a:tailEnd type="none" w="med" len="med"/>
+                    </a:lnB>
+                  </a:tcPr>
+                </a:tc>
+                <a:extLst>
+                  <a:ext uri="{0D108BD9-81ED-4DB2-BD59-A6C34878D82A}">
+                    <a16:rowId xmlns:a16="http://schemas.microsoft.com/office/drawing/2014/main" val="4186273043"/>
+                  </a:ext>
+                </a:extLst>
+              </a:tr>
+              <a:tr h="456964">
+                <a:tc vMerge="1">
+                  <a:txBody>
+                    <a:bodyPr/>
+                    <a:lstStyle/>
+                    <a:p>
+                      <a:endParaRPr lang="de-DE" sz="3000" dirty="0"/>
+                    </a:p>
+                  </a:txBody>
+                  <a:tcPr>
+                    <a:lnL w="12700" cap="flat" cmpd="sng" algn="ctr">
+                      <a:noFill/>
+                      <a:prstDash val="solid"/>
+                      <a:round/>
+                      <a:headEnd type="none" w="med" len="med"/>
+                      <a:tailEnd type="none" w="med" len="med"/>
+                    </a:lnL>
+                    <a:lnR w="12700" cap="flat" cmpd="sng" algn="ctr">
+                      <a:solidFill>
+                        <a:schemeClr val="tx1"/>
+                      </a:solidFill>
+                      <a:prstDash val="solid"/>
+                      <a:round/>
+                      <a:headEnd type="none" w="med" len="med"/>
+                      <a:tailEnd type="none" w="med" len="med"/>
+                    </a:lnR>
+                    <a:lnT w="12700" cap="flat" cmpd="sng" algn="ctr">
+                      <a:solidFill>
+                        <a:schemeClr val="tx1"/>
+                      </a:solidFill>
+                      <a:prstDash val="solid"/>
+                      <a:round/>
+                      <a:headEnd type="none" w="med" len="med"/>
+                      <a:tailEnd type="none" w="med" len="med"/>
+                    </a:lnT>
+                    <a:lnB w="12700" cap="flat" cmpd="sng" algn="ctr">
+                      <a:solidFill>
+                        <a:schemeClr val="tx1"/>
+                      </a:solidFill>
+                      <a:prstDash val="solid"/>
+                      <a:round/>
+                      <a:headEnd type="none" w="med" len="med"/>
+                      <a:tailEnd type="none" w="med" len="med"/>
+                    </a:lnB>
+                  </a:tcPr>
+                </a:tc>
+                <a:tc>
+                  <a:txBody>
+                    <a:bodyPr/>
+                    <a:lstStyle/>
+                    <a:p>
+                      <a:pPr marL="0" marR="0" lvl="0" indent="0" algn="l" defTabSz="457200" rtl="0" eaLnBrk="1" fontAlgn="auto" latinLnBrk="0" hangingPunct="1">
+                        <a:lnSpc>
+                          <a:spcPct val="100000"/>
+                        </a:lnSpc>
+                        <a:spcBef>
+                          <a:spcPts val="0"/>
+                        </a:spcBef>
+                        <a:spcAft>
+                          <a:spcPts val="0"/>
+                        </a:spcAft>
+                        <a:buClrTx/>
+                        <a:buSzTx/>
+                        <a:buFontTx/>
+                        <a:buNone/>
+                        <a:tabLst/>
+                        <a:defRPr/>
+                      </a:pPr>
+                      <a:r>
+                        <a:rPr lang="de-DE" sz="2200" dirty="0"/>
+                        <a:t>Direktverknüpfungen arbeiten ohne CCU</a:t>
+                      </a:r>
+                    </a:p>
+                  </a:txBody>
+                  <a:tcPr>
+                    <a:lnL w="12700" cap="flat" cmpd="sng" algn="ctr">
+                      <a:solidFill>
+                        <a:schemeClr val="tx1"/>
+                      </a:solidFill>
+                      <a:prstDash val="solid"/>
+                      <a:round/>
+                      <a:headEnd type="none" w="med" len="med"/>
+                      <a:tailEnd type="none" w="med" len="med"/>
+                    </a:lnL>
+                    <a:lnR w="12700" cap="flat" cmpd="sng" algn="ctr">
+                      <a:solidFill>
+                        <a:schemeClr val="tx1"/>
+                      </a:solidFill>
+                      <a:prstDash val="solid"/>
+                      <a:round/>
+                      <a:headEnd type="none" w="med" len="med"/>
+                      <a:tailEnd type="none" w="med" len="med"/>
+                    </a:lnR>
+                    <a:lnT w="12700" cap="flat" cmpd="sng" algn="ctr">
+                      <a:solidFill>
+                        <a:schemeClr val="tx1"/>
+                      </a:solidFill>
+                      <a:prstDash val="solid"/>
+                      <a:round/>
+                      <a:headEnd type="none" w="med" len="med"/>
+                      <a:tailEnd type="none" w="med" len="med"/>
+                    </a:lnT>
+                    <a:lnB w="12700" cap="flat" cmpd="sng" algn="ctr">
+                      <a:solidFill>
+                        <a:schemeClr val="tx1"/>
+                      </a:solidFill>
+                      <a:prstDash val="solid"/>
+                      <a:round/>
+                      <a:headEnd type="none" w="med" len="med"/>
+                      <a:tailEnd type="none" w="med" len="med"/>
+                    </a:lnB>
+                  </a:tcPr>
+                </a:tc>
+                <a:tc>
+                  <a:txBody>
+                    <a:bodyPr/>
+                    <a:lstStyle/>
+                    <a:p>
+                      <a:r>
+                        <a:rPr lang="de-DE" sz="2200" dirty="0"/>
+                        <a:t>Wenige Bausätze,               kein „Bastelsystem“</a:t>
+                      </a:r>
+                    </a:p>
+                  </a:txBody>
+                  <a:tcPr>
+                    <a:lnL w="12700" cap="flat" cmpd="sng" algn="ctr">
+                      <a:solidFill>
+                        <a:schemeClr val="tx1"/>
+                      </a:solidFill>
+                      <a:prstDash val="solid"/>
+                      <a:round/>
+                      <a:headEnd type="none" w="med" len="med"/>
+                      <a:tailEnd type="none" w="med" len="med"/>
+                    </a:lnL>
+                    <a:lnR w="12700" cap="flat" cmpd="sng" algn="ctr">
+                      <a:noFill/>
+                      <a:prstDash val="solid"/>
+                      <a:round/>
+                      <a:headEnd type="none" w="med" len="med"/>
+                      <a:tailEnd type="none" w="med" len="med"/>
+                    </a:lnR>
+                    <a:lnT w="12700" cap="flat" cmpd="sng" algn="ctr">
+                      <a:solidFill>
+                        <a:schemeClr val="tx1"/>
+                      </a:solidFill>
+                      <a:prstDash val="solid"/>
+                      <a:round/>
+                      <a:headEnd type="none" w="med" len="med"/>
+                      <a:tailEnd type="none" w="med" len="med"/>
+                    </a:lnT>
+                    <a:lnB w="12700" cap="flat" cmpd="sng" algn="ctr">
+                      <a:solidFill>
+                        <a:schemeClr val="tx1"/>
+                      </a:solidFill>
+                      <a:prstDash val="solid"/>
+                      <a:round/>
+                      <a:headEnd type="none" w="med" len="med"/>
+                      <a:tailEnd type="none" w="med" len="med"/>
+                    </a:lnB>
+                  </a:tcPr>
+                </a:tc>
+                <a:extLst>
+                  <a:ext uri="{0D108BD9-81ED-4DB2-BD59-A6C34878D82A}">
+                    <a16:rowId xmlns:a16="http://schemas.microsoft.com/office/drawing/2014/main" val="2718245484"/>
+                  </a:ext>
+                </a:extLst>
+              </a:tr>
+            </a:tbl>
+          </a:graphicData>
+        </a:graphic>
+      </p:graphicFrame>
+    </p:spTree>
+    <p:extLst>
+      <p:ext uri="{BB962C8B-B14F-4D97-AF65-F5344CB8AC3E}">
+        <p14:creationId xmlns:p14="http://schemas.microsoft.com/office/powerpoint/2010/main" val="2453533354"/>
+      </p:ext>
+    </p:extLst>
+  </p:cSld>
+  <p:clrMapOvr>
+    <a:masterClrMapping/>
+  </p:clrMapOvr>
+</p:sld>
+</file>
+
+<file path=ppt/slides/slide14.xml><?xml version="1.0" encoding="utf-8"?>
+<p:sld xmlns:a="http://schemas.openxmlformats.org/drawingml/2006/main" xmlns:r="http://schemas.openxmlformats.org/officeDocument/2006/relationships" xmlns:p="http://schemas.openxmlformats.org/presentationml/2006/main">
+  <p:cSld>
+    <p:spTree>
+      <p:nvGrpSpPr>
+        <p:cNvPr id="1" name=""/>
+        <p:cNvGrpSpPr/>
+        <p:nvPr/>
+      </p:nvGrpSpPr>
+      <p:grpSpPr>
+        <a:xfrm>
+          <a:off x="0" y="0"/>
+          <a:ext cx="0" cy="0"/>
+          <a:chOff x="0" y="0"/>
+          <a:chExt cx="0" cy="0"/>
+        </a:xfrm>
+      </p:grpSpPr>
+      <p:sp>
+        <p:nvSpPr>
+          <p:cNvPr id="2" name="Datumsplatzhalter 1"/>
+          <p:cNvSpPr>
+            <a:spLocks noGrp="1"/>
+          </p:cNvSpPr>
+          <p:nvPr>
+            <p:ph type="dt" sz="half" idx="10"/>
+          </p:nvPr>
+        </p:nvSpPr>
+        <p:spPr/>
+        <p:txBody>
+          <a:bodyPr/>
+          <a:lstStyle/>
+          <a:p>
+            <a:fld id="{A4ECBFB4-2031-A542-A2EF-20BD4D9E5256}" type="datetime1">
+              <a:rPr lang="de-DE" smtClean="0"/>
+              <a:pPr/>
+              <a:t>01.06.2017</a:t>
+            </a:fld>
+            <a:r>
+              <a:rPr lang="de-DE"/>
+              <a:t>	     Nadine Schwenke, Anna Blankenstein, Fabian Nawrath, Maximilian Bröer       Praxismodul 2	</a:t>
+            </a:r>
+            <a:endParaRPr lang="de-DE" dirty="0"/>
+          </a:p>
+        </p:txBody>
+      </p:sp>
+      <p:sp>
+        <p:nvSpPr>
+          <p:cNvPr id="3" name="Foliennummernplatzhalter 2"/>
+          <p:cNvSpPr>
+            <a:spLocks noGrp="1"/>
+          </p:cNvSpPr>
+          <p:nvPr>
+            <p:ph type="sldNum" sz="quarter" idx="12"/>
+          </p:nvPr>
+        </p:nvSpPr>
+        <p:spPr/>
+        <p:txBody>
+          <a:bodyPr/>
+          <a:lstStyle/>
+          <a:p>
+            <a:fld id="{E7BE1CCD-89A0-CC45-BF3E-2A331A7F0490}" type="slidenum">
+              <a:rPr lang="de-DE" smtClean="0"/>
+              <a:t>14</a:t>
+            </a:fld>
+            <a:endParaRPr lang="de-DE" dirty="0"/>
+          </a:p>
+        </p:txBody>
+      </p:sp>
+      <p:graphicFrame>
+        <p:nvGraphicFramePr>
+          <p:cNvPr id="6" name="Tabelle 5"/>
+          <p:cNvGraphicFramePr>
+            <a:graphicFrameLocks noGrp="1"/>
+          </p:cNvGraphicFramePr>
+          <p:nvPr>
+            <p:extLst>
+              <p:ext uri="{D42A27DB-BD31-4B8C-83A1-F6EECF244321}">
+                <p14:modId xmlns:p14="http://schemas.microsoft.com/office/powerpoint/2010/main" val="497658419"/>
+              </p:ext>
+            </p:extLst>
+          </p:nvPr>
+        </p:nvGraphicFramePr>
+        <p:xfrm>
+          <a:off x="647999" y="1278968"/>
+          <a:ext cx="7884000" cy="2316244"/>
+        </p:xfrm>
+        <a:graphic>
+          <a:graphicData uri="http://schemas.openxmlformats.org/drawingml/2006/table">
+            <a:tbl>
+              <a:tblPr firstRow="1" firstCol="1" bandCol="1">
+                <a:tableStyleId>{91EBBBCC-DAD2-459C-BE2E-F6DE35CF9A28}</a:tableStyleId>
+              </a:tblPr>
+              <a:tblGrid>
+                <a:gridCol w="1311431">
+                  <a:extLst>
+                    <a:ext uri="{9D8B030D-6E8A-4147-A177-3AD203B41FA5}">
+                      <a16:colId xmlns:a16="http://schemas.microsoft.com/office/drawing/2014/main" val="971112448"/>
+                    </a:ext>
+                  </a:extLst>
+                </a:gridCol>
+                <a:gridCol w="3063833">
+                  <a:extLst>
+                    <a:ext uri="{9D8B030D-6E8A-4147-A177-3AD203B41FA5}">
+                      <a16:colId xmlns:a16="http://schemas.microsoft.com/office/drawing/2014/main" val="38358610"/>
+                    </a:ext>
+                  </a:extLst>
+                </a:gridCol>
+                <a:gridCol w="3508736">
+                  <a:extLst>
+                    <a:ext uri="{9D8B030D-6E8A-4147-A177-3AD203B41FA5}">
+                      <a16:colId xmlns:a16="http://schemas.microsoft.com/office/drawing/2014/main" val="2147010737"/>
+                    </a:ext>
+                  </a:extLst>
+                </a:gridCol>
+              </a:tblGrid>
+              <a:tr h="456964">
+                <a:tc>
+                  <a:txBody>
+                    <a:bodyPr/>
+                    <a:lstStyle/>
+                    <a:p>
+                      <a:r>
+                        <a:rPr lang="de-DE" dirty="0"/>
+                        <a:t>System</a:t>
+                      </a:r>
+                    </a:p>
+                  </a:txBody>
+                  <a:tcPr>
+                    <a:lnR w="12700" cap="flat" cmpd="sng" algn="ctr">
+                      <a:solidFill>
+                        <a:schemeClr val="tx1"/>
+                      </a:solidFill>
+                      <a:prstDash val="solid"/>
+                      <a:round/>
+                      <a:headEnd type="none" w="med" len="med"/>
+                      <a:tailEnd type="none" w="med" len="med"/>
+                    </a:lnR>
+                    <a:lnB w="12700" cap="flat" cmpd="sng" algn="ctr">
+                      <a:noFill/>
+                      <a:prstDash val="solid"/>
+                      <a:round/>
+                      <a:headEnd type="none" w="med" len="med"/>
+                      <a:tailEnd type="none" w="med" len="med"/>
+                    </a:lnB>
+                  </a:tcPr>
+                </a:tc>
+                <a:tc>
+                  <a:txBody>
+                    <a:bodyPr/>
+                    <a:lstStyle/>
+                    <a:p>
+                      <a:pPr algn="ctr"/>
+                      <a:r>
+                        <a:rPr lang="de-DE" dirty="0"/>
+                        <a:t>Vorteile</a:t>
+                      </a:r>
+                    </a:p>
+                  </a:txBody>
+                  <a:tcPr>
+                    <a:lnL w="12700" cap="flat" cmpd="sng" algn="ctr">
+                      <a:solidFill>
+                        <a:schemeClr val="tx1"/>
+                      </a:solidFill>
+                      <a:prstDash val="solid"/>
+                      <a:round/>
+                      <a:headEnd type="none" w="med" len="med"/>
+                      <a:tailEnd type="none" w="med" len="med"/>
+                    </a:lnL>
+                    <a:lnR w="12700" cap="flat" cmpd="sng" algn="ctr">
+                      <a:solidFill>
+                        <a:schemeClr val="tx1"/>
+                      </a:solidFill>
+                      <a:prstDash val="solid"/>
+                      <a:round/>
+                      <a:headEnd type="none" w="med" len="med"/>
+                      <a:tailEnd type="none" w="med" len="med"/>
+                    </a:lnR>
+                    <a:lnB w="12700" cap="flat" cmpd="sng" algn="ctr">
+                      <a:noFill/>
+                      <a:prstDash val="solid"/>
+                      <a:round/>
+                      <a:headEnd type="none" w="med" len="med"/>
+                      <a:tailEnd type="none" w="med" len="med"/>
+                    </a:lnB>
+                  </a:tcPr>
+                </a:tc>
+                <a:tc>
+                  <a:txBody>
+                    <a:bodyPr/>
+                    <a:lstStyle/>
+                    <a:p>
+                      <a:pPr algn="ctr"/>
+                      <a:r>
+                        <a:rPr lang="de-DE" dirty="0"/>
+                        <a:t>Nachteile</a:t>
+                      </a:r>
+                    </a:p>
+                  </a:txBody>
+                  <a:tcPr>
+                    <a:lnL w="12700" cap="flat" cmpd="sng" algn="ctr">
+                      <a:solidFill>
+                        <a:schemeClr val="tx1"/>
+                      </a:solidFill>
+                      <a:prstDash val="solid"/>
+                      <a:round/>
+                      <a:headEnd type="none" w="med" len="med"/>
+                      <a:tailEnd type="none" w="med" len="med"/>
+                    </a:lnL>
+                    <a:lnB w="12700" cap="flat" cmpd="sng" algn="ctr">
+                      <a:noFill/>
+                      <a:prstDash val="solid"/>
+                      <a:round/>
+                      <a:headEnd type="none" w="med" len="med"/>
+                      <a:tailEnd type="none" w="med" len="med"/>
+                    </a:lnB>
+                  </a:tcPr>
+                </a:tc>
+                <a:extLst>
+                  <a:ext uri="{0D108BD9-81ED-4DB2-BD59-A6C34878D82A}">
+                    <a16:rowId xmlns:a16="http://schemas.microsoft.com/office/drawing/2014/main" val="2602148851"/>
+                  </a:ext>
+                </a:extLst>
+              </a:tr>
+              <a:tr h="456964">
+                <a:tc rowSpan="2">
+                  <a:txBody>
+                    <a:bodyPr/>
+                    <a:lstStyle/>
+                    <a:p>
+                      <a:pPr algn="l"/>
+                      <a:r>
+                        <a:rPr lang="de-DE" sz="3000" dirty="0"/>
+                        <a:t>Home-Matic</a:t>
+                      </a:r>
+                    </a:p>
+                  </a:txBody>
+                  <a:tcPr anchor="ctr">
+                    <a:lnL w="12700" cap="flat" cmpd="sng" algn="ctr">
+                      <a:noFill/>
+                      <a:prstDash val="solid"/>
+                      <a:round/>
+                      <a:headEnd type="none" w="med" len="med"/>
+                      <a:tailEnd type="none" w="med" len="med"/>
+                    </a:lnL>
+                    <a:lnR w="12700" cap="flat" cmpd="sng" algn="ctr">
+                      <a:solidFill>
+                        <a:schemeClr val="tx1"/>
+                      </a:solidFill>
+                      <a:prstDash val="solid"/>
+                      <a:round/>
+                      <a:headEnd type="none" w="med" len="med"/>
+                      <a:tailEnd type="none" w="med" len="med"/>
+                    </a:lnR>
+                    <a:lnT w="28575" cap="flat" cmpd="sng" algn="ctr">
+                      <a:noFill/>
+                      <a:prstDash val="solid"/>
+                      <a:round/>
+                      <a:headEnd type="none" w="med" len="med"/>
+                      <a:tailEnd type="none" w="med" len="med"/>
+                    </a:lnT>
+                    <a:lnB w="12700" cap="flat" cmpd="sng" algn="ctr">
+                      <a:solidFill>
+                        <a:schemeClr val="tx1"/>
+                      </a:solidFill>
+                      <a:prstDash val="solid"/>
+                      <a:round/>
+                      <a:headEnd type="none" w="med" len="med"/>
+                      <a:tailEnd type="none" w="med" len="med"/>
+                    </a:lnB>
+                  </a:tcPr>
+                </a:tc>
+                <a:tc>
+                  <a:txBody>
+                    <a:bodyPr/>
+                    <a:lstStyle/>
+                    <a:p>
+                      <a:r>
+                        <a:rPr lang="de-DE" sz="2200" kern="1200" dirty="0">
+                          <a:solidFill>
+                            <a:schemeClr val="dk1"/>
+                          </a:solidFill>
+                          <a:effectLst/>
+                          <a:latin typeface="+mn-lt"/>
+                          <a:ea typeface="+mn-ea"/>
+                          <a:cs typeface="+mn-cs"/>
+                        </a:rPr>
+                        <a:t>Über den Web-Browser ‚weltweiter‘ Zugriff auf das System möglich</a:t>
+                      </a:r>
+                      <a:endParaRPr lang="de-DE" sz="2200" dirty="0"/>
+                    </a:p>
+                  </a:txBody>
+                  <a:tcPr>
+                    <a:lnL w="12700" cap="flat" cmpd="sng" algn="ctr">
+                      <a:solidFill>
+                        <a:schemeClr val="tx1"/>
+                      </a:solidFill>
+                      <a:prstDash val="solid"/>
+                      <a:round/>
+                      <a:headEnd type="none" w="med" len="med"/>
+                      <a:tailEnd type="none" w="med" len="med"/>
+                    </a:lnL>
+                    <a:lnR w="12700" cap="flat" cmpd="sng" algn="ctr">
+                      <a:solidFill>
+                        <a:schemeClr val="tx1"/>
+                      </a:solidFill>
+                      <a:prstDash val="solid"/>
+                      <a:round/>
+                      <a:headEnd type="none" w="med" len="med"/>
+                      <a:tailEnd type="none" w="med" len="med"/>
+                    </a:lnR>
+                    <a:lnT w="28575" cap="flat" cmpd="sng" algn="ctr">
+                      <a:noFill/>
+                      <a:prstDash val="solid"/>
+                      <a:round/>
+                      <a:headEnd type="none" w="med" len="med"/>
+                      <a:tailEnd type="none" w="med" len="med"/>
+                    </a:lnT>
+                    <a:lnB w="12700" cap="flat" cmpd="sng" algn="ctr">
+                      <a:solidFill>
+                        <a:schemeClr val="tx1"/>
+                      </a:solidFill>
+                      <a:prstDash val="solid"/>
+                      <a:round/>
+                      <a:headEnd type="none" w="med" len="med"/>
+                      <a:tailEnd type="none" w="med" len="med"/>
+                    </a:lnB>
+                  </a:tcPr>
+                </a:tc>
+                <a:tc>
+                  <a:txBody>
+                    <a:bodyPr/>
+                    <a:lstStyle/>
+                    <a:p>
+                      <a:r>
+                        <a:rPr lang="de-DE" sz="2200" kern="1200" dirty="0">
+                          <a:solidFill>
+                            <a:schemeClr val="dk1"/>
+                          </a:solidFill>
+                          <a:effectLst/>
+                          <a:latin typeface="+mn-lt"/>
+                          <a:ea typeface="+mn-ea"/>
+                          <a:cs typeface="+mn-cs"/>
+                        </a:rPr>
+                        <a:t>Komplexe Automation über Direktverbindungen nicht möglich</a:t>
+                      </a:r>
+                      <a:endParaRPr lang="de-DE" sz="2200" dirty="0"/>
+                    </a:p>
+                  </a:txBody>
+                  <a:tcPr>
+                    <a:lnL w="12700" cap="flat" cmpd="sng" algn="ctr">
+                      <a:solidFill>
+                        <a:schemeClr val="tx1"/>
+                      </a:solidFill>
+                      <a:prstDash val="solid"/>
+                      <a:round/>
+                      <a:headEnd type="none" w="med" len="med"/>
+                      <a:tailEnd type="none" w="med" len="med"/>
+                    </a:lnL>
+                    <a:lnR w="12700" cap="flat" cmpd="sng" algn="ctr">
+                      <a:noFill/>
+                      <a:prstDash val="solid"/>
+                      <a:round/>
+                      <a:headEnd type="none" w="med" len="med"/>
+                      <a:tailEnd type="none" w="med" len="med"/>
+                    </a:lnR>
+                    <a:lnT w="28575" cap="flat" cmpd="sng" algn="ctr">
+                      <a:noFill/>
+                      <a:prstDash val="solid"/>
+                      <a:round/>
+                      <a:headEnd type="none" w="med" len="med"/>
+                      <a:tailEnd type="none" w="med" len="med"/>
+                    </a:lnT>
+                    <a:lnB w="12700" cap="flat" cmpd="sng" algn="ctr">
+                      <a:solidFill>
+                        <a:schemeClr val="tx1"/>
+                      </a:solidFill>
+                      <a:prstDash val="solid"/>
+                      <a:round/>
+                      <a:headEnd type="none" w="med" len="med"/>
+                      <a:tailEnd type="none" w="med" len="med"/>
+                    </a:lnB>
+                  </a:tcPr>
+                </a:tc>
+                <a:extLst>
+                  <a:ext uri="{0D108BD9-81ED-4DB2-BD59-A6C34878D82A}">
+                    <a16:rowId xmlns:a16="http://schemas.microsoft.com/office/drawing/2014/main" val="120542946"/>
+                  </a:ext>
+                </a:extLst>
+              </a:tr>
+              <a:tr h="456964">
+                <a:tc vMerge="1">
+                  <a:txBody>
+                    <a:bodyPr/>
+                    <a:lstStyle/>
+                    <a:p>
+                      <a:endParaRPr lang="de-DE" sz="3000" dirty="0"/>
+                    </a:p>
+                  </a:txBody>
+                  <a:tcPr>
+                    <a:lnL w="12700" cap="flat" cmpd="sng" algn="ctr">
+                      <a:noFill/>
+                      <a:prstDash val="solid"/>
+                      <a:round/>
+                      <a:headEnd type="none" w="med" len="med"/>
+                      <a:tailEnd type="none" w="med" len="med"/>
+                    </a:lnL>
+                    <a:lnR w="12700" cap="flat" cmpd="sng" algn="ctr">
+                      <a:solidFill>
+                        <a:schemeClr val="tx1"/>
+                      </a:solidFill>
+                      <a:prstDash val="solid"/>
+                      <a:round/>
+                      <a:headEnd type="none" w="med" len="med"/>
+                      <a:tailEnd type="none" w="med" len="med"/>
+                    </a:lnR>
+                    <a:lnT w="12700" cap="flat" cmpd="sng" algn="ctr">
+                      <a:solidFill>
+                        <a:schemeClr val="tx1"/>
+                      </a:solidFill>
+                      <a:prstDash val="solid"/>
+                      <a:round/>
+                      <a:headEnd type="none" w="med" len="med"/>
+                      <a:tailEnd type="none" w="med" len="med"/>
+                    </a:lnT>
+                    <a:lnB w="12700" cap="flat" cmpd="sng" algn="ctr">
+                      <a:solidFill>
+                        <a:schemeClr val="tx1"/>
+                      </a:solidFill>
+                      <a:prstDash val="solid"/>
+                      <a:round/>
+                      <a:headEnd type="none" w="med" len="med"/>
+                      <a:tailEnd type="none" w="med" len="med"/>
+                    </a:lnB>
+                  </a:tcPr>
+                </a:tc>
+                <a:tc>
+                  <a:txBody>
+                    <a:bodyPr/>
+                    <a:lstStyle/>
+                    <a:p>
+                      <a:r>
+                        <a:rPr lang="de-DE" sz="2200" dirty="0"/>
+                        <a:t>Übertragungsverfahren kombinierbar</a:t>
+                      </a:r>
+                    </a:p>
+                  </a:txBody>
+                  <a:tcPr>
+                    <a:lnL w="12700" cap="flat" cmpd="sng" algn="ctr">
+                      <a:solidFill>
+                        <a:schemeClr val="tx1"/>
+                      </a:solidFill>
+                      <a:prstDash val="solid"/>
+                      <a:round/>
+                      <a:headEnd type="none" w="med" len="med"/>
+                      <a:tailEnd type="none" w="med" len="med"/>
+                    </a:lnL>
+                    <a:lnR w="12700" cap="flat" cmpd="sng" algn="ctr">
+                      <a:solidFill>
+                        <a:schemeClr val="tx1"/>
+                      </a:solidFill>
+                      <a:prstDash val="solid"/>
+                      <a:round/>
+                      <a:headEnd type="none" w="med" len="med"/>
+                      <a:tailEnd type="none" w="med" len="med"/>
+                    </a:lnR>
+                    <a:lnT w="12700" cap="flat" cmpd="sng" algn="ctr">
+                      <a:solidFill>
+                        <a:schemeClr val="tx1"/>
+                      </a:solidFill>
+                      <a:prstDash val="solid"/>
+                      <a:round/>
+                      <a:headEnd type="none" w="med" len="med"/>
+                      <a:tailEnd type="none" w="med" len="med"/>
+                    </a:lnT>
+                    <a:lnB w="12700" cap="flat" cmpd="sng" algn="ctr">
+                      <a:solidFill>
+                        <a:schemeClr val="tx1"/>
+                      </a:solidFill>
+                      <a:prstDash val="solid"/>
+                      <a:round/>
+                      <a:headEnd type="none" w="med" len="med"/>
+                      <a:tailEnd type="none" w="med" len="med"/>
+                    </a:lnB>
+                  </a:tcPr>
+                </a:tc>
+                <a:tc>
+                  <a:txBody>
+                    <a:bodyPr/>
+                    <a:lstStyle/>
+                    <a:p>
+                      <a:r>
+                        <a:rPr lang="de-DE" sz="2200" dirty="0"/>
+                        <a:t>Keine Kompatibilität zu anderen Systemen</a:t>
+                      </a:r>
+                    </a:p>
+                  </a:txBody>
+                  <a:tcPr>
+                    <a:lnL w="12700" cap="flat" cmpd="sng" algn="ctr">
+                      <a:solidFill>
+                        <a:schemeClr val="tx1"/>
+                      </a:solidFill>
+                      <a:prstDash val="solid"/>
+                      <a:round/>
+                      <a:headEnd type="none" w="med" len="med"/>
+                      <a:tailEnd type="none" w="med" len="med"/>
+                    </a:lnL>
+                    <a:lnR w="12700" cap="flat" cmpd="sng" algn="ctr">
+                      <a:noFill/>
+                      <a:prstDash val="solid"/>
+                      <a:round/>
+                      <a:headEnd type="none" w="med" len="med"/>
+                      <a:tailEnd type="none" w="med" len="med"/>
+                    </a:lnR>
+                    <a:lnT w="12700" cap="flat" cmpd="sng" algn="ctr">
+                      <a:solidFill>
+                        <a:schemeClr val="tx1"/>
+                      </a:solidFill>
+                      <a:prstDash val="solid"/>
+                      <a:round/>
+                      <a:headEnd type="none" w="med" len="med"/>
+                      <a:tailEnd type="none" w="med" len="med"/>
+                    </a:lnT>
+                    <a:lnB w="12700" cap="flat" cmpd="sng" algn="ctr">
+                      <a:solidFill>
+                        <a:schemeClr val="tx1"/>
+                      </a:solidFill>
+                      <a:prstDash val="solid"/>
+                      <a:round/>
+                      <a:headEnd type="none" w="med" len="med"/>
+                      <a:tailEnd type="none" w="med" len="med"/>
+                    </a:lnB>
+                  </a:tcPr>
+                </a:tc>
+                <a:extLst>
+                  <a:ext uri="{0D108BD9-81ED-4DB2-BD59-A6C34878D82A}">
+                    <a16:rowId xmlns:a16="http://schemas.microsoft.com/office/drawing/2014/main" val="2802646163"/>
+                  </a:ext>
+                </a:extLst>
+              </a:tr>
+            </a:tbl>
+          </a:graphicData>
+        </a:graphic>
+      </p:graphicFrame>
+      <p:sp>
+        <p:nvSpPr>
+          <p:cNvPr id="7" name="Textfeld 6"/>
+          <p:cNvSpPr txBox="1"/>
+          <p:nvPr/>
+        </p:nvSpPr>
+        <p:spPr>
+          <a:xfrm>
+            <a:off x="1603734" y="116300"/>
+            <a:ext cx="5136727" cy="553998"/>
+          </a:xfrm>
+          <a:prstGeom prst="rect">
+            <a:avLst/>
+          </a:prstGeom>
+          <a:noFill/>
+        </p:spPr>
+        <p:txBody>
+          <a:bodyPr wrap="none" rtlCol="0">
+            <a:spAutoFit/>
+          </a:bodyPr>
+          <a:lstStyle/>
+          <a:p>
+            <a:r>
+              <a:rPr lang="de-DE" sz="3000" dirty="0"/>
+              <a:t>Gegenüberstellung der Systeme</a:t>
+            </a:r>
+          </a:p>
+        </p:txBody>
+      </p:sp>
+    </p:spTree>
+    <p:extLst>
+      <p:ext uri="{BB962C8B-B14F-4D97-AF65-F5344CB8AC3E}">
+        <p14:creationId xmlns:p14="http://schemas.microsoft.com/office/powerpoint/2010/main" val="157750758"/>
+      </p:ext>
+    </p:extLst>
+  </p:cSld>
+  <p:clrMapOvr>
+    <a:masterClrMapping/>
+  </p:clrMapOvr>
+</p:sld>
+</file>
+
+<file path=ppt/slides/slide15.xml><?xml version="1.0" encoding="utf-8"?>
+<p:sld xmlns:a="http://schemas.openxmlformats.org/drawingml/2006/main" xmlns:r="http://schemas.openxmlformats.org/officeDocument/2006/relationships" xmlns:p="http://schemas.openxmlformats.org/presentationml/2006/main">
+  <p:cSld>
+    <p:spTree>
+      <p:nvGrpSpPr>
+        <p:cNvPr id="1" name=""/>
+        <p:cNvGrpSpPr/>
+        <p:nvPr/>
+      </p:nvGrpSpPr>
+      <p:grpSpPr>
+        <a:xfrm>
+          <a:off x="0" y="0"/>
+          <a:ext cx="0" cy="0"/>
+          <a:chOff x="0" y="0"/>
+          <a:chExt cx="0" cy="0"/>
+        </a:xfrm>
+      </p:grpSpPr>
+      <p:sp>
+        <p:nvSpPr>
+          <p:cNvPr id="2" name="Datumsplatzhalter 1"/>
+          <p:cNvSpPr>
+            <a:spLocks noGrp="1"/>
+          </p:cNvSpPr>
+          <p:nvPr>
+            <p:ph type="dt" sz="half" idx="10"/>
+          </p:nvPr>
+        </p:nvSpPr>
+        <p:spPr/>
+        <p:txBody>
+          <a:bodyPr/>
+          <a:lstStyle/>
+          <a:p>
+            <a:fld id="{A4ECBFB4-2031-A542-A2EF-20BD4D9E5256}" type="datetime1">
+              <a:rPr lang="de-DE" smtClean="0"/>
+              <a:pPr/>
+              <a:t>01.06.2017</a:t>
+            </a:fld>
+            <a:r>
+              <a:rPr lang="de-DE"/>
+              <a:t>	     Nadine Schwenke, Anna Blankenstein, Fabian Nawrath, Maximilian Bröer       Praxismodul 2	</a:t>
+            </a:r>
+            <a:endParaRPr lang="de-DE" dirty="0"/>
+          </a:p>
+        </p:txBody>
+      </p:sp>
+      <p:sp>
+        <p:nvSpPr>
+          <p:cNvPr id="3" name="Foliennummernplatzhalter 2"/>
+          <p:cNvSpPr>
+            <a:spLocks noGrp="1"/>
+          </p:cNvSpPr>
+          <p:nvPr>
+            <p:ph type="sldNum" sz="quarter" idx="12"/>
+          </p:nvPr>
+        </p:nvSpPr>
+        <p:spPr/>
+        <p:txBody>
+          <a:bodyPr/>
+          <a:lstStyle/>
+          <a:p>
+            <a:fld id="{E7BE1CCD-89A0-CC45-BF3E-2A331A7F0490}" type="slidenum">
+              <a:rPr lang="de-DE" smtClean="0"/>
+              <a:t>15</a:t>
+            </a:fld>
+            <a:endParaRPr lang="de-DE" dirty="0"/>
+          </a:p>
+        </p:txBody>
+      </p:sp>
+      <p:graphicFrame>
+        <p:nvGraphicFramePr>
+          <p:cNvPr id="6" name="Tabelle 5"/>
+          <p:cNvGraphicFramePr>
+            <a:graphicFrameLocks noGrp="1"/>
+          </p:cNvGraphicFramePr>
+          <p:nvPr/>
+        </p:nvGraphicFramePr>
+        <p:xfrm>
+          <a:off x="5023262" y="3135086"/>
+          <a:ext cx="208280" cy="365760"/>
+        </p:xfrm>
+        <a:graphic>
+          <a:graphicData uri="http://schemas.openxmlformats.org/drawingml/2006/table">
+            <a:tbl>
+              <a:tblPr/>
+              <a:tblGrid>
+                <a:gridCol w="208280">
+                  <a:extLst>
+                    <a:ext uri="{9D8B030D-6E8A-4147-A177-3AD203B41FA5}">
+                      <a16:colId xmlns:a16="http://schemas.microsoft.com/office/drawing/2014/main" val="349650431"/>
+                    </a:ext>
+                  </a:extLst>
+                </a:gridCol>
+              </a:tblGrid>
+              <a:tr h="0">
+                <a:tc>
+                  <a:txBody>
+                    <a:bodyPr/>
+                    <a:lstStyle/>
+                    <a:p>
+                      <a:endParaRPr lang="de-DE" dirty="0"/>
+                    </a:p>
+                  </a:txBody>
+                  <a:tcPr>
+                    <a:lnL w="12700" cmpd="sng">
+                      <a:solidFill>
+                        <a:schemeClr val="tx1"/>
+                      </a:solidFill>
+                      <a:prstDash val="solid"/>
+                    </a:lnL>
+                    <a:lnR w="12700" cmpd="sng">
+                      <a:solidFill>
+                        <a:schemeClr val="tx1"/>
+                      </a:solidFill>
+                      <a:prstDash val="solid"/>
+                    </a:lnR>
+                    <a:lnT w="12700" cmpd="sng">
+                      <a:solidFill>
+                        <a:schemeClr val="tx1"/>
+                      </a:solidFill>
+                      <a:prstDash val="solid"/>
+                    </a:lnT>
+                    <a:lnB w="12700" cmpd="sng">
+                      <a:solidFill>
+                        <a:schemeClr val="tx1"/>
+                      </a:solidFill>
+                      <a:prstDash val="solid"/>
+                    </a:lnB>
+                  </a:tcPr>
+                </a:tc>
+                <a:extLst>
+                  <a:ext uri="{0D108BD9-81ED-4DB2-BD59-A6C34878D82A}">
+                    <a16:rowId xmlns:a16="http://schemas.microsoft.com/office/drawing/2014/main" val="3988327024"/>
+                  </a:ext>
+                </a:extLst>
+              </a:tr>
+            </a:tbl>
+          </a:graphicData>
+        </a:graphic>
+      </p:graphicFrame>
+      <p:graphicFrame>
+        <p:nvGraphicFramePr>
+          <p:cNvPr id="8" name="Tabelle 7"/>
+          <p:cNvGraphicFramePr>
+            <a:graphicFrameLocks noGrp="1"/>
+          </p:cNvGraphicFramePr>
+          <p:nvPr>
+            <p:extLst>
+              <p:ext uri="{D42A27DB-BD31-4B8C-83A1-F6EECF244321}">
+                <p14:modId xmlns:p14="http://schemas.microsoft.com/office/powerpoint/2010/main" val="902722497"/>
+              </p:ext>
+            </p:extLst>
+          </p:nvPr>
+        </p:nvGraphicFramePr>
+        <p:xfrm>
+          <a:off x="647999" y="1252355"/>
+          <a:ext cx="7884000" cy="2132892"/>
+        </p:xfrm>
+        <a:graphic>
+          <a:graphicData uri="http://schemas.openxmlformats.org/drawingml/2006/table">
+            <a:tbl>
+              <a:tblPr firstRow="1" firstCol="1" bandCol="1">
+                <a:tableStyleId>{91EBBBCC-DAD2-459C-BE2E-F6DE35CF9A28}</a:tableStyleId>
+              </a:tblPr>
+              <a:tblGrid>
+                <a:gridCol w="1311431">
+                  <a:extLst>
+                    <a:ext uri="{9D8B030D-6E8A-4147-A177-3AD203B41FA5}">
+                      <a16:colId xmlns:a16="http://schemas.microsoft.com/office/drawing/2014/main" val="756561910"/>
+                    </a:ext>
+                  </a:extLst>
+                </a:gridCol>
+                <a:gridCol w="3063833">
+                  <a:extLst>
+                    <a:ext uri="{9D8B030D-6E8A-4147-A177-3AD203B41FA5}">
+                      <a16:colId xmlns:a16="http://schemas.microsoft.com/office/drawing/2014/main" val="3557741199"/>
+                    </a:ext>
+                  </a:extLst>
+                </a:gridCol>
+                <a:gridCol w="3508736">
+                  <a:extLst>
+                    <a:ext uri="{9D8B030D-6E8A-4147-A177-3AD203B41FA5}">
+                      <a16:colId xmlns:a16="http://schemas.microsoft.com/office/drawing/2014/main" val="1666945453"/>
+                    </a:ext>
+                  </a:extLst>
+                </a:gridCol>
+              </a:tblGrid>
+              <a:tr h="456964">
+                <a:tc>
+                  <a:txBody>
+                    <a:bodyPr/>
+                    <a:lstStyle/>
+                    <a:p>
+                      <a:r>
+                        <a:rPr lang="de-DE" dirty="0"/>
+                        <a:t>System</a:t>
+                      </a:r>
+                    </a:p>
+                  </a:txBody>
+                  <a:tcPr>
+                    <a:lnR w="12700" cap="flat" cmpd="sng" algn="ctr">
+                      <a:solidFill>
+                        <a:schemeClr val="tx1"/>
+                      </a:solidFill>
+                      <a:prstDash val="solid"/>
+                      <a:round/>
+                      <a:headEnd type="none" w="med" len="med"/>
+                      <a:tailEnd type="none" w="med" len="med"/>
+                    </a:lnR>
+                    <a:lnB w="12700" cap="flat" cmpd="sng" algn="ctr">
+                      <a:noFill/>
+                      <a:prstDash val="solid"/>
+                      <a:round/>
+                      <a:headEnd type="none" w="med" len="med"/>
+                      <a:tailEnd type="none" w="med" len="med"/>
+                    </a:lnB>
+                  </a:tcPr>
+                </a:tc>
+                <a:tc>
+                  <a:txBody>
+                    <a:bodyPr/>
+                    <a:lstStyle/>
+                    <a:p>
+                      <a:pPr algn="ctr"/>
+                      <a:r>
+                        <a:rPr lang="de-DE" dirty="0"/>
+                        <a:t>Vorteile</a:t>
+                      </a:r>
+                    </a:p>
+                  </a:txBody>
+                  <a:tcPr>
+                    <a:lnL w="12700" cap="flat" cmpd="sng" algn="ctr">
+                      <a:solidFill>
+                        <a:schemeClr val="tx1"/>
+                      </a:solidFill>
+                      <a:prstDash val="solid"/>
+                      <a:round/>
+                      <a:headEnd type="none" w="med" len="med"/>
+                      <a:tailEnd type="none" w="med" len="med"/>
+                    </a:lnL>
+                    <a:lnR w="12700" cap="flat" cmpd="sng" algn="ctr">
+                      <a:solidFill>
+                        <a:schemeClr val="tx1"/>
+                      </a:solidFill>
+                      <a:prstDash val="solid"/>
+                      <a:round/>
+                      <a:headEnd type="none" w="med" len="med"/>
+                      <a:tailEnd type="none" w="med" len="med"/>
+                    </a:lnR>
+                    <a:lnB w="12700" cap="flat" cmpd="sng" algn="ctr">
+                      <a:noFill/>
+                      <a:prstDash val="solid"/>
+                      <a:round/>
+                      <a:headEnd type="none" w="med" len="med"/>
+                      <a:tailEnd type="none" w="med" len="med"/>
+                    </a:lnB>
+                  </a:tcPr>
+                </a:tc>
+                <a:tc>
+                  <a:txBody>
+                    <a:bodyPr/>
+                    <a:lstStyle/>
+                    <a:p>
+                      <a:pPr algn="ctr"/>
+                      <a:r>
+                        <a:rPr lang="de-DE" dirty="0"/>
+                        <a:t>Nachteile</a:t>
+                      </a:r>
+                    </a:p>
+                  </a:txBody>
+                  <a:tcPr>
+                    <a:lnL w="12700" cap="flat" cmpd="sng" algn="ctr">
+                      <a:solidFill>
+                        <a:schemeClr val="tx1"/>
+                      </a:solidFill>
+                      <a:prstDash val="solid"/>
+                      <a:round/>
+                      <a:headEnd type="none" w="med" len="med"/>
+                      <a:tailEnd type="none" w="med" len="med"/>
+                    </a:lnL>
+                    <a:lnB w="12700" cap="flat" cmpd="sng" algn="ctr">
+                      <a:noFill/>
+                      <a:prstDash val="solid"/>
+                      <a:round/>
+                      <a:headEnd type="none" w="med" len="med"/>
+                      <a:tailEnd type="none" w="med" len="med"/>
+                    </a:lnB>
+                  </a:tcPr>
+                </a:tc>
+                <a:extLst>
+                  <a:ext uri="{0D108BD9-81ED-4DB2-BD59-A6C34878D82A}">
+                    <a16:rowId xmlns:a16="http://schemas.microsoft.com/office/drawing/2014/main" val="1014126515"/>
+                  </a:ext>
+                </a:extLst>
+              </a:tr>
+              <a:tr h="456964">
+                <a:tc rowSpan="3">
+                  <a:txBody>
+                    <a:bodyPr/>
+                    <a:lstStyle/>
+                    <a:p>
+                      <a:pPr algn="l"/>
+                      <a:r>
+                        <a:rPr lang="de-DE" sz="3000" dirty="0"/>
+                        <a:t>Open-HAB</a:t>
+                      </a:r>
+                    </a:p>
+                  </a:txBody>
+                  <a:tcPr anchor="ctr">
+                    <a:lnL w="12700" cap="flat" cmpd="sng" algn="ctr">
+                      <a:noFill/>
+                      <a:prstDash val="solid"/>
+                      <a:round/>
+                      <a:headEnd type="none" w="med" len="med"/>
+                      <a:tailEnd type="none" w="med" len="med"/>
+                    </a:lnL>
+                    <a:lnR w="12700" cap="flat" cmpd="sng" algn="ctr">
+                      <a:solidFill>
+                        <a:schemeClr val="tx1"/>
+                      </a:solidFill>
+                      <a:prstDash val="solid"/>
+                      <a:round/>
+                      <a:headEnd type="none" w="med" len="med"/>
+                      <a:tailEnd type="none" w="med" len="med"/>
+                    </a:lnR>
+                    <a:lnT w="12700" cap="flat" cmpd="sng" algn="ctr">
+                      <a:noFill/>
+                      <a:prstDash val="solid"/>
+                      <a:round/>
+                      <a:headEnd type="none" w="med" len="med"/>
+                      <a:tailEnd type="none" w="med" len="med"/>
+                    </a:lnT>
+                    <a:lnB w="12700" cap="flat" cmpd="sng" algn="ctr">
+                      <a:solidFill>
+                        <a:schemeClr val="tx1"/>
+                      </a:solidFill>
+                      <a:prstDash val="solid"/>
+                      <a:round/>
+                      <a:headEnd type="none" w="med" len="med"/>
+                      <a:tailEnd type="none" w="med" len="med"/>
+                    </a:lnB>
+                  </a:tcPr>
+                </a:tc>
+                <a:tc>
+                  <a:txBody>
+                    <a:bodyPr/>
+                    <a:lstStyle/>
+                    <a:p>
+                      <a:r>
+                        <a:rPr lang="de-DE" sz="2200" dirty="0"/>
+                        <a:t>Integrationsplattform</a:t>
+                      </a:r>
+                    </a:p>
+                  </a:txBody>
+                  <a:tcPr>
+                    <a:lnL w="12700" cap="flat" cmpd="sng" algn="ctr">
+                      <a:solidFill>
+                        <a:schemeClr val="tx1"/>
+                      </a:solidFill>
+                      <a:prstDash val="solid"/>
+                      <a:round/>
+                      <a:headEnd type="none" w="med" len="med"/>
+                      <a:tailEnd type="none" w="med" len="med"/>
+                    </a:lnL>
+                    <a:lnR w="12700" cap="flat" cmpd="sng" algn="ctr">
+                      <a:solidFill>
+                        <a:schemeClr val="tx1"/>
+                      </a:solidFill>
+                      <a:prstDash val="solid"/>
+                      <a:round/>
+                      <a:headEnd type="none" w="med" len="med"/>
+                      <a:tailEnd type="none" w="med" len="med"/>
+                    </a:lnR>
+                    <a:lnT w="12700" cap="flat" cmpd="sng" algn="ctr">
+                      <a:noFill/>
+                      <a:prstDash val="solid"/>
+                      <a:round/>
+                      <a:headEnd type="none" w="med" len="med"/>
+                      <a:tailEnd type="none" w="med" len="med"/>
+                    </a:lnT>
+                    <a:lnB w="12700" cap="flat" cmpd="sng" algn="ctr">
+                      <a:solidFill>
+                        <a:schemeClr val="tx1"/>
+                      </a:solidFill>
+                      <a:prstDash val="solid"/>
+                      <a:round/>
+                      <a:headEnd type="none" w="med" len="med"/>
+                      <a:tailEnd type="none" w="med" len="med"/>
+                    </a:lnB>
+                  </a:tcPr>
+                </a:tc>
+                <a:tc>
+                  <a:txBody>
+                    <a:bodyPr/>
+                    <a:lstStyle/>
+                    <a:p>
+                      <a:endParaRPr lang="de-DE" sz="2200" dirty="0"/>
+                    </a:p>
+                  </a:txBody>
+                  <a:tcPr>
+                    <a:lnL w="12700" cap="flat" cmpd="sng" algn="ctr">
+                      <a:solidFill>
+                        <a:schemeClr val="tx1"/>
+                      </a:solidFill>
+                      <a:prstDash val="solid"/>
+                      <a:round/>
+                      <a:headEnd type="none" w="med" len="med"/>
+                      <a:tailEnd type="none" w="med" len="med"/>
+                    </a:lnL>
+                    <a:lnR w="12700" cap="flat" cmpd="sng" algn="ctr">
+                      <a:noFill/>
+                      <a:prstDash val="solid"/>
+                      <a:round/>
+                      <a:headEnd type="none" w="med" len="med"/>
+                      <a:tailEnd type="none" w="med" len="med"/>
+                    </a:lnR>
+                    <a:lnT w="12700" cap="flat" cmpd="sng" algn="ctr">
+                      <a:noFill/>
+                      <a:prstDash val="solid"/>
+                      <a:round/>
+                      <a:headEnd type="none" w="med" len="med"/>
+                      <a:tailEnd type="none" w="med" len="med"/>
+                    </a:lnT>
+                    <a:lnB w="12700" cap="flat" cmpd="sng" algn="ctr">
+                      <a:solidFill>
+                        <a:schemeClr val="tx1"/>
+                      </a:solidFill>
+                      <a:prstDash val="solid"/>
+                      <a:round/>
+                      <a:headEnd type="none" w="med" len="med"/>
+                      <a:tailEnd type="none" w="med" len="med"/>
+                    </a:lnB>
+                  </a:tcPr>
+                </a:tc>
+                <a:extLst>
+                  <a:ext uri="{0D108BD9-81ED-4DB2-BD59-A6C34878D82A}">
+                    <a16:rowId xmlns:a16="http://schemas.microsoft.com/office/drawing/2014/main" val="1755269508"/>
+                  </a:ext>
+                </a:extLst>
+              </a:tr>
+              <a:tr h="456964">
+                <a:tc vMerge="1">
+                  <a:txBody>
+                    <a:bodyPr/>
+                    <a:lstStyle/>
+                    <a:p>
+                      <a:endParaRPr lang="de-DE" dirty="0"/>
+                    </a:p>
+                  </a:txBody>
+                  <a:tcPr>
+                    <a:lnL w="12700" cap="flat" cmpd="sng" algn="ctr">
+                      <a:noFill/>
+                      <a:prstDash val="solid"/>
+                      <a:round/>
+                      <a:headEnd type="none" w="med" len="med"/>
+                      <a:tailEnd type="none" w="med" len="med"/>
+                    </a:lnL>
+                    <a:lnR w="12700" cap="flat" cmpd="sng" algn="ctr">
+                      <a:solidFill>
+                        <a:schemeClr val="tx1"/>
+                      </a:solidFill>
+                      <a:prstDash val="solid"/>
+                      <a:round/>
+                      <a:headEnd type="none" w="med" len="med"/>
+                      <a:tailEnd type="none" w="med" len="med"/>
+                    </a:lnR>
+                    <a:lnT w="12700" cap="flat" cmpd="sng" algn="ctr">
+                      <a:solidFill>
+                        <a:schemeClr val="tx1"/>
+                      </a:solidFill>
+                      <a:prstDash val="solid"/>
+                      <a:round/>
+                      <a:headEnd type="none" w="med" len="med"/>
+                      <a:tailEnd type="none" w="med" len="med"/>
+                    </a:lnT>
+                    <a:lnB w="12700" cap="flat" cmpd="sng" algn="ctr">
+                      <a:solidFill>
+                        <a:schemeClr val="tx1"/>
+                      </a:solidFill>
+                      <a:prstDash val="solid"/>
+                      <a:round/>
+                      <a:headEnd type="none" w="med" len="med"/>
+                      <a:tailEnd type="none" w="med" len="med"/>
+                    </a:lnB>
+                  </a:tcPr>
+                </a:tc>
+                <a:tc>
+                  <a:txBody>
+                    <a:bodyPr/>
+                    <a:lstStyle/>
+                    <a:p>
+                      <a:r>
+                        <a:rPr lang="de-DE" sz="2200" dirty="0"/>
+                        <a:t>Herstellerneutral</a:t>
+                      </a:r>
+                    </a:p>
+                  </a:txBody>
+                  <a:tcPr>
+                    <a:lnL w="12700" cap="flat" cmpd="sng" algn="ctr">
+                      <a:solidFill>
+                        <a:schemeClr val="tx1"/>
+                      </a:solidFill>
+                      <a:prstDash val="solid"/>
+                      <a:round/>
+                      <a:headEnd type="none" w="med" len="med"/>
+                      <a:tailEnd type="none" w="med" len="med"/>
+                    </a:lnL>
+                    <a:lnR w="12700" cap="flat" cmpd="sng" algn="ctr">
+                      <a:solidFill>
+                        <a:schemeClr val="tx1"/>
+                      </a:solidFill>
+                      <a:prstDash val="solid"/>
+                      <a:round/>
+                      <a:headEnd type="none" w="med" len="med"/>
+                      <a:tailEnd type="none" w="med" len="med"/>
+                    </a:lnR>
+                    <a:lnT w="12700" cap="flat" cmpd="sng" algn="ctr">
+                      <a:solidFill>
+                        <a:schemeClr val="tx1"/>
+                      </a:solidFill>
+                      <a:prstDash val="solid"/>
+                      <a:round/>
+                      <a:headEnd type="none" w="med" len="med"/>
+                      <a:tailEnd type="none" w="med" len="med"/>
+                    </a:lnT>
+                    <a:lnB w="12700" cap="flat" cmpd="sng" algn="ctr">
+                      <a:solidFill>
+                        <a:schemeClr val="tx1"/>
+                      </a:solidFill>
+                      <a:prstDash val="solid"/>
+                      <a:round/>
+                      <a:headEnd type="none" w="med" len="med"/>
+                      <a:tailEnd type="none" w="med" len="med"/>
+                    </a:lnB>
+                  </a:tcPr>
+                </a:tc>
+                <a:tc>
+                  <a:txBody>
+                    <a:bodyPr/>
+                    <a:lstStyle/>
+                    <a:p>
+                      <a:endParaRPr lang="de-DE" sz="2200" dirty="0"/>
+                    </a:p>
+                  </a:txBody>
+                  <a:tcPr>
+                    <a:lnL w="12700" cap="flat" cmpd="sng" algn="ctr">
+                      <a:solidFill>
+                        <a:schemeClr val="tx1"/>
+                      </a:solidFill>
+                      <a:prstDash val="solid"/>
+                      <a:round/>
+                      <a:headEnd type="none" w="med" len="med"/>
+                      <a:tailEnd type="none" w="med" len="med"/>
+                    </a:lnL>
+                    <a:lnR w="12700" cap="flat" cmpd="sng" algn="ctr">
+                      <a:noFill/>
+                      <a:prstDash val="solid"/>
+                      <a:round/>
+                      <a:headEnd type="none" w="med" len="med"/>
+                      <a:tailEnd type="none" w="med" len="med"/>
+                    </a:lnR>
+                    <a:lnT w="12700" cap="flat" cmpd="sng" algn="ctr">
+                      <a:solidFill>
+                        <a:schemeClr val="tx1"/>
+                      </a:solidFill>
+                      <a:prstDash val="solid"/>
+                      <a:round/>
+                      <a:headEnd type="none" w="med" len="med"/>
+                      <a:tailEnd type="none" w="med" len="med"/>
+                    </a:lnT>
+                    <a:lnB w="12700" cap="flat" cmpd="sng" algn="ctr">
+                      <a:solidFill>
+                        <a:schemeClr val="tx1"/>
+                      </a:solidFill>
+                      <a:prstDash val="solid"/>
+                      <a:round/>
+                      <a:headEnd type="none" w="med" len="med"/>
+                      <a:tailEnd type="none" w="med" len="med"/>
+                    </a:lnB>
+                  </a:tcPr>
+                </a:tc>
+                <a:extLst>
+                  <a:ext uri="{0D108BD9-81ED-4DB2-BD59-A6C34878D82A}">
+                    <a16:rowId xmlns:a16="http://schemas.microsoft.com/office/drawing/2014/main" val="715863808"/>
+                  </a:ext>
+                </a:extLst>
+              </a:tr>
+              <a:tr h="456964">
+                <a:tc vMerge="1">
+                  <a:txBody>
+                    <a:bodyPr/>
+                    <a:lstStyle/>
+                    <a:p>
+                      <a:endParaRPr lang="de-DE" dirty="0"/>
+                    </a:p>
+                  </a:txBody>
+                  <a:tcPr>
+                    <a:lnL w="12700" cap="flat" cmpd="sng" algn="ctr">
+                      <a:noFill/>
+                      <a:prstDash val="solid"/>
+                      <a:round/>
+                      <a:headEnd type="none" w="med" len="med"/>
+                      <a:tailEnd type="none" w="med" len="med"/>
+                    </a:lnL>
+                    <a:lnR w="12700" cap="flat" cmpd="sng" algn="ctr">
+                      <a:solidFill>
+                        <a:schemeClr val="tx1"/>
+                      </a:solidFill>
+                      <a:prstDash val="solid"/>
+                      <a:round/>
+                      <a:headEnd type="none" w="med" len="med"/>
+                      <a:tailEnd type="none" w="med" len="med"/>
+                    </a:lnR>
+                    <a:lnT w="12700" cap="flat" cmpd="sng" algn="ctr">
+                      <a:solidFill>
+                        <a:schemeClr val="tx1"/>
+                      </a:solidFill>
+                      <a:prstDash val="solid"/>
+                      <a:round/>
+                      <a:headEnd type="none" w="med" len="med"/>
+                      <a:tailEnd type="none" w="med" len="med"/>
+                    </a:lnT>
+                    <a:lnB w="12700" cap="flat" cmpd="sng" algn="ctr">
+                      <a:solidFill>
+                        <a:schemeClr val="tx1"/>
+                      </a:solidFill>
+                      <a:prstDash val="solid"/>
+                      <a:round/>
+                      <a:headEnd type="none" w="med" len="med"/>
+                      <a:tailEnd type="none" w="med" len="med"/>
+                    </a:lnB>
+                  </a:tcPr>
+                </a:tc>
+                <a:tc>
+                  <a:txBody>
+                    <a:bodyPr/>
+                    <a:lstStyle/>
+                    <a:p>
+                      <a:r>
+                        <a:rPr lang="de-DE" sz="2200" dirty="0"/>
+                        <a:t>Hardware-/ protokollunabhängig</a:t>
+                      </a:r>
+                    </a:p>
+                  </a:txBody>
+                  <a:tcPr>
+                    <a:lnL w="12700" cap="flat" cmpd="sng" algn="ctr">
+                      <a:solidFill>
+                        <a:schemeClr val="tx1"/>
+                      </a:solidFill>
+                      <a:prstDash val="solid"/>
+                      <a:round/>
+                      <a:headEnd type="none" w="med" len="med"/>
+                      <a:tailEnd type="none" w="med" len="med"/>
+                    </a:lnL>
+                    <a:lnR w="12700" cap="flat" cmpd="sng" algn="ctr">
+                      <a:solidFill>
+                        <a:schemeClr val="tx1"/>
+                      </a:solidFill>
+                      <a:prstDash val="solid"/>
+                      <a:round/>
+                      <a:headEnd type="none" w="med" len="med"/>
+                      <a:tailEnd type="none" w="med" len="med"/>
+                    </a:lnR>
+                    <a:lnT w="12700" cap="flat" cmpd="sng" algn="ctr">
+                      <a:solidFill>
+                        <a:schemeClr val="tx1"/>
+                      </a:solidFill>
+                      <a:prstDash val="solid"/>
+                      <a:round/>
+                      <a:headEnd type="none" w="med" len="med"/>
+                      <a:tailEnd type="none" w="med" len="med"/>
+                    </a:lnT>
+                    <a:lnB w="12700" cap="flat" cmpd="sng" algn="ctr">
+                      <a:solidFill>
+                        <a:schemeClr val="tx1"/>
+                      </a:solidFill>
+                      <a:prstDash val="solid"/>
+                      <a:round/>
+                      <a:headEnd type="none" w="med" len="med"/>
+                      <a:tailEnd type="none" w="med" len="med"/>
+                    </a:lnB>
+                  </a:tcPr>
+                </a:tc>
+                <a:tc>
+                  <a:txBody>
+                    <a:bodyPr/>
+                    <a:lstStyle/>
+                    <a:p>
+                      <a:endParaRPr lang="de-DE" sz="2200" dirty="0"/>
+                    </a:p>
+                  </a:txBody>
+                  <a:tcPr>
+                    <a:lnL w="12700" cap="flat" cmpd="sng" algn="ctr">
+                      <a:solidFill>
+                        <a:schemeClr val="tx1"/>
+                      </a:solidFill>
+                      <a:prstDash val="solid"/>
+                      <a:round/>
+                      <a:headEnd type="none" w="med" len="med"/>
+                      <a:tailEnd type="none" w="med" len="med"/>
+                    </a:lnL>
+                    <a:lnR w="12700" cap="flat" cmpd="sng" algn="ctr">
+                      <a:noFill/>
+                      <a:prstDash val="solid"/>
+                      <a:round/>
+                      <a:headEnd type="none" w="med" len="med"/>
+                      <a:tailEnd type="none" w="med" len="med"/>
+                    </a:lnR>
+                    <a:lnT w="12700" cap="flat" cmpd="sng" algn="ctr">
+                      <a:solidFill>
+                        <a:schemeClr val="tx1"/>
+                      </a:solidFill>
+                      <a:prstDash val="solid"/>
+                      <a:round/>
+                      <a:headEnd type="none" w="med" len="med"/>
+                      <a:tailEnd type="none" w="med" len="med"/>
+                    </a:lnT>
+                    <a:lnB w="12700" cap="flat" cmpd="sng" algn="ctr">
+                      <a:solidFill>
+                        <a:schemeClr val="tx1"/>
+                      </a:solidFill>
+                      <a:prstDash val="solid"/>
+                      <a:round/>
+                      <a:headEnd type="none" w="med" len="med"/>
+                      <a:tailEnd type="none" w="med" len="med"/>
+                    </a:lnB>
+                  </a:tcPr>
+                </a:tc>
+                <a:extLst>
+                  <a:ext uri="{0D108BD9-81ED-4DB2-BD59-A6C34878D82A}">
+                    <a16:rowId xmlns:a16="http://schemas.microsoft.com/office/drawing/2014/main" val="550586099"/>
+                  </a:ext>
+                </a:extLst>
+              </a:tr>
+            </a:tbl>
+          </a:graphicData>
+        </a:graphic>
+      </p:graphicFrame>
+      <p:sp>
+        <p:nvSpPr>
+          <p:cNvPr id="10" name="Textfeld 9"/>
+          <p:cNvSpPr txBox="1"/>
+          <p:nvPr/>
+        </p:nvSpPr>
+        <p:spPr>
+          <a:xfrm>
+            <a:off x="1603734" y="116300"/>
+            <a:ext cx="5136727" cy="553998"/>
+          </a:xfrm>
+          <a:prstGeom prst="rect">
+            <a:avLst/>
+          </a:prstGeom>
+          <a:noFill/>
+        </p:spPr>
+        <p:txBody>
+          <a:bodyPr wrap="none" rtlCol="0">
+            <a:spAutoFit/>
+          </a:bodyPr>
+          <a:lstStyle/>
+          <a:p>
+            <a:r>
+              <a:rPr lang="de-DE" sz="3000" dirty="0"/>
+              <a:t>Gegenüberstellung der Systeme</a:t>
+            </a:r>
+          </a:p>
+        </p:txBody>
+      </p:sp>
+    </p:spTree>
+    <p:extLst>
+      <p:ext uri="{BB962C8B-B14F-4D97-AF65-F5344CB8AC3E}">
+        <p14:creationId xmlns:p14="http://schemas.microsoft.com/office/powerpoint/2010/main" val="648800438"/>
       </p:ext>
     </p:extLst>
   </p:cSld>
@@ -2950,7 +6354,7 @@
         </p:nvSpPr>
         <p:spPr>
           <a:xfrm>
-            <a:off x="647998" y="1962960"/>
+            <a:off x="647998" y="2024515"/>
             <a:ext cx="5409943" cy="492443"/>
           </a:xfrm>
           <a:prstGeom prst="rect">
@@ -2983,7 +6387,7 @@
         </p:nvSpPr>
         <p:spPr>
           <a:xfrm>
-            <a:off x="647998" y="2701624"/>
+            <a:off x="647998" y="2763179"/>
             <a:ext cx="3342133" cy="492443"/>
           </a:xfrm>
           <a:prstGeom prst="rect">
@@ -3016,7 +6420,7 @@
         </p:nvSpPr>
         <p:spPr>
           <a:xfrm>
-            <a:off x="647998" y="3194067"/>
+            <a:off x="647998" y="3255622"/>
             <a:ext cx="2688108" cy="461665"/>
           </a:xfrm>
           <a:prstGeom prst="rect">
@@ -3049,7 +6453,7 @@
         </p:nvSpPr>
         <p:spPr>
           <a:xfrm>
-            <a:off x="647998" y="3686510"/>
+            <a:off x="647998" y="3748065"/>
             <a:ext cx="4502323" cy="461665"/>
           </a:xfrm>
           <a:prstGeom prst="rect">
@@ -3082,7 +6486,7 @@
         </p:nvSpPr>
         <p:spPr>
           <a:xfrm>
-            <a:off x="647998" y="4613248"/>
+            <a:off x="647998" y="4674803"/>
             <a:ext cx="3789884" cy="461665"/>
           </a:xfrm>
           <a:prstGeom prst="rect">
@@ -3115,7 +6519,7 @@
         </p:nvSpPr>
         <p:spPr>
           <a:xfrm>
-            <a:off x="647998" y="4148175"/>
+            <a:off x="647998" y="4209730"/>
             <a:ext cx="3697038" cy="461665"/>
           </a:xfrm>
           <a:prstGeom prst="rect">
@@ -3136,6 +6540,39 @@
             <a:r>
               <a:rPr lang="de-DE" sz="2400" dirty="0"/>
               <a:t>Funkverbindung (RF)</a:t>
+            </a:r>
+          </a:p>
+        </p:txBody>
+      </p:sp>
+      <p:sp>
+        <p:nvSpPr>
+          <p:cNvPr id="5" name="Textfeld 4"/>
+          <p:cNvSpPr txBox="1"/>
+          <p:nvPr/>
+        </p:nvSpPr>
+        <p:spPr>
+          <a:xfrm>
+            <a:off x="647998" y="5440837"/>
+            <a:ext cx="4191147" cy="492443"/>
+          </a:xfrm>
+          <a:prstGeom prst="rect">
+            <a:avLst/>
+          </a:prstGeom>
+          <a:noFill/>
+        </p:spPr>
+        <p:txBody>
+          <a:bodyPr wrap="none" rtlCol="0">
+            <a:spAutoFit/>
+          </a:bodyPr>
+          <a:lstStyle/>
+          <a:p>
+            <a:pPr marL="457200" indent="-457200">
+              <a:buFont typeface="Arial" panose="020B0604020202020204" pitchFamily="34" charset="0"/>
+              <a:buChar char="•"/>
+            </a:pPr>
+            <a:r>
+              <a:rPr lang="de-DE" sz="2600" dirty="0"/>
+              <a:t>Programmierung über ETS</a:t>
             </a:r>
           </a:p>
         </p:txBody>
@@ -3455,6 +6892,51 @@
                       </p:childTnLst>
                     </p:cTn>
                   </p:par>
+                  <p:par>
+                    <p:cTn id="29" fill="hold">
+                      <p:stCondLst>
+                        <p:cond delay="indefinite"/>
+                      </p:stCondLst>
+                      <p:childTnLst>
+                        <p:par>
+                          <p:cTn id="30" fill="hold">
+                            <p:stCondLst>
+                              <p:cond delay="0"/>
+                            </p:stCondLst>
+                            <p:childTnLst>
+                              <p:par>
+                                <p:cTn id="31" presetID="1" presetClass="entr" presetSubtype="0" fill="hold" grpId="0" nodeType="clickEffect">
+                                  <p:stCondLst>
+                                    <p:cond delay="0"/>
+                                  </p:stCondLst>
+                                  <p:childTnLst>
+                                    <p:set>
+                                      <p:cBhvr>
+                                        <p:cTn id="32" dur="1" fill="hold">
+                                          <p:stCondLst>
+                                            <p:cond delay="0"/>
+                                          </p:stCondLst>
+                                        </p:cTn>
+                                        <p:tgtEl>
+                                          <p:spTgt spid="5"/>
+                                        </p:tgtEl>
+                                        <p:attrNameLst>
+                                          <p:attrName>style.visibility</p:attrName>
+                                        </p:attrNameLst>
+                                      </p:cBhvr>
+                                      <p:to>
+                                        <p:strVal val="visible"/>
+                                      </p:to>
+                                    </p:set>
+                                  </p:childTnLst>
+                                </p:cTn>
+                              </p:par>
+                            </p:childTnLst>
+                          </p:cTn>
+                        </p:par>
+                      </p:childTnLst>
+                    </p:cTn>
+                  </p:par>
                 </p:childTnLst>
               </p:cTn>
               <p:prevCondLst>
@@ -3484,6 +6966,7 @@
       <p:bldP spid="14" grpId="0"/>
       <p:bldP spid="16" grpId="0"/>
       <p:bldP spid="17" grpId="0"/>
+      <p:bldP spid="5" grpId="0"/>
     </p:bldLst>
   </p:timing>
 </p:sld>
@@ -6622,6 +10105,51 @@
                                           </p:stCondLst>
                                         </p:cTn>
                                         <p:tgtEl>
+                                          <p:spTgt spid="16"/>
+                                        </p:tgtEl>
+                                        <p:attrNameLst>
+                                          <p:attrName>style.visibility</p:attrName>
+                                        </p:attrNameLst>
+                                      </p:cBhvr>
+                                      <p:to>
+                                        <p:strVal val="visible"/>
+                                      </p:to>
+                                    </p:set>
+                                  </p:childTnLst>
+                                </p:cTn>
+                              </p:par>
+                            </p:childTnLst>
+                          </p:cTn>
+                        </p:par>
+                      </p:childTnLst>
+                    </p:cTn>
+                  </p:par>
+                  <p:par>
+                    <p:cTn id="21" fill="hold">
+                      <p:stCondLst>
+                        <p:cond delay="indefinite"/>
+                      </p:stCondLst>
+                      <p:childTnLst>
+                        <p:par>
+                          <p:cTn id="22" fill="hold">
+                            <p:stCondLst>
+                              <p:cond delay="0"/>
+                            </p:stCondLst>
+                            <p:childTnLst>
+                              <p:par>
+                                <p:cTn id="23" presetID="1" presetClass="entr" presetSubtype="0" fill="hold" grpId="0" nodeType="clickEffect">
+                                  <p:stCondLst>
+                                    <p:cond delay="0"/>
+                                  </p:stCondLst>
+                                  <p:childTnLst>
+                                    <p:set>
+                                      <p:cBhvr>
+                                        <p:cTn id="24" dur="1" fill="hold">
+                                          <p:stCondLst>
+                                            <p:cond delay="0"/>
+                                          </p:stCondLst>
+                                        </p:cTn>
+                                        <p:tgtEl>
                                           <p:spTgt spid="14"/>
                                         </p:tgtEl>
                                         <p:attrNameLst>
@@ -6636,14 +10164,14 @@
                                 </p:cTn>
                               </p:par>
                               <p:par>
-                                <p:cTn id="21" presetID="1" presetClass="entr" presetSubtype="0" fill="hold" grpId="0" nodeType="withEffect">
+                                <p:cTn id="25" presetID="1" presetClass="entr" presetSubtype="0" fill="hold" grpId="0" nodeType="withEffect">
                                   <p:stCondLst>
                                     <p:cond delay="0"/>
                                   </p:stCondLst>
                                   <p:childTnLst>
                                     <p:set>
                                       <p:cBhvr>
-                                        <p:cTn id="22" dur="1" fill="hold">
+                                        <p:cTn id="26" dur="1" fill="hold">
                                           <p:stCondLst>
                                             <p:cond delay="0"/>
                                           </p:stCondLst>
@@ -6696,6 +10224,7 @@
       <p:bldP spid="13" grpId="0"/>
       <p:bldP spid="14" grpId="0"/>
       <p:bldP spid="15" grpId="0"/>
+      <p:bldP spid="16" grpId="0"/>
     </p:bldLst>
   </p:timing>
 </p:sld>

--- a/HSHL_Hausautomationssysteme.potx.pptx
+++ b/HSHL_Hausautomationssysteme.potx.pptx
@@ -232,7 +232,7 @@
           <a:p>
             <a:fld id="{276817F0-84FC-C145-AFC3-FA42D1D21F8E}" type="datetimeFigureOut">
               <a:rPr lang="de-DE" smtClean="0"/>
-              <a:t>01.06.2017</a:t>
+              <a:t>05.06.2017</a:t>
             </a:fld>
             <a:endParaRPr lang="de-DE"/>
           </a:p>
@@ -401,7 +401,7 @@
           <a:p>
             <a:fld id="{F80FA3C8-DE25-7348-A1F7-D749F91943C8}" type="datetimeFigureOut">
               <a:rPr lang="de-DE" smtClean="0"/>
-              <a:t>01.06.2017</a:t>
+              <a:t>05.06.2017</a:t>
             </a:fld>
             <a:endParaRPr lang="de-DE"/>
           </a:p>
@@ -877,7 +877,7 @@
           <a:p>
             <a:fld id="{C916D949-773C-3845-BFBA-C7D9987445EE}" type="datetime1">
               <a:rPr lang="de-DE" smtClean="0"/>
-              <a:t>01.06.2017</a:t>
+              <a:t>05.06.2017</a:t>
             </a:fld>
             <a:endParaRPr lang="de-DE" dirty="0"/>
           </a:p>
@@ -978,7 +978,7 @@
             <a:fld id="{A4ECBFB4-2031-A542-A2EF-20BD4D9E5256}" type="datetime1">
               <a:rPr lang="de-DE" smtClean="0"/>
               <a:pPr/>
-              <a:t>01.06.2017</a:t>
+              <a:t>05.06.2017</a:t>
             </a:fld>
             <a:r>
               <a:rPr lang="de-DE" dirty="0"/>
@@ -1263,7 +1263,7 @@
           <a:p>
             <a:fld id="{C916D949-773C-3845-BFBA-C7D9987445EE}" type="datetime1">
               <a:rPr lang="de-DE" smtClean="0"/>
-              <a:t>01.06.2017</a:t>
+              <a:t>05.06.2017</a:t>
             </a:fld>
             <a:endParaRPr lang="de-DE" dirty="0"/>
           </a:p>
@@ -1790,7 +1790,7 @@
             <a:fld id="{A4ECBFB4-2031-A542-A2EF-20BD4D9E5256}" type="datetime1">
               <a:rPr lang="de-DE" smtClean="0"/>
               <a:pPr/>
-              <a:t>01.06.2017</a:t>
+              <a:t>05.06.2017</a:t>
             </a:fld>
             <a:r>
               <a:rPr lang="de-DE"/>
@@ -2521,7 +2521,7 @@
             <a:fld id="{A4ECBFB4-2031-A542-A2EF-20BD4D9E5256}" type="datetime1">
               <a:rPr lang="de-DE" smtClean="0"/>
               <a:pPr/>
-              <a:t>01.06.2017</a:t>
+              <a:t>05.06.2017</a:t>
             </a:fld>
             <a:r>
               <a:rPr lang="de-DE"/>
@@ -2660,7 +2660,7 @@
             <a:fld id="{A4ECBFB4-2031-A542-A2EF-20BD4D9E5256}" type="datetime1">
               <a:rPr lang="de-DE" smtClean="0"/>
               <a:pPr/>
-              <a:t>01.06.2017</a:t>
+              <a:t>05.06.2017</a:t>
             </a:fld>
             <a:r>
               <a:rPr lang="de-DE"/>
@@ -2804,7 +2804,7 @@
             <a:fld id="{A4ECBFB4-2031-A542-A2EF-20BD4D9E5256}" type="datetime1">
               <a:rPr lang="de-DE" smtClean="0"/>
               <a:pPr/>
-              <a:t>01.06.2017</a:t>
+              <a:t>05.06.2017</a:t>
             </a:fld>
             <a:r>
               <a:rPr lang="de-DE"/>
@@ -3997,7 +3997,7 @@
             <a:fld id="{A4ECBFB4-2031-A542-A2EF-20BD4D9E5256}" type="datetime1">
               <a:rPr lang="de-DE" smtClean="0"/>
               <a:pPr/>
-              <a:t>01.06.2017</a:t>
+              <a:t>05.06.2017</a:t>
             </a:fld>
             <a:r>
               <a:rPr lang="de-DE"/>
@@ -4582,7 +4582,7 @@
             <a:fld id="{A4ECBFB4-2031-A542-A2EF-20BD4D9E5256}" type="datetime1">
               <a:rPr lang="de-DE" smtClean="0"/>
               <a:pPr/>
-              <a:t>01.06.2017</a:t>
+              <a:t>05.06.2017</a:t>
             </a:fld>
             <a:r>
               <a:rPr lang="de-DE"/>
@@ -5361,7 +5361,7 @@
             <a:fld id="{A4ECBFB4-2031-A542-A2EF-20BD4D9E5256}" type="datetime1">
               <a:rPr lang="de-DE" smtClean="0"/>
               <a:pPr/>
-              <a:t>01.06.2017</a:t>
+              <a:t>05.06.2017</a:t>
             </a:fld>
             <a:r>
               <a:rPr lang="de-DE"/>
@@ -6207,7 +6207,7 @@
           <a:p>
             <a:fld id="{20484179-97E7-4643-B5B7-BA9089E040D3}" type="datetime1">
               <a:rPr lang="de-DE" smtClean="0"/>
-              <a:t>01.06.2017</a:t>
+              <a:t>05.06.2017</a:t>
             </a:fld>
             <a:r>
               <a:rPr lang="de-DE" dirty="0"/>
@@ -7007,7 +7007,7 @@
             <a:fld id="{A4ECBFB4-2031-A542-A2EF-20BD4D9E5256}" type="datetime1">
               <a:rPr lang="de-DE" smtClean="0"/>
               <a:pPr/>
-              <a:t>01.06.2017</a:t>
+              <a:t>05.06.2017</a:t>
             </a:fld>
             <a:r>
               <a:rPr lang="de-DE"/>
@@ -7696,7 +7696,7 @@
             <a:fld id="{A4ECBFB4-2031-A542-A2EF-20BD4D9E5256}" type="datetime1">
               <a:rPr lang="de-DE" smtClean="0"/>
               <a:pPr/>
-              <a:t>01.06.2017</a:t>
+              <a:t>05.06.2017</a:t>
             </a:fld>
             <a:r>
               <a:rPr lang="de-DE"/>
@@ -8270,7 +8270,7 @@
             <a:fld id="{A4ECBFB4-2031-A542-A2EF-20BD4D9E5256}" type="datetime1">
               <a:rPr lang="de-DE" smtClean="0"/>
               <a:pPr/>
-              <a:t>01.06.2017</a:t>
+              <a:t>05.06.2017</a:t>
             </a:fld>
             <a:r>
               <a:rPr lang="de-DE"/>
@@ -8862,7 +8862,7 @@
             <a:fld id="{A4ECBFB4-2031-A542-A2EF-20BD4D9E5256}" type="datetime1">
               <a:rPr lang="de-DE" smtClean="0"/>
               <a:pPr/>
-              <a:t>01.06.2017</a:t>
+              <a:t>05.06.2017</a:t>
             </a:fld>
             <a:r>
               <a:rPr lang="de-DE"/>
@@ -9550,7 +9550,7 @@
             <a:fld id="{A4ECBFB4-2031-A542-A2EF-20BD4D9E5256}" type="datetime1">
               <a:rPr lang="de-DE" smtClean="0"/>
               <a:pPr/>
-              <a:t>01.06.2017</a:t>
+              <a:t>05.06.2017</a:t>
             </a:fld>
             <a:r>
               <a:rPr lang="de-DE"/>
@@ -10265,7 +10265,7 @@
             <a:fld id="{A4ECBFB4-2031-A542-A2EF-20BD4D9E5256}" type="datetime1">
               <a:rPr lang="de-DE" smtClean="0"/>
               <a:pPr/>
-              <a:t>01.06.2017</a:t>
+              <a:t>05.06.2017</a:t>
             </a:fld>
             <a:r>
               <a:rPr lang="de-DE"/>

--- a/HSHL_Hausautomationssysteme.potx.pptx
+++ b/HSHL_Hausautomationssysteme.potx.pptx
@@ -232,7 +232,7 @@
           <a:p>
             <a:fld id="{276817F0-84FC-C145-AFC3-FA42D1D21F8E}" type="datetimeFigureOut">
               <a:rPr lang="de-DE" smtClean="0"/>
-              <a:t>05.06.2017</a:t>
+              <a:t>06.06.2017</a:t>
             </a:fld>
             <a:endParaRPr lang="de-DE"/>
           </a:p>
@@ -401,7 +401,7 @@
           <a:p>
             <a:fld id="{F80FA3C8-DE25-7348-A1F7-D749F91943C8}" type="datetimeFigureOut">
               <a:rPr lang="de-DE" smtClean="0"/>
-              <a:t>05.06.2017</a:t>
+              <a:t>06.06.2017</a:t>
             </a:fld>
             <a:endParaRPr lang="de-DE"/>
           </a:p>
@@ -669,6 +669,112 @@
 </p:notesMaster>
 </file>
 
+<file path=ppt/notesSlides/notesSlide1.xml><?xml version="1.0" encoding="utf-8"?>
+<p:notes xmlns:a="http://schemas.openxmlformats.org/drawingml/2006/main" xmlns:r="http://schemas.openxmlformats.org/officeDocument/2006/relationships" xmlns:p="http://schemas.openxmlformats.org/presentationml/2006/main">
+  <p:cSld>
+    <p:spTree>
+      <p:nvGrpSpPr>
+        <p:cNvPr id="1" name=""/>
+        <p:cNvGrpSpPr/>
+        <p:nvPr/>
+      </p:nvGrpSpPr>
+      <p:grpSpPr>
+        <a:xfrm>
+          <a:off x="0" y="0"/>
+          <a:ext cx="0" cy="0"/>
+          <a:chOff x="0" y="0"/>
+          <a:chExt cx="0" cy="0"/>
+        </a:xfrm>
+      </p:grpSpPr>
+      <p:sp>
+        <p:nvSpPr>
+          <p:cNvPr id="2" name="Folienbildplatzhalter 1"/>
+          <p:cNvSpPr>
+            <a:spLocks noGrp="1" noRot="1" noChangeAspect="1"/>
+          </p:cNvSpPr>
+          <p:nvPr>
+            <p:ph type="sldImg"/>
+          </p:nvPr>
+        </p:nvSpPr>
+        <p:spPr/>
+      </p:sp>
+      <p:sp>
+        <p:nvSpPr>
+          <p:cNvPr id="3" name="Notizenplatzhalter 2"/>
+          <p:cNvSpPr>
+            <a:spLocks noGrp="1"/>
+          </p:cNvSpPr>
+          <p:nvPr>
+            <p:ph type="body" idx="1"/>
+          </p:nvPr>
+        </p:nvSpPr>
+        <p:spPr/>
+        <p:txBody>
+          <a:bodyPr/>
+          <a:lstStyle/>
+          <a:p>
+            <a:endParaRPr lang="de-DE" dirty="0"/>
+          </a:p>
+        </p:txBody>
+      </p:sp>
+      <p:sp>
+        <p:nvSpPr>
+          <p:cNvPr id="4" name="Kopfzeilenplatzhalter 3"/>
+          <p:cNvSpPr>
+            <a:spLocks noGrp="1"/>
+          </p:cNvSpPr>
+          <p:nvPr>
+            <p:ph type="hdr" sz="quarter" idx="10"/>
+          </p:nvPr>
+        </p:nvSpPr>
+        <p:spPr/>
+        <p:txBody>
+          <a:bodyPr/>
+          <a:lstStyle/>
+          <a:p>
+            <a:r>
+              <a:rPr lang="de-DE"/>
+              <a:t>Die Systeme - wie funktionieren sie?</a:t>
+            </a:r>
+          </a:p>
+        </p:txBody>
+      </p:sp>
+      <p:sp>
+        <p:nvSpPr>
+          <p:cNvPr id="5" name="Foliennummernplatzhalter 4"/>
+          <p:cNvSpPr>
+            <a:spLocks noGrp="1"/>
+          </p:cNvSpPr>
+          <p:nvPr>
+            <p:ph type="sldNum" sz="quarter" idx="11"/>
+          </p:nvPr>
+        </p:nvSpPr>
+        <p:spPr/>
+        <p:txBody>
+          <a:bodyPr/>
+          <a:lstStyle/>
+          <a:p>
+            <a:fld id="{5C0E6540-DBC8-1449-A578-CCAD6D2991BC}" type="slidenum">
+              <a:rPr lang="de-DE" smtClean="0"/>
+              <a:t>6</a:t>
+            </a:fld>
+            <a:endParaRPr lang="de-DE"/>
+          </a:p>
+        </p:txBody>
+      </p:sp>
+    </p:spTree>
+    <p:extLst>
+      <p:ext uri="{BB962C8B-B14F-4D97-AF65-F5344CB8AC3E}">
+        <p14:creationId xmlns:p14="http://schemas.microsoft.com/office/powerpoint/2010/main" val="3348755901"/>
+      </p:ext>
+    </p:extLst>
+  </p:cSld>
+  <p:clrMapOvr>
+    <a:masterClrMapping/>
+  </p:clrMapOvr>
+</p:notes>
+</file>
+
 <file path=ppt/slideLayouts/slideLayout1.xml><?xml version="1.0" encoding="utf-8"?>
 <p:sldLayout xmlns:a="http://schemas.openxmlformats.org/drawingml/2006/main" xmlns:r="http://schemas.openxmlformats.org/officeDocument/2006/relationships" xmlns:p="http://schemas.openxmlformats.org/presentationml/2006/main" type="title" preserve="1">
   <p:cSld name="Titelfolie">
@@ -877,7 +983,7 @@
           <a:p>
             <a:fld id="{C916D949-773C-3845-BFBA-C7D9987445EE}" type="datetime1">
               <a:rPr lang="de-DE" smtClean="0"/>
-              <a:t>05.06.2017</a:t>
+              <a:t>06.06.2017</a:t>
             </a:fld>
             <a:endParaRPr lang="de-DE" dirty="0"/>
           </a:p>
@@ -978,7 +1084,7 @@
             <a:fld id="{A4ECBFB4-2031-A542-A2EF-20BD4D9E5256}" type="datetime1">
               <a:rPr lang="de-DE" smtClean="0"/>
               <a:pPr/>
-              <a:t>05.06.2017</a:t>
+              <a:t>06.06.2017</a:t>
             </a:fld>
             <a:r>
               <a:rPr lang="de-DE" dirty="0"/>
@@ -1263,7 +1369,7 @@
           <a:p>
             <a:fld id="{C916D949-773C-3845-BFBA-C7D9987445EE}" type="datetime1">
               <a:rPr lang="de-DE" smtClean="0"/>
-              <a:t>05.06.2017</a:t>
+              <a:t>06.06.2017</a:t>
             </a:fld>
             <a:endParaRPr lang="de-DE" dirty="0"/>
           </a:p>
@@ -1790,7 +1896,7 @@
             <a:fld id="{A4ECBFB4-2031-A542-A2EF-20BD4D9E5256}" type="datetime1">
               <a:rPr lang="de-DE" smtClean="0"/>
               <a:pPr/>
-              <a:t>05.06.2017</a:t>
+              <a:t>06.06.2017</a:t>
             </a:fld>
             <a:r>
               <a:rPr lang="de-DE"/>
@@ -2521,7 +2627,7 @@
             <a:fld id="{A4ECBFB4-2031-A542-A2EF-20BD4D9E5256}" type="datetime1">
               <a:rPr lang="de-DE" smtClean="0"/>
               <a:pPr/>
-              <a:t>05.06.2017</a:t>
+              <a:t>06.06.2017</a:t>
             </a:fld>
             <a:r>
               <a:rPr lang="de-DE"/>
@@ -2660,7 +2766,7 @@
             <a:fld id="{A4ECBFB4-2031-A542-A2EF-20BD4D9E5256}" type="datetime1">
               <a:rPr lang="de-DE" smtClean="0"/>
               <a:pPr/>
-              <a:t>05.06.2017</a:t>
+              <a:t>06.06.2017</a:t>
             </a:fld>
             <a:r>
               <a:rPr lang="de-DE"/>
@@ -2804,7 +2910,7 @@
             <a:fld id="{A4ECBFB4-2031-A542-A2EF-20BD4D9E5256}" type="datetime1">
               <a:rPr lang="de-DE" smtClean="0"/>
               <a:pPr/>
-              <a:t>05.06.2017</a:t>
+              <a:t>06.06.2017</a:t>
             </a:fld>
             <a:r>
               <a:rPr lang="de-DE"/>
@@ -2875,7 +2981,7 @@
           <p:nvPr>
             <p:extLst>
               <p:ext uri="{D42A27DB-BD31-4B8C-83A1-F6EECF244321}">
-                <p14:modId xmlns:p14="http://schemas.microsoft.com/office/powerpoint/2010/main" val="1110244285"/>
+                <p14:modId xmlns:p14="http://schemas.microsoft.com/office/powerpoint/2010/main" val="3620989299"/>
               </p:ext>
             </p:extLst>
           </p:nvPr>
@@ -3997,7 +4103,7 @@
             <a:fld id="{A4ECBFB4-2031-A542-A2EF-20BD4D9E5256}" type="datetime1">
               <a:rPr lang="de-DE" smtClean="0"/>
               <a:pPr/>
-              <a:t>05.06.2017</a:t>
+              <a:t>06.06.2017</a:t>
             </a:fld>
             <a:r>
               <a:rPr lang="de-DE"/>
@@ -4582,7 +4688,7 @@
             <a:fld id="{A4ECBFB4-2031-A542-A2EF-20BD4D9E5256}" type="datetime1">
               <a:rPr lang="de-DE" smtClean="0"/>
               <a:pPr/>
-              <a:t>05.06.2017</a:t>
+              <a:t>06.06.2017</a:t>
             </a:fld>
             <a:r>
               <a:rPr lang="de-DE"/>
@@ -4695,14 +4801,14 @@
           <p:nvPr>
             <p:extLst>
               <p:ext uri="{D42A27DB-BD31-4B8C-83A1-F6EECF244321}">
-                <p14:modId xmlns:p14="http://schemas.microsoft.com/office/powerpoint/2010/main" val="902722497"/>
+                <p14:modId xmlns:p14="http://schemas.microsoft.com/office/powerpoint/2010/main" val="431277485"/>
               </p:ext>
             </p:extLst>
           </p:nvPr>
         </p:nvGraphicFramePr>
         <p:xfrm>
           <a:off x="647999" y="1252355"/>
-          <a:ext cx="7884000" cy="2132892"/>
+          <a:ext cx="7884000" cy="2894892"/>
         </p:xfrm>
         <a:graphic>
           <a:graphicData uri="http://schemas.openxmlformats.org/drawingml/2006/table">
@@ -4879,9 +4985,7 @@
                       <a:tailEnd type="none" w="med" len="med"/>
                     </a:lnT>
                     <a:lnB w="12700" cap="flat" cmpd="sng" algn="ctr">
-                      <a:solidFill>
-                        <a:schemeClr val="tx1"/>
-                      </a:solidFill>
+                      <a:noFill/>
                       <a:prstDash val="solid"/>
                       <a:round/>
                       <a:headEnd type="none" w="med" len="med"/>
@@ -5236,6 +5340,9 @@
                     <a:p>
                       <a:endParaRPr lang="de-DE" sz="2200" dirty="0"/>
                     </a:p>
+                    <a:p>
+                      <a:endParaRPr lang="de-DE" sz="2200" dirty="0"/>
+                    </a:p>
                   </a:txBody>
                   <a:tcPr>
                     <a:lnL w="12700" cap="flat" cmpd="sng" algn="ctr">
@@ -5277,6 +5384,157 @@
                 <a:extLst>
                   <a:ext uri="{0D108BD9-81ED-4DB2-BD59-A6C34878D82A}">
                     <a16:rowId xmlns:a16="http://schemas.microsoft.com/office/drawing/2014/main" val="550586099"/>
+                  </a:ext>
+                </a:extLst>
+              </a:tr>
+              <a:tr h="456964">
+                <a:tc>
+                  <a:txBody>
+                    <a:bodyPr/>
+                    <a:lstStyle/>
+                    <a:p>
+                      <a:pPr algn="l"/>
+                      <a:endParaRPr lang="de-DE" sz="3000" dirty="0"/>
+                    </a:p>
+                  </a:txBody>
+                  <a:tcPr anchor="ctr">
+                    <a:lnL w="12700" cap="flat" cmpd="sng" algn="ctr">
+                      <a:noFill/>
+                      <a:prstDash val="solid"/>
+                      <a:round/>
+                      <a:headEnd type="none" w="med" len="med"/>
+                      <a:tailEnd type="none" w="med" len="med"/>
+                    </a:lnL>
+                    <a:lnR w="12700" cap="flat" cmpd="sng" algn="ctr">
+                      <a:solidFill>
+                        <a:schemeClr val="tx1"/>
+                      </a:solidFill>
+                      <a:prstDash val="solid"/>
+                      <a:round/>
+                      <a:headEnd type="none" w="med" len="med"/>
+                      <a:tailEnd type="none" w="med" len="med"/>
+                    </a:lnR>
+                    <a:lnT w="12700" cap="flat" cmpd="sng" algn="ctr">
+                      <a:noFill/>
+                      <a:prstDash val="solid"/>
+                      <a:round/>
+                      <a:headEnd type="none" w="med" len="med"/>
+                      <a:tailEnd type="none" w="med" len="med"/>
+                    </a:lnT>
+                    <a:lnB w="12700" cap="flat" cmpd="sng" algn="ctr">
+                      <a:solidFill>
+                        <a:schemeClr val="tx1"/>
+                      </a:solidFill>
+                      <a:prstDash val="solid"/>
+                      <a:round/>
+                      <a:headEnd type="none" w="med" len="med"/>
+                      <a:tailEnd type="none" w="med" len="med"/>
+                    </a:lnB>
+                  </a:tcPr>
+                </a:tc>
+                <a:tc>
+                  <a:txBody>
+                    <a:bodyPr/>
+                    <a:lstStyle/>
+                    <a:p>
+                      <a:r>
+                        <a:rPr lang="de-DE" sz="2200" dirty="0"/>
+                        <a:t>Kein </a:t>
+                      </a:r>
+                      <a:r>
+                        <a:rPr lang="de-DE" sz="2200"/>
+                        <a:t>Internetverbindung notwendig </a:t>
+                      </a:r>
+                      <a:endParaRPr lang="de-DE" sz="2200" dirty="0"/>
+                    </a:p>
+                  </a:txBody>
+                  <a:tcPr>
+                    <a:lnL w="12700" cap="flat" cmpd="sng" algn="ctr">
+                      <a:solidFill>
+                        <a:schemeClr val="tx1"/>
+                      </a:solidFill>
+                      <a:prstDash val="solid"/>
+                      <a:round/>
+                      <a:headEnd type="none" w="med" len="med"/>
+                      <a:tailEnd type="none" w="med" len="med"/>
+                    </a:lnL>
+                    <a:lnR w="12700" cap="flat" cmpd="sng" algn="ctr">
+                      <a:solidFill>
+                        <a:schemeClr val="tx1"/>
+                      </a:solidFill>
+                      <a:prstDash val="solid"/>
+                      <a:round/>
+                      <a:headEnd type="none" w="med" len="med"/>
+                      <a:tailEnd type="none" w="med" len="med"/>
+                    </a:lnR>
+                    <a:lnT w="12700" cap="flat" cmpd="sng" algn="ctr">
+                      <a:solidFill>
+                        <a:schemeClr val="tx1"/>
+                      </a:solidFill>
+                      <a:prstDash val="solid"/>
+                      <a:round/>
+                      <a:headEnd type="none" w="med" len="med"/>
+                      <a:tailEnd type="none" w="med" len="med"/>
+                    </a:lnT>
+                    <a:lnB w="12700" cap="flat" cmpd="sng" algn="ctr">
+                      <a:solidFill>
+                        <a:schemeClr val="tx1"/>
+                      </a:solidFill>
+                      <a:prstDash val="solid"/>
+                      <a:round/>
+                      <a:headEnd type="none" w="med" len="med"/>
+                      <a:tailEnd type="none" w="med" len="med"/>
+                    </a:lnB>
+                  </a:tcPr>
+                </a:tc>
+                <a:tc>
+                  <a:txBody>
+                    <a:bodyPr/>
+                    <a:lstStyle/>
+                    <a:p>
+                      <a:endParaRPr lang="de-DE" sz="2200" dirty="0"/>
+                    </a:p>
+                  </a:txBody>
+                  <a:tcPr>
+                    <a:lnL w="12700" cap="flat" cmpd="sng" algn="ctr">
+                      <a:solidFill>
+                        <a:schemeClr val="tx1"/>
+                      </a:solidFill>
+                      <a:prstDash val="solid"/>
+                      <a:round/>
+                      <a:headEnd type="none" w="med" len="med"/>
+                      <a:tailEnd type="none" w="med" len="med"/>
+                    </a:lnL>
+                    <a:lnR w="12700" cap="flat" cmpd="sng" algn="ctr">
+                      <a:noFill/>
+                      <a:prstDash val="solid"/>
+                      <a:round/>
+                      <a:headEnd type="none" w="med" len="med"/>
+                      <a:tailEnd type="none" w="med" len="med"/>
+                    </a:lnR>
+                    <a:lnT w="12700" cap="flat" cmpd="sng" algn="ctr">
+                      <a:solidFill>
+                        <a:schemeClr val="tx1"/>
+                      </a:solidFill>
+                      <a:prstDash val="solid"/>
+                      <a:round/>
+                      <a:headEnd type="none" w="med" len="med"/>
+                      <a:tailEnd type="none" w="med" len="med"/>
+                    </a:lnT>
+                    <a:lnB w="12700" cap="flat" cmpd="sng" algn="ctr">
+                      <a:solidFill>
+                        <a:schemeClr val="tx1"/>
+                      </a:solidFill>
+                      <a:prstDash val="solid"/>
+                      <a:round/>
+                      <a:headEnd type="none" w="med" len="med"/>
+                      <a:tailEnd type="none" w="med" len="med"/>
+                    </a:lnB>
+                  </a:tcPr>
+                </a:tc>
+                <a:extLst>
+                  <a:ext uri="{0D108BD9-81ED-4DB2-BD59-A6C34878D82A}">
+                    <a16:rowId xmlns:a16="http://schemas.microsoft.com/office/drawing/2014/main" val="2118290755"/>
                   </a:ext>
                 </a:extLst>
               </a:tr>
@@ -5361,7 +5619,7 @@
             <a:fld id="{A4ECBFB4-2031-A542-A2EF-20BD4D9E5256}" type="datetime1">
               <a:rPr lang="de-DE" smtClean="0"/>
               <a:pPr/>
-              <a:t>05.06.2017</a:t>
+              <a:t>06.06.2017</a:t>
             </a:fld>
             <a:r>
               <a:rPr lang="de-DE"/>
@@ -6207,7 +6465,7 @@
           <a:p>
             <a:fld id="{20484179-97E7-4643-B5B7-BA9089E040D3}" type="datetime1">
               <a:rPr lang="de-DE" smtClean="0"/>
-              <a:t>05.06.2017</a:t>
+              <a:t>06.06.2017</a:t>
             </a:fld>
             <a:r>
               <a:rPr lang="de-DE" dirty="0"/>
@@ -7007,7 +7265,7 @@
             <a:fld id="{A4ECBFB4-2031-A542-A2EF-20BD4D9E5256}" type="datetime1">
               <a:rPr lang="de-DE" smtClean="0"/>
               <a:pPr/>
-              <a:t>05.06.2017</a:t>
+              <a:t>06.06.2017</a:t>
             </a:fld>
             <a:r>
               <a:rPr lang="de-DE"/>
@@ -7172,7 +7430,7 @@
         </p:nvSpPr>
         <p:spPr>
           <a:xfrm>
-            <a:off x="641842" y="2855512"/>
+            <a:off x="647998" y="2843628"/>
             <a:ext cx="7524496" cy="492443"/>
           </a:xfrm>
           <a:prstGeom prst="rect">
@@ -7696,7 +7954,7 @@
             <a:fld id="{A4ECBFB4-2031-A542-A2EF-20BD4D9E5256}" type="datetime1">
               <a:rPr lang="de-DE" smtClean="0"/>
               <a:pPr/>
-              <a:t>05.06.2017</a:t>
+              <a:t>06.06.2017</a:t>
             </a:fld>
             <a:r>
               <a:rPr lang="de-DE"/>
@@ -7816,39 +8074,6 @@
             <a:r>
               <a:rPr lang="de-DE" sz="2600" dirty="0"/>
               <a:t>Adressen </a:t>
-            </a:r>
-          </a:p>
-        </p:txBody>
-      </p:sp>
-      <p:sp>
-        <p:nvSpPr>
-          <p:cNvPr id="7" name="Textfeld 6"/>
-          <p:cNvSpPr txBox="1"/>
-          <p:nvPr/>
-        </p:nvSpPr>
-        <p:spPr>
-          <a:xfrm>
-            <a:off x="900680" y="2638455"/>
-            <a:ext cx="3285643" cy="461665"/>
-          </a:xfrm>
-          <a:prstGeom prst="rect">
-            <a:avLst/>
-          </a:prstGeom>
-          <a:noFill/>
-        </p:spPr>
-        <p:txBody>
-          <a:bodyPr wrap="none" rtlCol="0">
-            <a:spAutoFit/>
-          </a:bodyPr>
-          <a:lstStyle/>
-          <a:p>
-            <a:pPr marL="742950" lvl="1" indent="-285750">
-              <a:buFont typeface="Courier New" panose="02070309020205020404" pitchFamily="49" charset="0"/>
-              <a:buChar char="o"/>
-            </a:pPr>
-            <a:r>
-              <a:rPr lang="de-DE" sz="2400" dirty="0"/>
-              <a:t>Gruppen-Adressen</a:t>
             </a:r>
           </a:p>
         </p:txBody>
@@ -7902,74 +8127,14 @@
         </p:blipFill>
         <p:spPr>
           <a:xfrm>
-            <a:off x="4871031" y="1400668"/>
-            <a:ext cx="3660968" cy="1088288"/>
+            <a:off x="1925628" y="2582605"/>
+            <a:ext cx="5352470" cy="1591117"/>
           </a:xfrm>
           <a:prstGeom prst="rect">
             <a:avLst/>
           </a:prstGeom>
         </p:spPr>
       </p:pic>
-      <p:pic>
-        <p:nvPicPr>
-          <p:cNvPr id="15" name="Grafik 14" descr="Ein Bild, das Screenshot enthält.&#10;&#10;Mit sehr hoher Zuverlässigkeit generierte Beschreibung"/>
-          <p:cNvPicPr>
-            <a:picLocks noChangeAspect="1"/>
-          </p:cNvPicPr>
-          <p:nvPr/>
-        </p:nvPicPr>
-        <p:blipFill>
-          <a:blip r:embed="rId3"/>
-          <a:stretch>
-            <a:fillRect/>
-          </a:stretch>
-        </p:blipFill>
-        <p:spPr>
-          <a:xfrm>
-            <a:off x="1969164" y="3146209"/>
-            <a:ext cx="5516126" cy="3034707"/>
-          </a:xfrm>
-          <a:prstGeom prst="rect">
-            <a:avLst/>
-          </a:prstGeom>
-          <a:ln w="3175">
-            <a:solidFill>
-              <a:schemeClr val="tx1">
-                <a:alpha val="74000"/>
-              </a:schemeClr>
-            </a:solidFill>
-          </a:ln>
-        </p:spPr>
-      </p:pic>
-      <p:sp>
-        <p:nvSpPr>
-          <p:cNvPr id="17" name="Textfeld 16"/>
-          <p:cNvSpPr txBox="1"/>
-          <p:nvPr/>
-        </p:nvSpPr>
-        <p:spPr>
-          <a:xfrm>
-            <a:off x="1883673" y="6169041"/>
-            <a:ext cx="1728358" cy="261610"/>
-          </a:xfrm>
-          <a:prstGeom prst="rect">
-            <a:avLst/>
-          </a:prstGeom>
-          <a:noFill/>
-        </p:spPr>
-        <p:txBody>
-          <a:bodyPr wrap="none" rtlCol="0">
-            <a:spAutoFit/>
-          </a:bodyPr>
-          <a:lstStyle/>
-          <a:p>
-            <a:r>
-              <a:rPr lang="de-DE" sz="1100" dirty="0"/>
-              <a:t>http://www.e-volution.de/</a:t>
-            </a:r>
-          </a:p>
-        </p:txBody>
-      </p:sp>
     </p:spTree>
     <p:extLst>
       <p:ext uri="{BB962C8B-B14F-4D97-AF65-F5344CB8AC3E}">
@@ -8105,105 +8270,6 @@
                       </p:childTnLst>
                     </p:cTn>
                   </p:par>
-                  <p:par>
-                    <p:cTn id="13" fill="hold">
-                      <p:stCondLst>
-                        <p:cond delay="indefinite"/>
-                      </p:stCondLst>
-                      <p:childTnLst>
-                        <p:par>
-                          <p:cTn id="14" fill="hold">
-                            <p:stCondLst>
-                              <p:cond delay="0"/>
-                            </p:stCondLst>
-                            <p:childTnLst>
-                              <p:par>
-                                <p:cTn id="15" presetID="1" presetClass="entr" presetSubtype="0" fill="hold" grpId="0" nodeType="clickEffect">
-                                  <p:stCondLst>
-                                    <p:cond delay="0"/>
-                                  </p:stCondLst>
-                                  <p:childTnLst>
-                                    <p:set>
-                                      <p:cBhvr>
-                                        <p:cTn id="16" dur="1" fill="hold">
-                                          <p:stCondLst>
-                                            <p:cond delay="0"/>
-                                          </p:stCondLst>
-                                        </p:cTn>
-                                        <p:tgtEl>
-                                          <p:spTgt spid="7"/>
-                                        </p:tgtEl>
-                                        <p:attrNameLst>
-                                          <p:attrName>style.visibility</p:attrName>
-                                        </p:attrNameLst>
-                                      </p:cBhvr>
-                                      <p:to>
-                                        <p:strVal val="visible"/>
-                                      </p:to>
-                                    </p:set>
-                                  </p:childTnLst>
-                                </p:cTn>
-                              </p:par>
-                              <p:par>
-                                <p:cTn id="17" presetID="1" presetClass="entr" presetSubtype="0" fill="hold" nodeType="withEffect">
-                                  <p:stCondLst>
-                                    <p:cond delay="0"/>
-                                  </p:stCondLst>
-                                  <p:childTnLst>
-                                    <p:set>
-                                      <p:cBhvr>
-                                        <p:cTn id="18" dur="1" fill="hold">
-                                          <p:stCondLst>
-                                            <p:cond delay="0"/>
-                                          </p:stCondLst>
-                                        </p:cTn>
-                                        <p:tgtEl>
-                                          <p:spTgt spid="15"/>
-                                        </p:tgtEl>
-                                        <p:attrNameLst>
-                                          <p:attrName>style.visibility</p:attrName>
-                                        </p:attrNameLst>
-                                      </p:cBhvr>
-                                      <p:to>
-                                        <p:strVal val="visible"/>
-                                      </p:to>
-                                    </p:set>
-                                  </p:childTnLst>
-                                </p:cTn>
-                              </p:par>
-                              <p:par>
-                                <p:cTn id="19" presetID="1" presetClass="entr" presetSubtype="0" fill="hold" grpId="0" nodeType="withEffect">
-                                  <p:stCondLst>
-                                    <p:cond delay="0"/>
-                                  </p:stCondLst>
-                                  <p:childTnLst>
-                                    <p:set>
-                                      <p:cBhvr>
-                                        <p:cTn id="20" dur="1" fill="hold">
-                                          <p:stCondLst>
-                                            <p:cond delay="0"/>
-                                          </p:stCondLst>
-                                        </p:cTn>
-                                        <p:tgtEl>
-                                          <p:spTgt spid="17"/>
-                                        </p:tgtEl>
-                                        <p:attrNameLst>
-                                          <p:attrName>style.visibility</p:attrName>
-                                        </p:attrNameLst>
-                                      </p:cBhvr>
-                                      <p:to>
-                                        <p:strVal val="visible"/>
-                                      </p:to>
-                                    </p:set>
-                                  </p:childTnLst>
-                                </p:cTn>
-                              </p:par>
-                            </p:childTnLst>
-                          </p:cTn>
-                        </p:par>
-                      </p:childTnLst>
-                    </p:cTn>
-                  </p:par>
                 </p:childTnLst>
               </p:cTn>
               <p:prevCondLst>
@@ -8227,9 +8293,7 @@
     </p:tnLst>
     <p:bldLst>
       <p:bldP spid="6" grpId="0"/>
-      <p:bldP spid="7" grpId="0"/>
       <p:bldP spid="8" grpId="0"/>
-      <p:bldP spid="17" grpId="0"/>
     </p:bldLst>
   </p:timing>
 </p:sld>
@@ -8270,7 +8334,7 @@
             <a:fld id="{A4ECBFB4-2031-A542-A2EF-20BD4D9E5256}" type="datetime1">
               <a:rPr lang="de-DE" smtClean="0"/>
               <a:pPr/>
-              <a:t>05.06.2017</a:t>
+              <a:t>06.06.2017</a:t>
             </a:fld>
             <a:r>
               <a:rPr lang="de-DE"/>
@@ -8435,7 +8499,7 @@
         </p:nvSpPr>
         <p:spPr>
           <a:xfrm>
-            <a:off x="900680" y="2338294"/>
+            <a:off x="900680" y="2172044"/>
             <a:ext cx="4009046" cy="461665"/>
           </a:xfrm>
           <a:prstGeom prst="rect">
@@ -8460,16 +8524,40 @@
           </a:p>
         </p:txBody>
       </p:sp>
-      <p:sp>
-        <p:nvSpPr>
-          <p:cNvPr id="9" name="Textfeld 8"/>
+      <p:pic>
+        <p:nvPicPr>
+          <p:cNvPr id="13" name="Grafik 12" descr="Ein Bild, das Screenshot enthält.&#10;&#10;Mit sehr hoher Zuverlässigkeit generierte Beschreibung"/>
+          <p:cNvPicPr>
+            <a:picLocks noChangeAspect="1"/>
+          </p:cNvPicPr>
+          <p:nvPr/>
+        </p:nvPicPr>
+        <p:blipFill>
+          <a:blip r:embed="rId3"/>
+          <a:stretch>
+            <a:fillRect/>
+          </a:stretch>
+        </p:blipFill>
+        <p:spPr>
+          <a:xfrm>
+            <a:off x="3388470" y="3245416"/>
+            <a:ext cx="5394570" cy="3098534"/>
+          </a:xfrm>
+          <a:prstGeom prst="rect">
+            <a:avLst/>
+          </a:prstGeom>
+        </p:spPr>
+      </p:pic>
+      <p:sp>
+        <p:nvSpPr>
+          <p:cNvPr id="14" name="Textfeld 13"/>
           <p:cNvSpPr txBox="1"/>
           <p:nvPr/>
         </p:nvSpPr>
         <p:spPr>
           <a:xfrm>
-            <a:off x="900680" y="2804045"/>
-            <a:ext cx="4333494" cy="461665"/>
+            <a:off x="903543" y="2637478"/>
+            <a:ext cx="3871829" cy="461665"/>
           </a:xfrm>
           <a:prstGeom prst="rect">
             <a:avLst/>
@@ -8482,9 +8570,9 @@
           </a:bodyPr>
           <a:lstStyle/>
           <a:p>
-            <a:pPr marL="1200150" lvl="2" indent="-285750">
-              <a:buFont typeface="Symbol" panose="05050102010706020507" pitchFamily="18" charset="2"/>
-              <a:buChar char="-"/>
+            <a:pPr marL="742950" lvl="1" indent="-285750">
+              <a:buFont typeface="Courier New" panose="02070309020205020404" pitchFamily="49" charset="0"/>
+              <a:buChar char="o"/>
             </a:pPr>
             <a:r>
               <a:rPr lang="de-DE" sz="2400" dirty="0"/>
@@ -8495,14 +8583,14 @@
       </p:sp>
       <p:sp>
         <p:nvSpPr>
-          <p:cNvPr id="10" name="Textfeld 9"/>
+          <p:cNvPr id="15" name="Textfeld 14"/>
           <p:cNvSpPr txBox="1"/>
           <p:nvPr/>
         </p:nvSpPr>
         <p:spPr>
           <a:xfrm>
-            <a:off x="900680" y="3429686"/>
-            <a:ext cx="4128502" cy="461665"/>
+            <a:off x="903543" y="3095885"/>
+            <a:ext cx="3516155" cy="461665"/>
           </a:xfrm>
           <a:prstGeom prst="rect">
             <a:avLst/>
@@ -8515,27 +8603,27 @@
           </a:bodyPr>
           <a:lstStyle/>
           <a:p>
-            <a:pPr marL="1200150" lvl="2" indent="-285750">
-              <a:buFont typeface="Symbol" panose="05050102010706020507" pitchFamily="18" charset="2"/>
-              <a:buChar char="-"/>
+            <a:pPr marL="742950" lvl="1" indent="-285750">
+              <a:buFont typeface="Courier New" panose="02070309020205020404" pitchFamily="49" charset="0"/>
+              <a:buChar char="o"/>
             </a:pPr>
             <a:r>
               <a:rPr lang="de-DE" sz="2400" dirty="0"/>
-              <a:t>1 Linie fasst maximal: </a:t>
-            </a:r>
-          </a:p>
-        </p:txBody>
-      </p:sp>
-      <p:sp>
-        <p:nvSpPr>
-          <p:cNvPr id="11" name="Textfeld 10"/>
+              <a:t>1 Linie fasst maximal</a:t>
+            </a:r>
+          </a:p>
+        </p:txBody>
+      </p:sp>
+      <p:sp>
+        <p:nvSpPr>
+          <p:cNvPr id="16" name="Textfeld 15"/>
           <p:cNvSpPr txBox="1"/>
           <p:nvPr/>
         </p:nvSpPr>
         <p:spPr>
           <a:xfrm>
-            <a:off x="900680" y="3887265"/>
-            <a:ext cx="3698320" cy="461665"/>
+            <a:off x="903543" y="3554292"/>
+            <a:ext cx="2717282" cy="461665"/>
           </a:xfrm>
           <a:prstGeom prst="rect">
             <a:avLst/>
@@ -8548,14 +8636,42 @@
           </a:bodyPr>
           <a:lstStyle/>
           <a:p>
-            <a:pPr marL="1714500" lvl="3" indent="-342900">
-              <a:buSzPct val="90000"/>
-              <a:buFont typeface="Arial" panose="020B0604020202020204" pitchFamily="34" charset="0"/>
-              <a:buChar char="•"/>
+            <a:pPr marL="742950" lvl="1" indent="-285750">
+              <a:buFont typeface="Courier New" panose="02070309020205020404" pitchFamily="49" charset="0"/>
+              <a:buChar char="o"/>
             </a:pPr>
             <a:r>
               <a:rPr lang="de-DE" sz="2400" dirty="0"/>
               <a:t>63 Teilnehmer</a:t>
+            </a:r>
+          </a:p>
+        </p:txBody>
+      </p:sp>
+      <p:sp>
+        <p:nvSpPr>
+          <p:cNvPr id="17" name="Textfeld 16"/>
+          <p:cNvSpPr txBox="1"/>
+          <p:nvPr/>
+        </p:nvSpPr>
+        <p:spPr>
+          <a:xfrm>
+            <a:off x="5488346" y="6213145"/>
+            <a:ext cx="1728358" cy="261610"/>
+          </a:xfrm>
+          <a:prstGeom prst="rect">
+            <a:avLst/>
+          </a:prstGeom>
+          <a:noFill/>
+        </p:spPr>
+        <p:txBody>
+          <a:bodyPr wrap="none" rtlCol="0">
+            <a:spAutoFit/>
+          </a:bodyPr>
+          <a:lstStyle/>
+          <a:p>
+            <a:r>
+              <a:rPr lang="de-DE" sz="1100" dirty="0"/>
+              <a:t>http://www.e-volution.de/</a:t>
             </a:r>
           </a:p>
         </p:txBody>
@@ -8604,33 +8720,6 @@
                                           </p:stCondLst>
                                         </p:cTn>
                                         <p:tgtEl>
-                                          <p:spTgt spid="6"/>
-                                        </p:tgtEl>
-                                        <p:attrNameLst>
-                                          <p:attrName>style.visibility</p:attrName>
-                                        </p:attrNameLst>
-                                      </p:cBhvr>
-                                      <p:to>
-                                        <p:strVal val="visible"/>
-                                      </p:to>
-                                    </p:set>
-                                  </p:childTnLst>
-                                </p:cTn>
-                              </p:par>
-                              <p:par>
-                                <p:cTn id="7" presetID="1" presetClass="entr" presetSubtype="0" fill="hold" grpId="0" nodeType="withEffect">
-                                  <p:stCondLst>
-                                    <p:cond delay="0"/>
-                                  </p:stCondLst>
-                                  <p:childTnLst>
-                                    <p:set>
-                                      <p:cBhvr>
-                                        <p:cTn id="8" dur="1" fill="hold">
-                                          <p:stCondLst>
-                                            <p:cond delay="0"/>
-                                          </p:stCondLst>
-                                        </p:cTn>
-                                        <p:tgtEl>
                                           <p:spTgt spid="7"/>
                                         </p:tgtEl>
                                         <p:attrNameLst>
@@ -8651,19 +8740,46 @@
                     </p:cTn>
                   </p:par>
                   <p:par>
-                    <p:cTn id="9" fill="hold">
+                    <p:cTn id="7" fill="hold">
                       <p:stCondLst>
                         <p:cond delay="indefinite"/>
                       </p:stCondLst>
                       <p:childTnLst>
                         <p:par>
-                          <p:cTn id="10" fill="hold">
+                          <p:cTn id="8" fill="hold">
                             <p:stCondLst>
                               <p:cond delay="0"/>
                             </p:stCondLst>
                             <p:childTnLst>
                               <p:par>
-                                <p:cTn id="11" presetID="1" presetClass="entr" presetSubtype="0" fill="hold" grpId="0" nodeType="clickEffect">
+                                <p:cTn id="9" presetID="1" presetClass="entr" presetSubtype="0" fill="hold" grpId="0" nodeType="clickEffect">
+                                  <p:stCondLst>
+                                    <p:cond delay="0"/>
+                                  </p:stCondLst>
+                                  <p:childTnLst>
+                                    <p:set>
+                                      <p:cBhvr>
+                                        <p:cTn id="10" dur="1" fill="hold">
+                                          <p:stCondLst>
+                                            <p:cond delay="0"/>
+                                          </p:stCondLst>
+                                        </p:cTn>
+                                        <p:tgtEl>
+                                          <p:spTgt spid="14"/>
+                                        </p:tgtEl>
+                                        <p:attrNameLst>
+                                          <p:attrName>style.visibility</p:attrName>
+                                        </p:attrNameLst>
+                                      </p:cBhvr>
+                                      <p:to>
+                                        <p:strVal val="visible"/>
+                                      </p:to>
+                                    </p:set>
+                                  </p:childTnLst>
+                                </p:cTn>
+                              </p:par>
+                              <p:par>
+                                <p:cTn id="11" presetID="1" presetClass="entr" presetSubtype="0" fill="hold" grpId="0" nodeType="withEffect">
                                   <p:stCondLst>
                                     <p:cond delay="0"/>
                                   </p:stCondLst>
@@ -8689,33 +8805,6 @@
                                   </p:childTnLst>
                                 </p:cTn>
                               </p:par>
-                              <p:par>
-                                <p:cTn id="13" presetID="1" presetClass="entr" presetSubtype="0" fill="hold" grpId="0" nodeType="withEffect">
-                                  <p:stCondLst>
-                                    <p:cond delay="0"/>
-                                  </p:stCondLst>
-                                  <p:childTnLst>
-                                    <p:set>
-                                      <p:cBhvr>
-                                        <p:cTn id="14" dur="1" fill="hold">
-                                          <p:stCondLst>
-                                            <p:cond delay="0"/>
-                                          </p:stCondLst>
-                                        </p:cTn>
-                                        <p:tgtEl>
-                                          <p:spTgt spid="9"/>
-                                        </p:tgtEl>
-                                        <p:attrNameLst>
-                                          <p:attrName>style.visibility</p:attrName>
-                                        </p:attrNameLst>
-                                      </p:cBhvr>
-                                      <p:to>
-                                        <p:strVal val="visible"/>
-                                      </p:to>
-                                    </p:set>
-                                  </p:childTnLst>
-                                </p:cTn>
-                              </p:par>
                             </p:childTnLst>
                           </p:cTn>
                         </p:par>
@@ -8723,32 +8812,32 @@
                     </p:cTn>
                   </p:par>
                   <p:par>
-                    <p:cTn id="15" fill="hold">
+                    <p:cTn id="13" fill="hold">
                       <p:stCondLst>
                         <p:cond delay="indefinite"/>
                       </p:stCondLst>
                       <p:childTnLst>
                         <p:par>
-                          <p:cTn id="16" fill="hold">
+                          <p:cTn id="14" fill="hold">
                             <p:stCondLst>
                               <p:cond delay="0"/>
                             </p:stCondLst>
                             <p:childTnLst>
                               <p:par>
-                                <p:cTn id="17" presetID="1" presetClass="entr" presetSubtype="0" fill="hold" grpId="0" nodeType="clickEffect">
+                                <p:cTn id="15" presetID="1" presetClass="entr" presetSubtype="0" fill="hold" grpId="0" nodeType="clickEffect">
                                   <p:stCondLst>
                                     <p:cond delay="0"/>
                                   </p:stCondLst>
                                   <p:childTnLst>
                                     <p:set>
                                       <p:cBhvr>
-                                        <p:cTn id="18" dur="1" fill="hold">
+                                        <p:cTn id="16" dur="1" fill="hold">
                                           <p:stCondLst>
                                             <p:cond delay="0"/>
                                           </p:stCondLst>
                                         </p:cTn>
                                         <p:tgtEl>
-                                          <p:spTgt spid="10"/>
+                                          <p:spTgt spid="16"/>
                                         </p:tgtEl>
                                         <p:attrNameLst>
                                           <p:attrName>style.visibility</p:attrName>
@@ -8762,20 +8851,20 @@
                                 </p:cTn>
                               </p:par>
                               <p:par>
-                                <p:cTn id="19" presetID="1" presetClass="entr" presetSubtype="0" fill="hold" grpId="0" nodeType="withEffect">
+                                <p:cTn id="17" presetID="1" presetClass="entr" presetSubtype="0" fill="hold" grpId="0" nodeType="withEffect">
                                   <p:stCondLst>
                                     <p:cond delay="0"/>
                                   </p:stCondLst>
                                   <p:childTnLst>
                                     <p:set>
                                       <p:cBhvr>
-                                        <p:cTn id="20" dur="1" fill="hold">
+                                        <p:cTn id="18" dur="1" fill="hold">
                                           <p:stCondLst>
                                             <p:cond delay="0"/>
                                           </p:stCondLst>
                                         </p:cTn>
                                         <p:tgtEl>
-                                          <p:spTgt spid="11"/>
+                                          <p:spTgt spid="15"/>
                                         </p:tgtEl>
                                         <p:attrNameLst>
                                           <p:attrName>style.visibility</p:attrName>
@@ -8816,12 +8905,11 @@
       </p:par>
     </p:tnLst>
     <p:bldLst>
-      <p:bldP spid="6" grpId="0"/>
       <p:bldP spid="7" grpId="0"/>
       <p:bldP spid="8" grpId="0"/>
-      <p:bldP spid="9" grpId="0"/>
-      <p:bldP spid="10" grpId="0"/>
-      <p:bldP spid="11" grpId="0"/>
+      <p:bldP spid="14" grpId="0"/>
+      <p:bldP spid="15" grpId="0"/>
+      <p:bldP spid="16" grpId="0"/>
     </p:bldLst>
   </p:timing>
 </p:sld>
@@ -8862,7 +8950,7 @@
             <a:fld id="{A4ECBFB4-2031-A542-A2EF-20BD4D9E5256}" type="datetime1">
               <a:rPr lang="de-DE" smtClean="0"/>
               <a:pPr/>
-              <a:t>05.06.2017</a:t>
+              <a:t>06.06.2017</a:t>
             </a:fld>
             <a:r>
               <a:rPr lang="de-DE"/>
@@ -8995,7 +9083,7 @@
         <p:spPr>
           <a:xfrm>
             <a:off x="900680" y="1716739"/>
-            <a:ext cx="2947474" cy="461665"/>
+            <a:ext cx="1989134" cy="461665"/>
           </a:xfrm>
           <a:prstGeom prst="rect">
             <a:avLst/>
@@ -9014,7 +9102,7 @@
             </a:pPr>
             <a:r>
               <a:rPr lang="de-DE" sz="2400" dirty="0"/>
-              <a:t>Bietet Aktoren,</a:t>
+              <a:t>Aktoren</a:t>
             </a:r>
           </a:p>
         </p:txBody>
@@ -9028,7 +9116,7 @@
         <p:spPr>
           <a:xfrm>
             <a:off x="900680" y="2178404"/>
-            <a:ext cx="2429639" cy="461665"/>
+            <a:ext cx="2219647" cy="461665"/>
           </a:xfrm>
           <a:prstGeom prst="rect">
             <a:avLst/>
@@ -9047,7 +9135,7 @@
             </a:pPr>
             <a:r>
               <a:rPr lang="de-DE" sz="2400" dirty="0"/>
-              <a:t>Sensoren &amp;</a:t>
+              <a:t>Sensoren</a:t>
             </a:r>
           </a:p>
         </p:txBody>
@@ -9061,7 +9149,7 @@
         <p:spPr>
           <a:xfrm>
             <a:off x="900680" y="2645603"/>
-            <a:ext cx="3432799" cy="461665"/>
+            <a:ext cx="3123419" cy="461665"/>
           </a:xfrm>
           <a:prstGeom prst="rect">
             <a:avLst/>
@@ -9080,7 +9168,7 @@
             </a:pPr>
             <a:r>
               <a:rPr lang="de-DE" sz="2400" dirty="0"/>
-              <a:t>Zentraleinheiten an</a:t>
+              <a:t>Zentraleinheiten</a:t>
             </a:r>
           </a:p>
         </p:txBody>
@@ -9550,7 +9638,7 @@
             <a:fld id="{A4ECBFB4-2031-A542-A2EF-20BD4D9E5256}" type="datetime1">
               <a:rPr lang="de-DE" smtClean="0"/>
               <a:pPr/>
-              <a:t>05.06.2017</a:t>
+              <a:t>06.06.2017</a:t>
             </a:fld>
             <a:r>
               <a:rPr lang="de-DE"/>
@@ -9682,7 +9770,7 @@
         </p:nvSpPr>
         <p:spPr>
           <a:xfrm>
-            <a:off x="900680" y="2547736"/>
+            <a:off x="900680" y="3010873"/>
             <a:ext cx="6485943" cy="461665"/>
           </a:xfrm>
           <a:prstGeom prst="rect">
@@ -9715,7 +9803,7 @@
         </p:nvSpPr>
         <p:spPr>
           <a:xfrm>
-            <a:off x="900680" y="1716739"/>
+            <a:off x="900680" y="2179876"/>
             <a:ext cx="6380978" cy="830997"/>
           </a:xfrm>
           <a:prstGeom prst="rect">
@@ -9758,7 +9846,7 @@
         </p:nvSpPr>
         <p:spPr>
           <a:xfrm>
-            <a:off x="900680" y="3009401"/>
+            <a:off x="900680" y="3472538"/>
             <a:ext cx="7410427" cy="461665"/>
           </a:xfrm>
           <a:prstGeom prst="rect">
@@ -9874,7 +9962,7 @@
         </p:nvSpPr>
         <p:spPr>
           <a:xfrm>
-            <a:off x="901705" y="3471066"/>
+            <a:off x="901705" y="1718211"/>
             <a:ext cx="6919587" cy="461665"/>
           </a:xfrm>
           <a:prstGeom prst="rect">
@@ -10265,7 +10353,7 @@
             <a:fld id="{A4ECBFB4-2031-A542-A2EF-20BD4D9E5256}" type="datetime1">
               <a:rPr lang="de-DE" smtClean="0"/>
               <a:pPr/>
-              <a:t>05.06.2017</a:t>
+              <a:t>06.06.2017</a:t>
             </a:fld>
             <a:r>
               <a:rPr lang="de-DE"/>
@@ -10397,7 +10485,7 @@
         </p:nvSpPr>
         <p:spPr>
           <a:xfrm>
-            <a:off x="900680" y="2178404"/>
+            <a:off x="906941" y="3092038"/>
             <a:ext cx="6530314" cy="461665"/>
           </a:xfrm>
           <a:prstGeom prst="rect">
@@ -10463,7 +10551,7 @@
         </p:nvSpPr>
         <p:spPr>
           <a:xfrm>
-            <a:off x="900680" y="2635221"/>
+            <a:off x="900680" y="2178404"/>
             <a:ext cx="3207225" cy="461665"/>
           </a:xfrm>
           <a:prstGeom prst="rect">
@@ -10496,7 +10584,7 @@
         </p:nvSpPr>
         <p:spPr>
           <a:xfrm>
-            <a:off x="900680" y="3092038"/>
+            <a:off x="900680" y="2635221"/>
             <a:ext cx="5614422" cy="461665"/>
           </a:xfrm>
           <a:prstGeom prst="rect">

--- a/HSHL_Hausautomationssysteme.potx.pptx
+++ b/HSHL_Hausautomationssysteme.potx.pptx
@@ -5,10 +5,10 @@
     <p:sldMasterId id="2147483648" r:id="rId1"/>
   </p:sldMasterIdLst>
   <p:notesMasterIdLst>
-    <p:notesMasterId r:id="rId17"/>
+    <p:notesMasterId r:id="rId19"/>
   </p:notesMasterIdLst>
   <p:handoutMasterIdLst>
-    <p:handoutMasterId r:id="rId18"/>
+    <p:handoutMasterId r:id="rId20"/>
   </p:handoutMasterIdLst>
   <p:sldIdLst>
     <p:sldId id="258" r:id="rId2"/>
@@ -26,6 +26,8 @@
     <p:sldId id="270" r:id="rId14"/>
     <p:sldId id="272" r:id="rId15"/>
     <p:sldId id="271" r:id="rId16"/>
+    <p:sldId id="273" r:id="rId17"/>
+    <p:sldId id="274" r:id="rId18"/>
   </p:sldIdLst>
   <p:sldSz cx="9144000" cy="6858000" type="screen4x3"/>
   <p:notesSz cx="6858000" cy="9144000"/>
@@ -232,7 +234,7 @@
           <a:p>
             <a:fld id="{276817F0-84FC-C145-AFC3-FA42D1D21F8E}" type="datetimeFigureOut">
               <a:rPr lang="de-DE" smtClean="0"/>
-              <a:t>06.06.2017</a:t>
+              <a:t>07.06.2017</a:t>
             </a:fld>
             <a:endParaRPr lang="de-DE"/>
           </a:p>
@@ -401,7 +403,7 @@
           <a:p>
             <a:fld id="{F80FA3C8-DE25-7348-A1F7-D749F91943C8}" type="datetimeFigureOut">
               <a:rPr lang="de-DE" smtClean="0"/>
-              <a:t>06.06.2017</a:t>
+              <a:t>07.06.2017</a:t>
             </a:fld>
             <a:endParaRPr lang="de-DE"/>
           </a:p>
@@ -756,6 +758,112 @@
           <a:p>
             <a:fld id="{5C0E6540-DBC8-1449-A578-CCAD6D2991BC}" type="slidenum">
               <a:rPr lang="de-DE" smtClean="0"/>
+              <a:t>1</a:t>
+            </a:fld>
+            <a:endParaRPr lang="de-DE"/>
+          </a:p>
+        </p:txBody>
+      </p:sp>
+    </p:spTree>
+    <p:extLst>
+      <p:ext uri="{BB962C8B-B14F-4D97-AF65-F5344CB8AC3E}">
+        <p14:creationId xmlns:p14="http://schemas.microsoft.com/office/powerpoint/2010/main" val="4215339867"/>
+      </p:ext>
+    </p:extLst>
+  </p:cSld>
+  <p:clrMapOvr>
+    <a:masterClrMapping/>
+  </p:clrMapOvr>
+</p:notes>
+</file>
+
+<file path=ppt/notesSlides/notesSlide2.xml><?xml version="1.0" encoding="utf-8"?>
+<p:notes xmlns:a="http://schemas.openxmlformats.org/drawingml/2006/main" xmlns:r="http://schemas.openxmlformats.org/officeDocument/2006/relationships" xmlns:p="http://schemas.openxmlformats.org/presentationml/2006/main">
+  <p:cSld>
+    <p:spTree>
+      <p:nvGrpSpPr>
+        <p:cNvPr id="1" name=""/>
+        <p:cNvGrpSpPr/>
+        <p:nvPr/>
+      </p:nvGrpSpPr>
+      <p:grpSpPr>
+        <a:xfrm>
+          <a:off x="0" y="0"/>
+          <a:ext cx="0" cy="0"/>
+          <a:chOff x="0" y="0"/>
+          <a:chExt cx="0" cy="0"/>
+        </a:xfrm>
+      </p:grpSpPr>
+      <p:sp>
+        <p:nvSpPr>
+          <p:cNvPr id="2" name="Folienbildplatzhalter 1"/>
+          <p:cNvSpPr>
+            <a:spLocks noGrp="1" noRot="1" noChangeAspect="1"/>
+          </p:cNvSpPr>
+          <p:nvPr>
+            <p:ph type="sldImg"/>
+          </p:nvPr>
+        </p:nvSpPr>
+        <p:spPr/>
+      </p:sp>
+      <p:sp>
+        <p:nvSpPr>
+          <p:cNvPr id="3" name="Notizenplatzhalter 2"/>
+          <p:cNvSpPr>
+            <a:spLocks noGrp="1"/>
+          </p:cNvSpPr>
+          <p:nvPr>
+            <p:ph type="body" idx="1"/>
+          </p:nvPr>
+        </p:nvSpPr>
+        <p:spPr/>
+        <p:txBody>
+          <a:bodyPr/>
+          <a:lstStyle/>
+          <a:p>
+            <a:endParaRPr lang="de-DE" dirty="0"/>
+          </a:p>
+        </p:txBody>
+      </p:sp>
+      <p:sp>
+        <p:nvSpPr>
+          <p:cNvPr id="4" name="Kopfzeilenplatzhalter 3"/>
+          <p:cNvSpPr>
+            <a:spLocks noGrp="1"/>
+          </p:cNvSpPr>
+          <p:nvPr>
+            <p:ph type="hdr" sz="quarter" idx="10"/>
+          </p:nvPr>
+        </p:nvSpPr>
+        <p:spPr/>
+        <p:txBody>
+          <a:bodyPr/>
+          <a:lstStyle/>
+          <a:p>
+            <a:r>
+              <a:rPr lang="de-DE"/>
+              <a:t>Die Systeme - wie funktionieren sie?</a:t>
+            </a:r>
+          </a:p>
+        </p:txBody>
+      </p:sp>
+      <p:sp>
+        <p:nvSpPr>
+          <p:cNvPr id="5" name="Foliennummernplatzhalter 4"/>
+          <p:cNvSpPr>
+            <a:spLocks noGrp="1"/>
+          </p:cNvSpPr>
+          <p:nvPr>
+            <p:ph type="sldNum" sz="quarter" idx="11"/>
+          </p:nvPr>
+        </p:nvSpPr>
+        <p:spPr/>
+        <p:txBody>
+          <a:bodyPr/>
+          <a:lstStyle/>
+          <a:p>
+            <a:fld id="{5C0E6540-DBC8-1449-A578-CCAD6D2991BC}" type="slidenum">
+              <a:rPr lang="de-DE" smtClean="0"/>
               <a:t>6</a:t>
             </a:fld>
             <a:endParaRPr lang="de-DE"/>
@@ -983,7 +1091,7 @@
           <a:p>
             <a:fld id="{C916D949-773C-3845-BFBA-C7D9987445EE}" type="datetime1">
               <a:rPr lang="de-DE" smtClean="0"/>
-              <a:t>06.06.2017</a:t>
+              <a:t>07.06.2017</a:t>
             </a:fld>
             <a:endParaRPr lang="de-DE" dirty="0"/>
           </a:p>
@@ -1084,7 +1192,7 @@
             <a:fld id="{A4ECBFB4-2031-A542-A2EF-20BD4D9E5256}" type="datetime1">
               <a:rPr lang="de-DE" smtClean="0"/>
               <a:pPr/>
-              <a:t>06.06.2017</a:t>
+              <a:t>07.06.2017</a:t>
             </a:fld>
             <a:r>
               <a:rPr lang="de-DE" dirty="0"/>
@@ -1369,7 +1477,7 @@
           <a:p>
             <a:fld id="{C916D949-773C-3845-BFBA-C7D9987445EE}" type="datetime1">
               <a:rPr lang="de-DE" smtClean="0"/>
-              <a:t>06.06.2017</a:t>
+              <a:t>07.06.2017</a:t>
             </a:fld>
             <a:endParaRPr lang="de-DE" dirty="0"/>
           </a:p>
@@ -1747,7 +1855,7 @@
           <p:nvPr/>
         </p:nvPicPr>
         <p:blipFill>
-          <a:blip r:embed="rId2">
+          <a:blip r:embed="rId3">
             <a:extLst>
               <a:ext uri="{28A0092B-C50C-407E-A947-70E740481C1C}">
                 <a14:useLocalDpi xmlns:a14="http://schemas.microsoft.com/office/drawing/2010/main" val="0"/>
@@ -1844,6 +1952,35 @@
             <a:r>
               <a:rPr lang="de-DE" sz="3000" dirty="0"/>
               <a:t>Am Beispiel KNX –HomeMatic und OpenHAB</a:t>
+            </a:r>
+          </a:p>
+        </p:txBody>
+      </p:sp>
+      <p:sp>
+        <p:nvSpPr>
+          <p:cNvPr id="2" name="Textfeld 1"/>
+          <p:cNvSpPr txBox="1"/>
+          <p:nvPr/>
+        </p:nvSpPr>
+        <p:spPr>
+          <a:xfrm>
+            <a:off x="6234168" y="6547775"/>
+            <a:ext cx="1766830" cy="261610"/>
+          </a:xfrm>
+          <a:prstGeom prst="rect">
+            <a:avLst/>
+          </a:prstGeom>
+          <a:noFill/>
+        </p:spPr>
+        <p:txBody>
+          <a:bodyPr wrap="none" rtlCol="0">
+            <a:spAutoFit/>
+          </a:bodyPr>
+          <a:lstStyle/>
+          <a:p>
+            <a:r>
+              <a:rPr lang="de-DE" sz="1100" dirty="0"/>
+              <a:t>http://news.cision.com/de/</a:t>
             </a:r>
           </a:p>
         </p:txBody>
@@ -1896,7 +2033,7 @@
             <a:fld id="{A4ECBFB4-2031-A542-A2EF-20BD4D9E5256}" type="datetime1">
               <a:rPr lang="de-DE" smtClean="0"/>
               <a:pPr/>
-              <a:t>06.06.2017</a:t>
+              <a:t>07.06.2017</a:t>
             </a:fld>
             <a:r>
               <a:rPr lang="de-DE"/>
@@ -2627,7 +2764,7 @@
             <a:fld id="{A4ECBFB4-2031-A542-A2EF-20BD4D9E5256}" type="datetime1">
               <a:rPr lang="de-DE" smtClean="0"/>
               <a:pPr/>
-              <a:t>06.06.2017</a:t>
+              <a:t>07.06.2017</a:t>
             </a:fld>
             <a:r>
               <a:rPr lang="de-DE"/>
@@ -2766,7 +2903,7 @@
             <a:fld id="{A4ECBFB4-2031-A542-A2EF-20BD4D9E5256}" type="datetime1">
               <a:rPr lang="de-DE" smtClean="0"/>
               <a:pPr/>
-              <a:t>06.06.2017</a:t>
+              <a:t>07.06.2017</a:t>
             </a:fld>
             <a:r>
               <a:rPr lang="de-DE"/>
@@ -2910,7 +3047,7 @@
             <a:fld id="{A4ECBFB4-2031-A542-A2EF-20BD4D9E5256}" type="datetime1">
               <a:rPr lang="de-DE" smtClean="0"/>
               <a:pPr/>
-              <a:t>06.06.2017</a:t>
+              <a:t>07.06.2017</a:t>
             </a:fld>
             <a:r>
               <a:rPr lang="de-DE"/>
@@ -2981,7 +3118,7 @@
           <p:nvPr>
             <p:extLst>
               <p:ext uri="{D42A27DB-BD31-4B8C-83A1-F6EECF244321}">
-                <p14:modId xmlns:p14="http://schemas.microsoft.com/office/powerpoint/2010/main" val="3620989299"/>
+                <p14:modId xmlns:p14="http://schemas.microsoft.com/office/powerpoint/2010/main" val="2720830695"/>
               </p:ext>
             </p:extLst>
           </p:nvPr>
@@ -3690,7 +3827,7 @@
                     <a:p>
                       <a:r>
                         <a:rPr lang="de-DE" sz="2200" dirty="0"/>
-                        <a:t>Programme nur über CCU realisierbar</a:t>
+                        <a:t>Komplexe Programme nur über CCU realisierbar</a:t>
                       </a:r>
                     </a:p>
                   </a:txBody>
@@ -3838,7 +3975,10 @@
                     <a:bodyPr/>
                     <a:lstStyle/>
                     <a:p>
-                      <a:endParaRPr lang="de-DE" sz="2200" dirty="0"/>
+                      <a:r>
+                        <a:rPr lang="de-DE" sz="2200" dirty="0"/>
+                        <a:t>Drahtgebunden -&gt; CCU</a:t>
+                      </a:r>
                     </a:p>
                   </a:txBody>
                   <a:tcPr>
@@ -4002,10 +4142,7 @@
                     <a:bodyPr/>
                     <a:lstStyle/>
                     <a:p>
-                      <a:r>
-                        <a:rPr lang="de-DE" sz="2200" dirty="0"/>
-                        <a:t>Wenige Bausätze,               kein „Bastelsystem“</a:t>
-                      </a:r>
+                      <a:endParaRPr lang="de-DE" sz="2200" dirty="0"/>
                     </a:p>
                   </a:txBody>
                   <a:tcPr>
@@ -4103,7 +4240,7 @@
             <a:fld id="{A4ECBFB4-2031-A542-A2EF-20BD4D9E5256}" type="datetime1">
               <a:rPr lang="de-DE" smtClean="0"/>
               <a:pPr/>
-              <a:t>06.06.2017</a:t>
+              <a:t>07.06.2017</a:t>
             </a:fld>
             <a:r>
               <a:rPr lang="de-DE"/>
@@ -4145,7 +4282,7 @@
           <p:nvPr>
             <p:extLst>
               <p:ext uri="{D42A27DB-BD31-4B8C-83A1-F6EECF244321}">
-                <p14:modId xmlns:p14="http://schemas.microsoft.com/office/powerpoint/2010/main" val="497658419"/>
+                <p14:modId xmlns:p14="http://schemas.microsoft.com/office/powerpoint/2010/main" val="2272385091"/>
               </p:ext>
             </p:extLst>
           </p:nvPr>
@@ -4401,18 +4538,29 @@
                     <a:bodyPr/>
                     <a:lstStyle/>
                     <a:p>
+                      <a:pPr marL="0" marR="0" lvl="0" indent="0" algn="l" defTabSz="457200" rtl="0" eaLnBrk="1" fontAlgn="auto" latinLnBrk="0" hangingPunct="1">
+                        <a:lnSpc>
+                          <a:spcPct val="100000"/>
+                        </a:lnSpc>
+                        <a:spcBef>
+                          <a:spcPts val="0"/>
+                        </a:spcBef>
+                        <a:spcAft>
+                          <a:spcPts val="0"/>
+                        </a:spcAft>
+                        <a:buClrTx/>
+                        <a:buSzTx/>
+                        <a:buFontTx/>
+                        <a:buNone/>
+                        <a:tabLst/>
+                        <a:defRPr/>
+                      </a:pPr>
                       <a:r>
-                        <a:rPr lang="de-DE" sz="2200" kern="1200" dirty="0">
-                          <a:solidFill>
-                            <a:schemeClr val="dk1"/>
-                          </a:solidFill>
-                          <a:effectLst/>
-                          <a:latin typeface="+mn-lt"/>
-                          <a:ea typeface="+mn-ea"/>
-                          <a:cs typeface="+mn-cs"/>
-                        </a:rPr>
-                        <a:t>Komplexe Automation über Direktverbindungen nicht möglich</a:t>
+                        <a:rPr lang="de-DE" sz="2200" dirty="0"/>
+                        <a:t>Keine Kompatibilität zu anderen Systemen</a:t>
                       </a:r>
+                    </a:p>
+                    <a:p>
                       <a:endParaRPr lang="de-DE" sz="2200" dirty="0"/>
                     </a:p>
                   </a:txBody>
@@ -4558,9 +4706,26 @@
                     <a:bodyPr/>
                     <a:lstStyle/>
                     <a:p>
+                      <a:pPr marL="0" marR="0" lvl="0" indent="0" algn="l" defTabSz="457200" rtl="0" eaLnBrk="1" fontAlgn="auto" latinLnBrk="0" hangingPunct="1">
+                        <a:lnSpc>
+                          <a:spcPct val="100000"/>
+                        </a:lnSpc>
+                        <a:spcBef>
+                          <a:spcPts val="0"/>
+                        </a:spcBef>
+                        <a:spcAft>
+                          <a:spcPts val="0"/>
+                        </a:spcAft>
+                        <a:buClrTx/>
+                        <a:buSzTx/>
+                        <a:buFontTx/>
+                        <a:buNone/>
+                        <a:tabLst/>
+                        <a:defRPr/>
+                      </a:pPr>
                       <a:r>
                         <a:rPr lang="de-DE" sz="2200" dirty="0"/>
-                        <a:t>Keine Kompatibilität zu anderen Systemen</a:t>
+                        <a:t>Wenige Bausätze,               kein „Bastelsystem“</a:t>
                       </a:r>
                     </a:p>
                   </a:txBody>
@@ -4688,7 +4853,7 @@
             <a:fld id="{A4ECBFB4-2031-A542-A2EF-20BD4D9E5256}" type="datetime1">
               <a:rPr lang="de-DE" smtClean="0"/>
               <a:pPr/>
-              <a:t>06.06.2017</a:t>
+              <a:t>07.06.2017</a:t>
             </a:fld>
             <a:r>
               <a:rPr lang="de-DE"/>
@@ -5584,6 +5749,307 @@
 </p:sld>
 </file>
 
+<file path=ppt/slides/slide16.xml><?xml version="1.0" encoding="utf-8"?>
+<p:sld xmlns:a="http://schemas.openxmlformats.org/drawingml/2006/main" xmlns:r="http://schemas.openxmlformats.org/officeDocument/2006/relationships" xmlns:p="http://schemas.openxmlformats.org/presentationml/2006/main">
+  <p:cSld>
+    <p:spTree>
+      <p:nvGrpSpPr>
+        <p:cNvPr id="1" name=""/>
+        <p:cNvGrpSpPr/>
+        <p:nvPr/>
+      </p:nvGrpSpPr>
+      <p:grpSpPr>
+        <a:xfrm>
+          <a:off x="0" y="0"/>
+          <a:ext cx="0" cy="0"/>
+          <a:chOff x="0" y="0"/>
+          <a:chExt cx="0" cy="0"/>
+        </a:xfrm>
+      </p:grpSpPr>
+      <p:sp>
+        <p:nvSpPr>
+          <p:cNvPr id="2" name="Datumsplatzhalter 1"/>
+          <p:cNvSpPr>
+            <a:spLocks noGrp="1"/>
+          </p:cNvSpPr>
+          <p:nvPr>
+            <p:ph type="dt" sz="half" idx="10"/>
+          </p:nvPr>
+        </p:nvSpPr>
+        <p:spPr/>
+        <p:txBody>
+          <a:bodyPr/>
+          <a:lstStyle/>
+          <a:p>
+            <a:fld id="{A4ECBFB4-2031-A542-A2EF-20BD4D9E5256}" type="datetime1">
+              <a:rPr lang="de-DE" smtClean="0"/>
+              <a:pPr/>
+              <a:t>07.06.2017</a:t>
+            </a:fld>
+            <a:r>
+              <a:rPr lang="de-DE"/>
+              <a:t>	     Nadine Schwenke, Anna Blankenstein, Fabian Nawrath, Maximilian Bröer       Praxismodul 2	</a:t>
+            </a:r>
+            <a:endParaRPr lang="de-DE" dirty="0"/>
+          </a:p>
+        </p:txBody>
+      </p:sp>
+      <p:sp>
+        <p:nvSpPr>
+          <p:cNvPr id="3" name="Foliennummernplatzhalter 2"/>
+          <p:cNvSpPr>
+            <a:spLocks noGrp="1"/>
+          </p:cNvSpPr>
+          <p:nvPr>
+            <p:ph type="sldNum" sz="quarter" idx="12"/>
+          </p:nvPr>
+        </p:nvSpPr>
+        <p:spPr/>
+        <p:txBody>
+          <a:bodyPr/>
+          <a:lstStyle/>
+          <a:p>
+            <a:fld id="{E7BE1CCD-89A0-CC45-BF3E-2A331A7F0490}" type="slidenum">
+              <a:rPr lang="de-DE" smtClean="0"/>
+              <a:t>16</a:t>
+            </a:fld>
+            <a:endParaRPr lang="de-DE" dirty="0"/>
+          </a:p>
+        </p:txBody>
+      </p:sp>
+      <p:sp>
+        <p:nvSpPr>
+          <p:cNvPr id="4" name="Textfeld 3"/>
+          <p:cNvSpPr txBox="1"/>
+          <p:nvPr/>
+        </p:nvSpPr>
+        <p:spPr>
+          <a:xfrm>
+            <a:off x="4120145" y="116300"/>
+            <a:ext cx="903709" cy="553998"/>
+          </a:xfrm>
+          <a:prstGeom prst="rect">
+            <a:avLst/>
+          </a:prstGeom>
+          <a:noFill/>
+        </p:spPr>
+        <p:txBody>
+          <a:bodyPr wrap="none" rtlCol="0">
+            <a:spAutoFit/>
+          </a:bodyPr>
+          <a:lstStyle/>
+          <a:p>
+            <a:r>
+              <a:rPr lang="de-DE" sz="3000" dirty="0"/>
+              <a:t>Fazit</a:t>
+            </a:r>
+          </a:p>
+        </p:txBody>
+      </p:sp>
+    </p:spTree>
+    <p:extLst>
+      <p:ext uri="{BB962C8B-B14F-4D97-AF65-F5344CB8AC3E}">
+        <p14:creationId xmlns:p14="http://schemas.microsoft.com/office/powerpoint/2010/main" val="561477559"/>
+      </p:ext>
+    </p:extLst>
+  </p:cSld>
+  <p:clrMapOvr>
+    <a:masterClrMapping/>
+  </p:clrMapOvr>
+</p:sld>
+</file>
+
+<file path=ppt/slides/slide17.xml><?xml version="1.0" encoding="utf-8"?>
+<p:sld xmlns:a="http://schemas.openxmlformats.org/drawingml/2006/main" xmlns:r="http://schemas.openxmlformats.org/officeDocument/2006/relationships" xmlns:p="http://schemas.openxmlformats.org/presentationml/2006/main">
+  <p:cSld>
+    <p:spTree>
+      <p:nvGrpSpPr>
+        <p:cNvPr id="1" name=""/>
+        <p:cNvGrpSpPr/>
+        <p:nvPr/>
+      </p:nvGrpSpPr>
+      <p:grpSpPr>
+        <a:xfrm>
+          <a:off x="0" y="0"/>
+          <a:ext cx="0" cy="0"/>
+          <a:chOff x="0" y="0"/>
+          <a:chExt cx="0" cy="0"/>
+        </a:xfrm>
+      </p:grpSpPr>
+      <p:sp>
+        <p:nvSpPr>
+          <p:cNvPr id="2" name="Datumsplatzhalter 1"/>
+          <p:cNvSpPr>
+            <a:spLocks noGrp="1"/>
+          </p:cNvSpPr>
+          <p:nvPr>
+            <p:ph type="dt" sz="half" idx="10"/>
+          </p:nvPr>
+        </p:nvSpPr>
+        <p:spPr/>
+        <p:txBody>
+          <a:bodyPr/>
+          <a:lstStyle/>
+          <a:p>
+            <a:fld id="{A4ECBFB4-2031-A542-A2EF-20BD4D9E5256}" type="datetime1">
+              <a:rPr lang="de-DE" smtClean="0"/>
+              <a:pPr/>
+              <a:t>07.06.2017</a:t>
+            </a:fld>
+            <a:r>
+              <a:rPr lang="de-DE"/>
+              <a:t>	     Nadine Schwenke, Anna Blankenstein, Fabian Nawrath, Maximilian Bröer       Praxismodul 2	</a:t>
+            </a:r>
+            <a:endParaRPr lang="de-DE" dirty="0"/>
+          </a:p>
+        </p:txBody>
+      </p:sp>
+      <p:sp>
+        <p:nvSpPr>
+          <p:cNvPr id="3" name="Foliennummernplatzhalter 2"/>
+          <p:cNvSpPr>
+            <a:spLocks noGrp="1"/>
+          </p:cNvSpPr>
+          <p:nvPr>
+            <p:ph type="sldNum" sz="quarter" idx="12"/>
+          </p:nvPr>
+        </p:nvSpPr>
+        <p:spPr/>
+        <p:txBody>
+          <a:bodyPr/>
+          <a:lstStyle/>
+          <a:p>
+            <a:fld id="{E7BE1CCD-89A0-CC45-BF3E-2A331A7F0490}" type="slidenum">
+              <a:rPr lang="de-DE" smtClean="0"/>
+              <a:t>17</a:t>
+            </a:fld>
+            <a:endParaRPr lang="de-DE" dirty="0"/>
+          </a:p>
+        </p:txBody>
+      </p:sp>
+      <p:sp>
+        <p:nvSpPr>
+          <p:cNvPr id="4" name="Textfeld 3"/>
+          <p:cNvSpPr txBox="1"/>
+          <p:nvPr/>
+        </p:nvSpPr>
+        <p:spPr>
+          <a:xfrm>
+            <a:off x="3869724" y="116300"/>
+            <a:ext cx="1404552" cy="553998"/>
+          </a:xfrm>
+          <a:prstGeom prst="rect">
+            <a:avLst/>
+          </a:prstGeom>
+          <a:noFill/>
+        </p:spPr>
+        <p:txBody>
+          <a:bodyPr wrap="none" rtlCol="0">
+            <a:spAutoFit/>
+          </a:bodyPr>
+          <a:lstStyle/>
+          <a:p>
+            <a:r>
+              <a:rPr lang="de-DE" sz="3000" dirty="0"/>
+              <a:t>Quellen</a:t>
+            </a:r>
+          </a:p>
+        </p:txBody>
+      </p:sp>
+      <p:sp>
+        <p:nvSpPr>
+          <p:cNvPr id="5" name="Textfeld 4"/>
+          <p:cNvSpPr txBox="1"/>
+          <p:nvPr/>
+        </p:nvSpPr>
+        <p:spPr>
+          <a:xfrm>
+            <a:off x="647998" y="1224296"/>
+            <a:ext cx="6901248" cy="1754326"/>
+          </a:xfrm>
+          <a:prstGeom prst="rect">
+            <a:avLst/>
+          </a:prstGeom>
+          <a:noFill/>
+        </p:spPr>
+        <p:txBody>
+          <a:bodyPr wrap="none" rtlCol="0">
+            <a:spAutoFit/>
+          </a:bodyPr>
+          <a:lstStyle/>
+          <a:p>
+            <a:r>
+              <a:rPr lang="de-DE" u="sng" dirty="0"/>
+              <a:t>https://www.openhab.org/</a:t>
+            </a:r>
+            <a:r>
+              <a:rPr lang="de-DE" dirty="0"/>
+              <a:t>	20.05.2017; 18:21 Uhr</a:t>
+            </a:r>
+          </a:p>
+          <a:p>
+            <a:r>
+              <a:rPr lang="de-DE" u="sng" dirty="0"/>
+              <a:t>http://www.eq-3.de/produkte/homematic.html</a:t>
+            </a:r>
+            <a:r>
+              <a:rPr lang="de-DE" dirty="0"/>
+              <a:t>	31.05.2017; 17:36 Uhr</a:t>
+            </a:r>
+          </a:p>
+          <a:p>
+            <a:r>
+              <a:rPr lang="de-DE" u="sng" dirty="0"/>
+              <a:t>https://www.homematic-inside.de/</a:t>
+            </a:r>
+            <a:r>
+              <a:rPr lang="de-DE" dirty="0"/>
+              <a:t>	 31.05.2017; 18:03 Uhr</a:t>
+            </a:r>
+          </a:p>
+          <a:p>
+            <a:r>
+              <a:rPr lang="de-DE" u="sng" dirty="0"/>
+              <a:t>http://www.knx.org/fileadmin/</a:t>
+            </a:r>
+            <a:r>
+              <a:rPr lang="de-DE" dirty="0"/>
+              <a:t>	.</a:t>
+            </a:r>
+            <a:r>
+              <a:rPr lang="de-DE" dirty="0" err="1"/>
+              <a:t>pdf_gespeichert</a:t>
+            </a:r>
+            <a:endParaRPr lang="de-DE" u="sng" dirty="0"/>
+          </a:p>
+          <a:p>
+            <a:r>
+              <a:rPr lang="de-DE" u="sng" dirty="0"/>
+              <a:t>http://www.e-volution.de/</a:t>
+            </a:r>
+            <a:r>
+              <a:rPr lang="de-DE" dirty="0"/>
+              <a:t>	24.05.2017; 07:45 Uhr</a:t>
+            </a:r>
+          </a:p>
+          <a:p>
+            <a:endParaRPr lang="de-DE" dirty="0"/>
+          </a:p>
+        </p:txBody>
+      </p:sp>
+    </p:spTree>
+    <p:extLst>
+      <p:ext uri="{BB962C8B-B14F-4D97-AF65-F5344CB8AC3E}">
+        <p14:creationId xmlns:p14="http://schemas.microsoft.com/office/powerpoint/2010/main" val="1111672729"/>
+      </p:ext>
+    </p:extLst>
+  </p:cSld>
+  <p:clrMapOvr>
+    <a:masterClrMapping/>
+  </p:clrMapOvr>
+</p:sld>
+</file>
+
 <file path=ppt/slides/slide2.xml><?xml version="1.0" encoding="utf-8"?>
 <p:sld xmlns:a="http://schemas.openxmlformats.org/drawingml/2006/main" xmlns:r="http://schemas.openxmlformats.org/officeDocument/2006/relationships" xmlns:p="http://schemas.openxmlformats.org/presentationml/2006/main">
   <p:cSld>
@@ -5619,7 +6085,7 @@
             <a:fld id="{A4ECBFB4-2031-A542-A2EF-20BD4D9E5256}" type="datetime1">
               <a:rPr lang="de-DE" smtClean="0"/>
               <a:pPr/>
-              <a:t>06.06.2017</a:t>
+              <a:t>07.06.2017</a:t>
             </a:fld>
             <a:r>
               <a:rPr lang="de-DE"/>
@@ -6465,7 +6931,7 @@
           <a:p>
             <a:fld id="{20484179-97E7-4643-B5B7-BA9089E040D3}" type="datetime1">
               <a:rPr lang="de-DE" smtClean="0"/>
-              <a:t>06.06.2017</a:t>
+              <a:t>07.06.2017</a:t>
             </a:fld>
             <a:r>
               <a:rPr lang="de-DE" dirty="0"/>
@@ -7265,7 +7731,7 @@
             <a:fld id="{A4ECBFB4-2031-A542-A2EF-20BD4D9E5256}" type="datetime1">
               <a:rPr lang="de-DE" smtClean="0"/>
               <a:pPr/>
-              <a:t>06.06.2017</a:t>
+              <a:t>07.06.2017</a:t>
             </a:fld>
             <a:r>
               <a:rPr lang="de-DE"/>
@@ -7954,7 +8420,7 @@
             <a:fld id="{A4ECBFB4-2031-A542-A2EF-20BD4D9E5256}" type="datetime1">
               <a:rPr lang="de-DE" smtClean="0"/>
               <a:pPr/>
-              <a:t>06.06.2017</a:t>
+              <a:t>07.06.2017</a:t>
             </a:fld>
             <a:r>
               <a:rPr lang="de-DE"/>
@@ -8334,7 +8800,7 @@
             <a:fld id="{A4ECBFB4-2031-A542-A2EF-20BD4D9E5256}" type="datetime1">
               <a:rPr lang="de-DE" smtClean="0"/>
               <a:pPr/>
-              <a:t>06.06.2017</a:t>
+              <a:t>07.06.2017</a:t>
             </a:fld>
             <a:r>
               <a:rPr lang="de-DE"/>
@@ -8950,7 +9416,7 @@
             <a:fld id="{A4ECBFB4-2031-A542-A2EF-20BD4D9E5256}" type="datetime1">
               <a:rPr lang="de-DE" smtClean="0"/>
               <a:pPr/>
-              <a:t>06.06.2017</a:t>
+              <a:t>07.06.2017</a:t>
             </a:fld>
             <a:r>
               <a:rPr lang="de-DE"/>
@@ -9356,33 +9822,15 @@
                                   </p:childTnLst>
                                 </p:cTn>
                               </p:par>
-                            </p:childTnLst>
-                          </p:cTn>
-                        </p:par>
-                      </p:childTnLst>
-                    </p:cTn>
-                  </p:par>
-                  <p:par>
-                    <p:cTn id="9" fill="hold">
-                      <p:stCondLst>
-                        <p:cond delay="indefinite"/>
-                      </p:stCondLst>
-                      <p:childTnLst>
-                        <p:par>
-                          <p:cTn id="10" fill="hold">
-                            <p:stCondLst>
-                              <p:cond delay="0"/>
-                            </p:stCondLst>
-                            <p:childTnLst>
                               <p:par>
-                                <p:cTn id="11" presetID="1" presetClass="entr" presetSubtype="0" fill="hold" grpId="0" nodeType="clickEffect">
+                                <p:cTn id="9" presetID="1" presetClass="entr" presetSubtype="0" fill="hold" grpId="0" nodeType="withEffect">
                                   <p:stCondLst>
                                     <p:cond delay="0"/>
                                   </p:stCondLst>
                                   <p:childTnLst>
                                     <p:set>
                                       <p:cBhvr>
-                                        <p:cTn id="12" dur="1" fill="hold">
+                                        <p:cTn id="10" dur="1" fill="hold">
                                           <p:stCondLst>
                                             <p:cond delay="0"/>
                                           </p:stCondLst>
@@ -9408,26 +9856,26 @@
                     </p:cTn>
                   </p:par>
                   <p:par>
-                    <p:cTn id="13" fill="hold">
+                    <p:cTn id="11" fill="hold">
                       <p:stCondLst>
                         <p:cond delay="indefinite"/>
                       </p:stCondLst>
                       <p:childTnLst>
                         <p:par>
-                          <p:cTn id="14" fill="hold">
+                          <p:cTn id="12" fill="hold">
                             <p:stCondLst>
                               <p:cond delay="0"/>
                             </p:stCondLst>
                             <p:childTnLst>
                               <p:par>
-                                <p:cTn id="15" presetID="1" presetClass="entr" presetSubtype="0" fill="hold" grpId="0" nodeType="clickEffect">
+                                <p:cTn id="13" presetID="1" presetClass="entr" presetSubtype="0" fill="hold" grpId="0" nodeType="clickEffect">
                                   <p:stCondLst>
                                     <p:cond delay="0"/>
                                   </p:stCondLst>
                                   <p:childTnLst>
                                     <p:set>
                                       <p:cBhvr>
-                                        <p:cTn id="16" dur="1" fill="hold">
+                                        <p:cTn id="14" dur="1" fill="hold">
                                           <p:stCondLst>
                                             <p:cond delay="0"/>
                                           </p:stCondLst>
@@ -9453,19 +9901,46 @@
                     </p:cTn>
                   </p:par>
                   <p:par>
-                    <p:cTn id="17" fill="hold">
+                    <p:cTn id="15" fill="hold">
                       <p:stCondLst>
                         <p:cond delay="indefinite"/>
                       </p:stCondLst>
                       <p:childTnLst>
                         <p:par>
-                          <p:cTn id="18" fill="hold">
+                          <p:cTn id="16" fill="hold">
                             <p:stCondLst>
                               <p:cond delay="0"/>
                             </p:stCondLst>
                             <p:childTnLst>
                               <p:par>
-                                <p:cTn id="19" presetID="1" presetClass="entr" presetSubtype="0" fill="hold" grpId="0" nodeType="clickEffect">
+                                <p:cTn id="17" presetID="1" presetClass="entr" presetSubtype="0" fill="hold" grpId="0" nodeType="clickEffect">
+                                  <p:stCondLst>
+                                    <p:cond delay="0"/>
+                                  </p:stCondLst>
+                                  <p:childTnLst>
+                                    <p:set>
+                                      <p:cBhvr>
+                                        <p:cTn id="18" dur="1" fill="hold">
+                                          <p:stCondLst>
+                                            <p:cond delay="0"/>
+                                          </p:stCondLst>
+                                        </p:cTn>
+                                        <p:tgtEl>
+                                          <p:spTgt spid="12"/>
+                                        </p:tgtEl>
+                                        <p:attrNameLst>
+                                          <p:attrName>style.visibility</p:attrName>
+                                        </p:attrNameLst>
+                                      </p:cBhvr>
+                                      <p:to>
+                                        <p:strVal val="visible"/>
+                                      </p:to>
+                                    </p:set>
+                                  </p:childTnLst>
+                                </p:cTn>
+                              </p:par>
+                              <p:par>
+                                <p:cTn id="19" presetID="1" presetClass="entr" presetSubtype="0" fill="hold" grpId="0" nodeType="withEffect">
                                   <p:stCondLst>
                                     <p:cond delay="0"/>
                                   </p:stCondLst>
@@ -9478,7 +9953,7 @@
                                           </p:stCondLst>
                                         </p:cTn>
                                         <p:tgtEl>
-                                          <p:spTgt spid="12"/>
+                                          <p:spTgt spid="11"/>
                                         </p:tgtEl>
                                         <p:attrNameLst>
                                           <p:attrName>style.visibility</p:attrName>
@@ -9500,51 +9975,6 @@
                                     <p:set>
                                       <p:cBhvr>
                                         <p:cTn id="22" dur="1" fill="hold">
-                                          <p:stCondLst>
-                                            <p:cond delay="0"/>
-                                          </p:stCondLst>
-                                        </p:cTn>
-                                        <p:tgtEl>
-                                          <p:spTgt spid="11"/>
-                                        </p:tgtEl>
-                                        <p:attrNameLst>
-                                          <p:attrName>style.visibility</p:attrName>
-                                        </p:attrNameLst>
-                                      </p:cBhvr>
-                                      <p:to>
-                                        <p:strVal val="visible"/>
-                                      </p:to>
-                                    </p:set>
-                                  </p:childTnLst>
-                                </p:cTn>
-                              </p:par>
-                            </p:childTnLst>
-                          </p:cTn>
-                        </p:par>
-                      </p:childTnLst>
-                    </p:cTn>
-                  </p:par>
-                  <p:par>
-                    <p:cTn id="23" fill="hold">
-                      <p:stCondLst>
-                        <p:cond delay="indefinite"/>
-                      </p:stCondLst>
-                      <p:childTnLst>
-                        <p:par>
-                          <p:cTn id="24" fill="hold">
-                            <p:stCondLst>
-                              <p:cond delay="0"/>
-                            </p:stCondLst>
-                            <p:childTnLst>
-                              <p:par>
-                                <p:cTn id="25" presetID="1" presetClass="entr" presetSubtype="0" fill="hold" grpId="0" nodeType="clickEffect">
-                                  <p:stCondLst>
-                                    <p:cond delay="0"/>
-                                  </p:stCondLst>
-                                  <p:childTnLst>
-                                    <p:set>
-                                      <p:cBhvr>
-                                        <p:cTn id="26" dur="1" fill="hold">
                                           <p:stCondLst>
                                             <p:cond delay="0"/>
                                           </p:stCondLst>
@@ -9638,7 +10068,7 @@
             <a:fld id="{A4ECBFB4-2031-A542-A2EF-20BD4D9E5256}" type="datetime1">
               <a:rPr lang="de-DE" smtClean="0"/>
               <a:pPr/>
-              <a:t>06.06.2017</a:t>
+              <a:t>07.06.2017</a:t>
             </a:fld>
             <a:r>
               <a:rPr lang="de-DE"/>
@@ -10076,7 +10506,7 @@
                                           </p:stCondLst>
                                         </p:cTn>
                                         <p:tgtEl>
-                                          <p:spTgt spid="11"/>
+                                          <p:spTgt spid="16"/>
                                         </p:tgtEl>
                                         <p:attrNameLst>
                                           <p:attrName>style.visibility</p:attrName>
@@ -10121,34 +10551,7 @@
                                           </p:stCondLst>
                                         </p:cTn>
                                         <p:tgtEl>
-                                          <p:spTgt spid="8"/>
-                                        </p:tgtEl>
-                                        <p:attrNameLst>
-                                          <p:attrName>style.visibility</p:attrName>
-                                        </p:attrNameLst>
-                                      </p:cBhvr>
-                                      <p:to>
-                                        <p:strVal val="visible"/>
-                                      </p:to>
-                                    </p:set>
-                                  </p:childTnLst>
-                                </p:cTn>
-                              </p:par>
-                              <p:par>
-                                <p:cTn id="15" presetID="1" presetClass="entr" presetSubtype="0" fill="hold" grpId="0" nodeType="withEffect">
-                                  <p:stCondLst>
-                                    <p:cond delay="0"/>
-                                  </p:stCondLst>
-                                  <p:childTnLst>
-                                    <p:set>
-                                      <p:cBhvr>
-                                        <p:cTn id="16" dur="1" fill="hold">
-                                          <p:stCondLst>
-                                            <p:cond delay="0"/>
-                                          </p:stCondLst>
-                                        </p:cTn>
-                                        <p:tgtEl>
-                                          <p:spTgt spid="13"/>
+                                          <p:spTgt spid="11"/>
                                         </p:tgtEl>
                                         <p:attrNameLst>
                                           <p:attrName>style.visibility</p:attrName>
@@ -10168,19 +10571,46 @@
                     </p:cTn>
                   </p:par>
                   <p:par>
-                    <p:cTn id="17" fill="hold">
+                    <p:cTn id="15" fill="hold">
                       <p:stCondLst>
                         <p:cond delay="indefinite"/>
                       </p:stCondLst>
                       <p:childTnLst>
                         <p:par>
-                          <p:cTn id="18" fill="hold">
+                          <p:cTn id="16" fill="hold">
                             <p:stCondLst>
                               <p:cond delay="0"/>
                             </p:stCondLst>
                             <p:childTnLst>
                               <p:par>
-                                <p:cTn id="19" presetID="1" presetClass="entr" presetSubtype="0" fill="hold" grpId="0" nodeType="clickEffect">
+                                <p:cTn id="17" presetID="1" presetClass="entr" presetSubtype="0" fill="hold" grpId="0" nodeType="clickEffect">
+                                  <p:stCondLst>
+                                    <p:cond delay="0"/>
+                                  </p:stCondLst>
+                                  <p:childTnLst>
+                                    <p:set>
+                                      <p:cBhvr>
+                                        <p:cTn id="18" dur="1" fill="hold">
+                                          <p:stCondLst>
+                                            <p:cond delay="0"/>
+                                          </p:stCondLst>
+                                        </p:cTn>
+                                        <p:tgtEl>
+                                          <p:spTgt spid="8"/>
+                                        </p:tgtEl>
+                                        <p:attrNameLst>
+                                          <p:attrName>style.visibility</p:attrName>
+                                        </p:attrNameLst>
+                                      </p:cBhvr>
+                                      <p:to>
+                                        <p:strVal val="visible"/>
+                                      </p:to>
+                                    </p:set>
+                                  </p:childTnLst>
+                                </p:cTn>
+                              </p:par>
+                              <p:par>
+                                <p:cTn id="19" presetID="1" presetClass="entr" presetSubtype="0" fill="hold" grpId="0" nodeType="withEffect">
                                   <p:stCondLst>
                                     <p:cond delay="0"/>
                                   </p:stCondLst>
@@ -10193,7 +10623,7 @@
                                           </p:stCondLst>
                                         </p:cTn>
                                         <p:tgtEl>
-                                          <p:spTgt spid="16"/>
+                                          <p:spTgt spid="13"/>
                                         </p:tgtEl>
                                         <p:attrNameLst>
                                           <p:attrName>style.visibility</p:attrName>
@@ -10238,7 +10668,7 @@
                                           </p:stCondLst>
                                         </p:cTn>
                                         <p:tgtEl>
-                                          <p:spTgt spid="14"/>
+                                          <p:spTgt spid="15"/>
                                         </p:tgtEl>
                                         <p:attrNameLst>
                                           <p:attrName>style.visibility</p:attrName>
@@ -10265,7 +10695,7 @@
                                           </p:stCondLst>
                                         </p:cTn>
                                         <p:tgtEl>
-                                          <p:spTgt spid="15"/>
+                                          <p:spTgt spid="14"/>
                                         </p:tgtEl>
                                         <p:attrNameLst>
                                           <p:attrName>style.visibility</p:attrName>
@@ -10353,7 +10783,7 @@
             <a:fld id="{A4ECBFB4-2031-A542-A2EF-20BD4D9E5256}" type="datetime1">
               <a:rPr lang="de-DE" smtClean="0"/>
               <a:pPr/>
-              <a:t>06.06.2017</a:t>
+              <a:t>07.06.2017</a:t>
             </a:fld>
             <a:r>
               <a:rPr lang="de-DE"/>
@@ -10776,7 +11206,7 @@
                                           </p:stCondLst>
                                         </p:cTn>
                                         <p:tgtEl>
-                                          <p:spTgt spid="7"/>
+                                          <p:spTgt spid="9"/>
                                         </p:tgtEl>
                                         <p:attrNameLst>
                                           <p:attrName>style.visibility</p:attrName>
@@ -10821,7 +11251,7 @@
                                           </p:stCondLst>
                                         </p:cTn>
                                         <p:tgtEl>
-                                          <p:spTgt spid="9"/>
+                                          <p:spTgt spid="10"/>
                                         </p:tgtEl>
                                         <p:attrNameLst>
                                           <p:attrName>style.visibility</p:attrName>
@@ -10866,7 +11296,7 @@
                                           </p:stCondLst>
                                         </p:cTn>
                                         <p:tgtEl>
-                                          <p:spTgt spid="10"/>
+                                          <p:spTgt spid="7"/>
                                         </p:tgtEl>
                                         <p:attrNameLst>
                                           <p:attrName>style.visibility</p:attrName>

--- a/HSHL_Hausautomationssysteme.potx.pptx
+++ b/HSHL_Hausautomationssysteme.potx.pptx
@@ -5,10 +5,10 @@
     <p:sldMasterId id="2147483648" r:id="rId1"/>
   </p:sldMasterIdLst>
   <p:notesMasterIdLst>
-    <p:notesMasterId r:id="rId17"/>
+    <p:notesMasterId r:id="rId23"/>
   </p:notesMasterIdLst>
   <p:handoutMasterIdLst>
-    <p:handoutMasterId r:id="rId18"/>
+    <p:handoutMasterId r:id="rId24"/>
   </p:handoutMasterIdLst>
   <p:sldIdLst>
     <p:sldId id="258" r:id="rId2"/>
@@ -22,10 +22,16 @@
     <p:sldId id="266" r:id="rId10"/>
     <p:sldId id="267" r:id="rId11"/>
     <p:sldId id="268" r:id="rId12"/>
-    <p:sldId id="269" r:id="rId13"/>
-    <p:sldId id="270" r:id="rId14"/>
-    <p:sldId id="272" r:id="rId15"/>
-    <p:sldId id="271" r:id="rId16"/>
+    <p:sldId id="276" r:id="rId13"/>
+    <p:sldId id="274" r:id="rId14"/>
+    <p:sldId id="277" r:id="rId15"/>
+    <p:sldId id="275" r:id="rId16"/>
+    <p:sldId id="278" r:id="rId17"/>
+    <p:sldId id="269" r:id="rId18"/>
+    <p:sldId id="270" r:id="rId19"/>
+    <p:sldId id="272" r:id="rId20"/>
+    <p:sldId id="271" r:id="rId21"/>
+    <p:sldId id="273" r:id="rId22"/>
   </p:sldIdLst>
   <p:sldSz cx="9144000" cy="6858000" type="screen4x3"/>
   <p:notesSz cx="6858000" cy="9144000"/>
@@ -125,6 +131,35 @@
     </a:lvl9pPr>
   </p:defaultTextStyle>
   <p:extLst>
+    <p:ext uri="{521415D9-36F7-43E2-AB2F-B90AF26B5E84}">
+      <p14:sectionLst xmlns:p14="http://schemas.microsoft.com/office/powerpoint/2010/main">
+        <p14:section name="Standardabschnitt" id="{C62959BA-AF7F-4C58-8762-CA2DCA1FFCE7}">
+          <p14:sldIdLst>
+            <p14:sldId id="258"/>
+            <p14:sldId id="259"/>
+            <p14:sldId id="260"/>
+            <p14:sldId id="261"/>
+            <p14:sldId id="262"/>
+            <p14:sldId id="263"/>
+            <p14:sldId id="264"/>
+            <p14:sldId id="265"/>
+            <p14:sldId id="266"/>
+            <p14:sldId id="267"/>
+            <p14:sldId id="268"/>
+            <p14:sldId id="276"/>
+            <p14:sldId id="274"/>
+            <p14:sldId id="277"/>
+            <p14:sldId id="275"/>
+            <p14:sldId id="278"/>
+            <p14:sldId id="269"/>
+            <p14:sldId id="270"/>
+            <p14:sldId id="272"/>
+            <p14:sldId id="271"/>
+            <p14:sldId id="273"/>
+          </p14:sldIdLst>
+        </p14:section>
+      </p14:sectionLst>
+    </p:ext>
     <p:ext uri="{EFAFB233-063F-42B5-8137-9DF3F51BA10A}">
       <p15:sldGuideLst xmlns:p15="http://schemas.microsoft.com/office/powerpoint/2012/main">
         <p15:guide id="1" orient="horz" pos="2160">
@@ -232,7 +267,7 @@
           <a:p>
             <a:fld id="{276817F0-84FC-C145-AFC3-FA42D1D21F8E}" type="datetimeFigureOut">
               <a:rPr lang="de-DE" smtClean="0"/>
-              <a:t>06.06.2017</a:t>
+              <a:t>07.06.2017</a:t>
             </a:fld>
             <a:endParaRPr lang="de-DE"/>
           </a:p>
@@ -401,7 +436,7 @@
           <a:p>
             <a:fld id="{F80FA3C8-DE25-7348-A1F7-D749F91943C8}" type="datetimeFigureOut">
               <a:rPr lang="de-DE" smtClean="0"/>
-              <a:t>06.06.2017</a:t>
+              <a:t>07.06.2017</a:t>
             </a:fld>
             <a:endParaRPr lang="de-DE"/>
           </a:p>
@@ -983,7 +1018,7 @@
           <a:p>
             <a:fld id="{C916D949-773C-3845-BFBA-C7D9987445EE}" type="datetime1">
               <a:rPr lang="de-DE" smtClean="0"/>
-              <a:t>06.06.2017</a:t>
+              <a:t>07.06.2017</a:t>
             </a:fld>
             <a:endParaRPr lang="de-DE" dirty="0"/>
           </a:p>
@@ -1084,7 +1119,7 @@
             <a:fld id="{A4ECBFB4-2031-A542-A2EF-20BD4D9E5256}" type="datetime1">
               <a:rPr lang="de-DE" smtClean="0"/>
               <a:pPr/>
-              <a:t>06.06.2017</a:t>
+              <a:t>07.06.2017</a:t>
             </a:fld>
             <a:r>
               <a:rPr lang="de-DE" dirty="0"/>
@@ -1369,7 +1404,7 @@
           <a:p>
             <a:fld id="{C916D949-773C-3845-BFBA-C7D9987445EE}" type="datetime1">
               <a:rPr lang="de-DE" smtClean="0"/>
-              <a:t>06.06.2017</a:t>
+              <a:t>07.06.2017</a:t>
             </a:fld>
             <a:endParaRPr lang="de-DE" dirty="0"/>
           </a:p>
@@ -1896,7 +1931,7 @@
             <a:fld id="{A4ECBFB4-2031-A542-A2EF-20BD4D9E5256}" type="datetime1">
               <a:rPr lang="de-DE" smtClean="0"/>
               <a:pPr/>
-              <a:t>06.06.2017</a:t>
+              <a:t>07.06.2017</a:t>
             </a:fld>
             <a:r>
               <a:rPr lang="de-DE"/>
@@ -2627,7 +2662,7 @@
             <a:fld id="{A4ECBFB4-2031-A542-A2EF-20BD4D9E5256}" type="datetime1">
               <a:rPr lang="de-DE" smtClean="0"/>
               <a:pPr/>
-              <a:t>06.06.2017</a:t>
+              <a:t>07.06.2017</a:t>
             </a:fld>
             <a:r>
               <a:rPr lang="de-DE"/>
@@ -2697,8 +2732,8 @@
         </p:nvSpPr>
         <p:spPr>
           <a:xfrm>
-            <a:off x="3173284" y="685000"/>
-            <a:ext cx="2797432" cy="553998"/>
+            <a:off x="3827777" y="685000"/>
+            <a:ext cx="937693" cy="553998"/>
           </a:xfrm>
           <a:prstGeom prst="rect">
             <a:avLst/>
@@ -2713,11 +2748,303 @@
           <a:p>
             <a:r>
               <a:rPr lang="de-DE" sz="3000" b="1" dirty="0"/>
-              <a:t>Produktgruppen</a:t>
-            </a:r>
-          </a:p>
-        </p:txBody>
-      </p:sp>
+              <a:t>Licht</a:t>
+            </a:r>
+          </a:p>
+        </p:txBody>
+      </p:sp>
+      <p:sp>
+        <p:nvSpPr>
+          <p:cNvPr id="10" name="Textfeld 9">
+            <a:extLst>
+              <a:ext uri="{FF2B5EF4-FFF2-40B4-BE49-F238E27FC236}">
+                <a16:creationId xmlns:a16="http://schemas.microsoft.com/office/drawing/2014/main" id="{05F5C821-FD20-42EC-9ABC-C77A72C4D119}"/>
+              </a:ext>
+            </a:extLst>
+          </p:cNvPr>
+          <p:cNvSpPr txBox="1"/>
+          <p:nvPr/>
+        </p:nvSpPr>
+        <p:spPr>
+          <a:xfrm>
+            <a:off x="6316133" y="4557123"/>
+            <a:ext cx="2404534" cy="461665"/>
+          </a:xfrm>
+          <a:prstGeom prst="rect">
+            <a:avLst/>
+          </a:prstGeom>
+          <a:noFill/>
+        </p:spPr>
+        <p:txBody>
+          <a:bodyPr wrap="square" rtlCol="0">
+            <a:spAutoFit/>
+          </a:bodyPr>
+          <a:lstStyle/>
+          <a:p>
+            <a:r>
+              <a:rPr lang="de-DE" sz="800" b="1" dirty="0"/>
+              <a:t>Abb.1: </a:t>
+            </a:r>
+            <a:r>
+              <a:rPr lang="de-DE" sz="800" dirty="0" err="1"/>
+              <a:t>HomeMatic</a:t>
+            </a:r>
+            <a:r>
+              <a:rPr lang="de-DE" sz="800" dirty="0"/>
+              <a:t> Funk-</a:t>
+            </a:r>
+            <a:r>
+              <a:rPr lang="de-DE" sz="800" dirty="0" err="1"/>
+              <a:t>Dimmaktor</a:t>
+            </a:r>
+            <a:endParaRPr lang="de-DE" sz="800" dirty="0"/>
+          </a:p>
+          <a:p>
+            <a:endParaRPr lang="de-DE" sz="800" dirty="0"/>
+          </a:p>
+          <a:p>
+            <a:endParaRPr lang="de-DE" sz="800" dirty="0"/>
+          </a:p>
+        </p:txBody>
+      </p:sp>
+      <p:sp>
+        <p:nvSpPr>
+          <p:cNvPr id="11" name="Rechteck 10">
+            <a:extLst>
+              <a:ext uri="{FF2B5EF4-FFF2-40B4-BE49-F238E27FC236}">
+                <a16:creationId xmlns:a16="http://schemas.microsoft.com/office/drawing/2014/main" id="{6F039129-862D-4AD5-B3D1-42371A888AAE}"/>
+              </a:ext>
+            </a:extLst>
+          </p:cNvPr>
+          <p:cNvSpPr/>
+          <p:nvPr/>
+        </p:nvSpPr>
+        <p:spPr>
+          <a:xfrm>
+            <a:off x="647997" y="1358433"/>
+            <a:ext cx="7884001" cy="1477328"/>
+          </a:xfrm>
+          <a:prstGeom prst="rect">
+            <a:avLst/>
+          </a:prstGeom>
+        </p:spPr>
+        <p:txBody>
+          <a:bodyPr wrap="square">
+            <a:spAutoFit/>
+          </a:bodyPr>
+          <a:lstStyle/>
+          <a:p>
+            <a:pPr marL="285750" indent="-285750">
+              <a:buFont typeface="Arial" panose="020B0604020202020204" pitchFamily="34" charset="0"/>
+              <a:buChar char="•"/>
+            </a:pPr>
+            <a:r>
+              <a:rPr lang="de-DE" dirty="0">
+                <a:solidFill>
+                  <a:schemeClr val="dk1"/>
+                </a:solidFill>
+              </a:rPr>
+              <a:t>Licht über Kombination aus Dimmern inszeniert werden.</a:t>
+            </a:r>
+          </a:p>
+          <a:p>
+            <a:endParaRPr lang="de-DE" dirty="0">
+              <a:solidFill>
+                <a:schemeClr val="dk1"/>
+              </a:solidFill>
+            </a:endParaRPr>
+          </a:p>
+          <a:p>
+            <a:pPr marL="285750" indent="-285750">
+              <a:buFont typeface="Arial" panose="020B0604020202020204" pitchFamily="34" charset="0"/>
+              <a:buChar char="•"/>
+            </a:pPr>
+            <a:r>
+              <a:rPr lang="de-DE" dirty="0">
+                <a:solidFill>
+                  <a:schemeClr val="dk1"/>
+                </a:solidFill>
+              </a:rPr>
+              <a:t>Per Fernbedienung/ Smartphone Lichtquellen schalten</a:t>
+            </a:r>
+          </a:p>
+          <a:p>
+            <a:endParaRPr lang="de-DE" dirty="0">
+              <a:solidFill>
+                <a:schemeClr val="dk1"/>
+              </a:solidFill>
+            </a:endParaRPr>
+          </a:p>
+          <a:p>
+            <a:pPr marL="285750" indent="-285750">
+              <a:buFont typeface="Arial" panose="020B0604020202020204" pitchFamily="34" charset="0"/>
+              <a:buChar char="•"/>
+            </a:pPr>
+            <a:r>
+              <a:rPr lang="de-DE" dirty="0">
+                <a:solidFill>
+                  <a:schemeClr val="dk1"/>
+                </a:solidFill>
+              </a:rPr>
+              <a:t>Szenerien speichern und abrufen</a:t>
+            </a:r>
+            <a:endParaRPr lang="de-DE" dirty="0"/>
+          </a:p>
+        </p:txBody>
+      </p:sp>
+      <p:sp>
+        <p:nvSpPr>
+          <p:cNvPr id="13" name="Textfeld 12">
+            <a:extLst>
+              <a:ext uri="{FF2B5EF4-FFF2-40B4-BE49-F238E27FC236}">
+                <a16:creationId xmlns:a16="http://schemas.microsoft.com/office/drawing/2014/main" id="{4D65A4CF-AD05-4B82-AEE3-F8499DCB2E2A}"/>
+              </a:ext>
+            </a:extLst>
+          </p:cNvPr>
+          <p:cNvSpPr txBox="1"/>
+          <p:nvPr/>
+        </p:nvSpPr>
+        <p:spPr>
+          <a:xfrm>
+            <a:off x="2413844" y="5914213"/>
+            <a:ext cx="2827866" cy="461665"/>
+          </a:xfrm>
+          <a:prstGeom prst="rect">
+            <a:avLst/>
+          </a:prstGeom>
+          <a:noFill/>
+        </p:spPr>
+        <p:txBody>
+          <a:bodyPr wrap="square" rtlCol="0">
+            <a:spAutoFit/>
+          </a:bodyPr>
+          <a:lstStyle/>
+          <a:p>
+            <a:pPr fontAlgn="base"/>
+            <a:r>
+              <a:rPr lang="de-DE" sz="800" b="1" dirty="0"/>
+              <a:t>Abb.2: </a:t>
+            </a:r>
+            <a:r>
+              <a:rPr lang="de-DE" sz="800" dirty="0" err="1"/>
+              <a:t>HomeMatic</a:t>
+            </a:r>
+            <a:r>
+              <a:rPr lang="de-DE" sz="800" dirty="0"/>
+              <a:t> Funk-</a:t>
+            </a:r>
+            <a:r>
+              <a:rPr lang="de-DE" sz="800" dirty="0" err="1"/>
+              <a:t>Schaltaktor</a:t>
+            </a:r>
+            <a:r>
+              <a:rPr lang="de-DE" sz="800" dirty="0"/>
+              <a:t>, Zwischenstecker</a:t>
+            </a:r>
+          </a:p>
+          <a:p>
+            <a:pPr fontAlgn="base"/>
+            <a:endParaRPr lang="de-DE" sz="800" dirty="0"/>
+          </a:p>
+          <a:p>
+            <a:endParaRPr lang="de-DE" sz="800" dirty="0"/>
+          </a:p>
+        </p:txBody>
+      </p:sp>
+      <p:pic>
+        <p:nvPicPr>
+          <p:cNvPr id="3074" name="Picture 2" descr="http://www.myhomematic.de/images/product_images/popup_images/210_0.jpg">
+            <a:extLst>
+              <a:ext uri="{FF2B5EF4-FFF2-40B4-BE49-F238E27FC236}">
+                <a16:creationId xmlns:a16="http://schemas.microsoft.com/office/drawing/2014/main" id="{BBFED78B-853F-4BED-8599-32209DB447A2}"/>
+              </a:ext>
+            </a:extLst>
+          </p:cNvPr>
+          <p:cNvPicPr>
+            <a:picLocks noChangeAspect="1" noChangeArrowheads="1"/>
+          </p:cNvPicPr>
+          <p:nvPr/>
+        </p:nvPicPr>
+        <p:blipFill>
+          <a:blip r:embed="rId2">
+            <a:extLst>
+              <a:ext uri="{28A0092B-C50C-407E-A947-70E740481C1C}">
+                <a14:useLocalDpi xmlns:a14="http://schemas.microsoft.com/office/drawing/2010/main" val="0"/>
+              </a:ext>
+            </a:extLst>
+          </a:blip>
+          <a:srcRect/>
+          <a:stretch>
+            <a:fillRect/>
+          </a:stretch>
+        </p:blipFill>
+        <p:spPr bwMode="auto">
+          <a:xfrm>
+            <a:off x="6564776" y="1647567"/>
+            <a:ext cx="1483915" cy="2650067"/>
+          </a:xfrm>
+          <a:prstGeom prst="rect">
+            <a:avLst/>
+          </a:prstGeom>
+          <a:noFill/>
+          <a:extLst>
+            <a:ext uri="{909E8E84-426E-40DD-AFC4-6F175D3DCCD1}">
+              <a14:hiddenFill xmlns:a14="http://schemas.microsoft.com/office/drawing/2010/main">
+                <a:solidFill>
+                  <a:srgbClr val="FFFFFF"/>
+                </a:solidFill>
+              </a14:hiddenFill>
+            </a:ext>
+          </a:extLst>
+        </p:spPr>
+      </p:pic>
+      <p:pic>
+        <p:nvPicPr>
+          <p:cNvPr id="3076" name="Picture 4" descr="http://www.myhomematic.de/images/product_images/popup_images/565_0.jpg">
+            <a:extLst>
+              <a:ext uri="{FF2B5EF4-FFF2-40B4-BE49-F238E27FC236}">
+                <a16:creationId xmlns:a16="http://schemas.microsoft.com/office/drawing/2014/main" id="{A667A9FA-CD99-4E7C-8AF4-F8425DB48F77}"/>
+              </a:ext>
+            </a:extLst>
+          </p:cNvPr>
+          <p:cNvPicPr>
+            <a:picLocks noChangeAspect="1" noChangeArrowheads="1"/>
+          </p:cNvPicPr>
+          <p:nvPr/>
+        </p:nvPicPr>
+        <p:blipFill>
+          <a:blip r:embed="rId3">
+            <a:extLst>
+              <a:ext uri="{28A0092B-C50C-407E-A947-70E740481C1C}">
+                <a14:useLocalDpi xmlns:a14="http://schemas.microsoft.com/office/drawing/2010/main" val="0"/>
+              </a:ext>
+            </a:extLst>
+          </a:blip>
+          <a:srcRect/>
+          <a:stretch>
+            <a:fillRect/>
+          </a:stretch>
+        </p:blipFill>
+        <p:spPr bwMode="auto">
+          <a:xfrm>
+            <a:off x="2974404" y="2952699"/>
+            <a:ext cx="1706746" cy="2844576"/>
+          </a:xfrm>
+          <a:prstGeom prst="rect">
+            <a:avLst/>
+          </a:prstGeom>
+          <a:noFill/>
+          <a:extLst>
+            <a:ext uri="{909E8E84-426E-40DD-AFC4-6F175D3DCCD1}">
+              <a14:hiddenFill xmlns:a14="http://schemas.microsoft.com/office/drawing/2010/main">
+                <a:solidFill>
+                  <a:srgbClr val="FFFFFF"/>
+                </a:solidFill>
+              </a14:hiddenFill>
+            </a:ext>
+          </a:extLst>
+        </p:spPr>
+      </p:pic>
     </p:spTree>
     <p:extLst>
       <p:ext uri="{BB962C8B-B14F-4D97-AF65-F5344CB8AC3E}">
@@ -2750,7 +3077,13 @@
       </p:grpSpPr>
       <p:sp>
         <p:nvSpPr>
-          <p:cNvPr id="2" name="Datumsplatzhalter 1"/>
+          <p:cNvPr id="2" name="Datumsplatzhalter 1">
+            <a:extLst>
+              <a:ext uri="{FF2B5EF4-FFF2-40B4-BE49-F238E27FC236}">
+                <a16:creationId xmlns:a16="http://schemas.microsoft.com/office/drawing/2014/main" id="{EE76C206-A531-4BAA-AF84-0B8F8D16215F}"/>
+              </a:ext>
+            </a:extLst>
+          </p:cNvPr>
           <p:cNvSpPr>
             <a:spLocks noGrp="1"/>
           </p:cNvSpPr>
@@ -2766,7 +3099,7 @@
             <a:fld id="{A4ECBFB4-2031-A542-A2EF-20BD4D9E5256}" type="datetime1">
               <a:rPr lang="de-DE" smtClean="0"/>
               <a:pPr/>
-              <a:t>06.06.2017</a:t>
+              <a:t>07.06.2017</a:t>
             </a:fld>
             <a:r>
               <a:rPr lang="de-DE"/>
@@ -2778,7 +3111,13 @@
       </p:sp>
       <p:sp>
         <p:nvSpPr>
-          <p:cNvPr id="3" name="Foliennummernplatzhalter 2"/>
+          <p:cNvPr id="3" name="Foliennummernplatzhalter 2">
+            <a:extLst>
+              <a:ext uri="{FF2B5EF4-FFF2-40B4-BE49-F238E27FC236}">
+                <a16:creationId xmlns:a16="http://schemas.microsoft.com/office/drawing/2014/main" id="{5C322E85-DD43-4C02-8B11-8531C98C3F60}"/>
+              </a:ext>
+            </a:extLst>
+          </p:cNvPr>
           <p:cNvSpPr>
             <a:spLocks noGrp="1"/>
           </p:cNvSpPr>
@@ -2799,16 +3138,52 @@
           </a:p>
         </p:txBody>
       </p:sp>
-      <p:sp>
-        <p:nvSpPr>
-          <p:cNvPr id="4" name="Textfeld 3"/>
+      <p:pic>
+        <p:nvPicPr>
+          <p:cNvPr id="4" name="Grafik 3">
+            <a:extLst>
+              <a:ext uri="{FF2B5EF4-FFF2-40B4-BE49-F238E27FC236}">
+                <a16:creationId xmlns:a16="http://schemas.microsoft.com/office/drawing/2014/main" id="{DC9DF3C7-14C7-4A5E-8311-894CE9BACBB6}"/>
+              </a:ext>
+            </a:extLst>
+          </p:cNvPr>
+          <p:cNvPicPr>
+            <a:picLocks noChangeAspect="1"/>
+          </p:cNvPicPr>
+          <p:nvPr/>
+        </p:nvPicPr>
+        <p:blipFill>
+          <a:blip r:embed="rId2"/>
+          <a:stretch>
+            <a:fillRect/>
+          </a:stretch>
+        </p:blipFill>
+        <p:spPr>
+          <a:xfrm>
+            <a:off x="6843957" y="1389720"/>
+            <a:ext cx="1230067" cy="2196548"/>
+          </a:xfrm>
+          <a:prstGeom prst="rect">
+            <a:avLst/>
+          </a:prstGeom>
+        </p:spPr>
+      </p:pic>
+      <p:sp>
+        <p:nvSpPr>
+          <p:cNvPr id="5" name="Textfeld 4">
+            <a:extLst>
+              <a:ext uri="{FF2B5EF4-FFF2-40B4-BE49-F238E27FC236}">
+                <a16:creationId xmlns:a16="http://schemas.microsoft.com/office/drawing/2014/main" id="{A9D88A29-3A66-48E2-9D97-AF12A606EE0D}"/>
+              </a:ext>
+            </a:extLst>
+          </p:cNvPr>
           <p:cNvSpPr txBox="1"/>
           <p:nvPr/>
         </p:nvSpPr>
         <p:spPr>
           <a:xfrm>
-            <a:off x="2753874" y="116300"/>
-            <a:ext cx="3636252" cy="553998"/>
+            <a:off x="1322503" y="125722"/>
+            <a:ext cx="5699189" cy="553998"/>
           </a:xfrm>
           <a:prstGeom prst="rect">
             <a:avLst/>
@@ -2823,21 +3198,27 @@
           <a:p>
             <a:r>
               <a:rPr lang="de-DE" sz="3000" dirty="0"/>
-              <a:t>OpenHAB - Programm</a:t>
-            </a:r>
-          </a:p>
-        </p:txBody>
-      </p:sp>
-      <p:sp>
-        <p:nvSpPr>
-          <p:cNvPr id="5" name="Textfeld 4"/>
+              <a:t>Möglichkeiten der Hausautomation</a:t>
+            </a:r>
+          </a:p>
+        </p:txBody>
+      </p:sp>
+      <p:sp>
+        <p:nvSpPr>
+          <p:cNvPr id="6" name="Textfeld 5">
+            <a:extLst>
+              <a:ext uri="{FF2B5EF4-FFF2-40B4-BE49-F238E27FC236}">
+                <a16:creationId xmlns:a16="http://schemas.microsoft.com/office/drawing/2014/main" id="{7E59A566-1B9E-4C80-B0C7-729D866DB5EE}"/>
+              </a:ext>
+            </a:extLst>
+          </p:cNvPr>
           <p:cNvSpPr txBox="1"/>
           <p:nvPr/>
         </p:nvSpPr>
         <p:spPr>
           <a:xfrm>
-            <a:off x="3469166" y="670298"/>
-            <a:ext cx="2205668" cy="553998"/>
+            <a:off x="3827777" y="685000"/>
+            <a:ext cx="937693" cy="553998"/>
           </a:xfrm>
           <a:prstGeom prst="rect">
             <a:avLst/>
@@ -2852,20 +3233,241 @@
           <a:p>
             <a:r>
               <a:rPr lang="de-DE" sz="3000" b="1" dirty="0"/>
-              <a:t>Live - </a:t>
-            </a:r>
-            <a:r>
-              <a:rPr lang="de-DE" sz="3000" b="1" dirty="0" err="1"/>
-              <a:t>Coding</a:t>
-            </a:r>
-            <a:endParaRPr lang="de-DE" sz="3000" b="1" dirty="0"/>
+              <a:t>Licht</a:t>
+            </a:r>
+          </a:p>
+        </p:txBody>
+      </p:sp>
+      <p:sp>
+        <p:nvSpPr>
+          <p:cNvPr id="7" name="Rechteck 6">
+            <a:extLst>
+              <a:ext uri="{FF2B5EF4-FFF2-40B4-BE49-F238E27FC236}">
+                <a16:creationId xmlns:a16="http://schemas.microsoft.com/office/drawing/2014/main" id="{698E7CAF-51AC-4AC0-8E70-B4CB4CF91D42}"/>
+              </a:ext>
+            </a:extLst>
+          </p:cNvPr>
+          <p:cNvSpPr/>
+          <p:nvPr/>
+        </p:nvSpPr>
+        <p:spPr>
+          <a:xfrm>
+            <a:off x="1791630" y="1389720"/>
+            <a:ext cx="3409716" cy="369332"/>
+          </a:xfrm>
+          <a:prstGeom prst="rect">
+            <a:avLst/>
+          </a:prstGeom>
+        </p:spPr>
+        <p:txBody>
+          <a:bodyPr wrap="none">
+            <a:spAutoFit/>
+          </a:bodyPr>
+          <a:lstStyle/>
+          <a:p>
+            <a:r>
+              <a:rPr lang="de-DE" b="1"/>
+              <a:t>Funk-Dimmaktor 1-fach Anschnitt</a:t>
+            </a:r>
+            <a:endParaRPr lang="de-DE" b="1" dirty="0"/>
+          </a:p>
+        </p:txBody>
+      </p:sp>
+      <p:sp>
+        <p:nvSpPr>
+          <p:cNvPr id="8" name="Rechteck 7">
+            <a:extLst>
+              <a:ext uri="{FF2B5EF4-FFF2-40B4-BE49-F238E27FC236}">
+                <a16:creationId xmlns:a16="http://schemas.microsoft.com/office/drawing/2014/main" id="{35315382-89AF-44F2-9181-B9884A03F3CE}"/>
+              </a:ext>
+            </a:extLst>
+          </p:cNvPr>
+          <p:cNvSpPr/>
+          <p:nvPr/>
+        </p:nvSpPr>
+        <p:spPr>
+          <a:xfrm>
+            <a:off x="1791629" y="1846272"/>
+            <a:ext cx="5052327" cy="923330"/>
+          </a:xfrm>
+          <a:prstGeom prst="rect">
+            <a:avLst/>
+          </a:prstGeom>
+        </p:spPr>
+        <p:txBody>
+          <a:bodyPr wrap="square">
+            <a:spAutoFit/>
+          </a:bodyPr>
+          <a:lstStyle/>
+          <a:p>
+            <a:r>
+              <a:rPr lang="de-DE" dirty="0"/>
+              <a:t>- Komfortables Dimmen und</a:t>
+            </a:r>
+          </a:p>
+          <a:p>
+            <a:r>
+              <a:rPr lang="de-DE" dirty="0"/>
+              <a:t>  stimmungsvolle Lichtszenarien mit </a:t>
+            </a:r>
+          </a:p>
+          <a:p>
+            <a:r>
+              <a:rPr lang="de-DE" dirty="0"/>
+              <a:t>  dem unsichtbar installierbaren Funk-</a:t>
+            </a:r>
+            <a:r>
+              <a:rPr lang="de-DE" dirty="0" err="1"/>
+              <a:t>Dimmaktor</a:t>
+            </a:r>
+            <a:endParaRPr lang="de-DE" dirty="0"/>
+          </a:p>
+        </p:txBody>
+      </p:sp>
+      <p:pic>
+        <p:nvPicPr>
+          <p:cNvPr id="9" name="Grafik 8">
+            <a:extLst>
+              <a:ext uri="{FF2B5EF4-FFF2-40B4-BE49-F238E27FC236}">
+                <a16:creationId xmlns:a16="http://schemas.microsoft.com/office/drawing/2014/main" id="{A173E64C-C0D9-4376-8329-69FA4EC8885C}"/>
+              </a:ext>
+            </a:extLst>
+          </p:cNvPr>
+          <p:cNvPicPr>
+            <a:picLocks noChangeAspect="1"/>
+          </p:cNvPicPr>
+          <p:nvPr/>
+        </p:nvPicPr>
+        <p:blipFill>
+          <a:blip r:embed="rId3"/>
+          <a:stretch>
+            <a:fillRect/>
+          </a:stretch>
+        </p:blipFill>
+        <p:spPr>
+          <a:xfrm>
+            <a:off x="775915" y="3741227"/>
+            <a:ext cx="1530626" cy="2551043"/>
+          </a:xfrm>
+          <a:prstGeom prst="rect">
+            <a:avLst/>
+          </a:prstGeom>
+        </p:spPr>
+      </p:pic>
+      <p:sp>
+        <p:nvSpPr>
+          <p:cNvPr id="10" name="Rechteck 9">
+            <a:extLst>
+              <a:ext uri="{FF2B5EF4-FFF2-40B4-BE49-F238E27FC236}">
+                <a16:creationId xmlns:a16="http://schemas.microsoft.com/office/drawing/2014/main" id="{A7C1A9B1-8884-416C-AE3E-166143749BD5}"/>
+              </a:ext>
+            </a:extLst>
+          </p:cNvPr>
+          <p:cNvSpPr/>
+          <p:nvPr/>
+        </p:nvSpPr>
+        <p:spPr>
+          <a:xfrm>
+            <a:off x="2942829" y="3783508"/>
+            <a:ext cx="2972545" cy="369332"/>
+          </a:xfrm>
+          <a:prstGeom prst="rect">
+            <a:avLst/>
+          </a:prstGeom>
+        </p:spPr>
+        <p:txBody>
+          <a:bodyPr wrap="none">
+            <a:spAutoFit/>
+          </a:bodyPr>
+          <a:lstStyle/>
+          <a:p>
+            <a:r>
+              <a:rPr lang="de-DE" b="1" dirty="0" err="1"/>
+              <a:t>HomeMatic</a:t>
+            </a:r>
+            <a:r>
+              <a:rPr lang="de-DE" b="1" dirty="0"/>
+              <a:t> Funk-</a:t>
+            </a:r>
+            <a:r>
+              <a:rPr lang="de-DE" b="1" dirty="0" err="1"/>
+              <a:t>Schaltaktor</a:t>
+            </a:r>
+            <a:endParaRPr lang="de-DE" b="1" dirty="0"/>
+          </a:p>
+        </p:txBody>
+      </p:sp>
+      <p:sp>
+        <p:nvSpPr>
+          <p:cNvPr id="12" name="Textfeld 11">
+            <a:extLst>
+              <a:ext uri="{FF2B5EF4-FFF2-40B4-BE49-F238E27FC236}">
+                <a16:creationId xmlns:a16="http://schemas.microsoft.com/office/drawing/2014/main" id="{E01DF312-DA70-44AC-BF52-71035D68FB1C}"/>
+              </a:ext>
+            </a:extLst>
+          </p:cNvPr>
+          <p:cNvSpPr txBox="1"/>
+          <p:nvPr/>
+        </p:nvSpPr>
+        <p:spPr>
+          <a:xfrm>
+            <a:off x="2942829" y="4312982"/>
+            <a:ext cx="4916556" cy="1477328"/>
+          </a:xfrm>
+          <a:prstGeom prst="rect">
+            <a:avLst/>
+          </a:prstGeom>
+          <a:noFill/>
+        </p:spPr>
+        <p:txBody>
+          <a:bodyPr wrap="square" rtlCol="0">
+            <a:spAutoFit/>
+          </a:bodyPr>
+          <a:lstStyle/>
+          <a:p>
+            <a:r>
+              <a:rPr lang="de-DE" dirty="0"/>
+              <a:t>- steuern der elektrischen Verbraucher</a:t>
+            </a:r>
+          </a:p>
+          <a:p>
+            <a:r>
+              <a:rPr lang="de-DE" dirty="0"/>
+              <a:t>  bequem über die </a:t>
+            </a:r>
+            <a:r>
+              <a:rPr lang="de-DE" dirty="0" err="1"/>
+              <a:t>HomeMatic</a:t>
+            </a:r>
+            <a:r>
+              <a:rPr lang="de-DE" dirty="0"/>
+              <a:t> Haussteuerung</a:t>
+            </a:r>
+          </a:p>
+          <a:p>
+            <a:r>
+              <a:rPr lang="de-DE" dirty="0"/>
+              <a:t>- Ein- und Ausschaltdauer/die </a:t>
+            </a:r>
+          </a:p>
+          <a:p>
+            <a:r>
+              <a:rPr lang="de-DE" dirty="0"/>
+              <a:t>  Abhängigkeit von Ereignissen oder Sensorwerten </a:t>
+            </a:r>
+          </a:p>
+          <a:p>
+            <a:r>
+              <a:rPr lang="de-DE" dirty="0"/>
+              <a:t>  programmierbar</a:t>
+            </a:r>
           </a:p>
         </p:txBody>
       </p:sp>
     </p:spTree>
     <p:extLst>
       <p:ext uri="{BB962C8B-B14F-4D97-AF65-F5344CB8AC3E}">
-        <p14:creationId xmlns:p14="http://schemas.microsoft.com/office/powerpoint/2010/main" val="3715821988"/>
+        <p14:creationId xmlns:p14="http://schemas.microsoft.com/office/powerpoint/2010/main" val="457151567"/>
       </p:ext>
     </p:extLst>
   </p:cSld>
@@ -2894,6 +3496,1889 @@
       </p:grpSpPr>
       <p:sp>
         <p:nvSpPr>
+          <p:cNvPr id="2" name="Datumsplatzhalter 1">
+            <a:extLst>
+              <a:ext uri="{FF2B5EF4-FFF2-40B4-BE49-F238E27FC236}">
+                <a16:creationId xmlns:a16="http://schemas.microsoft.com/office/drawing/2014/main" id="{454BA164-D8B4-4848-8B4C-9CE4E6DB79C8}"/>
+              </a:ext>
+            </a:extLst>
+          </p:cNvPr>
+          <p:cNvSpPr>
+            <a:spLocks noGrp="1"/>
+          </p:cNvSpPr>
+          <p:nvPr>
+            <p:ph type="dt" sz="half" idx="10"/>
+          </p:nvPr>
+        </p:nvSpPr>
+        <p:spPr/>
+        <p:txBody>
+          <a:bodyPr/>
+          <a:lstStyle/>
+          <a:p>
+            <a:fld id="{A4ECBFB4-2031-A542-A2EF-20BD4D9E5256}" type="datetime1">
+              <a:rPr lang="de-DE" smtClean="0"/>
+              <a:pPr/>
+              <a:t>07.06.2017</a:t>
+            </a:fld>
+            <a:r>
+              <a:rPr lang="de-DE"/>
+              <a:t>	     Nadine Schwenke, Anna Blankenstein, Fabian Nawrath, Maximilian Bröer       Praxismodul 2	</a:t>
+            </a:r>
+            <a:endParaRPr lang="de-DE" dirty="0"/>
+          </a:p>
+        </p:txBody>
+      </p:sp>
+      <p:sp>
+        <p:nvSpPr>
+          <p:cNvPr id="3" name="Foliennummernplatzhalter 2">
+            <a:extLst>
+              <a:ext uri="{FF2B5EF4-FFF2-40B4-BE49-F238E27FC236}">
+                <a16:creationId xmlns:a16="http://schemas.microsoft.com/office/drawing/2014/main" id="{A46B6F2E-B0D1-47FD-BF48-83870B5E79E1}"/>
+              </a:ext>
+            </a:extLst>
+          </p:cNvPr>
+          <p:cNvSpPr>
+            <a:spLocks noGrp="1"/>
+          </p:cNvSpPr>
+          <p:nvPr>
+            <p:ph type="sldNum" sz="quarter" idx="12"/>
+          </p:nvPr>
+        </p:nvSpPr>
+        <p:spPr/>
+        <p:txBody>
+          <a:bodyPr/>
+          <a:lstStyle/>
+          <a:p>
+            <a:fld id="{E7BE1CCD-89A0-CC45-BF3E-2A331A7F0490}" type="slidenum">
+              <a:rPr lang="de-DE" smtClean="0"/>
+              <a:t>13</a:t>
+            </a:fld>
+            <a:endParaRPr lang="de-DE" dirty="0"/>
+          </a:p>
+        </p:txBody>
+      </p:sp>
+      <p:sp>
+        <p:nvSpPr>
+          <p:cNvPr id="6" name="Textfeld 5">
+            <a:extLst>
+              <a:ext uri="{FF2B5EF4-FFF2-40B4-BE49-F238E27FC236}">
+                <a16:creationId xmlns:a16="http://schemas.microsoft.com/office/drawing/2014/main" id="{2CAA2B1D-6ECD-424A-9ED0-00BFC8DFB921}"/>
+              </a:ext>
+            </a:extLst>
+          </p:cNvPr>
+          <p:cNvSpPr txBox="1"/>
+          <p:nvPr/>
+        </p:nvSpPr>
+        <p:spPr>
+          <a:xfrm>
+            <a:off x="1322503" y="125722"/>
+            <a:ext cx="5699189" cy="553998"/>
+          </a:xfrm>
+          <a:prstGeom prst="rect">
+            <a:avLst/>
+          </a:prstGeom>
+          <a:noFill/>
+        </p:spPr>
+        <p:txBody>
+          <a:bodyPr wrap="none" rtlCol="0">
+            <a:spAutoFit/>
+          </a:bodyPr>
+          <a:lstStyle/>
+          <a:p>
+            <a:r>
+              <a:rPr lang="de-DE" sz="3000" dirty="0"/>
+              <a:t>Möglichkeiten der Hausautomation</a:t>
+            </a:r>
+          </a:p>
+        </p:txBody>
+      </p:sp>
+      <p:sp>
+        <p:nvSpPr>
+          <p:cNvPr id="7" name="Textfeld 6">
+            <a:extLst>
+              <a:ext uri="{FF2B5EF4-FFF2-40B4-BE49-F238E27FC236}">
+                <a16:creationId xmlns:a16="http://schemas.microsoft.com/office/drawing/2014/main" id="{4A1CD55E-DD2B-4E1D-964F-C072D5DD7CC0}"/>
+              </a:ext>
+            </a:extLst>
+          </p:cNvPr>
+          <p:cNvSpPr txBox="1"/>
+          <p:nvPr/>
+        </p:nvSpPr>
+        <p:spPr>
+          <a:xfrm>
+            <a:off x="3281885" y="695853"/>
+            <a:ext cx="1780424" cy="584775"/>
+          </a:xfrm>
+          <a:prstGeom prst="rect">
+            <a:avLst/>
+          </a:prstGeom>
+          <a:noFill/>
+        </p:spPr>
+        <p:txBody>
+          <a:bodyPr wrap="none" rtlCol="0">
+            <a:spAutoFit/>
+          </a:bodyPr>
+          <a:lstStyle/>
+          <a:p>
+            <a:r>
+              <a:rPr lang="de-DE" sz="3200" b="1" dirty="0"/>
+              <a:t>Rollladen</a:t>
+            </a:r>
+            <a:endParaRPr lang="de-DE" sz="3000" b="1" dirty="0"/>
+          </a:p>
+        </p:txBody>
+      </p:sp>
+      <p:sp>
+        <p:nvSpPr>
+          <p:cNvPr id="8" name="Rechteck 7">
+            <a:extLst>
+              <a:ext uri="{FF2B5EF4-FFF2-40B4-BE49-F238E27FC236}">
+                <a16:creationId xmlns:a16="http://schemas.microsoft.com/office/drawing/2014/main" id="{1F355CEC-B90F-49FF-99E3-A971D98FA916}"/>
+              </a:ext>
+            </a:extLst>
+          </p:cNvPr>
+          <p:cNvSpPr/>
+          <p:nvPr/>
+        </p:nvSpPr>
+        <p:spPr>
+          <a:xfrm>
+            <a:off x="647998" y="1587322"/>
+            <a:ext cx="4572000" cy="1477328"/>
+          </a:xfrm>
+          <a:prstGeom prst="rect">
+            <a:avLst/>
+          </a:prstGeom>
+        </p:spPr>
+        <p:txBody>
+          <a:bodyPr>
+            <a:spAutoFit/>
+          </a:bodyPr>
+          <a:lstStyle/>
+          <a:p>
+            <a:pPr marL="285750" indent="-285750">
+              <a:buFont typeface="Arial" panose="020B0604020202020204" pitchFamily="34" charset="0"/>
+              <a:buChar char="•"/>
+            </a:pPr>
+            <a:r>
+              <a:rPr lang="de-DE" dirty="0">
+                <a:solidFill>
+                  <a:schemeClr val="dk1"/>
+                </a:solidFill>
+              </a:rPr>
+              <a:t>zeit- &amp; wetterabhängige Steuerung möglich </a:t>
+            </a:r>
+          </a:p>
+          <a:p>
+            <a:r>
+              <a:rPr lang="de-DE" dirty="0">
+                <a:solidFill>
+                  <a:schemeClr val="dk1"/>
+                </a:solidFill>
+              </a:rPr>
+              <a:t> </a:t>
+            </a:r>
+          </a:p>
+          <a:p>
+            <a:pPr marL="285750" indent="-285750">
+              <a:buFont typeface="Arial" panose="020B0604020202020204" pitchFamily="34" charset="0"/>
+              <a:buChar char="•"/>
+            </a:pPr>
+            <a:r>
+              <a:rPr lang="de-DE" dirty="0">
+                <a:solidFill>
+                  <a:schemeClr val="dk1"/>
+                </a:solidFill>
+              </a:rPr>
+              <a:t>Sensoren innen &amp; außen verknüpfen Daten </a:t>
+            </a:r>
+            <a:r>
+              <a:rPr lang="de-DE" dirty="0">
+                <a:solidFill>
+                  <a:schemeClr val="dk1"/>
+                </a:solidFill>
+                <a:sym typeface="Wingdings" panose="05000000000000000000" pitchFamily="2" charset="2"/>
+              </a:rPr>
+              <a:t></a:t>
+            </a:r>
+            <a:r>
+              <a:rPr lang="de-DE" dirty="0">
+                <a:solidFill>
+                  <a:schemeClr val="dk1"/>
+                </a:solidFill>
+              </a:rPr>
+              <a:t> erkennen Wettersituation &amp; steuern Rollladen</a:t>
+            </a:r>
+            <a:endParaRPr lang="de-DE" dirty="0"/>
+          </a:p>
+        </p:txBody>
+      </p:sp>
+      <p:sp>
+        <p:nvSpPr>
+          <p:cNvPr id="11" name="Textfeld 10">
+            <a:extLst>
+              <a:ext uri="{FF2B5EF4-FFF2-40B4-BE49-F238E27FC236}">
+                <a16:creationId xmlns:a16="http://schemas.microsoft.com/office/drawing/2014/main" id="{E0FCD254-1C3E-4316-8280-8D855BD18EFA}"/>
+              </a:ext>
+            </a:extLst>
+          </p:cNvPr>
+          <p:cNvSpPr txBox="1"/>
+          <p:nvPr/>
+        </p:nvSpPr>
+        <p:spPr>
+          <a:xfrm>
+            <a:off x="5128136" y="5314950"/>
+            <a:ext cx="2827866" cy="338554"/>
+          </a:xfrm>
+          <a:prstGeom prst="rect">
+            <a:avLst/>
+          </a:prstGeom>
+          <a:noFill/>
+        </p:spPr>
+        <p:txBody>
+          <a:bodyPr wrap="square" rtlCol="0">
+            <a:spAutoFit/>
+          </a:bodyPr>
+          <a:lstStyle/>
+          <a:p>
+            <a:pPr fontAlgn="base"/>
+            <a:r>
+              <a:rPr lang="de-DE" sz="800" b="1" dirty="0"/>
+              <a:t>Abb.3: </a:t>
+            </a:r>
+            <a:r>
+              <a:rPr lang="de-DE" sz="800" dirty="0" err="1"/>
+              <a:t>HomeMatic</a:t>
+            </a:r>
+            <a:r>
+              <a:rPr lang="de-DE" sz="800" dirty="0"/>
+              <a:t> Funk-Lichtsensor außen</a:t>
+            </a:r>
+          </a:p>
+          <a:p>
+            <a:pPr fontAlgn="base"/>
+            <a:endParaRPr lang="de-DE" sz="800" dirty="0"/>
+          </a:p>
+        </p:txBody>
+      </p:sp>
+      <p:pic>
+        <p:nvPicPr>
+          <p:cNvPr id="1028" name="Picture 4" descr="http://www.myhomematic.de/images/product_images/popup_images/214_0.jpg">
+            <a:extLst>
+              <a:ext uri="{FF2B5EF4-FFF2-40B4-BE49-F238E27FC236}">
+                <a16:creationId xmlns:a16="http://schemas.microsoft.com/office/drawing/2014/main" id="{7C4C4A04-66E8-4197-BBA3-4B154D222036}"/>
+              </a:ext>
+            </a:extLst>
+          </p:cNvPr>
+          <p:cNvPicPr>
+            <a:picLocks noChangeAspect="1" noChangeArrowheads="1"/>
+          </p:cNvPicPr>
+          <p:nvPr/>
+        </p:nvPicPr>
+        <p:blipFill>
+          <a:blip r:embed="rId2">
+            <a:extLst>
+              <a:ext uri="{28A0092B-C50C-407E-A947-70E740481C1C}">
+                <a14:useLocalDpi xmlns:a14="http://schemas.microsoft.com/office/drawing/2010/main" val="0"/>
+              </a:ext>
+            </a:extLst>
+          </a:blip>
+          <a:srcRect/>
+          <a:stretch>
+            <a:fillRect/>
+          </a:stretch>
+        </p:blipFill>
+        <p:spPr bwMode="auto">
+          <a:xfrm>
+            <a:off x="1163771" y="3716725"/>
+            <a:ext cx="2532359" cy="2124016"/>
+          </a:xfrm>
+          <a:prstGeom prst="rect">
+            <a:avLst/>
+          </a:prstGeom>
+          <a:noFill/>
+          <a:extLst>
+            <a:ext uri="{909E8E84-426E-40DD-AFC4-6F175D3DCCD1}">
+              <a14:hiddenFill xmlns:a14="http://schemas.microsoft.com/office/drawing/2010/main">
+                <a:solidFill>
+                  <a:srgbClr val="FFFFFF"/>
+                </a:solidFill>
+              </a14:hiddenFill>
+            </a:ext>
+          </a:extLst>
+        </p:spPr>
+      </p:pic>
+      <p:sp>
+        <p:nvSpPr>
+          <p:cNvPr id="13" name="Textfeld 12">
+            <a:extLst>
+              <a:ext uri="{FF2B5EF4-FFF2-40B4-BE49-F238E27FC236}">
+                <a16:creationId xmlns:a16="http://schemas.microsoft.com/office/drawing/2014/main" id="{9AFDFAE9-C4DE-494A-956C-9FBA4A8EB1A0}"/>
+              </a:ext>
+            </a:extLst>
+          </p:cNvPr>
+          <p:cNvSpPr txBox="1"/>
+          <p:nvPr/>
+        </p:nvSpPr>
+        <p:spPr>
+          <a:xfrm>
+            <a:off x="1163771" y="5914010"/>
+            <a:ext cx="2827866" cy="338554"/>
+          </a:xfrm>
+          <a:prstGeom prst="rect">
+            <a:avLst/>
+          </a:prstGeom>
+          <a:noFill/>
+        </p:spPr>
+        <p:txBody>
+          <a:bodyPr wrap="square" rtlCol="0">
+            <a:spAutoFit/>
+          </a:bodyPr>
+          <a:lstStyle/>
+          <a:p>
+            <a:pPr fontAlgn="base"/>
+            <a:r>
+              <a:rPr lang="de-DE" sz="800" b="1" dirty="0"/>
+              <a:t>Abb.4: </a:t>
+            </a:r>
+            <a:r>
+              <a:rPr lang="de-DE" sz="800" dirty="0" err="1"/>
+              <a:t>HomeMatic</a:t>
+            </a:r>
+            <a:r>
+              <a:rPr lang="de-DE" sz="800" dirty="0"/>
+              <a:t> Funk-</a:t>
+            </a:r>
+            <a:r>
+              <a:rPr lang="de-DE" sz="800" dirty="0" err="1"/>
+              <a:t>Rolladenaktor</a:t>
+            </a:r>
+            <a:r>
+              <a:rPr lang="de-DE" sz="800" dirty="0"/>
+              <a:t> 1-fach</a:t>
+            </a:r>
+          </a:p>
+          <a:p>
+            <a:pPr fontAlgn="base"/>
+            <a:endParaRPr lang="de-DE" sz="800" dirty="0"/>
+          </a:p>
+        </p:txBody>
+      </p:sp>
+      <p:pic>
+        <p:nvPicPr>
+          <p:cNvPr id="1030" name="Picture 6" descr="http://www.myhomematic.de/images/product_images/popup_images/582_0.jpg">
+            <a:extLst>
+              <a:ext uri="{FF2B5EF4-FFF2-40B4-BE49-F238E27FC236}">
+                <a16:creationId xmlns:a16="http://schemas.microsoft.com/office/drawing/2014/main" id="{47F4AAF1-F2B1-47DA-8602-E0488BC677BE}"/>
+              </a:ext>
+            </a:extLst>
+          </p:cNvPr>
+          <p:cNvPicPr>
+            <a:picLocks noChangeAspect="1" noChangeArrowheads="1"/>
+          </p:cNvPicPr>
+          <p:nvPr/>
+        </p:nvPicPr>
+        <p:blipFill>
+          <a:blip r:embed="rId3">
+            <a:extLst>
+              <a:ext uri="{28A0092B-C50C-407E-A947-70E740481C1C}">
+                <a14:useLocalDpi xmlns:a14="http://schemas.microsoft.com/office/drawing/2010/main" val="0"/>
+              </a:ext>
+            </a:extLst>
+          </a:blip>
+          <a:srcRect/>
+          <a:stretch>
+            <a:fillRect/>
+          </a:stretch>
+        </p:blipFill>
+        <p:spPr bwMode="auto">
+          <a:xfrm>
+            <a:off x="5128136" y="2953244"/>
+            <a:ext cx="2380192" cy="2380192"/>
+          </a:xfrm>
+          <a:prstGeom prst="rect">
+            <a:avLst/>
+          </a:prstGeom>
+          <a:noFill/>
+          <a:extLst>
+            <a:ext uri="{909E8E84-426E-40DD-AFC4-6F175D3DCCD1}">
+              <a14:hiddenFill xmlns:a14="http://schemas.microsoft.com/office/drawing/2010/main">
+                <a:solidFill>
+                  <a:srgbClr val="FFFFFF"/>
+                </a:solidFill>
+              </a14:hiddenFill>
+            </a:ext>
+          </a:extLst>
+        </p:spPr>
+      </p:pic>
+    </p:spTree>
+    <p:extLst>
+      <p:ext uri="{BB962C8B-B14F-4D97-AF65-F5344CB8AC3E}">
+        <p14:creationId xmlns:p14="http://schemas.microsoft.com/office/powerpoint/2010/main" val="2200238225"/>
+      </p:ext>
+    </p:extLst>
+  </p:cSld>
+  <p:clrMapOvr>
+    <a:masterClrMapping/>
+  </p:clrMapOvr>
+</p:sld>
+</file>
+
+<file path=ppt/slides/slide14.xml><?xml version="1.0" encoding="utf-8"?>
+<p:sld xmlns:a="http://schemas.openxmlformats.org/drawingml/2006/main" xmlns:r="http://schemas.openxmlformats.org/officeDocument/2006/relationships" xmlns:p="http://schemas.openxmlformats.org/presentationml/2006/main">
+  <p:cSld>
+    <p:spTree>
+      <p:nvGrpSpPr>
+        <p:cNvPr id="1" name=""/>
+        <p:cNvGrpSpPr/>
+        <p:nvPr/>
+      </p:nvGrpSpPr>
+      <p:grpSpPr>
+        <a:xfrm>
+          <a:off x="0" y="0"/>
+          <a:ext cx="0" cy="0"/>
+          <a:chOff x="0" y="0"/>
+          <a:chExt cx="0" cy="0"/>
+        </a:xfrm>
+      </p:grpSpPr>
+      <p:sp>
+        <p:nvSpPr>
+          <p:cNvPr id="2" name="Datumsplatzhalter 1">
+            <a:extLst>
+              <a:ext uri="{FF2B5EF4-FFF2-40B4-BE49-F238E27FC236}">
+                <a16:creationId xmlns:a16="http://schemas.microsoft.com/office/drawing/2014/main" id="{07FC5E67-83E8-4C04-A509-E238CEC83F47}"/>
+              </a:ext>
+            </a:extLst>
+          </p:cNvPr>
+          <p:cNvSpPr>
+            <a:spLocks noGrp="1"/>
+          </p:cNvSpPr>
+          <p:nvPr>
+            <p:ph type="dt" sz="half" idx="10"/>
+          </p:nvPr>
+        </p:nvSpPr>
+        <p:spPr/>
+        <p:txBody>
+          <a:bodyPr/>
+          <a:lstStyle/>
+          <a:p>
+            <a:fld id="{A4ECBFB4-2031-A542-A2EF-20BD4D9E5256}" type="datetime1">
+              <a:rPr lang="de-DE" smtClean="0"/>
+              <a:pPr/>
+              <a:t>07.06.2017</a:t>
+            </a:fld>
+            <a:r>
+              <a:rPr lang="de-DE"/>
+              <a:t>	     Nadine Schwenke, Anna Blankenstein, Fabian Nawrath, Maximilian Bröer       Praxismodul 2	</a:t>
+            </a:r>
+            <a:endParaRPr lang="de-DE" dirty="0"/>
+          </a:p>
+        </p:txBody>
+      </p:sp>
+      <p:sp>
+        <p:nvSpPr>
+          <p:cNvPr id="3" name="Foliennummernplatzhalter 2">
+            <a:extLst>
+              <a:ext uri="{FF2B5EF4-FFF2-40B4-BE49-F238E27FC236}">
+                <a16:creationId xmlns:a16="http://schemas.microsoft.com/office/drawing/2014/main" id="{50D0E383-E110-4488-971D-B8526A89ACD9}"/>
+              </a:ext>
+            </a:extLst>
+          </p:cNvPr>
+          <p:cNvSpPr>
+            <a:spLocks noGrp="1"/>
+          </p:cNvSpPr>
+          <p:nvPr>
+            <p:ph type="sldNum" sz="quarter" idx="12"/>
+          </p:nvPr>
+        </p:nvSpPr>
+        <p:spPr/>
+        <p:txBody>
+          <a:bodyPr/>
+          <a:lstStyle/>
+          <a:p>
+            <a:fld id="{E7BE1CCD-89A0-CC45-BF3E-2A331A7F0490}" type="slidenum">
+              <a:rPr lang="de-DE" smtClean="0"/>
+              <a:t>14</a:t>
+            </a:fld>
+            <a:endParaRPr lang="de-DE" dirty="0"/>
+          </a:p>
+        </p:txBody>
+      </p:sp>
+      <p:sp>
+        <p:nvSpPr>
+          <p:cNvPr id="4" name="Textfeld 3">
+            <a:extLst>
+              <a:ext uri="{FF2B5EF4-FFF2-40B4-BE49-F238E27FC236}">
+                <a16:creationId xmlns:a16="http://schemas.microsoft.com/office/drawing/2014/main" id="{F9A1038C-F6EB-4A80-8E68-9BB2421F32C6}"/>
+              </a:ext>
+            </a:extLst>
+          </p:cNvPr>
+          <p:cNvSpPr txBox="1"/>
+          <p:nvPr/>
+        </p:nvSpPr>
+        <p:spPr>
+          <a:xfrm>
+            <a:off x="1322503" y="125722"/>
+            <a:ext cx="5699189" cy="553998"/>
+          </a:xfrm>
+          <a:prstGeom prst="rect">
+            <a:avLst/>
+          </a:prstGeom>
+          <a:noFill/>
+        </p:spPr>
+        <p:txBody>
+          <a:bodyPr wrap="none" rtlCol="0">
+            <a:spAutoFit/>
+          </a:bodyPr>
+          <a:lstStyle/>
+          <a:p>
+            <a:r>
+              <a:rPr lang="de-DE" sz="3000" dirty="0"/>
+              <a:t>Möglichkeiten der Hausautomation</a:t>
+            </a:r>
+          </a:p>
+        </p:txBody>
+      </p:sp>
+      <p:sp>
+        <p:nvSpPr>
+          <p:cNvPr id="6" name="Textfeld 5">
+            <a:extLst>
+              <a:ext uri="{FF2B5EF4-FFF2-40B4-BE49-F238E27FC236}">
+                <a16:creationId xmlns:a16="http://schemas.microsoft.com/office/drawing/2014/main" id="{BF91AA4E-0949-41D8-B1D8-A239801692A0}"/>
+              </a:ext>
+            </a:extLst>
+          </p:cNvPr>
+          <p:cNvSpPr txBox="1"/>
+          <p:nvPr/>
+        </p:nvSpPr>
+        <p:spPr>
+          <a:xfrm>
+            <a:off x="3281885" y="695853"/>
+            <a:ext cx="1780424" cy="584775"/>
+          </a:xfrm>
+          <a:prstGeom prst="rect">
+            <a:avLst/>
+          </a:prstGeom>
+          <a:noFill/>
+        </p:spPr>
+        <p:txBody>
+          <a:bodyPr wrap="none" rtlCol="0">
+            <a:spAutoFit/>
+          </a:bodyPr>
+          <a:lstStyle/>
+          <a:p>
+            <a:r>
+              <a:rPr lang="de-DE" sz="3200" b="1" dirty="0"/>
+              <a:t>Rollladen</a:t>
+            </a:r>
+            <a:endParaRPr lang="de-DE" sz="3000" b="1" dirty="0"/>
+          </a:p>
+        </p:txBody>
+      </p:sp>
+      <p:pic>
+        <p:nvPicPr>
+          <p:cNvPr id="7" name="Grafik 6">
+            <a:extLst>
+              <a:ext uri="{FF2B5EF4-FFF2-40B4-BE49-F238E27FC236}">
+                <a16:creationId xmlns:a16="http://schemas.microsoft.com/office/drawing/2014/main" id="{B472F2BB-498D-4A20-BACA-33408501B95E}"/>
+              </a:ext>
+            </a:extLst>
+          </p:cNvPr>
+          <p:cNvPicPr>
+            <a:picLocks noChangeAspect="1"/>
+          </p:cNvPicPr>
+          <p:nvPr/>
+        </p:nvPicPr>
+        <p:blipFill>
+          <a:blip r:embed="rId2"/>
+          <a:stretch>
+            <a:fillRect/>
+          </a:stretch>
+        </p:blipFill>
+        <p:spPr>
+          <a:xfrm>
+            <a:off x="647998" y="1790954"/>
+            <a:ext cx="2311053" cy="2311053"/>
+          </a:xfrm>
+          <a:prstGeom prst="rect">
+            <a:avLst/>
+          </a:prstGeom>
+        </p:spPr>
+      </p:pic>
+      <p:sp>
+        <p:nvSpPr>
+          <p:cNvPr id="8" name="Rechteck 7">
+            <a:extLst>
+              <a:ext uri="{FF2B5EF4-FFF2-40B4-BE49-F238E27FC236}">
+                <a16:creationId xmlns:a16="http://schemas.microsoft.com/office/drawing/2014/main" id="{78D65D67-52F8-4F60-B1F2-64676FDAD803}"/>
+              </a:ext>
+            </a:extLst>
+          </p:cNvPr>
+          <p:cNvSpPr/>
+          <p:nvPr/>
+        </p:nvSpPr>
+        <p:spPr>
+          <a:xfrm>
+            <a:off x="278886" y="1423781"/>
+            <a:ext cx="3625288" cy="369332"/>
+          </a:xfrm>
+          <a:prstGeom prst="rect">
+            <a:avLst/>
+          </a:prstGeom>
+        </p:spPr>
+        <p:txBody>
+          <a:bodyPr wrap="none">
+            <a:spAutoFit/>
+          </a:bodyPr>
+          <a:lstStyle/>
+          <a:p>
+            <a:r>
+              <a:rPr lang="de-DE" b="1" dirty="0" err="1"/>
+              <a:t>HomeMatic</a:t>
+            </a:r>
+            <a:r>
+              <a:rPr lang="de-DE" b="1" dirty="0"/>
+              <a:t> Funk-Lichtsensor außen</a:t>
+            </a:r>
+          </a:p>
+        </p:txBody>
+      </p:sp>
+      <p:sp>
+        <p:nvSpPr>
+          <p:cNvPr id="9" name="Textfeld 8">
+            <a:extLst>
+              <a:ext uri="{FF2B5EF4-FFF2-40B4-BE49-F238E27FC236}">
+                <a16:creationId xmlns:a16="http://schemas.microsoft.com/office/drawing/2014/main" id="{9531CD9E-7B5A-43F9-A4BA-FEC331E91396}"/>
+              </a:ext>
+            </a:extLst>
+          </p:cNvPr>
+          <p:cNvSpPr txBox="1"/>
+          <p:nvPr/>
+        </p:nvSpPr>
+        <p:spPr>
+          <a:xfrm>
+            <a:off x="4039009" y="2069317"/>
+            <a:ext cx="4187687" cy="1754326"/>
+          </a:xfrm>
+          <a:prstGeom prst="rect">
+            <a:avLst/>
+          </a:prstGeom>
+          <a:noFill/>
+        </p:spPr>
+        <p:txBody>
+          <a:bodyPr wrap="square" rtlCol="0">
+            <a:spAutoFit/>
+          </a:bodyPr>
+          <a:lstStyle/>
+          <a:p>
+            <a:pPr marL="285750" indent="-285750">
+              <a:buFontTx/>
+              <a:buChar char="-"/>
+            </a:pPr>
+            <a:r>
+              <a:rPr lang="de-DE" dirty="0"/>
+              <a:t>Erfasst in einem weiten   Bereich die</a:t>
+            </a:r>
+          </a:p>
+          <a:p>
+            <a:r>
+              <a:rPr lang="de-DE" dirty="0"/>
+              <a:t>     Umgebungshelligkeit</a:t>
+            </a:r>
+          </a:p>
+          <a:p>
+            <a:pPr marL="285750" indent="-285750">
+              <a:buFontTx/>
+              <a:buChar char="-"/>
+            </a:pPr>
+            <a:r>
+              <a:rPr lang="de-DE" dirty="0"/>
+              <a:t>sendet den aktuellen Helligkeitswert </a:t>
+            </a:r>
+          </a:p>
+          <a:p>
+            <a:r>
+              <a:rPr lang="de-DE" dirty="0"/>
+              <a:t>     periodisch an eine </a:t>
+            </a:r>
+            <a:r>
+              <a:rPr lang="de-DE" dirty="0" err="1"/>
+              <a:t>HomeMatic</a:t>
+            </a:r>
+            <a:r>
+              <a:rPr lang="de-DE" dirty="0"/>
+              <a:t> Zentrale</a:t>
+            </a:r>
+          </a:p>
+          <a:p>
+            <a:endParaRPr lang="de-DE" dirty="0"/>
+          </a:p>
+          <a:p>
+            <a:r>
+              <a:rPr lang="de-DE" dirty="0"/>
+              <a:t> </a:t>
+            </a:r>
+          </a:p>
+        </p:txBody>
+      </p:sp>
+      <p:sp>
+        <p:nvSpPr>
+          <p:cNvPr id="10" name="Rechteck 9">
+            <a:extLst>
+              <a:ext uri="{FF2B5EF4-FFF2-40B4-BE49-F238E27FC236}">
+                <a16:creationId xmlns:a16="http://schemas.microsoft.com/office/drawing/2014/main" id="{94A9D0DC-0D15-452D-A777-C96DA2592D2C}"/>
+              </a:ext>
+            </a:extLst>
+          </p:cNvPr>
+          <p:cNvSpPr/>
+          <p:nvPr/>
+        </p:nvSpPr>
+        <p:spPr>
+          <a:xfrm>
+            <a:off x="5520442" y="4102007"/>
+            <a:ext cx="2706254" cy="369332"/>
+          </a:xfrm>
+          <a:prstGeom prst="rect">
+            <a:avLst/>
+          </a:prstGeom>
+        </p:spPr>
+        <p:txBody>
+          <a:bodyPr wrap="none">
+            <a:spAutoFit/>
+          </a:bodyPr>
+          <a:lstStyle/>
+          <a:p>
+            <a:r>
+              <a:rPr lang="de-DE" b="1" dirty="0"/>
+              <a:t>Funk-</a:t>
+            </a:r>
+            <a:r>
+              <a:rPr lang="de-DE" b="1" dirty="0" err="1"/>
+              <a:t>Rolladenaktor</a:t>
+            </a:r>
+            <a:r>
+              <a:rPr lang="de-DE" b="1" dirty="0"/>
+              <a:t> 1-fach</a:t>
+            </a:r>
+          </a:p>
+        </p:txBody>
+      </p:sp>
+      <p:pic>
+        <p:nvPicPr>
+          <p:cNvPr id="11" name="Grafik 10">
+            <a:extLst>
+              <a:ext uri="{FF2B5EF4-FFF2-40B4-BE49-F238E27FC236}">
+                <a16:creationId xmlns:a16="http://schemas.microsoft.com/office/drawing/2014/main" id="{E09E7985-AE4F-4819-8C71-2AC7F0EEE181}"/>
+              </a:ext>
+            </a:extLst>
+          </p:cNvPr>
+          <p:cNvPicPr>
+            <a:picLocks noChangeAspect="1"/>
+          </p:cNvPicPr>
+          <p:nvPr/>
+        </p:nvPicPr>
+        <p:blipFill>
+          <a:blip r:embed="rId3"/>
+          <a:stretch>
+            <a:fillRect/>
+          </a:stretch>
+        </p:blipFill>
+        <p:spPr>
+          <a:xfrm>
+            <a:off x="5814528" y="4534501"/>
+            <a:ext cx="2259496" cy="1895152"/>
+          </a:xfrm>
+          <a:prstGeom prst="rect">
+            <a:avLst/>
+          </a:prstGeom>
+        </p:spPr>
+      </p:pic>
+      <p:sp>
+        <p:nvSpPr>
+          <p:cNvPr id="12" name="Textfeld 11">
+            <a:extLst>
+              <a:ext uri="{FF2B5EF4-FFF2-40B4-BE49-F238E27FC236}">
+                <a16:creationId xmlns:a16="http://schemas.microsoft.com/office/drawing/2014/main" id="{DBC3155E-BD91-4B68-9F62-6E1A3928173D}"/>
+              </a:ext>
+            </a:extLst>
+          </p:cNvPr>
+          <p:cNvSpPr txBox="1"/>
+          <p:nvPr/>
+        </p:nvSpPr>
+        <p:spPr>
+          <a:xfrm>
+            <a:off x="626047" y="4767445"/>
+            <a:ext cx="5088835" cy="1477328"/>
+          </a:xfrm>
+          <a:prstGeom prst="rect">
+            <a:avLst/>
+          </a:prstGeom>
+          <a:noFill/>
+        </p:spPr>
+        <p:txBody>
+          <a:bodyPr wrap="square" rtlCol="0">
+            <a:spAutoFit/>
+          </a:bodyPr>
+          <a:lstStyle/>
+          <a:p>
+            <a:pPr marL="285750" indent="-285750">
+              <a:buFontTx/>
+              <a:buChar char="-"/>
+            </a:pPr>
+            <a:r>
+              <a:rPr lang="de-DE" dirty="0">
+                <a:effectLst/>
+              </a:rPr>
+              <a:t>zum verdeckten Einbau in Abzweig- und Schalterdosen</a:t>
+            </a:r>
+          </a:p>
+          <a:p>
+            <a:r>
+              <a:rPr lang="de-DE" dirty="0"/>
+              <a:t>-    manuelle Bedienung mit den vorhandenen</a:t>
+            </a:r>
+          </a:p>
+          <a:p>
+            <a:r>
+              <a:rPr lang="de-DE" dirty="0"/>
+              <a:t>     Schaltern ist weiterhin möglich</a:t>
+            </a:r>
+          </a:p>
+          <a:p>
+            <a:pPr marL="285750" indent="-285750">
+              <a:buFontTx/>
+              <a:buChar char="-"/>
+            </a:pPr>
+            <a:endParaRPr lang="de-DE" dirty="0"/>
+          </a:p>
+        </p:txBody>
+      </p:sp>
+    </p:spTree>
+    <p:extLst>
+      <p:ext uri="{BB962C8B-B14F-4D97-AF65-F5344CB8AC3E}">
+        <p14:creationId xmlns:p14="http://schemas.microsoft.com/office/powerpoint/2010/main" val="2564602371"/>
+      </p:ext>
+    </p:extLst>
+  </p:cSld>
+  <p:clrMapOvr>
+    <a:masterClrMapping/>
+  </p:clrMapOvr>
+</p:sld>
+</file>
+
+<file path=ppt/slides/slide15.xml><?xml version="1.0" encoding="utf-8"?>
+<p:sld xmlns:a="http://schemas.openxmlformats.org/drawingml/2006/main" xmlns:r="http://schemas.openxmlformats.org/officeDocument/2006/relationships" xmlns:p="http://schemas.openxmlformats.org/presentationml/2006/main">
+  <p:cSld>
+    <p:spTree>
+      <p:nvGrpSpPr>
+        <p:cNvPr id="1" name=""/>
+        <p:cNvGrpSpPr/>
+        <p:nvPr/>
+      </p:nvGrpSpPr>
+      <p:grpSpPr>
+        <a:xfrm>
+          <a:off x="0" y="0"/>
+          <a:ext cx="0" cy="0"/>
+          <a:chOff x="0" y="0"/>
+          <a:chExt cx="0" cy="0"/>
+        </a:xfrm>
+      </p:grpSpPr>
+      <p:sp>
+        <p:nvSpPr>
+          <p:cNvPr id="2" name="Datumsplatzhalter 1">
+            <a:extLst>
+              <a:ext uri="{FF2B5EF4-FFF2-40B4-BE49-F238E27FC236}">
+                <a16:creationId xmlns:a16="http://schemas.microsoft.com/office/drawing/2014/main" id="{2160D2F8-E2FE-4075-9B96-EED29CBFAD6B}"/>
+              </a:ext>
+            </a:extLst>
+          </p:cNvPr>
+          <p:cNvSpPr>
+            <a:spLocks noGrp="1"/>
+          </p:cNvSpPr>
+          <p:nvPr>
+            <p:ph type="dt" sz="half" idx="10"/>
+          </p:nvPr>
+        </p:nvSpPr>
+        <p:spPr/>
+        <p:txBody>
+          <a:bodyPr/>
+          <a:lstStyle/>
+          <a:p>
+            <a:fld id="{A4ECBFB4-2031-A542-A2EF-20BD4D9E5256}" type="datetime1">
+              <a:rPr lang="de-DE" smtClean="0"/>
+              <a:pPr/>
+              <a:t>07.06.2017</a:t>
+            </a:fld>
+            <a:r>
+              <a:rPr lang="de-DE"/>
+              <a:t>	     Nadine Schwenke, Anna Blankenstein, Fabian Nawrath, Maximilian Bröer       Praxismodul 2	</a:t>
+            </a:r>
+            <a:endParaRPr lang="de-DE" dirty="0"/>
+          </a:p>
+        </p:txBody>
+      </p:sp>
+      <p:sp>
+        <p:nvSpPr>
+          <p:cNvPr id="3" name="Foliennummernplatzhalter 2">
+            <a:extLst>
+              <a:ext uri="{FF2B5EF4-FFF2-40B4-BE49-F238E27FC236}">
+                <a16:creationId xmlns:a16="http://schemas.microsoft.com/office/drawing/2014/main" id="{DBB4CD96-201F-49E6-8148-4AAA00DABFBD}"/>
+              </a:ext>
+            </a:extLst>
+          </p:cNvPr>
+          <p:cNvSpPr>
+            <a:spLocks noGrp="1"/>
+          </p:cNvSpPr>
+          <p:nvPr>
+            <p:ph type="sldNum" sz="quarter" idx="12"/>
+          </p:nvPr>
+        </p:nvSpPr>
+        <p:spPr/>
+        <p:txBody>
+          <a:bodyPr/>
+          <a:lstStyle/>
+          <a:p>
+            <a:fld id="{E7BE1CCD-89A0-CC45-BF3E-2A331A7F0490}" type="slidenum">
+              <a:rPr lang="de-DE" smtClean="0"/>
+              <a:t>15</a:t>
+            </a:fld>
+            <a:endParaRPr lang="de-DE" dirty="0"/>
+          </a:p>
+        </p:txBody>
+      </p:sp>
+      <p:sp>
+        <p:nvSpPr>
+          <p:cNvPr id="4" name="Textfeld 3">
+            <a:extLst>
+              <a:ext uri="{FF2B5EF4-FFF2-40B4-BE49-F238E27FC236}">
+                <a16:creationId xmlns:a16="http://schemas.microsoft.com/office/drawing/2014/main" id="{6F5115A3-4F52-4CD8-988E-91F22BD988B5}"/>
+              </a:ext>
+            </a:extLst>
+          </p:cNvPr>
+          <p:cNvSpPr txBox="1"/>
+          <p:nvPr/>
+        </p:nvSpPr>
+        <p:spPr>
+          <a:xfrm>
+            <a:off x="1322503" y="125722"/>
+            <a:ext cx="5699189" cy="553998"/>
+          </a:xfrm>
+          <a:prstGeom prst="rect">
+            <a:avLst/>
+          </a:prstGeom>
+          <a:noFill/>
+        </p:spPr>
+        <p:txBody>
+          <a:bodyPr wrap="none" rtlCol="0">
+            <a:spAutoFit/>
+          </a:bodyPr>
+          <a:lstStyle/>
+          <a:p>
+            <a:r>
+              <a:rPr lang="de-DE" sz="3000" dirty="0"/>
+              <a:t>Möglichkeiten der Hausautomation</a:t>
+            </a:r>
+          </a:p>
+        </p:txBody>
+      </p:sp>
+      <p:sp>
+        <p:nvSpPr>
+          <p:cNvPr id="5" name="Textfeld 4">
+            <a:extLst>
+              <a:ext uri="{FF2B5EF4-FFF2-40B4-BE49-F238E27FC236}">
+                <a16:creationId xmlns:a16="http://schemas.microsoft.com/office/drawing/2014/main" id="{FB4AC1EB-B85B-429E-ADF5-93F280A16586}"/>
+              </a:ext>
+            </a:extLst>
+          </p:cNvPr>
+          <p:cNvSpPr txBox="1"/>
+          <p:nvPr/>
+        </p:nvSpPr>
+        <p:spPr>
+          <a:xfrm>
+            <a:off x="3281885" y="695853"/>
+            <a:ext cx="1893467" cy="584775"/>
+          </a:xfrm>
+          <a:prstGeom prst="rect">
+            <a:avLst/>
+          </a:prstGeom>
+          <a:noFill/>
+        </p:spPr>
+        <p:txBody>
+          <a:bodyPr wrap="none" rtlCol="0">
+            <a:spAutoFit/>
+          </a:bodyPr>
+          <a:lstStyle/>
+          <a:p>
+            <a:r>
+              <a:rPr lang="de-DE" sz="3200" b="1" dirty="0"/>
+              <a:t>Sicherheit</a:t>
+            </a:r>
+            <a:endParaRPr lang="de-DE" sz="3000" b="1" dirty="0"/>
+          </a:p>
+        </p:txBody>
+      </p:sp>
+      <p:sp>
+        <p:nvSpPr>
+          <p:cNvPr id="7" name="Rechteck 6">
+            <a:extLst>
+              <a:ext uri="{FF2B5EF4-FFF2-40B4-BE49-F238E27FC236}">
+                <a16:creationId xmlns:a16="http://schemas.microsoft.com/office/drawing/2014/main" id="{2C7FCC2C-39E9-459D-BBE1-C46F0AC1C5AD}"/>
+              </a:ext>
+            </a:extLst>
+          </p:cNvPr>
+          <p:cNvSpPr/>
+          <p:nvPr/>
+        </p:nvSpPr>
+        <p:spPr>
+          <a:xfrm>
+            <a:off x="647997" y="1307389"/>
+            <a:ext cx="5143203" cy="2862322"/>
+          </a:xfrm>
+          <a:prstGeom prst="rect">
+            <a:avLst/>
+          </a:prstGeom>
+        </p:spPr>
+        <p:txBody>
+          <a:bodyPr wrap="square">
+            <a:spAutoFit/>
+          </a:bodyPr>
+          <a:lstStyle/>
+          <a:p>
+            <a:pPr marL="285750" indent="-285750" algn="just">
+              <a:spcAft>
+                <a:spcPts val="0"/>
+              </a:spcAft>
+              <a:buFont typeface="Arial" panose="020B0604020202020204" pitchFamily="34" charset="0"/>
+              <a:buChar char="•"/>
+            </a:pPr>
+            <a:r>
+              <a:rPr lang="de-DE" dirty="0">
+                <a:latin typeface="Times New Roman" panose="02020603050405020304" pitchFamily="18" charset="0"/>
+                <a:ea typeface="Calibri" panose="020F0502020204030204" pitchFamily="34" charset="0"/>
+              </a:rPr>
+              <a:t>Falls Rauchmelder auslösen kann automatisch Licht (auf Fluchtwegen) eingeschaltet werden</a:t>
+            </a:r>
+          </a:p>
+          <a:p>
+            <a:pPr algn="just">
+              <a:spcAft>
+                <a:spcPts val="0"/>
+              </a:spcAft>
+            </a:pPr>
+            <a:endParaRPr lang="de-DE" dirty="0">
+              <a:latin typeface="Times New Roman" panose="02020603050405020304" pitchFamily="18" charset="0"/>
+              <a:ea typeface="Calibri" panose="020F0502020204030204" pitchFamily="34" charset="0"/>
+            </a:endParaRPr>
+          </a:p>
+          <a:p>
+            <a:pPr marL="285750" indent="-285750" algn="just">
+              <a:spcAft>
+                <a:spcPts val="0"/>
+              </a:spcAft>
+              <a:buFont typeface="Arial" panose="020B0604020202020204" pitchFamily="34" charset="0"/>
+              <a:buChar char="•"/>
+            </a:pPr>
+            <a:r>
+              <a:rPr lang="de-DE" dirty="0"/>
+              <a:t>Automatische Türverriegelung/ einschalten der Alarmanlage nach einer bestimmten Uhrzeit</a:t>
+            </a:r>
+          </a:p>
+          <a:p>
+            <a:pPr marL="285750" indent="-285750" algn="just">
+              <a:spcAft>
+                <a:spcPts val="0"/>
+              </a:spcAft>
+              <a:buFont typeface="Arial" panose="020B0604020202020204" pitchFamily="34" charset="0"/>
+              <a:buChar char="•"/>
+            </a:pPr>
+            <a:endParaRPr lang="de-DE" dirty="0"/>
+          </a:p>
+          <a:p>
+            <a:pPr marL="285750" indent="-285750" algn="just">
+              <a:spcAft>
+                <a:spcPts val="0"/>
+              </a:spcAft>
+              <a:buFont typeface="Arial" panose="020B0604020202020204" pitchFamily="34" charset="0"/>
+              <a:buChar char="•"/>
+            </a:pPr>
+            <a:r>
+              <a:rPr lang="de-DE" dirty="0"/>
+              <a:t>Türschlossantrieb sorgt für automatische Türöffnung per Fingerabdruck/Fernbedienung</a:t>
+            </a:r>
+            <a:endParaRPr lang="de-DE" dirty="0">
+              <a:latin typeface="Times New Roman" panose="02020603050405020304" pitchFamily="18" charset="0"/>
+              <a:ea typeface="Calibri" panose="020F0502020204030204" pitchFamily="34" charset="0"/>
+            </a:endParaRPr>
+          </a:p>
+          <a:p>
+            <a:pPr marL="285750" indent="-285750" algn="just">
+              <a:spcAft>
+                <a:spcPts val="0"/>
+              </a:spcAft>
+              <a:buFont typeface="Arial" panose="020B0604020202020204" pitchFamily="34" charset="0"/>
+              <a:buChar char="•"/>
+            </a:pPr>
+            <a:endParaRPr lang="de-DE" dirty="0">
+              <a:latin typeface="Times New Roman" panose="02020603050405020304" pitchFamily="18" charset="0"/>
+            </a:endParaRPr>
+          </a:p>
+          <a:p>
+            <a:pPr marL="285750" indent="-285750" algn="just">
+              <a:spcAft>
+                <a:spcPts val="0"/>
+              </a:spcAft>
+              <a:buFont typeface="Arial" panose="020B0604020202020204" pitchFamily="34" charset="0"/>
+              <a:buChar char="•"/>
+            </a:pPr>
+            <a:endParaRPr lang="de-DE" dirty="0"/>
+          </a:p>
+        </p:txBody>
+      </p:sp>
+      <p:sp>
+        <p:nvSpPr>
+          <p:cNvPr id="11" name="Textfeld 10">
+            <a:extLst>
+              <a:ext uri="{FF2B5EF4-FFF2-40B4-BE49-F238E27FC236}">
+                <a16:creationId xmlns:a16="http://schemas.microsoft.com/office/drawing/2014/main" id="{BA64ED51-06E6-4B11-AEC6-4E5442FB6BFD}"/>
+              </a:ext>
+            </a:extLst>
+          </p:cNvPr>
+          <p:cNvSpPr txBox="1"/>
+          <p:nvPr/>
+        </p:nvSpPr>
+        <p:spPr>
+          <a:xfrm>
+            <a:off x="6036734" y="3414045"/>
+            <a:ext cx="2827866" cy="338554"/>
+          </a:xfrm>
+          <a:prstGeom prst="rect">
+            <a:avLst/>
+          </a:prstGeom>
+          <a:noFill/>
+        </p:spPr>
+        <p:txBody>
+          <a:bodyPr wrap="square" rtlCol="0">
+            <a:spAutoFit/>
+          </a:bodyPr>
+          <a:lstStyle/>
+          <a:p>
+            <a:pPr fontAlgn="base"/>
+            <a:r>
+              <a:rPr lang="de-DE" sz="800" b="1" dirty="0"/>
+              <a:t>Abb.5: </a:t>
+            </a:r>
+            <a:r>
+              <a:rPr lang="de-DE" sz="800" dirty="0" err="1"/>
+              <a:t>HomeMatic</a:t>
+            </a:r>
+            <a:r>
+              <a:rPr lang="de-DE" sz="800" dirty="0"/>
+              <a:t> Funk-Rauchwarnmelder</a:t>
+            </a:r>
+          </a:p>
+          <a:p>
+            <a:pPr fontAlgn="base"/>
+            <a:endParaRPr lang="de-DE" sz="800" dirty="0"/>
+          </a:p>
+        </p:txBody>
+      </p:sp>
+      <p:pic>
+        <p:nvPicPr>
+          <p:cNvPr id="2052" name="Picture 4" descr="http://www.myhomematic.de/images/product_images/popup_images/569_0.jpg">
+            <a:extLst>
+              <a:ext uri="{FF2B5EF4-FFF2-40B4-BE49-F238E27FC236}">
+                <a16:creationId xmlns:a16="http://schemas.microsoft.com/office/drawing/2014/main" id="{A858DB8F-F18F-4AE5-9003-C3D5D02111D8}"/>
+              </a:ext>
+            </a:extLst>
+          </p:cNvPr>
+          <p:cNvPicPr>
+            <a:picLocks noChangeAspect="1" noChangeArrowheads="1"/>
+          </p:cNvPicPr>
+          <p:nvPr/>
+        </p:nvPicPr>
+        <p:blipFill>
+          <a:blip r:embed="rId2">
+            <a:extLst>
+              <a:ext uri="{28A0092B-C50C-407E-A947-70E740481C1C}">
+                <a14:useLocalDpi xmlns:a14="http://schemas.microsoft.com/office/drawing/2010/main" val="0"/>
+              </a:ext>
+            </a:extLst>
+          </a:blip>
+          <a:srcRect/>
+          <a:stretch>
+            <a:fillRect/>
+          </a:stretch>
+        </p:blipFill>
+        <p:spPr bwMode="auto">
+          <a:xfrm>
+            <a:off x="5897538" y="570998"/>
+            <a:ext cx="2857525" cy="2843047"/>
+          </a:xfrm>
+          <a:prstGeom prst="rect">
+            <a:avLst/>
+          </a:prstGeom>
+          <a:noFill/>
+          <a:extLst>
+            <a:ext uri="{909E8E84-426E-40DD-AFC4-6F175D3DCCD1}">
+              <a14:hiddenFill xmlns:a14="http://schemas.microsoft.com/office/drawing/2010/main">
+                <a:solidFill>
+                  <a:srgbClr val="FFFFFF"/>
+                </a:solidFill>
+              </a14:hiddenFill>
+            </a:ext>
+          </a:extLst>
+        </p:spPr>
+      </p:pic>
+      <p:pic>
+        <p:nvPicPr>
+          <p:cNvPr id="10" name="Grafik 9">
+            <a:extLst>
+              <a:ext uri="{FF2B5EF4-FFF2-40B4-BE49-F238E27FC236}">
+                <a16:creationId xmlns:a16="http://schemas.microsoft.com/office/drawing/2014/main" id="{0F42F3DE-6641-4219-9795-B46F5A953752}"/>
+              </a:ext>
+            </a:extLst>
+          </p:cNvPr>
+          <p:cNvPicPr>
+            <a:picLocks noChangeAspect="1"/>
+          </p:cNvPicPr>
+          <p:nvPr/>
+        </p:nvPicPr>
+        <p:blipFill>
+          <a:blip r:embed="rId3">
+            <a:clrChange>
+              <a:clrFrom>
+                <a:srgbClr val="FFFFFF"/>
+              </a:clrFrom>
+              <a:clrTo>
+                <a:srgbClr val="FFFFFF">
+                  <a:alpha val="0"/>
+                </a:srgbClr>
+              </a:clrTo>
+            </a:clrChange>
+          </a:blip>
+          <a:stretch>
+            <a:fillRect/>
+          </a:stretch>
+        </p:blipFill>
+        <p:spPr>
+          <a:xfrm>
+            <a:off x="4936066" y="4123675"/>
+            <a:ext cx="2580364" cy="1935273"/>
+          </a:xfrm>
+          <a:prstGeom prst="rect">
+            <a:avLst/>
+          </a:prstGeom>
+        </p:spPr>
+      </p:pic>
+      <p:sp>
+        <p:nvSpPr>
+          <p:cNvPr id="14" name="Textfeld 13">
+            <a:extLst>
+              <a:ext uri="{FF2B5EF4-FFF2-40B4-BE49-F238E27FC236}">
+                <a16:creationId xmlns:a16="http://schemas.microsoft.com/office/drawing/2014/main" id="{2F76B83F-4C04-4749-AD03-B20A7F7D2C39}"/>
+              </a:ext>
+            </a:extLst>
+          </p:cNvPr>
+          <p:cNvSpPr txBox="1"/>
+          <p:nvPr/>
+        </p:nvSpPr>
+        <p:spPr>
+          <a:xfrm>
+            <a:off x="6036734" y="5579351"/>
+            <a:ext cx="2827866" cy="338554"/>
+          </a:xfrm>
+          <a:prstGeom prst="rect">
+            <a:avLst/>
+          </a:prstGeom>
+          <a:noFill/>
+        </p:spPr>
+        <p:txBody>
+          <a:bodyPr wrap="square" rtlCol="0">
+            <a:spAutoFit/>
+          </a:bodyPr>
+          <a:lstStyle/>
+          <a:p>
+            <a:r>
+              <a:rPr lang="de-DE" sz="800" b="1" dirty="0"/>
+              <a:t>Abb.6: </a:t>
+            </a:r>
+            <a:r>
+              <a:rPr lang="de-DE" sz="800" dirty="0" err="1"/>
+              <a:t>HomeMatic</a:t>
+            </a:r>
+            <a:r>
+              <a:rPr lang="de-DE" sz="800" dirty="0"/>
+              <a:t> Funk- Glasbruchspezialsensor</a:t>
+            </a:r>
+          </a:p>
+          <a:p>
+            <a:pPr fontAlgn="base"/>
+            <a:endParaRPr lang="de-DE" sz="800" dirty="0"/>
+          </a:p>
+        </p:txBody>
+      </p:sp>
+      <p:pic>
+        <p:nvPicPr>
+          <p:cNvPr id="2054" name="Picture 6" descr="http://www.myhomematic.de/images/product_images/popup_images/191_0.jpg">
+            <a:extLst>
+              <a:ext uri="{FF2B5EF4-FFF2-40B4-BE49-F238E27FC236}">
+                <a16:creationId xmlns:a16="http://schemas.microsoft.com/office/drawing/2014/main" id="{88AE5B0C-CEA6-4166-9EAD-946840DA635D}"/>
+              </a:ext>
+            </a:extLst>
+          </p:cNvPr>
+          <p:cNvPicPr>
+            <a:picLocks noChangeAspect="1" noChangeArrowheads="1"/>
+          </p:cNvPicPr>
+          <p:nvPr/>
+        </p:nvPicPr>
+        <p:blipFill>
+          <a:blip r:embed="rId4">
+            <a:extLst>
+              <a:ext uri="{28A0092B-C50C-407E-A947-70E740481C1C}">
+                <a14:useLocalDpi xmlns:a14="http://schemas.microsoft.com/office/drawing/2010/main" val="0"/>
+              </a:ext>
+            </a:extLst>
+          </a:blip>
+          <a:srcRect/>
+          <a:stretch>
+            <a:fillRect/>
+          </a:stretch>
+        </p:blipFill>
+        <p:spPr bwMode="auto">
+          <a:xfrm>
+            <a:off x="1069770" y="3752599"/>
+            <a:ext cx="1433219" cy="2165306"/>
+          </a:xfrm>
+          <a:prstGeom prst="rect">
+            <a:avLst/>
+          </a:prstGeom>
+          <a:noFill/>
+          <a:extLst>
+            <a:ext uri="{909E8E84-426E-40DD-AFC4-6F175D3DCCD1}">
+              <a14:hiddenFill xmlns:a14="http://schemas.microsoft.com/office/drawing/2010/main">
+                <a:solidFill>
+                  <a:srgbClr val="FFFFFF"/>
+                </a:solidFill>
+              </a14:hiddenFill>
+            </a:ext>
+          </a:extLst>
+        </p:spPr>
+      </p:pic>
+      <p:sp>
+        <p:nvSpPr>
+          <p:cNvPr id="16" name="Textfeld 15">
+            <a:extLst>
+              <a:ext uri="{FF2B5EF4-FFF2-40B4-BE49-F238E27FC236}">
+                <a16:creationId xmlns:a16="http://schemas.microsoft.com/office/drawing/2014/main" id="{493B95DC-2130-4B5C-96E8-D9B382571C44}"/>
+              </a:ext>
+            </a:extLst>
+          </p:cNvPr>
+          <p:cNvSpPr txBox="1"/>
+          <p:nvPr/>
+        </p:nvSpPr>
+        <p:spPr>
+          <a:xfrm>
+            <a:off x="1056085" y="5901028"/>
+            <a:ext cx="2827866" cy="461665"/>
+          </a:xfrm>
+          <a:prstGeom prst="rect">
+            <a:avLst/>
+          </a:prstGeom>
+          <a:noFill/>
+        </p:spPr>
+        <p:txBody>
+          <a:bodyPr wrap="square" rtlCol="0">
+            <a:spAutoFit/>
+          </a:bodyPr>
+          <a:lstStyle/>
+          <a:p>
+            <a:r>
+              <a:rPr lang="de-DE" sz="800" b="1" dirty="0"/>
+              <a:t>Abb.7: </a:t>
+            </a:r>
+            <a:r>
+              <a:rPr lang="de-DE" sz="800" dirty="0" err="1"/>
+              <a:t>HomeMatic</a:t>
+            </a:r>
+            <a:r>
+              <a:rPr lang="de-DE" sz="800" dirty="0"/>
+              <a:t> Funk-Türschlossantrieb </a:t>
+            </a:r>
+            <a:r>
+              <a:rPr lang="de-DE" sz="800" dirty="0" err="1"/>
+              <a:t>KeyMatic</a:t>
+            </a:r>
+            <a:endParaRPr lang="de-DE" sz="800" dirty="0"/>
+          </a:p>
+          <a:p>
+            <a:endParaRPr lang="de-DE" sz="800" dirty="0"/>
+          </a:p>
+          <a:p>
+            <a:pPr fontAlgn="base"/>
+            <a:endParaRPr lang="de-DE" sz="800" dirty="0"/>
+          </a:p>
+        </p:txBody>
+      </p:sp>
+    </p:spTree>
+    <p:extLst>
+      <p:ext uri="{BB962C8B-B14F-4D97-AF65-F5344CB8AC3E}">
+        <p14:creationId xmlns:p14="http://schemas.microsoft.com/office/powerpoint/2010/main" val="2036486420"/>
+      </p:ext>
+    </p:extLst>
+  </p:cSld>
+  <p:clrMapOvr>
+    <a:masterClrMapping/>
+  </p:clrMapOvr>
+</p:sld>
+</file>
+
+<file path=ppt/slides/slide16.xml><?xml version="1.0" encoding="utf-8"?>
+<p:sld xmlns:a="http://schemas.openxmlformats.org/drawingml/2006/main" xmlns:r="http://schemas.openxmlformats.org/officeDocument/2006/relationships" xmlns:p="http://schemas.openxmlformats.org/presentationml/2006/main">
+  <p:cSld>
+    <p:spTree>
+      <p:nvGrpSpPr>
+        <p:cNvPr id="1" name=""/>
+        <p:cNvGrpSpPr/>
+        <p:nvPr/>
+      </p:nvGrpSpPr>
+      <p:grpSpPr>
+        <a:xfrm>
+          <a:off x="0" y="0"/>
+          <a:ext cx="0" cy="0"/>
+          <a:chOff x="0" y="0"/>
+          <a:chExt cx="0" cy="0"/>
+        </a:xfrm>
+      </p:grpSpPr>
+      <p:sp>
+        <p:nvSpPr>
+          <p:cNvPr id="2" name="Datumsplatzhalter 1">
+            <a:extLst>
+              <a:ext uri="{FF2B5EF4-FFF2-40B4-BE49-F238E27FC236}">
+                <a16:creationId xmlns:a16="http://schemas.microsoft.com/office/drawing/2014/main" id="{9FF66670-4C2B-416B-A439-6CBC8030AE13}"/>
+              </a:ext>
+            </a:extLst>
+          </p:cNvPr>
+          <p:cNvSpPr>
+            <a:spLocks noGrp="1"/>
+          </p:cNvSpPr>
+          <p:nvPr>
+            <p:ph type="dt" sz="half" idx="10"/>
+          </p:nvPr>
+        </p:nvSpPr>
+        <p:spPr/>
+        <p:txBody>
+          <a:bodyPr/>
+          <a:lstStyle/>
+          <a:p>
+            <a:fld id="{A4ECBFB4-2031-A542-A2EF-20BD4D9E5256}" type="datetime1">
+              <a:rPr lang="de-DE" smtClean="0"/>
+              <a:pPr/>
+              <a:t>07.06.2017</a:t>
+            </a:fld>
+            <a:r>
+              <a:rPr lang="de-DE"/>
+              <a:t>	     Nadine Schwenke, Anna Blankenstein, Fabian Nawrath, Maximilian Bröer       Praxismodul 2	</a:t>
+            </a:r>
+            <a:endParaRPr lang="de-DE" dirty="0"/>
+          </a:p>
+        </p:txBody>
+      </p:sp>
+      <p:sp>
+        <p:nvSpPr>
+          <p:cNvPr id="3" name="Foliennummernplatzhalter 2">
+            <a:extLst>
+              <a:ext uri="{FF2B5EF4-FFF2-40B4-BE49-F238E27FC236}">
+                <a16:creationId xmlns:a16="http://schemas.microsoft.com/office/drawing/2014/main" id="{3BFC4307-B907-4DFE-B737-20793D18860D}"/>
+              </a:ext>
+            </a:extLst>
+          </p:cNvPr>
+          <p:cNvSpPr>
+            <a:spLocks noGrp="1"/>
+          </p:cNvSpPr>
+          <p:nvPr>
+            <p:ph type="sldNum" sz="quarter" idx="12"/>
+          </p:nvPr>
+        </p:nvSpPr>
+        <p:spPr/>
+        <p:txBody>
+          <a:bodyPr/>
+          <a:lstStyle/>
+          <a:p>
+            <a:fld id="{E7BE1CCD-89A0-CC45-BF3E-2A331A7F0490}" type="slidenum">
+              <a:rPr lang="de-DE" smtClean="0"/>
+              <a:t>16</a:t>
+            </a:fld>
+            <a:endParaRPr lang="de-DE" dirty="0"/>
+          </a:p>
+        </p:txBody>
+      </p:sp>
+      <p:sp>
+        <p:nvSpPr>
+          <p:cNvPr id="4" name="Textfeld 3">
+            <a:extLst>
+              <a:ext uri="{FF2B5EF4-FFF2-40B4-BE49-F238E27FC236}">
+                <a16:creationId xmlns:a16="http://schemas.microsoft.com/office/drawing/2014/main" id="{A5CED0EE-D011-4C9D-937B-8CAE8E0ED107}"/>
+              </a:ext>
+            </a:extLst>
+          </p:cNvPr>
+          <p:cNvSpPr txBox="1"/>
+          <p:nvPr/>
+        </p:nvSpPr>
+        <p:spPr>
+          <a:xfrm>
+            <a:off x="1322503" y="125722"/>
+            <a:ext cx="5699189" cy="553998"/>
+          </a:xfrm>
+          <a:prstGeom prst="rect">
+            <a:avLst/>
+          </a:prstGeom>
+          <a:noFill/>
+        </p:spPr>
+        <p:txBody>
+          <a:bodyPr wrap="none" rtlCol="0">
+            <a:spAutoFit/>
+          </a:bodyPr>
+          <a:lstStyle/>
+          <a:p>
+            <a:r>
+              <a:rPr lang="de-DE" sz="3000" dirty="0"/>
+              <a:t>Möglichkeiten der Hausautomation</a:t>
+            </a:r>
+          </a:p>
+        </p:txBody>
+      </p:sp>
+      <p:sp>
+        <p:nvSpPr>
+          <p:cNvPr id="5" name="Textfeld 4">
+            <a:extLst>
+              <a:ext uri="{FF2B5EF4-FFF2-40B4-BE49-F238E27FC236}">
+                <a16:creationId xmlns:a16="http://schemas.microsoft.com/office/drawing/2014/main" id="{EEB17E3B-F52C-4413-B534-9FF9BA9524BD}"/>
+              </a:ext>
+            </a:extLst>
+          </p:cNvPr>
+          <p:cNvSpPr txBox="1"/>
+          <p:nvPr/>
+        </p:nvSpPr>
+        <p:spPr>
+          <a:xfrm>
+            <a:off x="3281885" y="695853"/>
+            <a:ext cx="1893467" cy="584775"/>
+          </a:xfrm>
+          <a:prstGeom prst="rect">
+            <a:avLst/>
+          </a:prstGeom>
+          <a:noFill/>
+        </p:spPr>
+        <p:txBody>
+          <a:bodyPr wrap="none" rtlCol="0">
+            <a:spAutoFit/>
+          </a:bodyPr>
+          <a:lstStyle/>
+          <a:p>
+            <a:r>
+              <a:rPr lang="de-DE" sz="3200" b="1" dirty="0"/>
+              <a:t>Sicherheit</a:t>
+            </a:r>
+            <a:endParaRPr lang="de-DE" sz="3000" b="1" dirty="0"/>
+          </a:p>
+        </p:txBody>
+      </p:sp>
+      <p:pic>
+        <p:nvPicPr>
+          <p:cNvPr id="6" name="Grafik 5">
+            <a:extLst>
+              <a:ext uri="{FF2B5EF4-FFF2-40B4-BE49-F238E27FC236}">
+                <a16:creationId xmlns:a16="http://schemas.microsoft.com/office/drawing/2014/main" id="{E4B7FB3B-1ACC-444E-9132-04F38B373BCD}"/>
+              </a:ext>
+            </a:extLst>
+          </p:cNvPr>
+          <p:cNvPicPr>
+            <a:picLocks noChangeAspect="1"/>
+          </p:cNvPicPr>
+          <p:nvPr/>
+        </p:nvPicPr>
+        <p:blipFill>
+          <a:blip r:embed="rId2"/>
+          <a:stretch>
+            <a:fillRect/>
+          </a:stretch>
+        </p:blipFill>
+        <p:spPr>
+          <a:xfrm>
+            <a:off x="6264001" y="835375"/>
+            <a:ext cx="2624596" cy="2611473"/>
+          </a:xfrm>
+          <a:prstGeom prst="rect">
+            <a:avLst/>
+          </a:prstGeom>
+        </p:spPr>
+      </p:pic>
+      <p:sp>
+        <p:nvSpPr>
+          <p:cNvPr id="7" name="Rechteck 6">
+            <a:extLst>
+              <a:ext uri="{FF2B5EF4-FFF2-40B4-BE49-F238E27FC236}">
+                <a16:creationId xmlns:a16="http://schemas.microsoft.com/office/drawing/2014/main" id="{B71872B9-8592-4C20-A1B2-F3F43D772328}"/>
+              </a:ext>
+            </a:extLst>
+          </p:cNvPr>
+          <p:cNvSpPr/>
+          <p:nvPr/>
+        </p:nvSpPr>
+        <p:spPr>
+          <a:xfrm>
+            <a:off x="5842205" y="3502360"/>
+            <a:ext cx="3156120" cy="369332"/>
+          </a:xfrm>
+          <a:prstGeom prst="rect">
+            <a:avLst/>
+          </a:prstGeom>
+        </p:spPr>
+        <p:txBody>
+          <a:bodyPr wrap="none">
+            <a:spAutoFit/>
+          </a:bodyPr>
+          <a:lstStyle/>
+          <a:p>
+            <a:r>
+              <a:rPr lang="de-DE" b="1" dirty="0" err="1"/>
+              <a:t>HomeMatic</a:t>
+            </a:r>
+            <a:r>
+              <a:rPr lang="de-DE" b="1" dirty="0"/>
+              <a:t> Funk-Rauchmelder</a:t>
+            </a:r>
+          </a:p>
+        </p:txBody>
+      </p:sp>
+      <p:sp>
+        <p:nvSpPr>
+          <p:cNvPr id="8" name="Textfeld 7">
+            <a:extLst>
+              <a:ext uri="{FF2B5EF4-FFF2-40B4-BE49-F238E27FC236}">
+                <a16:creationId xmlns:a16="http://schemas.microsoft.com/office/drawing/2014/main" id="{1B3C25E0-3195-492D-83C2-3BA88D2D64E4}"/>
+              </a:ext>
+            </a:extLst>
+          </p:cNvPr>
+          <p:cNvSpPr txBox="1"/>
+          <p:nvPr/>
+        </p:nvSpPr>
+        <p:spPr>
+          <a:xfrm>
+            <a:off x="524794" y="1582066"/>
+            <a:ext cx="6440557" cy="2031325"/>
+          </a:xfrm>
+          <a:prstGeom prst="rect">
+            <a:avLst/>
+          </a:prstGeom>
+          <a:noFill/>
+        </p:spPr>
+        <p:txBody>
+          <a:bodyPr wrap="square" rtlCol="0">
+            <a:spAutoFit/>
+          </a:bodyPr>
+          <a:lstStyle/>
+          <a:p>
+            <a:r>
+              <a:rPr lang="de-DE" dirty="0"/>
+              <a:t>- integrierte 10-Jahres-Batterie ist der Melder</a:t>
+            </a:r>
+          </a:p>
+          <a:p>
+            <a:r>
+              <a:rPr lang="de-DE" dirty="0"/>
+              <a:t>  wartungsarm und verursacht keine Folgekosten</a:t>
+            </a:r>
+          </a:p>
+          <a:p>
+            <a:endParaRPr lang="de-DE" dirty="0"/>
+          </a:p>
+          <a:p>
+            <a:r>
+              <a:rPr lang="de-DE" dirty="0"/>
+              <a:t>- Er kann durch die Einbindung automatisch </a:t>
+            </a:r>
+          </a:p>
+          <a:p>
+            <a:pPr marL="285750" indent="-285750">
+              <a:buFontTx/>
+              <a:buChar char="-"/>
+            </a:pPr>
+            <a:r>
+              <a:rPr lang="de-DE" dirty="0"/>
+              <a:t>das Einschalten des Lichts im ganzen Haus auslösen </a:t>
+            </a:r>
+          </a:p>
+          <a:p>
+            <a:pPr marL="285750" indent="-285750">
+              <a:buFontTx/>
+              <a:buChar char="-"/>
+            </a:pPr>
+            <a:r>
+              <a:rPr lang="de-DE" dirty="0"/>
+              <a:t>das Entriegeln von Haustüren</a:t>
+            </a:r>
+          </a:p>
+          <a:p>
+            <a:pPr marL="285750" indent="-285750">
+              <a:buFontTx/>
+              <a:buChar char="-"/>
+            </a:pPr>
+            <a:r>
+              <a:rPr lang="de-DE" dirty="0"/>
+              <a:t>Sie erhalten eine Nachricht auf Ihr Handy</a:t>
+            </a:r>
+          </a:p>
+        </p:txBody>
+      </p:sp>
+      <p:pic>
+        <p:nvPicPr>
+          <p:cNvPr id="9" name="Grafik 8">
+            <a:extLst>
+              <a:ext uri="{FF2B5EF4-FFF2-40B4-BE49-F238E27FC236}">
+                <a16:creationId xmlns:a16="http://schemas.microsoft.com/office/drawing/2014/main" id="{5D232DBE-550A-4524-96AC-9A4C801991D4}"/>
+              </a:ext>
+            </a:extLst>
+          </p:cNvPr>
+          <p:cNvPicPr>
+            <a:picLocks noChangeAspect="1"/>
+          </p:cNvPicPr>
+          <p:nvPr/>
+        </p:nvPicPr>
+        <p:blipFill>
+          <a:blip r:embed="rId3"/>
+          <a:stretch>
+            <a:fillRect/>
+          </a:stretch>
+        </p:blipFill>
+        <p:spPr>
+          <a:xfrm>
+            <a:off x="966264" y="3883599"/>
+            <a:ext cx="1499890" cy="2339009"/>
+          </a:xfrm>
+          <a:prstGeom prst="rect">
+            <a:avLst/>
+          </a:prstGeom>
+        </p:spPr>
+      </p:pic>
+      <p:sp>
+        <p:nvSpPr>
+          <p:cNvPr id="10" name="Rechteck 9">
+            <a:extLst>
+              <a:ext uri="{FF2B5EF4-FFF2-40B4-BE49-F238E27FC236}">
+                <a16:creationId xmlns:a16="http://schemas.microsoft.com/office/drawing/2014/main" id="{DE08C869-C038-42FF-AAA4-359094F98B77}"/>
+              </a:ext>
+            </a:extLst>
+          </p:cNvPr>
+          <p:cNvSpPr/>
+          <p:nvPr/>
+        </p:nvSpPr>
+        <p:spPr>
+          <a:xfrm>
+            <a:off x="2524609" y="4076767"/>
+            <a:ext cx="2440925" cy="369332"/>
+          </a:xfrm>
+          <a:prstGeom prst="rect">
+            <a:avLst/>
+          </a:prstGeom>
+        </p:spPr>
+        <p:txBody>
+          <a:bodyPr wrap="none">
+            <a:spAutoFit/>
+          </a:bodyPr>
+          <a:lstStyle/>
+          <a:p>
+            <a:r>
+              <a:rPr lang="de-DE" b="1" dirty="0"/>
+              <a:t>Funk-Türschlossantrieb </a:t>
+            </a:r>
+          </a:p>
+        </p:txBody>
+      </p:sp>
+      <p:sp>
+        <p:nvSpPr>
+          <p:cNvPr id="11" name="Textfeld 10">
+            <a:extLst>
+              <a:ext uri="{FF2B5EF4-FFF2-40B4-BE49-F238E27FC236}">
+                <a16:creationId xmlns:a16="http://schemas.microsoft.com/office/drawing/2014/main" id="{31642766-A5CC-40E7-ACC1-3734E1FC57CF}"/>
+              </a:ext>
+            </a:extLst>
+          </p:cNvPr>
+          <p:cNvSpPr txBox="1"/>
+          <p:nvPr/>
+        </p:nvSpPr>
+        <p:spPr>
+          <a:xfrm>
+            <a:off x="2524609" y="4684627"/>
+            <a:ext cx="5439082" cy="1200329"/>
+          </a:xfrm>
+          <a:prstGeom prst="rect">
+            <a:avLst/>
+          </a:prstGeom>
+          <a:noFill/>
+        </p:spPr>
+        <p:txBody>
+          <a:bodyPr wrap="square" rtlCol="0">
+            <a:spAutoFit/>
+          </a:bodyPr>
+          <a:lstStyle/>
+          <a:p>
+            <a:r>
+              <a:rPr lang="de-DE" dirty="0"/>
+              <a:t>- Tür öffnen, verriegeln und entriegeln per</a:t>
+            </a:r>
+          </a:p>
+          <a:p>
+            <a:r>
+              <a:rPr lang="de-DE" dirty="0"/>
+              <a:t>  Tastendruck</a:t>
+            </a:r>
+          </a:p>
+          <a:p>
+            <a:r>
+              <a:rPr lang="de-DE" dirty="0"/>
+              <a:t>-  Ihr Türschloss ist auch weiterhin voll</a:t>
+            </a:r>
+          </a:p>
+          <a:p>
+            <a:r>
+              <a:rPr lang="de-DE" dirty="0"/>
+              <a:t>   funktionsfähig</a:t>
+            </a:r>
+          </a:p>
+        </p:txBody>
+      </p:sp>
+    </p:spTree>
+    <p:extLst>
+      <p:ext uri="{BB962C8B-B14F-4D97-AF65-F5344CB8AC3E}">
+        <p14:creationId xmlns:p14="http://schemas.microsoft.com/office/powerpoint/2010/main" val="2577697712"/>
+      </p:ext>
+    </p:extLst>
+  </p:cSld>
+  <p:clrMapOvr>
+    <a:masterClrMapping/>
+  </p:clrMapOvr>
+</p:sld>
+</file>
+
+<file path=ppt/slides/slide17.xml><?xml version="1.0" encoding="utf-8"?>
+<p:sld xmlns:a="http://schemas.openxmlformats.org/drawingml/2006/main" xmlns:r="http://schemas.openxmlformats.org/officeDocument/2006/relationships" xmlns:p="http://schemas.openxmlformats.org/presentationml/2006/main">
+  <p:cSld>
+    <p:spTree>
+      <p:nvGrpSpPr>
+        <p:cNvPr id="1" name=""/>
+        <p:cNvGrpSpPr/>
+        <p:nvPr/>
+      </p:nvGrpSpPr>
+      <p:grpSpPr>
+        <a:xfrm>
+          <a:off x="0" y="0"/>
+          <a:ext cx="0" cy="0"/>
+          <a:chOff x="0" y="0"/>
+          <a:chExt cx="0" cy="0"/>
+        </a:xfrm>
+      </p:grpSpPr>
+      <p:sp>
+        <p:nvSpPr>
           <p:cNvPr id="2" name="Datumsplatzhalter 1"/>
           <p:cNvSpPr>
             <a:spLocks noGrp="1"/>
@@ -2910,7 +5395,7 @@
             <a:fld id="{A4ECBFB4-2031-A542-A2EF-20BD4D9E5256}" type="datetime1">
               <a:rPr lang="de-DE" smtClean="0"/>
               <a:pPr/>
-              <a:t>06.06.2017</a:t>
+              <a:t>07.06.2017</a:t>
             </a:fld>
             <a:r>
               <a:rPr lang="de-DE"/>
@@ -2937,7 +5422,151 @@
           <a:p>
             <a:fld id="{E7BE1CCD-89A0-CC45-BF3E-2A331A7F0490}" type="slidenum">
               <a:rPr lang="de-DE" smtClean="0"/>
-              <a:t>13</a:t>
+              <a:t>17</a:t>
+            </a:fld>
+            <a:endParaRPr lang="de-DE" dirty="0"/>
+          </a:p>
+        </p:txBody>
+      </p:sp>
+      <p:sp>
+        <p:nvSpPr>
+          <p:cNvPr id="4" name="Textfeld 3"/>
+          <p:cNvSpPr txBox="1"/>
+          <p:nvPr/>
+        </p:nvSpPr>
+        <p:spPr>
+          <a:xfrm>
+            <a:off x="2753874" y="116300"/>
+            <a:ext cx="3636252" cy="553998"/>
+          </a:xfrm>
+          <a:prstGeom prst="rect">
+            <a:avLst/>
+          </a:prstGeom>
+          <a:noFill/>
+        </p:spPr>
+        <p:txBody>
+          <a:bodyPr wrap="none" rtlCol="0">
+            <a:spAutoFit/>
+          </a:bodyPr>
+          <a:lstStyle/>
+          <a:p>
+            <a:r>
+              <a:rPr lang="de-DE" sz="3000" dirty="0"/>
+              <a:t>OpenHAB - Programm</a:t>
+            </a:r>
+          </a:p>
+        </p:txBody>
+      </p:sp>
+      <p:sp>
+        <p:nvSpPr>
+          <p:cNvPr id="5" name="Textfeld 4"/>
+          <p:cNvSpPr txBox="1"/>
+          <p:nvPr/>
+        </p:nvSpPr>
+        <p:spPr>
+          <a:xfrm>
+            <a:off x="3469166" y="670298"/>
+            <a:ext cx="2205668" cy="553998"/>
+          </a:xfrm>
+          <a:prstGeom prst="rect">
+            <a:avLst/>
+          </a:prstGeom>
+          <a:noFill/>
+        </p:spPr>
+        <p:txBody>
+          <a:bodyPr wrap="none" rtlCol="0">
+            <a:spAutoFit/>
+          </a:bodyPr>
+          <a:lstStyle/>
+          <a:p>
+            <a:r>
+              <a:rPr lang="de-DE" sz="3000" b="1" dirty="0"/>
+              <a:t>Live - </a:t>
+            </a:r>
+            <a:r>
+              <a:rPr lang="de-DE" sz="3000" b="1" dirty="0" err="1"/>
+              <a:t>Coding</a:t>
+            </a:r>
+            <a:endParaRPr lang="de-DE" sz="3000" b="1" dirty="0"/>
+          </a:p>
+        </p:txBody>
+      </p:sp>
+    </p:spTree>
+    <p:extLst>
+      <p:ext uri="{BB962C8B-B14F-4D97-AF65-F5344CB8AC3E}">
+        <p14:creationId xmlns:p14="http://schemas.microsoft.com/office/powerpoint/2010/main" val="3715821988"/>
+      </p:ext>
+    </p:extLst>
+  </p:cSld>
+  <p:clrMapOvr>
+    <a:masterClrMapping/>
+  </p:clrMapOvr>
+</p:sld>
+</file>
+
+<file path=ppt/slides/slide18.xml><?xml version="1.0" encoding="utf-8"?>
+<p:sld xmlns:a="http://schemas.openxmlformats.org/drawingml/2006/main" xmlns:r="http://schemas.openxmlformats.org/officeDocument/2006/relationships" xmlns:p="http://schemas.openxmlformats.org/presentationml/2006/main">
+  <p:cSld>
+    <p:spTree>
+      <p:nvGrpSpPr>
+        <p:cNvPr id="1" name=""/>
+        <p:cNvGrpSpPr/>
+        <p:nvPr/>
+      </p:nvGrpSpPr>
+      <p:grpSpPr>
+        <a:xfrm>
+          <a:off x="0" y="0"/>
+          <a:ext cx="0" cy="0"/>
+          <a:chOff x="0" y="0"/>
+          <a:chExt cx="0" cy="0"/>
+        </a:xfrm>
+      </p:grpSpPr>
+      <p:sp>
+        <p:nvSpPr>
+          <p:cNvPr id="2" name="Datumsplatzhalter 1"/>
+          <p:cNvSpPr>
+            <a:spLocks noGrp="1"/>
+          </p:cNvSpPr>
+          <p:nvPr>
+            <p:ph type="dt" sz="half" idx="10"/>
+          </p:nvPr>
+        </p:nvSpPr>
+        <p:spPr/>
+        <p:txBody>
+          <a:bodyPr/>
+          <a:lstStyle/>
+          <a:p>
+            <a:fld id="{A4ECBFB4-2031-A542-A2EF-20BD4D9E5256}" type="datetime1">
+              <a:rPr lang="de-DE" smtClean="0"/>
+              <a:pPr/>
+              <a:t>07.06.2017</a:t>
+            </a:fld>
+            <a:r>
+              <a:rPr lang="de-DE"/>
+              <a:t>	     Nadine Schwenke, Anna Blankenstein, Fabian Nawrath, Maximilian Bröer       Praxismodul 2	</a:t>
+            </a:r>
+            <a:endParaRPr lang="de-DE" dirty="0"/>
+          </a:p>
+        </p:txBody>
+      </p:sp>
+      <p:sp>
+        <p:nvSpPr>
+          <p:cNvPr id="3" name="Foliennummernplatzhalter 2"/>
+          <p:cNvSpPr>
+            <a:spLocks noGrp="1"/>
+          </p:cNvSpPr>
+          <p:nvPr>
+            <p:ph type="sldNum" sz="quarter" idx="12"/>
+          </p:nvPr>
+        </p:nvSpPr>
+        <p:spPr/>
+        <p:txBody>
+          <a:bodyPr/>
+          <a:lstStyle/>
+          <a:p>
+            <a:fld id="{E7BE1CCD-89A0-CC45-BF3E-2A331A7F0490}" type="slidenum">
+              <a:rPr lang="de-DE" smtClean="0"/>
+              <a:t>18</a:t>
             </a:fld>
             <a:endParaRPr lang="de-DE" dirty="0"/>
           </a:p>
@@ -4068,7 +6697,7 @@
 </p:sld>
 </file>
 
-<file path=ppt/slides/slide14.xml><?xml version="1.0" encoding="utf-8"?>
+<file path=ppt/slides/slide19.xml><?xml version="1.0" encoding="utf-8"?>
 <p:sld xmlns:a="http://schemas.openxmlformats.org/drawingml/2006/main" xmlns:r="http://schemas.openxmlformats.org/officeDocument/2006/relationships" xmlns:p="http://schemas.openxmlformats.org/presentationml/2006/main">
   <p:cSld>
     <p:spTree>
@@ -4103,7 +6732,7 @@
             <a:fld id="{A4ECBFB4-2031-A542-A2EF-20BD4D9E5256}" type="datetime1">
               <a:rPr lang="de-DE" smtClean="0"/>
               <a:pPr/>
-              <a:t>06.06.2017</a:t>
+              <a:t>07.06.2017</a:t>
             </a:fld>
             <a:r>
               <a:rPr lang="de-DE"/>
@@ -4130,7 +6759,7 @@
           <a:p>
             <a:fld id="{E7BE1CCD-89A0-CC45-BF3E-2A331A7F0490}" type="slidenum">
               <a:rPr lang="de-DE" smtClean="0"/>
-              <a:t>14</a:t>
+              <a:t>19</a:t>
             </a:fld>
             <a:endParaRPr lang="de-DE" dirty="0"/>
           </a:p>
@@ -4653,937 +7282,6 @@
 </p:sld>
 </file>
 
-<file path=ppt/slides/slide15.xml><?xml version="1.0" encoding="utf-8"?>
-<p:sld xmlns:a="http://schemas.openxmlformats.org/drawingml/2006/main" xmlns:r="http://schemas.openxmlformats.org/officeDocument/2006/relationships" xmlns:p="http://schemas.openxmlformats.org/presentationml/2006/main">
-  <p:cSld>
-    <p:spTree>
-      <p:nvGrpSpPr>
-        <p:cNvPr id="1" name=""/>
-        <p:cNvGrpSpPr/>
-        <p:nvPr/>
-      </p:nvGrpSpPr>
-      <p:grpSpPr>
-        <a:xfrm>
-          <a:off x="0" y="0"/>
-          <a:ext cx="0" cy="0"/>
-          <a:chOff x="0" y="0"/>
-          <a:chExt cx="0" cy="0"/>
-        </a:xfrm>
-      </p:grpSpPr>
-      <p:sp>
-        <p:nvSpPr>
-          <p:cNvPr id="2" name="Datumsplatzhalter 1"/>
-          <p:cNvSpPr>
-            <a:spLocks noGrp="1"/>
-          </p:cNvSpPr>
-          <p:nvPr>
-            <p:ph type="dt" sz="half" idx="10"/>
-          </p:nvPr>
-        </p:nvSpPr>
-        <p:spPr/>
-        <p:txBody>
-          <a:bodyPr/>
-          <a:lstStyle/>
-          <a:p>
-            <a:fld id="{A4ECBFB4-2031-A542-A2EF-20BD4D9E5256}" type="datetime1">
-              <a:rPr lang="de-DE" smtClean="0"/>
-              <a:pPr/>
-              <a:t>06.06.2017</a:t>
-            </a:fld>
-            <a:r>
-              <a:rPr lang="de-DE"/>
-              <a:t>	     Nadine Schwenke, Anna Blankenstein, Fabian Nawrath, Maximilian Bröer       Praxismodul 2	</a:t>
-            </a:r>
-            <a:endParaRPr lang="de-DE" dirty="0"/>
-          </a:p>
-        </p:txBody>
-      </p:sp>
-      <p:sp>
-        <p:nvSpPr>
-          <p:cNvPr id="3" name="Foliennummernplatzhalter 2"/>
-          <p:cNvSpPr>
-            <a:spLocks noGrp="1"/>
-          </p:cNvSpPr>
-          <p:nvPr>
-            <p:ph type="sldNum" sz="quarter" idx="12"/>
-          </p:nvPr>
-        </p:nvSpPr>
-        <p:spPr/>
-        <p:txBody>
-          <a:bodyPr/>
-          <a:lstStyle/>
-          <a:p>
-            <a:fld id="{E7BE1CCD-89A0-CC45-BF3E-2A331A7F0490}" type="slidenum">
-              <a:rPr lang="de-DE" smtClean="0"/>
-              <a:t>15</a:t>
-            </a:fld>
-            <a:endParaRPr lang="de-DE" dirty="0"/>
-          </a:p>
-        </p:txBody>
-      </p:sp>
-      <p:graphicFrame>
-        <p:nvGraphicFramePr>
-          <p:cNvPr id="6" name="Tabelle 5"/>
-          <p:cNvGraphicFramePr>
-            <a:graphicFrameLocks noGrp="1"/>
-          </p:cNvGraphicFramePr>
-          <p:nvPr/>
-        </p:nvGraphicFramePr>
-        <p:xfrm>
-          <a:off x="5023262" y="3135086"/>
-          <a:ext cx="208280" cy="365760"/>
-        </p:xfrm>
-        <a:graphic>
-          <a:graphicData uri="http://schemas.openxmlformats.org/drawingml/2006/table">
-            <a:tbl>
-              <a:tblPr/>
-              <a:tblGrid>
-                <a:gridCol w="208280">
-                  <a:extLst>
-                    <a:ext uri="{9D8B030D-6E8A-4147-A177-3AD203B41FA5}">
-                      <a16:colId xmlns:a16="http://schemas.microsoft.com/office/drawing/2014/main" val="349650431"/>
-                    </a:ext>
-                  </a:extLst>
-                </a:gridCol>
-              </a:tblGrid>
-              <a:tr h="0">
-                <a:tc>
-                  <a:txBody>
-                    <a:bodyPr/>
-                    <a:lstStyle/>
-                    <a:p>
-                      <a:endParaRPr lang="de-DE" dirty="0"/>
-                    </a:p>
-                  </a:txBody>
-                  <a:tcPr>
-                    <a:lnL w="12700" cmpd="sng">
-                      <a:solidFill>
-                        <a:schemeClr val="tx1"/>
-                      </a:solidFill>
-                      <a:prstDash val="solid"/>
-                    </a:lnL>
-                    <a:lnR w="12700" cmpd="sng">
-                      <a:solidFill>
-                        <a:schemeClr val="tx1"/>
-                      </a:solidFill>
-                      <a:prstDash val="solid"/>
-                    </a:lnR>
-                    <a:lnT w="12700" cmpd="sng">
-                      <a:solidFill>
-                        <a:schemeClr val="tx1"/>
-                      </a:solidFill>
-                      <a:prstDash val="solid"/>
-                    </a:lnT>
-                    <a:lnB w="12700" cmpd="sng">
-                      <a:solidFill>
-                        <a:schemeClr val="tx1"/>
-                      </a:solidFill>
-                      <a:prstDash val="solid"/>
-                    </a:lnB>
-                  </a:tcPr>
-                </a:tc>
-                <a:extLst>
-                  <a:ext uri="{0D108BD9-81ED-4DB2-BD59-A6C34878D82A}">
-                    <a16:rowId xmlns:a16="http://schemas.microsoft.com/office/drawing/2014/main" val="3988327024"/>
-                  </a:ext>
-                </a:extLst>
-              </a:tr>
-            </a:tbl>
-          </a:graphicData>
-        </a:graphic>
-      </p:graphicFrame>
-      <p:graphicFrame>
-        <p:nvGraphicFramePr>
-          <p:cNvPr id="8" name="Tabelle 7"/>
-          <p:cNvGraphicFramePr>
-            <a:graphicFrameLocks noGrp="1"/>
-          </p:cNvGraphicFramePr>
-          <p:nvPr>
-            <p:extLst>
-              <p:ext uri="{D42A27DB-BD31-4B8C-83A1-F6EECF244321}">
-                <p14:modId xmlns:p14="http://schemas.microsoft.com/office/powerpoint/2010/main" val="431277485"/>
-              </p:ext>
-            </p:extLst>
-          </p:nvPr>
-        </p:nvGraphicFramePr>
-        <p:xfrm>
-          <a:off x="647999" y="1252355"/>
-          <a:ext cx="7884000" cy="2894892"/>
-        </p:xfrm>
-        <a:graphic>
-          <a:graphicData uri="http://schemas.openxmlformats.org/drawingml/2006/table">
-            <a:tbl>
-              <a:tblPr firstRow="1" firstCol="1" bandCol="1">
-                <a:tableStyleId>{91EBBBCC-DAD2-459C-BE2E-F6DE35CF9A28}</a:tableStyleId>
-              </a:tblPr>
-              <a:tblGrid>
-                <a:gridCol w="1311431">
-                  <a:extLst>
-                    <a:ext uri="{9D8B030D-6E8A-4147-A177-3AD203B41FA5}">
-                      <a16:colId xmlns:a16="http://schemas.microsoft.com/office/drawing/2014/main" val="756561910"/>
-                    </a:ext>
-                  </a:extLst>
-                </a:gridCol>
-                <a:gridCol w="3063833">
-                  <a:extLst>
-                    <a:ext uri="{9D8B030D-6E8A-4147-A177-3AD203B41FA5}">
-                      <a16:colId xmlns:a16="http://schemas.microsoft.com/office/drawing/2014/main" val="3557741199"/>
-                    </a:ext>
-                  </a:extLst>
-                </a:gridCol>
-                <a:gridCol w="3508736">
-                  <a:extLst>
-                    <a:ext uri="{9D8B030D-6E8A-4147-A177-3AD203B41FA5}">
-                      <a16:colId xmlns:a16="http://schemas.microsoft.com/office/drawing/2014/main" val="1666945453"/>
-                    </a:ext>
-                  </a:extLst>
-                </a:gridCol>
-              </a:tblGrid>
-              <a:tr h="456964">
-                <a:tc>
-                  <a:txBody>
-                    <a:bodyPr/>
-                    <a:lstStyle/>
-                    <a:p>
-                      <a:r>
-                        <a:rPr lang="de-DE" dirty="0"/>
-                        <a:t>System</a:t>
-                      </a:r>
-                    </a:p>
-                  </a:txBody>
-                  <a:tcPr>
-                    <a:lnR w="12700" cap="flat" cmpd="sng" algn="ctr">
-                      <a:solidFill>
-                        <a:schemeClr val="tx1"/>
-                      </a:solidFill>
-                      <a:prstDash val="solid"/>
-                      <a:round/>
-                      <a:headEnd type="none" w="med" len="med"/>
-                      <a:tailEnd type="none" w="med" len="med"/>
-                    </a:lnR>
-                    <a:lnB w="12700" cap="flat" cmpd="sng" algn="ctr">
-                      <a:noFill/>
-                      <a:prstDash val="solid"/>
-                      <a:round/>
-                      <a:headEnd type="none" w="med" len="med"/>
-                      <a:tailEnd type="none" w="med" len="med"/>
-                    </a:lnB>
-                  </a:tcPr>
-                </a:tc>
-                <a:tc>
-                  <a:txBody>
-                    <a:bodyPr/>
-                    <a:lstStyle/>
-                    <a:p>
-                      <a:pPr algn="ctr"/>
-                      <a:r>
-                        <a:rPr lang="de-DE" dirty="0"/>
-                        <a:t>Vorteile</a:t>
-                      </a:r>
-                    </a:p>
-                  </a:txBody>
-                  <a:tcPr>
-                    <a:lnL w="12700" cap="flat" cmpd="sng" algn="ctr">
-                      <a:solidFill>
-                        <a:schemeClr val="tx1"/>
-                      </a:solidFill>
-                      <a:prstDash val="solid"/>
-                      <a:round/>
-                      <a:headEnd type="none" w="med" len="med"/>
-                      <a:tailEnd type="none" w="med" len="med"/>
-                    </a:lnL>
-                    <a:lnR w="12700" cap="flat" cmpd="sng" algn="ctr">
-                      <a:solidFill>
-                        <a:schemeClr val="tx1"/>
-                      </a:solidFill>
-                      <a:prstDash val="solid"/>
-                      <a:round/>
-                      <a:headEnd type="none" w="med" len="med"/>
-                      <a:tailEnd type="none" w="med" len="med"/>
-                    </a:lnR>
-                    <a:lnB w="12700" cap="flat" cmpd="sng" algn="ctr">
-                      <a:noFill/>
-                      <a:prstDash val="solid"/>
-                      <a:round/>
-                      <a:headEnd type="none" w="med" len="med"/>
-                      <a:tailEnd type="none" w="med" len="med"/>
-                    </a:lnB>
-                  </a:tcPr>
-                </a:tc>
-                <a:tc>
-                  <a:txBody>
-                    <a:bodyPr/>
-                    <a:lstStyle/>
-                    <a:p>
-                      <a:pPr algn="ctr"/>
-                      <a:r>
-                        <a:rPr lang="de-DE" dirty="0"/>
-                        <a:t>Nachteile</a:t>
-                      </a:r>
-                    </a:p>
-                  </a:txBody>
-                  <a:tcPr>
-                    <a:lnL w="12700" cap="flat" cmpd="sng" algn="ctr">
-                      <a:solidFill>
-                        <a:schemeClr val="tx1"/>
-                      </a:solidFill>
-                      <a:prstDash val="solid"/>
-                      <a:round/>
-                      <a:headEnd type="none" w="med" len="med"/>
-                      <a:tailEnd type="none" w="med" len="med"/>
-                    </a:lnL>
-                    <a:lnB w="12700" cap="flat" cmpd="sng" algn="ctr">
-                      <a:noFill/>
-                      <a:prstDash val="solid"/>
-                      <a:round/>
-                      <a:headEnd type="none" w="med" len="med"/>
-                      <a:tailEnd type="none" w="med" len="med"/>
-                    </a:lnB>
-                  </a:tcPr>
-                </a:tc>
-                <a:extLst>
-                  <a:ext uri="{0D108BD9-81ED-4DB2-BD59-A6C34878D82A}">
-                    <a16:rowId xmlns:a16="http://schemas.microsoft.com/office/drawing/2014/main" val="1014126515"/>
-                  </a:ext>
-                </a:extLst>
-              </a:tr>
-              <a:tr h="456964">
-                <a:tc rowSpan="3">
-                  <a:txBody>
-                    <a:bodyPr/>
-                    <a:lstStyle/>
-                    <a:p>
-                      <a:pPr algn="l"/>
-                      <a:r>
-                        <a:rPr lang="de-DE" sz="3000" dirty="0"/>
-                        <a:t>Open-HAB</a:t>
-                      </a:r>
-                    </a:p>
-                  </a:txBody>
-                  <a:tcPr anchor="ctr">
-                    <a:lnL w="12700" cap="flat" cmpd="sng" algn="ctr">
-                      <a:noFill/>
-                      <a:prstDash val="solid"/>
-                      <a:round/>
-                      <a:headEnd type="none" w="med" len="med"/>
-                      <a:tailEnd type="none" w="med" len="med"/>
-                    </a:lnL>
-                    <a:lnR w="12700" cap="flat" cmpd="sng" algn="ctr">
-                      <a:solidFill>
-                        <a:schemeClr val="tx1"/>
-                      </a:solidFill>
-                      <a:prstDash val="solid"/>
-                      <a:round/>
-                      <a:headEnd type="none" w="med" len="med"/>
-                      <a:tailEnd type="none" w="med" len="med"/>
-                    </a:lnR>
-                    <a:lnT w="12700" cap="flat" cmpd="sng" algn="ctr">
-                      <a:noFill/>
-                      <a:prstDash val="solid"/>
-                      <a:round/>
-                      <a:headEnd type="none" w="med" len="med"/>
-                      <a:tailEnd type="none" w="med" len="med"/>
-                    </a:lnT>
-                    <a:lnB w="12700" cap="flat" cmpd="sng" algn="ctr">
-                      <a:noFill/>
-                      <a:prstDash val="solid"/>
-                      <a:round/>
-                      <a:headEnd type="none" w="med" len="med"/>
-                      <a:tailEnd type="none" w="med" len="med"/>
-                    </a:lnB>
-                  </a:tcPr>
-                </a:tc>
-                <a:tc>
-                  <a:txBody>
-                    <a:bodyPr/>
-                    <a:lstStyle/>
-                    <a:p>
-                      <a:r>
-                        <a:rPr lang="de-DE" sz="2200" dirty="0"/>
-                        <a:t>Integrationsplattform</a:t>
-                      </a:r>
-                    </a:p>
-                  </a:txBody>
-                  <a:tcPr>
-                    <a:lnL w="12700" cap="flat" cmpd="sng" algn="ctr">
-                      <a:solidFill>
-                        <a:schemeClr val="tx1"/>
-                      </a:solidFill>
-                      <a:prstDash val="solid"/>
-                      <a:round/>
-                      <a:headEnd type="none" w="med" len="med"/>
-                      <a:tailEnd type="none" w="med" len="med"/>
-                    </a:lnL>
-                    <a:lnR w="12700" cap="flat" cmpd="sng" algn="ctr">
-                      <a:solidFill>
-                        <a:schemeClr val="tx1"/>
-                      </a:solidFill>
-                      <a:prstDash val="solid"/>
-                      <a:round/>
-                      <a:headEnd type="none" w="med" len="med"/>
-                      <a:tailEnd type="none" w="med" len="med"/>
-                    </a:lnR>
-                    <a:lnT w="12700" cap="flat" cmpd="sng" algn="ctr">
-                      <a:noFill/>
-                      <a:prstDash val="solid"/>
-                      <a:round/>
-                      <a:headEnd type="none" w="med" len="med"/>
-                      <a:tailEnd type="none" w="med" len="med"/>
-                    </a:lnT>
-                    <a:lnB w="12700" cap="flat" cmpd="sng" algn="ctr">
-                      <a:solidFill>
-                        <a:schemeClr val="tx1"/>
-                      </a:solidFill>
-                      <a:prstDash val="solid"/>
-                      <a:round/>
-                      <a:headEnd type="none" w="med" len="med"/>
-                      <a:tailEnd type="none" w="med" len="med"/>
-                    </a:lnB>
-                  </a:tcPr>
-                </a:tc>
-                <a:tc>
-                  <a:txBody>
-                    <a:bodyPr/>
-                    <a:lstStyle/>
-                    <a:p>
-                      <a:endParaRPr lang="de-DE" sz="2200" dirty="0"/>
-                    </a:p>
-                  </a:txBody>
-                  <a:tcPr>
-                    <a:lnL w="12700" cap="flat" cmpd="sng" algn="ctr">
-                      <a:solidFill>
-                        <a:schemeClr val="tx1"/>
-                      </a:solidFill>
-                      <a:prstDash val="solid"/>
-                      <a:round/>
-                      <a:headEnd type="none" w="med" len="med"/>
-                      <a:tailEnd type="none" w="med" len="med"/>
-                    </a:lnL>
-                    <a:lnR w="12700" cap="flat" cmpd="sng" algn="ctr">
-                      <a:noFill/>
-                      <a:prstDash val="solid"/>
-                      <a:round/>
-                      <a:headEnd type="none" w="med" len="med"/>
-                      <a:tailEnd type="none" w="med" len="med"/>
-                    </a:lnR>
-                    <a:lnT w="12700" cap="flat" cmpd="sng" algn="ctr">
-                      <a:noFill/>
-                      <a:prstDash val="solid"/>
-                      <a:round/>
-                      <a:headEnd type="none" w="med" len="med"/>
-                      <a:tailEnd type="none" w="med" len="med"/>
-                    </a:lnT>
-                    <a:lnB w="12700" cap="flat" cmpd="sng" algn="ctr">
-                      <a:solidFill>
-                        <a:schemeClr val="tx1"/>
-                      </a:solidFill>
-                      <a:prstDash val="solid"/>
-                      <a:round/>
-                      <a:headEnd type="none" w="med" len="med"/>
-                      <a:tailEnd type="none" w="med" len="med"/>
-                    </a:lnB>
-                  </a:tcPr>
-                </a:tc>
-                <a:extLst>
-                  <a:ext uri="{0D108BD9-81ED-4DB2-BD59-A6C34878D82A}">
-                    <a16:rowId xmlns:a16="http://schemas.microsoft.com/office/drawing/2014/main" val="1755269508"/>
-                  </a:ext>
-                </a:extLst>
-              </a:tr>
-              <a:tr h="456964">
-                <a:tc vMerge="1">
-                  <a:txBody>
-                    <a:bodyPr/>
-                    <a:lstStyle/>
-                    <a:p>
-                      <a:endParaRPr lang="de-DE" dirty="0"/>
-                    </a:p>
-                  </a:txBody>
-                  <a:tcPr>
-                    <a:lnL w="12700" cap="flat" cmpd="sng" algn="ctr">
-                      <a:noFill/>
-                      <a:prstDash val="solid"/>
-                      <a:round/>
-                      <a:headEnd type="none" w="med" len="med"/>
-                      <a:tailEnd type="none" w="med" len="med"/>
-                    </a:lnL>
-                    <a:lnR w="12700" cap="flat" cmpd="sng" algn="ctr">
-                      <a:solidFill>
-                        <a:schemeClr val="tx1"/>
-                      </a:solidFill>
-                      <a:prstDash val="solid"/>
-                      <a:round/>
-                      <a:headEnd type="none" w="med" len="med"/>
-                      <a:tailEnd type="none" w="med" len="med"/>
-                    </a:lnR>
-                    <a:lnT w="12700" cap="flat" cmpd="sng" algn="ctr">
-                      <a:solidFill>
-                        <a:schemeClr val="tx1"/>
-                      </a:solidFill>
-                      <a:prstDash val="solid"/>
-                      <a:round/>
-                      <a:headEnd type="none" w="med" len="med"/>
-                      <a:tailEnd type="none" w="med" len="med"/>
-                    </a:lnT>
-                    <a:lnB w="12700" cap="flat" cmpd="sng" algn="ctr">
-                      <a:solidFill>
-                        <a:schemeClr val="tx1"/>
-                      </a:solidFill>
-                      <a:prstDash val="solid"/>
-                      <a:round/>
-                      <a:headEnd type="none" w="med" len="med"/>
-                      <a:tailEnd type="none" w="med" len="med"/>
-                    </a:lnB>
-                  </a:tcPr>
-                </a:tc>
-                <a:tc>
-                  <a:txBody>
-                    <a:bodyPr/>
-                    <a:lstStyle/>
-                    <a:p>
-                      <a:r>
-                        <a:rPr lang="de-DE" sz="2200" dirty="0"/>
-                        <a:t>Herstellerneutral</a:t>
-                      </a:r>
-                    </a:p>
-                  </a:txBody>
-                  <a:tcPr>
-                    <a:lnL w="12700" cap="flat" cmpd="sng" algn="ctr">
-                      <a:solidFill>
-                        <a:schemeClr val="tx1"/>
-                      </a:solidFill>
-                      <a:prstDash val="solid"/>
-                      <a:round/>
-                      <a:headEnd type="none" w="med" len="med"/>
-                      <a:tailEnd type="none" w="med" len="med"/>
-                    </a:lnL>
-                    <a:lnR w="12700" cap="flat" cmpd="sng" algn="ctr">
-                      <a:solidFill>
-                        <a:schemeClr val="tx1"/>
-                      </a:solidFill>
-                      <a:prstDash val="solid"/>
-                      <a:round/>
-                      <a:headEnd type="none" w="med" len="med"/>
-                      <a:tailEnd type="none" w="med" len="med"/>
-                    </a:lnR>
-                    <a:lnT w="12700" cap="flat" cmpd="sng" algn="ctr">
-                      <a:solidFill>
-                        <a:schemeClr val="tx1"/>
-                      </a:solidFill>
-                      <a:prstDash val="solid"/>
-                      <a:round/>
-                      <a:headEnd type="none" w="med" len="med"/>
-                      <a:tailEnd type="none" w="med" len="med"/>
-                    </a:lnT>
-                    <a:lnB w="12700" cap="flat" cmpd="sng" algn="ctr">
-                      <a:solidFill>
-                        <a:schemeClr val="tx1"/>
-                      </a:solidFill>
-                      <a:prstDash val="solid"/>
-                      <a:round/>
-                      <a:headEnd type="none" w="med" len="med"/>
-                      <a:tailEnd type="none" w="med" len="med"/>
-                    </a:lnB>
-                  </a:tcPr>
-                </a:tc>
-                <a:tc>
-                  <a:txBody>
-                    <a:bodyPr/>
-                    <a:lstStyle/>
-                    <a:p>
-                      <a:endParaRPr lang="de-DE" sz="2200" dirty="0"/>
-                    </a:p>
-                  </a:txBody>
-                  <a:tcPr>
-                    <a:lnL w="12700" cap="flat" cmpd="sng" algn="ctr">
-                      <a:solidFill>
-                        <a:schemeClr val="tx1"/>
-                      </a:solidFill>
-                      <a:prstDash val="solid"/>
-                      <a:round/>
-                      <a:headEnd type="none" w="med" len="med"/>
-                      <a:tailEnd type="none" w="med" len="med"/>
-                    </a:lnL>
-                    <a:lnR w="12700" cap="flat" cmpd="sng" algn="ctr">
-                      <a:noFill/>
-                      <a:prstDash val="solid"/>
-                      <a:round/>
-                      <a:headEnd type="none" w="med" len="med"/>
-                      <a:tailEnd type="none" w="med" len="med"/>
-                    </a:lnR>
-                    <a:lnT w="12700" cap="flat" cmpd="sng" algn="ctr">
-                      <a:solidFill>
-                        <a:schemeClr val="tx1"/>
-                      </a:solidFill>
-                      <a:prstDash val="solid"/>
-                      <a:round/>
-                      <a:headEnd type="none" w="med" len="med"/>
-                      <a:tailEnd type="none" w="med" len="med"/>
-                    </a:lnT>
-                    <a:lnB w="12700" cap="flat" cmpd="sng" algn="ctr">
-                      <a:solidFill>
-                        <a:schemeClr val="tx1"/>
-                      </a:solidFill>
-                      <a:prstDash val="solid"/>
-                      <a:round/>
-                      <a:headEnd type="none" w="med" len="med"/>
-                      <a:tailEnd type="none" w="med" len="med"/>
-                    </a:lnB>
-                  </a:tcPr>
-                </a:tc>
-                <a:extLst>
-                  <a:ext uri="{0D108BD9-81ED-4DB2-BD59-A6C34878D82A}">
-                    <a16:rowId xmlns:a16="http://schemas.microsoft.com/office/drawing/2014/main" val="715863808"/>
-                  </a:ext>
-                </a:extLst>
-              </a:tr>
-              <a:tr h="456964">
-                <a:tc vMerge="1">
-                  <a:txBody>
-                    <a:bodyPr/>
-                    <a:lstStyle/>
-                    <a:p>
-                      <a:endParaRPr lang="de-DE" dirty="0"/>
-                    </a:p>
-                  </a:txBody>
-                  <a:tcPr>
-                    <a:lnL w="12700" cap="flat" cmpd="sng" algn="ctr">
-                      <a:noFill/>
-                      <a:prstDash val="solid"/>
-                      <a:round/>
-                      <a:headEnd type="none" w="med" len="med"/>
-                      <a:tailEnd type="none" w="med" len="med"/>
-                    </a:lnL>
-                    <a:lnR w="12700" cap="flat" cmpd="sng" algn="ctr">
-                      <a:solidFill>
-                        <a:schemeClr val="tx1"/>
-                      </a:solidFill>
-                      <a:prstDash val="solid"/>
-                      <a:round/>
-                      <a:headEnd type="none" w="med" len="med"/>
-                      <a:tailEnd type="none" w="med" len="med"/>
-                    </a:lnR>
-                    <a:lnT w="12700" cap="flat" cmpd="sng" algn="ctr">
-                      <a:solidFill>
-                        <a:schemeClr val="tx1"/>
-                      </a:solidFill>
-                      <a:prstDash val="solid"/>
-                      <a:round/>
-                      <a:headEnd type="none" w="med" len="med"/>
-                      <a:tailEnd type="none" w="med" len="med"/>
-                    </a:lnT>
-                    <a:lnB w="12700" cap="flat" cmpd="sng" algn="ctr">
-                      <a:solidFill>
-                        <a:schemeClr val="tx1"/>
-                      </a:solidFill>
-                      <a:prstDash val="solid"/>
-                      <a:round/>
-                      <a:headEnd type="none" w="med" len="med"/>
-                      <a:tailEnd type="none" w="med" len="med"/>
-                    </a:lnB>
-                  </a:tcPr>
-                </a:tc>
-                <a:tc>
-                  <a:txBody>
-                    <a:bodyPr/>
-                    <a:lstStyle/>
-                    <a:p>
-                      <a:r>
-                        <a:rPr lang="de-DE" sz="2200" dirty="0"/>
-                        <a:t>Hardware-/ protokollunabhängig</a:t>
-                      </a:r>
-                    </a:p>
-                  </a:txBody>
-                  <a:tcPr>
-                    <a:lnL w="12700" cap="flat" cmpd="sng" algn="ctr">
-                      <a:solidFill>
-                        <a:schemeClr val="tx1"/>
-                      </a:solidFill>
-                      <a:prstDash val="solid"/>
-                      <a:round/>
-                      <a:headEnd type="none" w="med" len="med"/>
-                      <a:tailEnd type="none" w="med" len="med"/>
-                    </a:lnL>
-                    <a:lnR w="12700" cap="flat" cmpd="sng" algn="ctr">
-                      <a:solidFill>
-                        <a:schemeClr val="tx1"/>
-                      </a:solidFill>
-                      <a:prstDash val="solid"/>
-                      <a:round/>
-                      <a:headEnd type="none" w="med" len="med"/>
-                      <a:tailEnd type="none" w="med" len="med"/>
-                    </a:lnR>
-                    <a:lnT w="12700" cap="flat" cmpd="sng" algn="ctr">
-                      <a:solidFill>
-                        <a:schemeClr val="tx1"/>
-                      </a:solidFill>
-                      <a:prstDash val="solid"/>
-                      <a:round/>
-                      <a:headEnd type="none" w="med" len="med"/>
-                      <a:tailEnd type="none" w="med" len="med"/>
-                    </a:lnT>
-                    <a:lnB w="12700" cap="flat" cmpd="sng" algn="ctr">
-                      <a:solidFill>
-                        <a:schemeClr val="tx1"/>
-                      </a:solidFill>
-                      <a:prstDash val="solid"/>
-                      <a:round/>
-                      <a:headEnd type="none" w="med" len="med"/>
-                      <a:tailEnd type="none" w="med" len="med"/>
-                    </a:lnB>
-                  </a:tcPr>
-                </a:tc>
-                <a:tc>
-                  <a:txBody>
-                    <a:bodyPr/>
-                    <a:lstStyle/>
-                    <a:p>
-                      <a:endParaRPr lang="de-DE" sz="2200" dirty="0"/>
-                    </a:p>
-                    <a:p>
-                      <a:endParaRPr lang="de-DE" sz="2200" dirty="0"/>
-                    </a:p>
-                  </a:txBody>
-                  <a:tcPr>
-                    <a:lnL w="12700" cap="flat" cmpd="sng" algn="ctr">
-                      <a:solidFill>
-                        <a:schemeClr val="tx1"/>
-                      </a:solidFill>
-                      <a:prstDash val="solid"/>
-                      <a:round/>
-                      <a:headEnd type="none" w="med" len="med"/>
-                      <a:tailEnd type="none" w="med" len="med"/>
-                    </a:lnL>
-                    <a:lnR w="12700" cap="flat" cmpd="sng" algn="ctr">
-                      <a:noFill/>
-                      <a:prstDash val="solid"/>
-                      <a:round/>
-                      <a:headEnd type="none" w="med" len="med"/>
-                      <a:tailEnd type="none" w="med" len="med"/>
-                    </a:lnR>
-                    <a:lnT w="12700" cap="flat" cmpd="sng" algn="ctr">
-                      <a:solidFill>
-                        <a:schemeClr val="tx1"/>
-                      </a:solidFill>
-                      <a:prstDash val="solid"/>
-                      <a:round/>
-                      <a:headEnd type="none" w="med" len="med"/>
-                      <a:tailEnd type="none" w="med" len="med"/>
-                    </a:lnT>
-                    <a:lnB w="12700" cap="flat" cmpd="sng" algn="ctr">
-                      <a:solidFill>
-                        <a:schemeClr val="tx1"/>
-                      </a:solidFill>
-                      <a:prstDash val="solid"/>
-                      <a:round/>
-                      <a:headEnd type="none" w="med" len="med"/>
-                      <a:tailEnd type="none" w="med" len="med"/>
-                    </a:lnB>
-                  </a:tcPr>
-                </a:tc>
-                <a:extLst>
-                  <a:ext uri="{0D108BD9-81ED-4DB2-BD59-A6C34878D82A}">
-                    <a16:rowId xmlns:a16="http://schemas.microsoft.com/office/drawing/2014/main" val="550586099"/>
-                  </a:ext>
-                </a:extLst>
-              </a:tr>
-              <a:tr h="456964">
-                <a:tc>
-                  <a:txBody>
-                    <a:bodyPr/>
-                    <a:lstStyle/>
-                    <a:p>
-                      <a:pPr algn="l"/>
-                      <a:endParaRPr lang="de-DE" sz="3000" dirty="0"/>
-                    </a:p>
-                  </a:txBody>
-                  <a:tcPr anchor="ctr">
-                    <a:lnL w="12700" cap="flat" cmpd="sng" algn="ctr">
-                      <a:noFill/>
-                      <a:prstDash val="solid"/>
-                      <a:round/>
-                      <a:headEnd type="none" w="med" len="med"/>
-                      <a:tailEnd type="none" w="med" len="med"/>
-                    </a:lnL>
-                    <a:lnR w="12700" cap="flat" cmpd="sng" algn="ctr">
-                      <a:solidFill>
-                        <a:schemeClr val="tx1"/>
-                      </a:solidFill>
-                      <a:prstDash val="solid"/>
-                      <a:round/>
-                      <a:headEnd type="none" w="med" len="med"/>
-                      <a:tailEnd type="none" w="med" len="med"/>
-                    </a:lnR>
-                    <a:lnT w="12700" cap="flat" cmpd="sng" algn="ctr">
-                      <a:noFill/>
-                      <a:prstDash val="solid"/>
-                      <a:round/>
-                      <a:headEnd type="none" w="med" len="med"/>
-                      <a:tailEnd type="none" w="med" len="med"/>
-                    </a:lnT>
-                    <a:lnB w="12700" cap="flat" cmpd="sng" algn="ctr">
-                      <a:solidFill>
-                        <a:schemeClr val="tx1"/>
-                      </a:solidFill>
-                      <a:prstDash val="solid"/>
-                      <a:round/>
-                      <a:headEnd type="none" w="med" len="med"/>
-                      <a:tailEnd type="none" w="med" len="med"/>
-                    </a:lnB>
-                  </a:tcPr>
-                </a:tc>
-                <a:tc>
-                  <a:txBody>
-                    <a:bodyPr/>
-                    <a:lstStyle/>
-                    <a:p>
-                      <a:r>
-                        <a:rPr lang="de-DE" sz="2200" dirty="0"/>
-                        <a:t>Kein </a:t>
-                      </a:r>
-                      <a:r>
-                        <a:rPr lang="de-DE" sz="2200"/>
-                        <a:t>Internetverbindung notwendig </a:t>
-                      </a:r>
-                      <a:endParaRPr lang="de-DE" sz="2200" dirty="0"/>
-                    </a:p>
-                  </a:txBody>
-                  <a:tcPr>
-                    <a:lnL w="12700" cap="flat" cmpd="sng" algn="ctr">
-                      <a:solidFill>
-                        <a:schemeClr val="tx1"/>
-                      </a:solidFill>
-                      <a:prstDash val="solid"/>
-                      <a:round/>
-                      <a:headEnd type="none" w="med" len="med"/>
-                      <a:tailEnd type="none" w="med" len="med"/>
-                    </a:lnL>
-                    <a:lnR w="12700" cap="flat" cmpd="sng" algn="ctr">
-                      <a:solidFill>
-                        <a:schemeClr val="tx1"/>
-                      </a:solidFill>
-                      <a:prstDash val="solid"/>
-                      <a:round/>
-                      <a:headEnd type="none" w="med" len="med"/>
-                      <a:tailEnd type="none" w="med" len="med"/>
-                    </a:lnR>
-                    <a:lnT w="12700" cap="flat" cmpd="sng" algn="ctr">
-                      <a:solidFill>
-                        <a:schemeClr val="tx1"/>
-                      </a:solidFill>
-                      <a:prstDash val="solid"/>
-                      <a:round/>
-                      <a:headEnd type="none" w="med" len="med"/>
-                      <a:tailEnd type="none" w="med" len="med"/>
-                    </a:lnT>
-                    <a:lnB w="12700" cap="flat" cmpd="sng" algn="ctr">
-                      <a:solidFill>
-                        <a:schemeClr val="tx1"/>
-                      </a:solidFill>
-                      <a:prstDash val="solid"/>
-                      <a:round/>
-                      <a:headEnd type="none" w="med" len="med"/>
-                      <a:tailEnd type="none" w="med" len="med"/>
-                    </a:lnB>
-                  </a:tcPr>
-                </a:tc>
-                <a:tc>
-                  <a:txBody>
-                    <a:bodyPr/>
-                    <a:lstStyle/>
-                    <a:p>
-                      <a:endParaRPr lang="de-DE" sz="2200" dirty="0"/>
-                    </a:p>
-                  </a:txBody>
-                  <a:tcPr>
-                    <a:lnL w="12700" cap="flat" cmpd="sng" algn="ctr">
-                      <a:solidFill>
-                        <a:schemeClr val="tx1"/>
-                      </a:solidFill>
-                      <a:prstDash val="solid"/>
-                      <a:round/>
-                      <a:headEnd type="none" w="med" len="med"/>
-                      <a:tailEnd type="none" w="med" len="med"/>
-                    </a:lnL>
-                    <a:lnR w="12700" cap="flat" cmpd="sng" algn="ctr">
-                      <a:noFill/>
-                      <a:prstDash val="solid"/>
-                      <a:round/>
-                      <a:headEnd type="none" w="med" len="med"/>
-                      <a:tailEnd type="none" w="med" len="med"/>
-                    </a:lnR>
-                    <a:lnT w="12700" cap="flat" cmpd="sng" algn="ctr">
-                      <a:solidFill>
-                        <a:schemeClr val="tx1"/>
-                      </a:solidFill>
-                      <a:prstDash val="solid"/>
-                      <a:round/>
-                      <a:headEnd type="none" w="med" len="med"/>
-                      <a:tailEnd type="none" w="med" len="med"/>
-                    </a:lnT>
-                    <a:lnB w="12700" cap="flat" cmpd="sng" algn="ctr">
-                      <a:solidFill>
-                        <a:schemeClr val="tx1"/>
-                      </a:solidFill>
-                      <a:prstDash val="solid"/>
-                      <a:round/>
-                      <a:headEnd type="none" w="med" len="med"/>
-                      <a:tailEnd type="none" w="med" len="med"/>
-                    </a:lnB>
-                  </a:tcPr>
-                </a:tc>
-                <a:extLst>
-                  <a:ext uri="{0D108BD9-81ED-4DB2-BD59-A6C34878D82A}">
-                    <a16:rowId xmlns:a16="http://schemas.microsoft.com/office/drawing/2014/main" val="2118290755"/>
-                  </a:ext>
-                </a:extLst>
-              </a:tr>
-            </a:tbl>
-          </a:graphicData>
-        </a:graphic>
-      </p:graphicFrame>
-      <p:sp>
-        <p:nvSpPr>
-          <p:cNvPr id="10" name="Textfeld 9"/>
-          <p:cNvSpPr txBox="1"/>
-          <p:nvPr/>
-        </p:nvSpPr>
-        <p:spPr>
-          <a:xfrm>
-            <a:off x="1603734" y="116300"/>
-            <a:ext cx="5136727" cy="553998"/>
-          </a:xfrm>
-          <a:prstGeom prst="rect">
-            <a:avLst/>
-          </a:prstGeom>
-          <a:noFill/>
-        </p:spPr>
-        <p:txBody>
-          <a:bodyPr wrap="none" rtlCol="0">
-            <a:spAutoFit/>
-          </a:bodyPr>
-          <a:lstStyle/>
-          <a:p>
-            <a:r>
-              <a:rPr lang="de-DE" sz="3000" dirty="0"/>
-              <a:t>Gegenüberstellung der Systeme</a:t>
-            </a:r>
-          </a:p>
-        </p:txBody>
-      </p:sp>
-    </p:spTree>
-    <p:extLst>
-      <p:ext uri="{BB962C8B-B14F-4D97-AF65-F5344CB8AC3E}">
-        <p14:creationId xmlns:p14="http://schemas.microsoft.com/office/powerpoint/2010/main" val="648800438"/>
-      </p:ext>
-    </p:extLst>
-  </p:cSld>
-  <p:clrMapOvr>
-    <a:masterClrMapping/>
-  </p:clrMapOvr>
-</p:sld>
-</file>
-
 <file path=ppt/slides/slide2.xml><?xml version="1.0" encoding="utf-8"?>
 <p:sld xmlns:a="http://schemas.openxmlformats.org/drawingml/2006/main" xmlns:r="http://schemas.openxmlformats.org/officeDocument/2006/relationships" xmlns:p="http://schemas.openxmlformats.org/presentationml/2006/main">
   <p:cSld>
@@ -5619,7 +7317,7 @@
             <a:fld id="{A4ECBFB4-2031-A542-A2EF-20BD4D9E5256}" type="datetime1">
               <a:rPr lang="de-DE" smtClean="0"/>
               <a:pPr/>
-              <a:t>06.06.2017</a:t>
+              <a:t>07.06.2017</a:t>
             </a:fld>
             <a:r>
               <a:rPr lang="de-DE"/>
@@ -6431,6 +8129,1253 @@
 </p:sld>
 </file>
 
+<file path=ppt/slides/slide20.xml><?xml version="1.0" encoding="utf-8"?>
+<p:sld xmlns:a="http://schemas.openxmlformats.org/drawingml/2006/main" xmlns:r="http://schemas.openxmlformats.org/officeDocument/2006/relationships" xmlns:p="http://schemas.openxmlformats.org/presentationml/2006/main">
+  <p:cSld>
+    <p:spTree>
+      <p:nvGrpSpPr>
+        <p:cNvPr id="1" name=""/>
+        <p:cNvGrpSpPr/>
+        <p:nvPr/>
+      </p:nvGrpSpPr>
+      <p:grpSpPr>
+        <a:xfrm>
+          <a:off x="0" y="0"/>
+          <a:ext cx="0" cy="0"/>
+          <a:chOff x="0" y="0"/>
+          <a:chExt cx="0" cy="0"/>
+        </a:xfrm>
+      </p:grpSpPr>
+      <p:sp>
+        <p:nvSpPr>
+          <p:cNvPr id="2" name="Datumsplatzhalter 1"/>
+          <p:cNvSpPr>
+            <a:spLocks noGrp="1"/>
+          </p:cNvSpPr>
+          <p:nvPr>
+            <p:ph type="dt" sz="half" idx="10"/>
+          </p:nvPr>
+        </p:nvSpPr>
+        <p:spPr/>
+        <p:txBody>
+          <a:bodyPr/>
+          <a:lstStyle/>
+          <a:p>
+            <a:fld id="{A4ECBFB4-2031-A542-A2EF-20BD4D9E5256}" type="datetime1">
+              <a:rPr lang="de-DE" smtClean="0"/>
+              <a:pPr/>
+              <a:t>07.06.2017</a:t>
+            </a:fld>
+            <a:r>
+              <a:rPr lang="de-DE"/>
+              <a:t>	     Nadine Schwenke, Anna Blankenstein, Fabian Nawrath, Maximilian Bröer       Praxismodul 2	</a:t>
+            </a:r>
+            <a:endParaRPr lang="de-DE" dirty="0"/>
+          </a:p>
+        </p:txBody>
+      </p:sp>
+      <p:sp>
+        <p:nvSpPr>
+          <p:cNvPr id="3" name="Foliennummernplatzhalter 2"/>
+          <p:cNvSpPr>
+            <a:spLocks noGrp="1"/>
+          </p:cNvSpPr>
+          <p:nvPr>
+            <p:ph type="sldNum" sz="quarter" idx="12"/>
+          </p:nvPr>
+        </p:nvSpPr>
+        <p:spPr/>
+        <p:txBody>
+          <a:bodyPr/>
+          <a:lstStyle/>
+          <a:p>
+            <a:fld id="{E7BE1CCD-89A0-CC45-BF3E-2A331A7F0490}" type="slidenum">
+              <a:rPr lang="de-DE" smtClean="0"/>
+              <a:t>20</a:t>
+            </a:fld>
+            <a:endParaRPr lang="de-DE" dirty="0"/>
+          </a:p>
+        </p:txBody>
+      </p:sp>
+      <p:graphicFrame>
+        <p:nvGraphicFramePr>
+          <p:cNvPr id="6" name="Tabelle 5"/>
+          <p:cNvGraphicFramePr>
+            <a:graphicFrameLocks noGrp="1"/>
+          </p:cNvGraphicFramePr>
+          <p:nvPr/>
+        </p:nvGraphicFramePr>
+        <p:xfrm>
+          <a:off x="5023262" y="3135086"/>
+          <a:ext cx="208280" cy="365760"/>
+        </p:xfrm>
+        <a:graphic>
+          <a:graphicData uri="http://schemas.openxmlformats.org/drawingml/2006/table">
+            <a:tbl>
+              <a:tblPr/>
+              <a:tblGrid>
+                <a:gridCol w="208280">
+                  <a:extLst>
+                    <a:ext uri="{9D8B030D-6E8A-4147-A177-3AD203B41FA5}">
+                      <a16:colId xmlns:a16="http://schemas.microsoft.com/office/drawing/2014/main" val="349650431"/>
+                    </a:ext>
+                  </a:extLst>
+                </a:gridCol>
+              </a:tblGrid>
+              <a:tr h="0">
+                <a:tc>
+                  <a:txBody>
+                    <a:bodyPr/>
+                    <a:lstStyle/>
+                    <a:p>
+                      <a:endParaRPr lang="de-DE" dirty="0"/>
+                    </a:p>
+                  </a:txBody>
+                  <a:tcPr>
+                    <a:lnL w="12700" cmpd="sng">
+                      <a:solidFill>
+                        <a:schemeClr val="tx1"/>
+                      </a:solidFill>
+                      <a:prstDash val="solid"/>
+                    </a:lnL>
+                    <a:lnR w="12700" cmpd="sng">
+                      <a:solidFill>
+                        <a:schemeClr val="tx1"/>
+                      </a:solidFill>
+                      <a:prstDash val="solid"/>
+                    </a:lnR>
+                    <a:lnT w="12700" cmpd="sng">
+                      <a:solidFill>
+                        <a:schemeClr val="tx1"/>
+                      </a:solidFill>
+                      <a:prstDash val="solid"/>
+                    </a:lnT>
+                    <a:lnB w="12700" cmpd="sng">
+                      <a:solidFill>
+                        <a:schemeClr val="tx1"/>
+                      </a:solidFill>
+                      <a:prstDash val="solid"/>
+                    </a:lnB>
+                  </a:tcPr>
+                </a:tc>
+                <a:extLst>
+                  <a:ext uri="{0D108BD9-81ED-4DB2-BD59-A6C34878D82A}">
+                    <a16:rowId xmlns:a16="http://schemas.microsoft.com/office/drawing/2014/main" val="3988327024"/>
+                  </a:ext>
+                </a:extLst>
+              </a:tr>
+            </a:tbl>
+          </a:graphicData>
+        </a:graphic>
+      </p:graphicFrame>
+      <p:graphicFrame>
+        <p:nvGraphicFramePr>
+          <p:cNvPr id="8" name="Tabelle 7"/>
+          <p:cNvGraphicFramePr>
+            <a:graphicFrameLocks noGrp="1"/>
+          </p:cNvGraphicFramePr>
+          <p:nvPr>
+            <p:extLst>
+              <p:ext uri="{D42A27DB-BD31-4B8C-83A1-F6EECF244321}">
+                <p14:modId xmlns:p14="http://schemas.microsoft.com/office/powerpoint/2010/main" val="431277485"/>
+              </p:ext>
+            </p:extLst>
+          </p:nvPr>
+        </p:nvGraphicFramePr>
+        <p:xfrm>
+          <a:off x="647999" y="1252355"/>
+          <a:ext cx="7884000" cy="2894892"/>
+        </p:xfrm>
+        <a:graphic>
+          <a:graphicData uri="http://schemas.openxmlformats.org/drawingml/2006/table">
+            <a:tbl>
+              <a:tblPr firstRow="1" firstCol="1" bandCol="1">
+                <a:tableStyleId>{91EBBBCC-DAD2-459C-BE2E-F6DE35CF9A28}</a:tableStyleId>
+              </a:tblPr>
+              <a:tblGrid>
+                <a:gridCol w="1311431">
+                  <a:extLst>
+                    <a:ext uri="{9D8B030D-6E8A-4147-A177-3AD203B41FA5}">
+                      <a16:colId xmlns:a16="http://schemas.microsoft.com/office/drawing/2014/main" val="756561910"/>
+                    </a:ext>
+                  </a:extLst>
+                </a:gridCol>
+                <a:gridCol w="3063833">
+                  <a:extLst>
+                    <a:ext uri="{9D8B030D-6E8A-4147-A177-3AD203B41FA5}">
+                      <a16:colId xmlns:a16="http://schemas.microsoft.com/office/drawing/2014/main" val="3557741199"/>
+                    </a:ext>
+                  </a:extLst>
+                </a:gridCol>
+                <a:gridCol w="3508736">
+                  <a:extLst>
+                    <a:ext uri="{9D8B030D-6E8A-4147-A177-3AD203B41FA5}">
+                      <a16:colId xmlns:a16="http://schemas.microsoft.com/office/drawing/2014/main" val="1666945453"/>
+                    </a:ext>
+                  </a:extLst>
+                </a:gridCol>
+              </a:tblGrid>
+              <a:tr h="456964">
+                <a:tc>
+                  <a:txBody>
+                    <a:bodyPr/>
+                    <a:lstStyle/>
+                    <a:p>
+                      <a:r>
+                        <a:rPr lang="de-DE" dirty="0"/>
+                        <a:t>System</a:t>
+                      </a:r>
+                    </a:p>
+                  </a:txBody>
+                  <a:tcPr>
+                    <a:lnR w="12700" cap="flat" cmpd="sng" algn="ctr">
+                      <a:solidFill>
+                        <a:schemeClr val="tx1"/>
+                      </a:solidFill>
+                      <a:prstDash val="solid"/>
+                      <a:round/>
+                      <a:headEnd type="none" w="med" len="med"/>
+                      <a:tailEnd type="none" w="med" len="med"/>
+                    </a:lnR>
+                    <a:lnB w="12700" cap="flat" cmpd="sng" algn="ctr">
+                      <a:noFill/>
+                      <a:prstDash val="solid"/>
+                      <a:round/>
+                      <a:headEnd type="none" w="med" len="med"/>
+                      <a:tailEnd type="none" w="med" len="med"/>
+                    </a:lnB>
+                  </a:tcPr>
+                </a:tc>
+                <a:tc>
+                  <a:txBody>
+                    <a:bodyPr/>
+                    <a:lstStyle/>
+                    <a:p>
+                      <a:pPr algn="ctr"/>
+                      <a:r>
+                        <a:rPr lang="de-DE" dirty="0"/>
+                        <a:t>Vorteile</a:t>
+                      </a:r>
+                    </a:p>
+                  </a:txBody>
+                  <a:tcPr>
+                    <a:lnL w="12700" cap="flat" cmpd="sng" algn="ctr">
+                      <a:solidFill>
+                        <a:schemeClr val="tx1"/>
+                      </a:solidFill>
+                      <a:prstDash val="solid"/>
+                      <a:round/>
+                      <a:headEnd type="none" w="med" len="med"/>
+                      <a:tailEnd type="none" w="med" len="med"/>
+                    </a:lnL>
+                    <a:lnR w="12700" cap="flat" cmpd="sng" algn="ctr">
+                      <a:solidFill>
+                        <a:schemeClr val="tx1"/>
+                      </a:solidFill>
+                      <a:prstDash val="solid"/>
+                      <a:round/>
+                      <a:headEnd type="none" w="med" len="med"/>
+                      <a:tailEnd type="none" w="med" len="med"/>
+                    </a:lnR>
+                    <a:lnB w="12700" cap="flat" cmpd="sng" algn="ctr">
+                      <a:noFill/>
+                      <a:prstDash val="solid"/>
+                      <a:round/>
+                      <a:headEnd type="none" w="med" len="med"/>
+                      <a:tailEnd type="none" w="med" len="med"/>
+                    </a:lnB>
+                  </a:tcPr>
+                </a:tc>
+                <a:tc>
+                  <a:txBody>
+                    <a:bodyPr/>
+                    <a:lstStyle/>
+                    <a:p>
+                      <a:pPr algn="ctr"/>
+                      <a:r>
+                        <a:rPr lang="de-DE" dirty="0"/>
+                        <a:t>Nachteile</a:t>
+                      </a:r>
+                    </a:p>
+                  </a:txBody>
+                  <a:tcPr>
+                    <a:lnL w="12700" cap="flat" cmpd="sng" algn="ctr">
+                      <a:solidFill>
+                        <a:schemeClr val="tx1"/>
+                      </a:solidFill>
+                      <a:prstDash val="solid"/>
+                      <a:round/>
+                      <a:headEnd type="none" w="med" len="med"/>
+                      <a:tailEnd type="none" w="med" len="med"/>
+                    </a:lnL>
+                    <a:lnB w="12700" cap="flat" cmpd="sng" algn="ctr">
+                      <a:noFill/>
+                      <a:prstDash val="solid"/>
+                      <a:round/>
+                      <a:headEnd type="none" w="med" len="med"/>
+                      <a:tailEnd type="none" w="med" len="med"/>
+                    </a:lnB>
+                  </a:tcPr>
+                </a:tc>
+                <a:extLst>
+                  <a:ext uri="{0D108BD9-81ED-4DB2-BD59-A6C34878D82A}">
+                    <a16:rowId xmlns:a16="http://schemas.microsoft.com/office/drawing/2014/main" val="1014126515"/>
+                  </a:ext>
+                </a:extLst>
+              </a:tr>
+              <a:tr h="456964">
+                <a:tc rowSpan="3">
+                  <a:txBody>
+                    <a:bodyPr/>
+                    <a:lstStyle/>
+                    <a:p>
+                      <a:pPr algn="l"/>
+                      <a:r>
+                        <a:rPr lang="de-DE" sz="3000" dirty="0"/>
+                        <a:t>Open-HAB</a:t>
+                      </a:r>
+                    </a:p>
+                  </a:txBody>
+                  <a:tcPr anchor="ctr">
+                    <a:lnL w="12700" cap="flat" cmpd="sng" algn="ctr">
+                      <a:noFill/>
+                      <a:prstDash val="solid"/>
+                      <a:round/>
+                      <a:headEnd type="none" w="med" len="med"/>
+                      <a:tailEnd type="none" w="med" len="med"/>
+                    </a:lnL>
+                    <a:lnR w="12700" cap="flat" cmpd="sng" algn="ctr">
+                      <a:solidFill>
+                        <a:schemeClr val="tx1"/>
+                      </a:solidFill>
+                      <a:prstDash val="solid"/>
+                      <a:round/>
+                      <a:headEnd type="none" w="med" len="med"/>
+                      <a:tailEnd type="none" w="med" len="med"/>
+                    </a:lnR>
+                    <a:lnT w="12700" cap="flat" cmpd="sng" algn="ctr">
+                      <a:noFill/>
+                      <a:prstDash val="solid"/>
+                      <a:round/>
+                      <a:headEnd type="none" w="med" len="med"/>
+                      <a:tailEnd type="none" w="med" len="med"/>
+                    </a:lnT>
+                    <a:lnB w="12700" cap="flat" cmpd="sng" algn="ctr">
+                      <a:noFill/>
+                      <a:prstDash val="solid"/>
+                      <a:round/>
+                      <a:headEnd type="none" w="med" len="med"/>
+                      <a:tailEnd type="none" w="med" len="med"/>
+                    </a:lnB>
+                  </a:tcPr>
+                </a:tc>
+                <a:tc>
+                  <a:txBody>
+                    <a:bodyPr/>
+                    <a:lstStyle/>
+                    <a:p>
+                      <a:r>
+                        <a:rPr lang="de-DE" sz="2200" dirty="0"/>
+                        <a:t>Integrationsplattform</a:t>
+                      </a:r>
+                    </a:p>
+                  </a:txBody>
+                  <a:tcPr>
+                    <a:lnL w="12700" cap="flat" cmpd="sng" algn="ctr">
+                      <a:solidFill>
+                        <a:schemeClr val="tx1"/>
+                      </a:solidFill>
+                      <a:prstDash val="solid"/>
+                      <a:round/>
+                      <a:headEnd type="none" w="med" len="med"/>
+                      <a:tailEnd type="none" w="med" len="med"/>
+                    </a:lnL>
+                    <a:lnR w="12700" cap="flat" cmpd="sng" algn="ctr">
+                      <a:solidFill>
+                        <a:schemeClr val="tx1"/>
+                      </a:solidFill>
+                      <a:prstDash val="solid"/>
+                      <a:round/>
+                      <a:headEnd type="none" w="med" len="med"/>
+                      <a:tailEnd type="none" w="med" len="med"/>
+                    </a:lnR>
+                    <a:lnT w="12700" cap="flat" cmpd="sng" algn="ctr">
+                      <a:noFill/>
+                      <a:prstDash val="solid"/>
+                      <a:round/>
+                      <a:headEnd type="none" w="med" len="med"/>
+                      <a:tailEnd type="none" w="med" len="med"/>
+                    </a:lnT>
+                    <a:lnB w="12700" cap="flat" cmpd="sng" algn="ctr">
+                      <a:solidFill>
+                        <a:schemeClr val="tx1"/>
+                      </a:solidFill>
+                      <a:prstDash val="solid"/>
+                      <a:round/>
+                      <a:headEnd type="none" w="med" len="med"/>
+                      <a:tailEnd type="none" w="med" len="med"/>
+                    </a:lnB>
+                  </a:tcPr>
+                </a:tc>
+                <a:tc>
+                  <a:txBody>
+                    <a:bodyPr/>
+                    <a:lstStyle/>
+                    <a:p>
+                      <a:endParaRPr lang="de-DE" sz="2200" dirty="0"/>
+                    </a:p>
+                  </a:txBody>
+                  <a:tcPr>
+                    <a:lnL w="12700" cap="flat" cmpd="sng" algn="ctr">
+                      <a:solidFill>
+                        <a:schemeClr val="tx1"/>
+                      </a:solidFill>
+                      <a:prstDash val="solid"/>
+                      <a:round/>
+                      <a:headEnd type="none" w="med" len="med"/>
+                      <a:tailEnd type="none" w="med" len="med"/>
+                    </a:lnL>
+                    <a:lnR w="12700" cap="flat" cmpd="sng" algn="ctr">
+                      <a:noFill/>
+                      <a:prstDash val="solid"/>
+                      <a:round/>
+                      <a:headEnd type="none" w="med" len="med"/>
+                      <a:tailEnd type="none" w="med" len="med"/>
+                    </a:lnR>
+                    <a:lnT w="12700" cap="flat" cmpd="sng" algn="ctr">
+                      <a:noFill/>
+                      <a:prstDash val="solid"/>
+                      <a:round/>
+                      <a:headEnd type="none" w="med" len="med"/>
+                      <a:tailEnd type="none" w="med" len="med"/>
+                    </a:lnT>
+                    <a:lnB w="12700" cap="flat" cmpd="sng" algn="ctr">
+                      <a:solidFill>
+                        <a:schemeClr val="tx1"/>
+                      </a:solidFill>
+                      <a:prstDash val="solid"/>
+                      <a:round/>
+                      <a:headEnd type="none" w="med" len="med"/>
+                      <a:tailEnd type="none" w="med" len="med"/>
+                    </a:lnB>
+                  </a:tcPr>
+                </a:tc>
+                <a:extLst>
+                  <a:ext uri="{0D108BD9-81ED-4DB2-BD59-A6C34878D82A}">
+                    <a16:rowId xmlns:a16="http://schemas.microsoft.com/office/drawing/2014/main" val="1755269508"/>
+                  </a:ext>
+                </a:extLst>
+              </a:tr>
+              <a:tr h="456964">
+                <a:tc vMerge="1">
+                  <a:txBody>
+                    <a:bodyPr/>
+                    <a:lstStyle/>
+                    <a:p>
+                      <a:endParaRPr lang="de-DE" dirty="0"/>
+                    </a:p>
+                  </a:txBody>
+                  <a:tcPr>
+                    <a:lnL w="12700" cap="flat" cmpd="sng" algn="ctr">
+                      <a:noFill/>
+                      <a:prstDash val="solid"/>
+                      <a:round/>
+                      <a:headEnd type="none" w="med" len="med"/>
+                      <a:tailEnd type="none" w="med" len="med"/>
+                    </a:lnL>
+                    <a:lnR w="12700" cap="flat" cmpd="sng" algn="ctr">
+                      <a:solidFill>
+                        <a:schemeClr val="tx1"/>
+                      </a:solidFill>
+                      <a:prstDash val="solid"/>
+                      <a:round/>
+                      <a:headEnd type="none" w="med" len="med"/>
+                      <a:tailEnd type="none" w="med" len="med"/>
+                    </a:lnR>
+                    <a:lnT w="12700" cap="flat" cmpd="sng" algn="ctr">
+                      <a:solidFill>
+                        <a:schemeClr val="tx1"/>
+                      </a:solidFill>
+                      <a:prstDash val="solid"/>
+                      <a:round/>
+                      <a:headEnd type="none" w="med" len="med"/>
+                      <a:tailEnd type="none" w="med" len="med"/>
+                    </a:lnT>
+                    <a:lnB w="12700" cap="flat" cmpd="sng" algn="ctr">
+                      <a:solidFill>
+                        <a:schemeClr val="tx1"/>
+                      </a:solidFill>
+                      <a:prstDash val="solid"/>
+                      <a:round/>
+                      <a:headEnd type="none" w="med" len="med"/>
+                      <a:tailEnd type="none" w="med" len="med"/>
+                    </a:lnB>
+                  </a:tcPr>
+                </a:tc>
+                <a:tc>
+                  <a:txBody>
+                    <a:bodyPr/>
+                    <a:lstStyle/>
+                    <a:p>
+                      <a:r>
+                        <a:rPr lang="de-DE" sz="2200" dirty="0"/>
+                        <a:t>Herstellerneutral</a:t>
+                      </a:r>
+                    </a:p>
+                  </a:txBody>
+                  <a:tcPr>
+                    <a:lnL w="12700" cap="flat" cmpd="sng" algn="ctr">
+                      <a:solidFill>
+                        <a:schemeClr val="tx1"/>
+                      </a:solidFill>
+                      <a:prstDash val="solid"/>
+                      <a:round/>
+                      <a:headEnd type="none" w="med" len="med"/>
+                      <a:tailEnd type="none" w="med" len="med"/>
+                    </a:lnL>
+                    <a:lnR w="12700" cap="flat" cmpd="sng" algn="ctr">
+                      <a:solidFill>
+                        <a:schemeClr val="tx1"/>
+                      </a:solidFill>
+                      <a:prstDash val="solid"/>
+                      <a:round/>
+                      <a:headEnd type="none" w="med" len="med"/>
+                      <a:tailEnd type="none" w="med" len="med"/>
+                    </a:lnR>
+                    <a:lnT w="12700" cap="flat" cmpd="sng" algn="ctr">
+                      <a:solidFill>
+                        <a:schemeClr val="tx1"/>
+                      </a:solidFill>
+                      <a:prstDash val="solid"/>
+                      <a:round/>
+                      <a:headEnd type="none" w="med" len="med"/>
+                      <a:tailEnd type="none" w="med" len="med"/>
+                    </a:lnT>
+                    <a:lnB w="12700" cap="flat" cmpd="sng" algn="ctr">
+                      <a:solidFill>
+                        <a:schemeClr val="tx1"/>
+                      </a:solidFill>
+                      <a:prstDash val="solid"/>
+                      <a:round/>
+                      <a:headEnd type="none" w="med" len="med"/>
+                      <a:tailEnd type="none" w="med" len="med"/>
+                    </a:lnB>
+                  </a:tcPr>
+                </a:tc>
+                <a:tc>
+                  <a:txBody>
+                    <a:bodyPr/>
+                    <a:lstStyle/>
+                    <a:p>
+                      <a:endParaRPr lang="de-DE" sz="2200" dirty="0"/>
+                    </a:p>
+                  </a:txBody>
+                  <a:tcPr>
+                    <a:lnL w="12700" cap="flat" cmpd="sng" algn="ctr">
+                      <a:solidFill>
+                        <a:schemeClr val="tx1"/>
+                      </a:solidFill>
+                      <a:prstDash val="solid"/>
+                      <a:round/>
+                      <a:headEnd type="none" w="med" len="med"/>
+                      <a:tailEnd type="none" w="med" len="med"/>
+                    </a:lnL>
+                    <a:lnR w="12700" cap="flat" cmpd="sng" algn="ctr">
+                      <a:noFill/>
+                      <a:prstDash val="solid"/>
+                      <a:round/>
+                      <a:headEnd type="none" w="med" len="med"/>
+                      <a:tailEnd type="none" w="med" len="med"/>
+                    </a:lnR>
+                    <a:lnT w="12700" cap="flat" cmpd="sng" algn="ctr">
+                      <a:solidFill>
+                        <a:schemeClr val="tx1"/>
+                      </a:solidFill>
+                      <a:prstDash val="solid"/>
+                      <a:round/>
+                      <a:headEnd type="none" w="med" len="med"/>
+                      <a:tailEnd type="none" w="med" len="med"/>
+                    </a:lnT>
+                    <a:lnB w="12700" cap="flat" cmpd="sng" algn="ctr">
+                      <a:solidFill>
+                        <a:schemeClr val="tx1"/>
+                      </a:solidFill>
+                      <a:prstDash val="solid"/>
+                      <a:round/>
+                      <a:headEnd type="none" w="med" len="med"/>
+                      <a:tailEnd type="none" w="med" len="med"/>
+                    </a:lnB>
+                  </a:tcPr>
+                </a:tc>
+                <a:extLst>
+                  <a:ext uri="{0D108BD9-81ED-4DB2-BD59-A6C34878D82A}">
+                    <a16:rowId xmlns:a16="http://schemas.microsoft.com/office/drawing/2014/main" val="715863808"/>
+                  </a:ext>
+                </a:extLst>
+              </a:tr>
+              <a:tr h="456964">
+                <a:tc vMerge="1">
+                  <a:txBody>
+                    <a:bodyPr/>
+                    <a:lstStyle/>
+                    <a:p>
+                      <a:endParaRPr lang="de-DE" dirty="0"/>
+                    </a:p>
+                  </a:txBody>
+                  <a:tcPr>
+                    <a:lnL w="12700" cap="flat" cmpd="sng" algn="ctr">
+                      <a:noFill/>
+                      <a:prstDash val="solid"/>
+                      <a:round/>
+                      <a:headEnd type="none" w="med" len="med"/>
+                      <a:tailEnd type="none" w="med" len="med"/>
+                    </a:lnL>
+                    <a:lnR w="12700" cap="flat" cmpd="sng" algn="ctr">
+                      <a:solidFill>
+                        <a:schemeClr val="tx1"/>
+                      </a:solidFill>
+                      <a:prstDash val="solid"/>
+                      <a:round/>
+                      <a:headEnd type="none" w="med" len="med"/>
+                      <a:tailEnd type="none" w="med" len="med"/>
+                    </a:lnR>
+                    <a:lnT w="12700" cap="flat" cmpd="sng" algn="ctr">
+                      <a:solidFill>
+                        <a:schemeClr val="tx1"/>
+                      </a:solidFill>
+                      <a:prstDash val="solid"/>
+                      <a:round/>
+                      <a:headEnd type="none" w="med" len="med"/>
+                      <a:tailEnd type="none" w="med" len="med"/>
+                    </a:lnT>
+                    <a:lnB w="12700" cap="flat" cmpd="sng" algn="ctr">
+                      <a:solidFill>
+                        <a:schemeClr val="tx1"/>
+                      </a:solidFill>
+                      <a:prstDash val="solid"/>
+                      <a:round/>
+                      <a:headEnd type="none" w="med" len="med"/>
+                      <a:tailEnd type="none" w="med" len="med"/>
+                    </a:lnB>
+                  </a:tcPr>
+                </a:tc>
+                <a:tc>
+                  <a:txBody>
+                    <a:bodyPr/>
+                    <a:lstStyle/>
+                    <a:p>
+                      <a:r>
+                        <a:rPr lang="de-DE" sz="2200" dirty="0"/>
+                        <a:t>Hardware-/ protokollunabhängig</a:t>
+                      </a:r>
+                    </a:p>
+                  </a:txBody>
+                  <a:tcPr>
+                    <a:lnL w="12700" cap="flat" cmpd="sng" algn="ctr">
+                      <a:solidFill>
+                        <a:schemeClr val="tx1"/>
+                      </a:solidFill>
+                      <a:prstDash val="solid"/>
+                      <a:round/>
+                      <a:headEnd type="none" w="med" len="med"/>
+                      <a:tailEnd type="none" w="med" len="med"/>
+                    </a:lnL>
+                    <a:lnR w="12700" cap="flat" cmpd="sng" algn="ctr">
+                      <a:solidFill>
+                        <a:schemeClr val="tx1"/>
+                      </a:solidFill>
+                      <a:prstDash val="solid"/>
+                      <a:round/>
+                      <a:headEnd type="none" w="med" len="med"/>
+                      <a:tailEnd type="none" w="med" len="med"/>
+                    </a:lnR>
+                    <a:lnT w="12700" cap="flat" cmpd="sng" algn="ctr">
+                      <a:solidFill>
+                        <a:schemeClr val="tx1"/>
+                      </a:solidFill>
+                      <a:prstDash val="solid"/>
+                      <a:round/>
+                      <a:headEnd type="none" w="med" len="med"/>
+                      <a:tailEnd type="none" w="med" len="med"/>
+                    </a:lnT>
+                    <a:lnB w="12700" cap="flat" cmpd="sng" algn="ctr">
+                      <a:solidFill>
+                        <a:schemeClr val="tx1"/>
+                      </a:solidFill>
+                      <a:prstDash val="solid"/>
+                      <a:round/>
+                      <a:headEnd type="none" w="med" len="med"/>
+                      <a:tailEnd type="none" w="med" len="med"/>
+                    </a:lnB>
+                  </a:tcPr>
+                </a:tc>
+                <a:tc>
+                  <a:txBody>
+                    <a:bodyPr/>
+                    <a:lstStyle/>
+                    <a:p>
+                      <a:endParaRPr lang="de-DE" sz="2200" dirty="0"/>
+                    </a:p>
+                    <a:p>
+                      <a:endParaRPr lang="de-DE" sz="2200" dirty="0"/>
+                    </a:p>
+                  </a:txBody>
+                  <a:tcPr>
+                    <a:lnL w="12700" cap="flat" cmpd="sng" algn="ctr">
+                      <a:solidFill>
+                        <a:schemeClr val="tx1"/>
+                      </a:solidFill>
+                      <a:prstDash val="solid"/>
+                      <a:round/>
+                      <a:headEnd type="none" w="med" len="med"/>
+                      <a:tailEnd type="none" w="med" len="med"/>
+                    </a:lnL>
+                    <a:lnR w="12700" cap="flat" cmpd="sng" algn="ctr">
+                      <a:noFill/>
+                      <a:prstDash val="solid"/>
+                      <a:round/>
+                      <a:headEnd type="none" w="med" len="med"/>
+                      <a:tailEnd type="none" w="med" len="med"/>
+                    </a:lnR>
+                    <a:lnT w="12700" cap="flat" cmpd="sng" algn="ctr">
+                      <a:solidFill>
+                        <a:schemeClr val="tx1"/>
+                      </a:solidFill>
+                      <a:prstDash val="solid"/>
+                      <a:round/>
+                      <a:headEnd type="none" w="med" len="med"/>
+                      <a:tailEnd type="none" w="med" len="med"/>
+                    </a:lnT>
+                    <a:lnB w="12700" cap="flat" cmpd="sng" algn="ctr">
+                      <a:solidFill>
+                        <a:schemeClr val="tx1"/>
+                      </a:solidFill>
+                      <a:prstDash val="solid"/>
+                      <a:round/>
+                      <a:headEnd type="none" w="med" len="med"/>
+                      <a:tailEnd type="none" w="med" len="med"/>
+                    </a:lnB>
+                  </a:tcPr>
+                </a:tc>
+                <a:extLst>
+                  <a:ext uri="{0D108BD9-81ED-4DB2-BD59-A6C34878D82A}">
+                    <a16:rowId xmlns:a16="http://schemas.microsoft.com/office/drawing/2014/main" val="550586099"/>
+                  </a:ext>
+                </a:extLst>
+              </a:tr>
+              <a:tr h="456964">
+                <a:tc>
+                  <a:txBody>
+                    <a:bodyPr/>
+                    <a:lstStyle/>
+                    <a:p>
+                      <a:pPr algn="l"/>
+                      <a:endParaRPr lang="de-DE" sz="3000" dirty="0"/>
+                    </a:p>
+                  </a:txBody>
+                  <a:tcPr anchor="ctr">
+                    <a:lnL w="12700" cap="flat" cmpd="sng" algn="ctr">
+                      <a:noFill/>
+                      <a:prstDash val="solid"/>
+                      <a:round/>
+                      <a:headEnd type="none" w="med" len="med"/>
+                      <a:tailEnd type="none" w="med" len="med"/>
+                    </a:lnL>
+                    <a:lnR w="12700" cap="flat" cmpd="sng" algn="ctr">
+                      <a:solidFill>
+                        <a:schemeClr val="tx1"/>
+                      </a:solidFill>
+                      <a:prstDash val="solid"/>
+                      <a:round/>
+                      <a:headEnd type="none" w="med" len="med"/>
+                      <a:tailEnd type="none" w="med" len="med"/>
+                    </a:lnR>
+                    <a:lnT w="12700" cap="flat" cmpd="sng" algn="ctr">
+                      <a:noFill/>
+                      <a:prstDash val="solid"/>
+                      <a:round/>
+                      <a:headEnd type="none" w="med" len="med"/>
+                      <a:tailEnd type="none" w="med" len="med"/>
+                    </a:lnT>
+                    <a:lnB w="12700" cap="flat" cmpd="sng" algn="ctr">
+                      <a:solidFill>
+                        <a:schemeClr val="tx1"/>
+                      </a:solidFill>
+                      <a:prstDash val="solid"/>
+                      <a:round/>
+                      <a:headEnd type="none" w="med" len="med"/>
+                      <a:tailEnd type="none" w="med" len="med"/>
+                    </a:lnB>
+                  </a:tcPr>
+                </a:tc>
+                <a:tc>
+                  <a:txBody>
+                    <a:bodyPr/>
+                    <a:lstStyle/>
+                    <a:p>
+                      <a:r>
+                        <a:rPr lang="de-DE" sz="2200" dirty="0"/>
+                        <a:t>Kein </a:t>
+                      </a:r>
+                      <a:r>
+                        <a:rPr lang="de-DE" sz="2200"/>
+                        <a:t>Internetverbindung notwendig </a:t>
+                      </a:r>
+                      <a:endParaRPr lang="de-DE" sz="2200" dirty="0"/>
+                    </a:p>
+                  </a:txBody>
+                  <a:tcPr>
+                    <a:lnL w="12700" cap="flat" cmpd="sng" algn="ctr">
+                      <a:solidFill>
+                        <a:schemeClr val="tx1"/>
+                      </a:solidFill>
+                      <a:prstDash val="solid"/>
+                      <a:round/>
+                      <a:headEnd type="none" w="med" len="med"/>
+                      <a:tailEnd type="none" w="med" len="med"/>
+                    </a:lnL>
+                    <a:lnR w="12700" cap="flat" cmpd="sng" algn="ctr">
+                      <a:solidFill>
+                        <a:schemeClr val="tx1"/>
+                      </a:solidFill>
+                      <a:prstDash val="solid"/>
+                      <a:round/>
+                      <a:headEnd type="none" w="med" len="med"/>
+                      <a:tailEnd type="none" w="med" len="med"/>
+                    </a:lnR>
+                    <a:lnT w="12700" cap="flat" cmpd="sng" algn="ctr">
+                      <a:solidFill>
+                        <a:schemeClr val="tx1"/>
+                      </a:solidFill>
+                      <a:prstDash val="solid"/>
+                      <a:round/>
+                      <a:headEnd type="none" w="med" len="med"/>
+                      <a:tailEnd type="none" w="med" len="med"/>
+                    </a:lnT>
+                    <a:lnB w="12700" cap="flat" cmpd="sng" algn="ctr">
+                      <a:solidFill>
+                        <a:schemeClr val="tx1"/>
+                      </a:solidFill>
+                      <a:prstDash val="solid"/>
+                      <a:round/>
+                      <a:headEnd type="none" w="med" len="med"/>
+                      <a:tailEnd type="none" w="med" len="med"/>
+                    </a:lnB>
+                  </a:tcPr>
+                </a:tc>
+                <a:tc>
+                  <a:txBody>
+                    <a:bodyPr/>
+                    <a:lstStyle/>
+                    <a:p>
+                      <a:endParaRPr lang="de-DE" sz="2200" dirty="0"/>
+                    </a:p>
+                  </a:txBody>
+                  <a:tcPr>
+                    <a:lnL w="12700" cap="flat" cmpd="sng" algn="ctr">
+                      <a:solidFill>
+                        <a:schemeClr val="tx1"/>
+                      </a:solidFill>
+                      <a:prstDash val="solid"/>
+                      <a:round/>
+                      <a:headEnd type="none" w="med" len="med"/>
+                      <a:tailEnd type="none" w="med" len="med"/>
+                    </a:lnL>
+                    <a:lnR w="12700" cap="flat" cmpd="sng" algn="ctr">
+                      <a:noFill/>
+                      <a:prstDash val="solid"/>
+                      <a:round/>
+                      <a:headEnd type="none" w="med" len="med"/>
+                      <a:tailEnd type="none" w="med" len="med"/>
+                    </a:lnR>
+                    <a:lnT w="12700" cap="flat" cmpd="sng" algn="ctr">
+                      <a:solidFill>
+                        <a:schemeClr val="tx1"/>
+                      </a:solidFill>
+                      <a:prstDash val="solid"/>
+                      <a:round/>
+                      <a:headEnd type="none" w="med" len="med"/>
+                      <a:tailEnd type="none" w="med" len="med"/>
+                    </a:lnT>
+                    <a:lnB w="12700" cap="flat" cmpd="sng" algn="ctr">
+                      <a:solidFill>
+                        <a:schemeClr val="tx1"/>
+                      </a:solidFill>
+                      <a:prstDash val="solid"/>
+                      <a:round/>
+                      <a:headEnd type="none" w="med" len="med"/>
+                      <a:tailEnd type="none" w="med" len="med"/>
+                    </a:lnB>
+                  </a:tcPr>
+                </a:tc>
+                <a:extLst>
+                  <a:ext uri="{0D108BD9-81ED-4DB2-BD59-A6C34878D82A}">
+                    <a16:rowId xmlns:a16="http://schemas.microsoft.com/office/drawing/2014/main" val="2118290755"/>
+                  </a:ext>
+                </a:extLst>
+              </a:tr>
+            </a:tbl>
+          </a:graphicData>
+        </a:graphic>
+      </p:graphicFrame>
+      <p:sp>
+        <p:nvSpPr>
+          <p:cNvPr id="10" name="Textfeld 9"/>
+          <p:cNvSpPr txBox="1"/>
+          <p:nvPr/>
+        </p:nvSpPr>
+        <p:spPr>
+          <a:xfrm>
+            <a:off x="1603734" y="116300"/>
+            <a:ext cx="5136727" cy="553998"/>
+          </a:xfrm>
+          <a:prstGeom prst="rect">
+            <a:avLst/>
+          </a:prstGeom>
+          <a:noFill/>
+        </p:spPr>
+        <p:txBody>
+          <a:bodyPr wrap="none" rtlCol="0">
+            <a:spAutoFit/>
+          </a:bodyPr>
+          <a:lstStyle/>
+          <a:p>
+            <a:r>
+              <a:rPr lang="de-DE" sz="3000" dirty="0"/>
+              <a:t>Gegenüberstellung der Systeme</a:t>
+            </a:r>
+          </a:p>
+        </p:txBody>
+      </p:sp>
+    </p:spTree>
+    <p:extLst>
+      <p:ext uri="{BB962C8B-B14F-4D97-AF65-F5344CB8AC3E}">
+        <p14:creationId xmlns:p14="http://schemas.microsoft.com/office/powerpoint/2010/main" val="648800438"/>
+      </p:ext>
+    </p:extLst>
+  </p:cSld>
+  <p:clrMapOvr>
+    <a:masterClrMapping/>
+  </p:clrMapOvr>
+</p:sld>
+</file>
+
+<file path=ppt/slides/slide21.xml><?xml version="1.0" encoding="utf-8"?>
+<p:sld xmlns:a="http://schemas.openxmlformats.org/drawingml/2006/main" xmlns:r="http://schemas.openxmlformats.org/officeDocument/2006/relationships" xmlns:p="http://schemas.openxmlformats.org/presentationml/2006/main" show="0">
+  <p:cSld>
+    <p:spTree>
+      <p:nvGrpSpPr>
+        <p:cNvPr id="1" name=""/>
+        <p:cNvGrpSpPr/>
+        <p:nvPr/>
+      </p:nvGrpSpPr>
+      <p:grpSpPr>
+        <a:xfrm>
+          <a:off x="0" y="0"/>
+          <a:ext cx="0" cy="0"/>
+          <a:chOff x="0" y="0"/>
+          <a:chExt cx="0" cy="0"/>
+        </a:xfrm>
+      </p:grpSpPr>
+      <p:sp>
+        <p:nvSpPr>
+          <p:cNvPr id="2" name="Datumsplatzhalter 1">
+            <a:extLst>
+              <a:ext uri="{FF2B5EF4-FFF2-40B4-BE49-F238E27FC236}">
+                <a16:creationId xmlns:a16="http://schemas.microsoft.com/office/drawing/2014/main" id="{7F435B85-7021-4E64-87C1-65D280E467BF}"/>
+              </a:ext>
+            </a:extLst>
+          </p:cNvPr>
+          <p:cNvSpPr>
+            <a:spLocks noGrp="1"/>
+          </p:cNvSpPr>
+          <p:nvPr>
+            <p:ph type="dt" sz="half" idx="10"/>
+          </p:nvPr>
+        </p:nvSpPr>
+        <p:spPr/>
+        <p:txBody>
+          <a:bodyPr/>
+          <a:lstStyle/>
+          <a:p>
+            <a:fld id="{A4ECBFB4-2031-A542-A2EF-20BD4D9E5256}" type="datetime1">
+              <a:rPr lang="de-DE" smtClean="0"/>
+              <a:pPr/>
+              <a:t>07.06.2017</a:t>
+            </a:fld>
+            <a:r>
+              <a:rPr lang="de-DE"/>
+              <a:t>	     Nadine Schwenke, Anna Blankenstein, Fabian Nawrath, Maximilian Bröer       Praxismodul 2	</a:t>
+            </a:r>
+            <a:endParaRPr lang="de-DE" dirty="0"/>
+          </a:p>
+        </p:txBody>
+      </p:sp>
+      <p:sp>
+        <p:nvSpPr>
+          <p:cNvPr id="3" name="Foliennummernplatzhalter 2">
+            <a:extLst>
+              <a:ext uri="{FF2B5EF4-FFF2-40B4-BE49-F238E27FC236}">
+                <a16:creationId xmlns:a16="http://schemas.microsoft.com/office/drawing/2014/main" id="{1BD22903-C388-445C-AE6A-94253CC3E71D}"/>
+              </a:ext>
+            </a:extLst>
+          </p:cNvPr>
+          <p:cNvSpPr>
+            <a:spLocks noGrp="1"/>
+          </p:cNvSpPr>
+          <p:nvPr>
+            <p:ph type="sldNum" sz="quarter" idx="12"/>
+          </p:nvPr>
+        </p:nvSpPr>
+        <p:spPr/>
+        <p:txBody>
+          <a:bodyPr/>
+          <a:lstStyle/>
+          <a:p>
+            <a:fld id="{E7BE1CCD-89A0-CC45-BF3E-2A331A7F0490}" type="slidenum">
+              <a:rPr lang="de-DE" smtClean="0"/>
+              <a:t>21</a:t>
+            </a:fld>
+            <a:endParaRPr lang="de-DE" dirty="0"/>
+          </a:p>
+        </p:txBody>
+      </p:sp>
+      <p:sp>
+        <p:nvSpPr>
+          <p:cNvPr id="4" name="Textfeld 3">
+            <a:extLst>
+              <a:ext uri="{FF2B5EF4-FFF2-40B4-BE49-F238E27FC236}">
+                <a16:creationId xmlns:a16="http://schemas.microsoft.com/office/drawing/2014/main" id="{55D9C205-5A96-4638-BCD5-8E7228FE13BB}"/>
+              </a:ext>
+            </a:extLst>
+          </p:cNvPr>
+          <p:cNvSpPr txBox="1"/>
+          <p:nvPr/>
+        </p:nvSpPr>
+        <p:spPr>
+          <a:xfrm>
+            <a:off x="3397398" y="203200"/>
+            <a:ext cx="1549400" cy="553998"/>
+          </a:xfrm>
+          <a:prstGeom prst="rect">
+            <a:avLst/>
+          </a:prstGeom>
+          <a:noFill/>
+        </p:spPr>
+        <p:txBody>
+          <a:bodyPr wrap="square" rtlCol="0">
+            <a:spAutoFit/>
+          </a:bodyPr>
+          <a:lstStyle/>
+          <a:p>
+            <a:r>
+              <a:rPr lang="de-DE" sz="3000" dirty="0"/>
+              <a:t>Quellen</a:t>
+            </a:r>
+          </a:p>
+        </p:txBody>
+      </p:sp>
+      <p:sp>
+        <p:nvSpPr>
+          <p:cNvPr id="5" name="Textfeld 4">
+            <a:extLst>
+              <a:ext uri="{FF2B5EF4-FFF2-40B4-BE49-F238E27FC236}">
+                <a16:creationId xmlns:a16="http://schemas.microsoft.com/office/drawing/2014/main" id="{15F8B42D-6A30-4914-83EE-749DA3E6C8EC}"/>
+              </a:ext>
+            </a:extLst>
+          </p:cNvPr>
+          <p:cNvSpPr txBox="1"/>
+          <p:nvPr/>
+        </p:nvSpPr>
+        <p:spPr>
+          <a:xfrm>
+            <a:off x="558800" y="948267"/>
+            <a:ext cx="8144933" cy="1869743"/>
+          </a:xfrm>
+          <a:prstGeom prst="rect">
+            <a:avLst/>
+          </a:prstGeom>
+          <a:noFill/>
+        </p:spPr>
+        <p:txBody>
+          <a:bodyPr wrap="square" rtlCol="0">
+            <a:spAutoFit/>
+          </a:bodyPr>
+          <a:lstStyle/>
+          <a:p>
+            <a:pPr marL="285750" indent="-285750">
+              <a:buFont typeface="Arial" panose="020B0604020202020204" pitchFamily="34" charset="0"/>
+              <a:buChar char="•"/>
+            </a:pPr>
+            <a:r>
+              <a:rPr lang="de-DE" sz="1050" b="1" dirty="0"/>
+              <a:t>Abb.1:</a:t>
+            </a:r>
+            <a:r>
+              <a:rPr lang="de-DE" sz="1050" dirty="0"/>
+              <a:t> </a:t>
+            </a:r>
+            <a:r>
+              <a:rPr lang="de-DE" sz="1050" dirty="0">
+                <a:hlinkClick r:id="rId2"/>
+              </a:rPr>
+              <a:t>http://www.myhomematic.de/product_info.php?products_id=210</a:t>
+            </a:r>
+            <a:endParaRPr lang="de-DE" sz="1050" dirty="0"/>
+          </a:p>
+          <a:p>
+            <a:pPr marL="285750" indent="-285750">
+              <a:buFont typeface="Arial" panose="020B0604020202020204" pitchFamily="34" charset="0"/>
+              <a:buChar char="•"/>
+            </a:pPr>
+            <a:r>
+              <a:rPr lang="de-DE" sz="1050" b="1" dirty="0"/>
+              <a:t>Abb.2: </a:t>
+            </a:r>
+            <a:r>
+              <a:rPr lang="de-DE" sz="1050" dirty="0">
+                <a:hlinkClick r:id="rId3"/>
+              </a:rPr>
+              <a:t>http://www.myhomematic.de/product_info.php?products_id=565</a:t>
+            </a:r>
+            <a:endParaRPr lang="de-DE" sz="1050" dirty="0"/>
+          </a:p>
+          <a:p>
+            <a:pPr marL="285750" indent="-285750">
+              <a:buFont typeface="Arial" panose="020B0604020202020204" pitchFamily="34" charset="0"/>
+              <a:buChar char="•"/>
+            </a:pPr>
+            <a:r>
+              <a:rPr lang="de-DE" sz="1050" b="1" dirty="0"/>
+              <a:t>Abb.3: </a:t>
+            </a:r>
+            <a:r>
+              <a:rPr lang="de-DE" sz="1050" dirty="0">
+                <a:hlinkClick r:id="rId4"/>
+              </a:rPr>
+              <a:t>http://www.myhomematic.de/product_info.php?products_id=582</a:t>
+            </a:r>
+            <a:endParaRPr lang="de-DE" sz="1050" dirty="0"/>
+          </a:p>
+          <a:p>
+            <a:pPr marL="285750" indent="-285750">
+              <a:buFont typeface="Arial" panose="020B0604020202020204" pitchFamily="34" charset="0"/>
+              <a:buChar char="•"/>
+            </a:pPr>
+            <a:r>
+              <a:rPr lang="de-DE" sz="1050" b="1" dirty="0"/>
+              <a:t>Abb.4:</a:t>
+            </a:r>
+            <a:r>
+              <a:rPr lang="de-DE" sz="1050" dirty="0"/>
+              <a:t> </a:t>
+            </a:r>
+            <a:r>
+              <a:rPr lang="de-DE" sz="1050" dirty="0">
+                <a:hlinkClick r:id="rId5"/>
+              </a:rPr>
+              <a:t>http://www.myhomematic.de/product_info.php?products_id=214</a:t>
+            </a:r>
+            <a:endParaRPr lang="de-DE" sz="1050" dirty="0"/>
+          </a:p>
+          <a:p>
+            <a:pPr marL="285750" indent="-285750">
+              <a:buFont typeface="Arial" panose="020B0604020202020204" pitchFamily="34" charset="0"/>
+              <a:buChar char="•"/>
+            </a:pPr>
+            <a:r>
+              <a:rPr lang="de-DE" sz="1050" b="1" dirty="0"/>
+              <a:t>Abb.5: </a:t>
+            </a:r>
+            <a:r>
+              <a:rPr lang="de-DE" sz="1050" dirty="0">
+                <a:hlinkClick r:id="rId6"/>
+              </a:rPr>
+              <a:t>http://www.myhomematic.de/product_info.php?products_id=569</a:t>
+            </a:r>
+            <a:endParaRPr lang="de-DE" sz="1050" dirty="0"/>
+          </a:p>
+          <a:p>
+            <a:pPr marL="285750" indent="-285750">
+              <a:buFont typeface="Arial" panose="020B0604020202020204" pitchFamily="34" charset="0"/>
+              <a:buChar char="•"/>
+            </a:pPr>
+            <a:r>
+              <a:rPr lang="de-DE" sz="1050" b="1" dirty="0"/>
+              <a:t>Abb.6: </a:t>
+            </a:r>
+            <a:r>
+              <a:rPr lang="de-DE" sz="1050" dirty="0">
+                <a:hlinkClick r:id="rId7"/>
+              </a:rPr>
+              <a:t>http://www.myhomematic.de/product_info.php?products_id=427</a:t>
+            </a:r>
+            <a:endParaRPr lang="de-DE" sz="1050" dirty="0"/>
+          </a:p>
+          <a:p>
+            <a:pPr marL="285750" indent="-285750">
+              <a:buFont typeface="Arial" panose="020B0604020202020204" pitchFamily="34" charset="0"/>
+              <a:buChar char="•"/>
+            </a:pPr>
+            <a:r>
+              <a:rPr lang="de-DE" sz="1050" b="1" dirty="0"/>
+              <a:t>Abb.7:</a:t>
+            </a:r>
+            <a:r>
+              <a:rPr lang="de-DE" sz="1050" dirty="0"/>
+              <a:t> </a:t>
+            </a:r>
+            <a:r>
+              <a:rPr lang="de-DE" sz="1050" dirty="0">
+                <a:hlinkClick r:id="rId8"/>
+              </a:rPr>
+              <a:t>http://www.myhomematic.de/product_info.php?products_id=191</a:t>
+            </a:r>
+            <a:endParaRPr lang="de-DE" sz="1050" dirty="0"/>
+          </a:p>
+          <a:p>
+            <a:pPr marL="285750" indent="-285750">
+              <a:buFont typeface="Arial" panose="020B0604020202020204" pitchFamily="34" charset="0"/>
+              <a:buChar char="•"/>
+            </a:pPr>
+            <a:endParaRPr lang="de-DE" sz="1050" dirty="0"/>
+          </a:p>
+          <a:p>
+            <a:pPr marL="285750" indent="-285750">
+              <a:buFont typeface="Arial" panose="020B0604020202020204" pitchFamily="34" charset="0"/>
+              <a:buChar char="•"/>
+            </a:pPr>
+            <a:endParaRPr lang="de-DE" sz="1050" dirty="0"/>
+          </a:p>
+          <a:p>
+            <a:pPr marL="285750" indent="-285750">
+              <a:buFont typeface="Arial" panose="020B0604020202020204" pitchFamily="34" charset="0"/>
+              <a:buChar char="•"/>
+            </a:pPr>
+            <a:endParaRPr lang="de-DE" sz="1050" b="1" dirty="0"/>
+          </a:p>
+          <a:p>
+            <a:pPr marL="285750" indent="-285750">
+              <a:buFont typeface="Arial" panose="020B0604020202020204" pitchFamily="34" charset="0"/>
+              <a:buChar char="•"/>
+            </a:pPr>
+            <a:endParaRPr lang="de-DE" sz="1050" b="1" dirty="0"/>
+          </a:p>
+        </p:txBody>
+      </p:sp>
+    </p:spTree>
+    <p:extLst>
+      <p:ext uri="{BB962C8B-B14F-4D97-AF65-F5344CB8AC3E}">
+        <p14:creationId xmlns:p14="http://schemas.microsoft.com/office/powerpoint/2010/main" val="3916756851"/>
+      </p:ext>
+    </p:extLst>
+  </p:cSld>
+  <p:clrMapOvr>
+    <a:masterClrMapping/>
+  </p:clrMapOvr>
+</p:sld>
+</file>
+
 <file path=ppt/slides/slide3.xml><?xml version="1.0" encoding="utf-8"?>
 <p:sld xmlns:a="http://schemas.openxmlformats.org/drawingml/2006/main" xmlns:r="http://schemas.openxmlformats.org/officeDocument/2006/relationships" xmlns:p="http://schemas.openxmlformats.org/presentationml/2006/main">
   <p:cSld>
@@ -6465,7 +9410,7 @@
           <a:p>
             <a:fld id="{20484179-97E7-4643-B5B7-BA9089E040D3}" type="datetime1">
               <a:rPr lang="de-DE" smtClean="0"/>
-              <a:t>06.06.2017</a:t>
+              <a:t>07.06.2017</a:t>
             </a:fld>
             <a:r>
               <a:rPr lang="de-DE" dirty="0"/>
@@ -7265,7 +10210,7 @@
             <a:fld id="{A4ECBFB4-2031-A542-A2EF-20BD4D9E5256}" type="datetime1">
               <a:rPr lang="de-DE" smtClean="0"/>
               <a:pPr/>
-              <a:t>06.06.2017</a:t>
+              <a:t>07.06.2017</a:t>
             </a:fld>
             <a:r>
               <a:rPr lang="de-DE"/>
@@ -7954,7 +10899,7 @@
             <a:fld id="{A4ECBFB4-2031-A542-A2EF-20BD4D9E5256}" type="datetime1">
               <a:rPr lang="de-DE" smtClean="0"/>
               <a:pPr/>
-              <a:t>06.06.2017</a:t>
+              <a:t>07.06.2017</a:t>
             </a:fld>
             <a:r>
               <a:rPr lang="de-DE"/>
@@ -8334,7 +11279,7 @@
             <a:fld id="{A4ECBFB4-2031-A542-A2EF-20BD4D9E5256}" type="datetime1">
               <a:rPr lang="de-DE" smtClean="0"/>
               <a:pPr/>
-              <a:t>06.06.2017</a:t>
+              <a:t>07.06.2017</a:t>
             </a:fld>
             <a:r>
               <a:rPr lang="de-DE"/>
@@ -8950,7 +11895,7 @@
             <a:fld id="{A4ECBFB4-2031-A542-A2EF-20BD4D9E5256}" type="datetime1">
               <a:rPr lang="de-DE" smtClean="0"/>
               <a:pPr/>
-              <a:t>06.06.2017</a:t>
+              <a:t>07.06.2017</a:t>
             </a:fld>
             <a:r>
               <a:rPr lang="de-DE"/>
@@ -9638,7 +12583,7 @@
             <a:fld id="{A4ECBFB4-2031-A542-A2EF-20BD4D9E5256}" type="datetime1">
               <a:rPr lang="de-DE" smtClean="0"/>
               <a:pPr/>
-              <a:t>06.06.2017</a:t>
+              <a:t>07.06.2017</a:t>
             </a:fld>
             <a:r>
               <a:rPr lang="de-DE"/>
@@ -10353,7 +13298,7 @@
             <a:fld id="{A4ECBFB4-2031-A542-A2EF-20BD4D9E5256}" type="datetime1">
               <a:rPr lang="de-DE" smtClean="0"/>
               <a:pPr/>
-              <a:t>06.06.2017</a:t>
+              <a:t>07.06.2017</a:t>
             </a:fld>
             <a:r>
               <a:rPr lang="de-DE"/>

--- a/HSHL_Hausautomationssysteme.potx.pptx
+++ b/HSHL_Hausautomationssysteme.potx.pptx
@@ -801,6 +801,112 @@
     <p:extLst>
       <p:ext uri="{BB962C8B-B14F-4D97-AF65-F5344CB8AC3E}">
         <p14:creationId xmlns:p14="http://schemas.microsoft.com/office/powerpoint/2010/main" val="3348755901"/>
+      </p:ext>
+    </p:extLst>
+  </p:cSld>
+  <p:clrMapOvr>
+    <a:masterClrMapping/>
+  </p:clrMapOvr>
+</p:notes>
+</file>
+
+<file path=ppt/notesSlides/notesSlide2.xml><?xml version="1.0" encoding="utf-8"?>
+<p:notes xmlns:a="http://schemas.openxmlformats.org/drawingml/2006/main" xmlns:r="http://schemas.openxmlformats.org/officeDocument/2006/relationships" xmlns:p="http://schemas.openxmlformats.org/presentationml/2006/main">
+  <p:cSld>
+    <p:spTree>
+      <p:nvGrpSpPr>
+        <p:cNvPr id="1" name=""/>
+        <p:cNvGrpSpPr/>
+        <p:nvPr/>
+      </p:nvGrpSpPr>
+      <p:grpSpPr>
+        <a:xfrm>
+          <a:off x="0" y="0"/>
+          <a:ext cx="0" cy="0"/>
+          <a:chOff x="0" y="0"/>
+          <a:chExt cx="0" cy="0"/>
+        </a:xfrm>
+      </p:grpSpPr>
+      <p:sp>
+        <p:nvSpPr>
+          <p:cNvPr id="2" name="Folienbildplatzhalter 1"/>
+          <p:cNvSpPr>
+            <a:spLocks noGrp="1" noRot="1" noChangeAspect="1"/>
+          </p:cNvSpPr>
+          <p:nvPr>
+            <p:ph type="sldImg"/>
+          </p:nvPr>
+        </p:nvSpPr>
+        <p:spPr/>
+      </p:sp>
+      <p:sp>
+        <p:nvSpPr>
+          <p:cNvPr id="3" name="Notizenplatzhalter 2"/>
+          <p:cNvSpPr>
+            <a:spLocks noGrp="1"/>
+          </p:cNvSpPr>
+          <p:nvPr>
+            <p:ph type="body" idx="1"/>
+          </p:nvPr>
+        </p:nvSpPr>
+        <p:spPr/>
+        <p:txBody>
+          <a:bodyPr/>
+          <a:lstStyle/>
+          <a:p>
+            <a:endParaRPr lang="de-DE" dirty="0"/>
+          </a:p>
+        </p:txBody>
+      </p:sp>
+      <p:sp>
+        <p:nvSpPr>
+          <p:cNvPr id="4" name="Kopfzeilenplatzhalter 3"/>
+          <p:cNvSpPr>
+            <a:spLocks noGrp="1"/>
+          </p:cNvSpPr>
+          <p:nvPr>
+            <p:ph type="hdr" sz="quarter" idx="10"/>
+          </p:nvPr>
+        </p:nvSpPr>
+        <p:spPr/>
+        <p:txBody>
+          <a:bodyPr/>
+          <a:lstStyle/>
+          <a:p>
+            <a:r>
+              <a:rPr lang="de-DE"/>
+              <a:t>Die Systeme - wie funktionieren sie?</a:t>
+            </a:r>
+          </a:p>
+        </p:txBody>
+      </p:sp>
+      <p:sp>
+        <p:nvSpPr>
+          <p:cNvPr id="5" name="Foliennummernplatzhalter 4"/>
+          <p:cNvSpPr>
+            <a:spLocks noGrp="1"/>
+          </p:cNvSpPr>
+          <p:nvPr>
+            <p:ph type="sldNum" sz="quarter" idx="11"/>
+          </p:nvPr>
+        </p:nvSpPr>
+        <p:spPr/>
+        <p:txBody>
+          <a:bodyPr/>
+          <a:lstStyle/>
+          <a:p>
+            <a:fld id="{5C0E6540-DBC8-1449-A578-CCAD6D2991BC}" type="slidenum">
+              <a:rPr lang="de-DE" smtClean="0"/>
+              <a:t>11</a:t>
+            </a:fld>
+            <a:endParaRPr lang="de-DE"/>
+          </a:p>
+        </p:txBody>
+      </p:sp>
+    </p:spTree>
+    <p:extLst>
+      <p:ext uri="{BB962C8B-B14F-4D97-AF65-F5344CB8AC3E}">
+        <p14:creationId xmlns:p14="http://schemas.microsoft.com/office/powerpoint/2010/main" val="1443103698"/>
       </p:ext>
     </p:extLst>
   </p:cSld>
@@ -1879,6 +1985,35 @@
             <a:r>
               <a:rPr lang="de-DE" sz="3000" dirty="0"/>
               <a:t>Am Beispiel KNX –HomeMatic und OpenHAB</a:t>
+            </a:r>
+          </a:p>
+        </p:txBody>
+      </p:sp>
+      <p:sp>
+        <p:nvSpPr>
+          <p:cNvPr id="2" name="Textfeld 1"/>
+          <p:cNvSpPr txBox="1"/>
+          <p:nvPr/>
+        </p:nvSpPr>
+        <p:spPr>
+          <a:xfrm>
+            <a:off x="6170669" y="6507677"/>
+            <a:ext cx="1766830" cy="261610"/>
+          </a:xfrm>
+          <a:prstGeom prst="rect">
+            <a:avLst/>
+          </a:prstGeom>
+          <a:noFill/>
+        </p:spPr>
+        <p:txBody>
+          <a:bodyPr wrap="none" rtlCol="0">
+            <a:spAutoFit/>
+          </a:bodyPr>
+          <a:lstStyle/>
+          <a:p>
+            <a:r>
+              <a:rPr lang="de-DE" sz="1100" dirty="0"/>
+              <a:t>http://news.cision.com/de/</a:t>
             </a:r>
           </a:p>
         </p:txBody>
@@ -2732,7 +2867,7 @@
         </p:nvSpPr>
         <p:spPr>
           <a:xfrm>
-            <a:off x="3827777" y="685000"/>
+            <a:off x="4103153" y="685000"/>
             <a:ext cx="937693" cy="553998"/>
           </a:xfrm>
           <a:prstGeom prst="rect">
@@ -2768,7 +2903,7 @@
         <p:spPr>
           <a:xfrm>
             <a:off x="6316133" y="4557123"/>
-            <a:ext cx="2404534" cy="461665"/>
+            <a:ext cx="2404534" cy="261610"/>
           </a:xfrm>
           <a:prstGeom prst="rect">
             <a:avLst/>
@@ -2782,28 +2917,18 @@
           <a:lstStyle/>
           <a:p>
             <a:r>
-              <a:rPr lang="de-DE" sz="800" b="1" dirty="0"/>
+              <a:rPr lang="de-DE" sz="1100" b="1" dirty="0"/>
               <a:t>Abb.1: </a:t>
             </a:r>
             <a:r>
-              <a:rPr lang="de-DE" sz="800" dirty="0" err="1"/>
-              <a:t>HomeMatic</a:t>
-            </a:r>
-            <a:r>
-              <a:rPr lang="de-DE" sz="800" dirty="0"/>
-              <a:t> Funk-</a:t>
-            </a:r>
-            <a:r>
-              <a:rPr lang="de-DE" sz="800" dirty="0" err="1"/>
+              <a:rPr lang="de-DE" sz="1100" dirty="0"/>
+              <a:t>HomeMatic Funk-</a:t>
+            </a:r>
+            <a:r>
+              <a:rPr lang="de-DE" sz="1100" dirty="0" err="1"/>
               <a:t>Dimmaktor</a:t>
             </a:r>
-            <a:endParaRPr lang="de-DE" sz="800" dirty="0"/>
-          </a:p>
-          <a:p>
-            <a:endParaRPr lang="de-DE" sz="800" dirty="0"/>
-          </a:p>
-          <a:p>
-            <a:endParaRPr lang="de-DE" sz="800" dirty="0"/>
+            <a:endParaRPr lang="de-DE" sz="1100" dirty="0"/>
           </a:p>
         </p:txBody>
       </p:sp>
@@ -2906,8 +3031,8 @@
         </p:nvSpPr>
         <p:spPr>
           <a:xfrm>
-            <a:off x="2413844" y="5914213"/>
-            <a:ext cx="2827866" cy="461665"/>
+            <a:off x="2481440" y="5852020"/>
+            <a:ext cx="3381314" cy="261610"/>
           </a:xfrm>
           <a:prstGeom prst="rect">
             <a:avLst/>
@@ -2922,32 +3047,21 @@
           <a:p>
             <a:pPr fontAlgn="base"/>
             <a:r>
-              <a:rPr lang="de-DE" sz="800" b="1" dirty="0"/>
+              <a:rPr lang="de-DE" sz="1100" b="1" dirty="0"/>
               <a:t>Abb.2: </a:t>
             </a:r>
             <a:r>
-              <a:rPr lang="de-DE" sz="800" dirty="0" err="1"/>
-              <a:t>HomeMatic</a:t>
-            </a:r>
-            <a:r>
-              <a:rPr lang="de-DE" sz="800" dirty="0"/>
-              <a:t> Funk-</a:t>
-            </a:r>
-            <a:r>
-              <a:rPr lang="de-DE" sz="800" dirty="0" err="1"/>
+              <a:rPr lang="de-DE" sz="1100" dirty="0"/>
+              <a:t>HomeMatic Funk-</a:t>
+            </a:r>
+            <a:r>
+              <a:rPr lang="de-DE" sz="1100" dirty="0" err="1"/>
               <a:t>Schaltaktor</a:t>
             </a:r>
             <a:r>
-              <a:rPr lang="de-DE" sz="800" dirty="0"/>
+              <a:rPr lang="de-DE" sz="1100" dirty="0"/>
               <a:t>, Zwischenstecker</a:t>
             </a:r>
-          </a:p>
-          <a:p>
-            <a:pPr fontAlgn="base"/>
-            <a:endParaRPr lang="de-DE" sz="800" dirty="0"/>
-          </a:p>
-          <a:p>
-            <a:endParaRPr lang="de-DE" sz="800" dirty="0"/>
           </a:p>
         </p:txBody>
       </p:sp>
@@ -2957,53 +3071,6 @@
             <a:extLst>
               <a:ext uri="{FF2B5EF4-FFF2-40B4-BE49-F238E27FC236}">
                 <a16:creationId xmlns:a16="http://schemas.microsoft.com/office/drawing/2014/main" id="{BBFED78B-853F-4BED-8599-32209DB447A2}"/>
-              </a:ext>
-            </a:extLst>
-          </p:cNvPr>
-          <p:cNvPicPr>
-            <a:picLocks noChangeAspect="1" noChangeArrowheads="1"/>
-          </p:cNvPicPr>
-          <p:nvPr/>
-        </p:nvPicPr>
-        <p:blipFill>
-          <a:blip r:embed="rId2">
-            <a:extLst>
-              <a:ext uri="{28A0092B-C50C-407E-A947-70E740481C1C}">
-                <a14:useLocalDpi xmlns:a14="http://schemas.microsoft.com/office/drawing/2010/main" val="0"/>
-              </a:ext>
-            </a:extLst>
-          </a:blip>
-          <a:srcRect/>
-          <a:stretch>
-            <a:fillRect/>
-          </a:stretch>
-        </p:blipFill>
-        <p:spPr bwMode="auto">
-          <a:xfrm>
-            <a:off x="6564776" y="1647567"/>
-            <a:ext cx="1483915" cy="2650067"/>
-          </a:xfrm>
-          <a:prstGeom prst="rect">
-            <a:avLst/>
-          </a:prstGeom>
-          <a:noFill/>
-          <a:extLst>
-            <a:ext uri="{909E8E84-426E-40DD-AFC4-6F175D3DCCD1}">
-              <a14:hiddenFill xmlns:a14="http://schemas.microsoft.com/office/drawing/2010/main">
-                <a:solidFill>
-                  <a:srgbClr val="FFFFFF"/>
-                </a:solidFill>
-              </a14:hiddenFill>
-            </a:ext>
-          </a:extLst>
-        </p:spPr>
-      </p:pic>
-      <p:pic>
-        <p:nvPicPr>
-          <p:cNvPr id="3076" name="Picture 4" descr="http://www.myhomematic.de/images/product_images/popup_images/565_0.jpg">
-            <a:extLst>
-              <a:ext uri="{FF2B5EF4-FFF2-40B4-BE49-F238E27FC236}">
-                <a16:creationId xmlns:a16="http://schemas.microsoft.com/office/drawing/2014/main" id="{A667A9FA-CD99-4E7C-8AF4-F8425DB48F77}"/>
               </a:ext>
             </a:extLst>
           </p:cNvPr>
@@ -3027,8 +3094,8 @@
         </p:blipFill>
         <p:spPr bwMode="auto">
           <a:xfrm>
-            <a:off x="2974404" y="2952699"/>
-            <a:ext cx="1706746" cy="2844576"/>
+            <a:off x="6564776" y="1647567"/>
+            <a:ext cx="1483915" cy="2650067"/>
           </a:xfrm>
           <a:prstGeom prst="rect">
             <a:avLst/>
@@ -3045,6 +3112,82 @@
           </a:extLst>
         </p:spPr>
       </p:pic>
+      <p:pic>
+        <p:nvPicPr>
+          <p:cNvPr id="3076" name="Picture 4" descr="http://www.myhomematic.de/images/product_images/popup_images/565_0.jpg">
+            <a:extLst>
+              <a:ext uri="{FF2B5EF4-FFF2-40B4-BE49-F238E27FC236}">
+                <a16:creationId xmlns:a16="http://schemas.microsoft.com/office/drawing/2014/main" id="{A667A9FA-CD99-4E7C-8AF4-F8425DB48F77}"/>
+              </a:ext>
+            </a:extLst>
+          </p:cNvPr>
+          <p:cNvPicPr>
+            <a:picLocks noChangeAspect="1" noChangeArrowheads="1"/>
+          </p:cNvPicPr>
+          <p:nvPr/>
+        </p:nvPicPr>
+        <p:blipFill>
+          <a:blip r:embed="rId4">
+            <a:extLst>
+              <a:ext uri="{28A0092B-C50C-407E-A947-70E740481C1C}">
+                <a14:useLocalDpi xmlns:a14="http://schemas.microsoft.com/office/drawing/2010/main" val="0"/>
+              </a:ext>
+            </a:extLst>
+          </a:blip>
+          <a:srcRect/>
+          <a:stretch>
+            <a:fillRect/>
+          </a:stretch>
+        </p:blipFill>
+        <p:spPr bwMode="auto">
+          <a:xfrm>
+            <a:off x="2974404" y="2952699"/>
+            <a:ext cx="1706746" cy="2844576"/>
+          </a:xfrm>
+          <a:prstGeom prst="rect">
+            <a:avLst/>
+          </a:prstGeom>
+          <a:noFill/>
+          <a:extLst>
+            <a:ext uri="{909E8E84-426E-40DD-AFC4-6F175D3DCCD1}">
+              <a14:hiddenFill xmlns:a14="http://schemas.microsoft.com/office/drawing/2010/main">
+                <a:solidFill>
+                  <a:srgbClr val="FFFFFF"/>
+                </a:solidFill>
+              </a14:hiddenFill>
+            </a:ext>
+          </a:extLst>
+        </p:spPr>
+      </p:pic>
+      <p:sp>
+        <p:nvSpPr>
+          <p:cNvPr id="12" name="Textfeld 11"/>
+          <p:cNvSpPr txBox="1"/>
+          <p:nvPr/>
+        </p:nvSpPr>
+        <p:spPr>
+          <a:xfrm>
+            <a:off x="7157559" y="6113630"/>
+            <a:ext cx="1986441" cy="261610"/>
+          </a:xfrm>
+          <a:prstGeom prst="rect">
+            <a:avLst/>
+          </a:prstGeom>
+          <a:noFill/>
+        </p:spPr>
+        <p:txBody>
+          <a:bodyPr wrap="none" rtlCol="0">
+            <a:spAutoFit/>
+          </a:bodyPr>
+          <a:lstStyle/>
+          <a:p>
+            <a:r>
+              <a:rPr lang="de-DE" sz="1100" dirty="0"/>
+              <a:t>Bilder: www.myhomematic.de/</a:t>
+            </a:r>
+          </a:p>
+        </p:txBody>
+      </p:sp>
     </p:spTree>
     <p:extLst>
       <p:ext uri="{BB962C8B-B14F-4D97-AF65-F5344CB8AC3E}">
@@ -3217,7 +3360,7 @@
         </p:nvSpPr>
         <p:spPr>
           <a:xfrm>
-            <a:off x="3827777" y="685000"/>
+            <a:off x="4112720" y="685000"/>
             <a:ext cx="937693" cy="553998"/>
           </a:xfrm>
           <a:prstGeom prst="rect">
@@ -3460,6 +3603,35 @@
             <a:r>
               <a:rPr lang="de-DE" dirty="0"/>
               <a:t>  programmierbar</a:t>
+            </a:r>
+          </a:p>
+        </p:txBody>
+      </p:sp>
+      <p:sp>
+        <p:nvSpPr>
+          <p:cNvPr id="13" name="Textfeld 12"/>
+          <p:cNvSpPr txBox="1"/>
+          <p:nvPr/>
+        </p:nvSpPr>
+        <p:spPr>
+          <a:xfrm>
+            <a:off x="7157559" y="6130933"/>
+            <a:ext cx="1986441" cy="261610"/>
+          </a:xfrm>
+          <a:prstGeom prst="rect">
+            <a:avLst/>
+          </a:prstGeom>
+          <a:noFill/>
+        </p:spPr>
+        <p:txBody>
+          <a:bodyPr wrap="none" rtlCol="0">
+            <a:spAutoFit/>
+          </a:bodyPr>
+          <a:lstStyle/>
+          <a:p>
+            <a:r>
+              <a:rPr lang="de-DE" sz="1100" dirty="0"/>
+              <a:t>Bilder: www.myhomematic.de/</a:t>
             </a:r>
           </a:p>
         </p:txBody>
@@ -3606,7 +3778,7 @@
         </p:nvSpPr>
         <p:spPr>
           <a:xfrm>
-            <a:off x="3281885" y="695853"/>
+            <a:off x="3681788" y="673525"/>
             <a:ext cx="1780424" cy="584775"/>
           </a:xfrm>
           <a:prstGeom prst="rect">
@@ -3726,8 +3898,8 @@
         </p:nvSpPr>
         <p:spPr>
           <a:xfrm>
-            <a:off x="5128136" y="5314950"/>
-            <a:ext cx="2827866" cy="338554"/>
+            <a:off x="5083758" y="5289030"/>
+            <a:ext cx="2827866" cy="430887"/>
           </a:xfrm>
           <a:prstGeom prst="rect">
             <a:avLst/>
@@ -3742,21 +3914,17 @@
           <a:p>
             <a:pPr fontAlgn="base"/>
             <a:r>
-              <a:rPr lang="de-DE" sz="800" b="1" dirty="0"/>
+              <a:rPr lang="de-DE" sz="1100" b="1" dirty="0"/>
               <a:t>Abb.3: </a:t>
             </a:r>
             <a:r>
-              <a:rPr lang="de-DE" sz="800" dirty="0" err="1"/>
-              <a:t>HomeMatic</a:t>
-            </a:r>
-            <a:r>
-              <a:rPr lang="de-DE" sz="800" dirty="0"/>
-              <a:t> Funk-Lichtsensor außen</a:t>
+              <a:rPr lang="de-DE" sz="1100" dirty="0"/>
+              <a:t>HomeMatic Funk-Lichtsensor außen</a:t>
             </a:r>
           </a:p>
           <a:p>
             <a:pPr fontAlgn="base"/>
-            <a:endParaRPr lang="de-DE" sz="800" dirty="0"/>
+            <a:endParaRPr lang="de-DE" sz="1100" dirty="0"/>
           </a:p>
         </p:txBody>
       </p:sp>
@@ -3822,7 +3990,7 @@
         <p:spPr>
           <a:xfrm>
             <a:off x="1163771" y="5914010"/>
-            <a:ext cx="2827866" cy="338554"/>
+            <a:ext cx="2827866" cy="261610"/>
           </a:xfrm>
           <a:prstGeom prst="rect">
             <a:avLst/>
@@ -3837,29 +4005,21 @@
           <a:p>
             <a:pPr fontAlgn="base"/>
             <a:r>
-              <a:rPr lang="de-DE" sz="800" b="1" dirty="0"/>
+              <a:rPr lang="de-DE" sz="1100" b="1" dirty="0"/>
               <a:t>Abb.4: </a:t>
             </a:r>
             <a:r>
-              <a:rPr lang="de-DE" sz="800" dirty="0" err="1"/>
-              <a:t>HomeMatic</a:t>
-            </a:r>
-            <a:r>
-              <a:rPr lang="de-DE" sz="800" dirty="0"/>
-              <a:t> Funk-</a:t>
-            </a:r>
-            <a:r>
-              <a:rPr lang="de-DE" sz="800" dirty="0" err="1"/>
-              <a:t>Rolladenaktor</a:t>
-            </a:r>
-            <a:r>
-              <a:rPr lang="de-DE" sz="800" dirty="0"/>
+              <a:rPr lang="de-DE" sz="1100" dirty="0"/>
+              <a:t>HomeMatic Funk-</a:t>
+            </a:r>
+            <a:r>
+              <a:rPr lang="de-DE" sz="1100" dirty="0" err="1"/>
+              <a:t>Rollladenaktor</a:t>
+            </a:r>
+            <a:r>
+              <a:rPr lang="de-DE" sz="1100" dirty="0"/>
               <a:t> 1-fach</a:t>
             </a:r>
-          </a:p>
-          <a:p>
-            <a:pPr fontAlgn="base"/>
-            <a:endParaRPr lang="de-DE" sz="800" dirty="0"/>
           </a:p>
         </p:txBody>
       </p:sp>
@@ -3910,6 +4070,35 @@
           </a:extLst>
         </p:spPr>
       </p:pic>
+      <p:sp>
+        <p:nvSpPr>
+          <p:cNvPr id="12" name="Textfeld 11"/>
+          <p:cNvSpPr txBox="1"/>
+          <p:nvPr/>
+        </p:nvSpPr>
+        <p:spPr>
+          <a:xfrm>
+            <a:off x="7157559" y="6106400"/>
+            <a:ext cx="1986441" cy="261610"/>
+          </a:xfrm>
+          <a:prstGeom prst="rect">
+            <a:avLst/>
+          </a:prstGeom>
+          <a:noFill/>
+        </p:spPr>
+        <p:txBody>
+          <a:bodyPr wrap="none" rtlCol="0">
+            <a:spAutoFit/>
+          </a:bodyPr>
+          <a:lstStyle/>
+          <a:p>
+            <a:r>
+              <a:rPr lang="de-DE" sz="1100" dirty="0"/>
+              <a:t>Bilder: www.myhomematic.de/</a:t>
+            </a:r>
+          </a:p>
+        </p:txBody>
+      </p:sp>
     </p:spTree>
     <p:extLst>
       <p:ext uri="{BB962C8B-B14F-4D97-AF65-F5344CB8AC3E}">
@@ -4052,7 +4241,7 @@
         </p:nvSpPr>
         <p:spPr>
           <a:xfrm>
-            <a:off x="3281885" y="695853"/>
+            <a:off x="3681788" y="695853"/>
             <a:ext cx="1780424" cy="584775"/>
           </a:xfrm>
           <a:prstGeom prst="rect">
@@ -4234,7 +4423,7 @@
         </p:nvSpPr>
         <p:spPr>
           <a:xfrm>
-            <a:off x="5520442" y="4102007"/>
+            <a:off x="5472942" y="3698254"/>
             <a:ext cx="2706254" cy="369332"/>
           </a:xfrm>
           <a:prstGeom prst="rect">
@@ -4284,7 +4473,7 @@
         </p:blipFill>
         <p:spPr>
           <a:xfrm>
-            <a:off x="5814528" y="4534501"/>
+            <a:off x="5767028" y="4130748"/>
             <a:ext cx="2259496" cy="1895152"/>
           </a:xfrm>
           <a:prstGeom prst="rect">
@@ -4349,6 +4538,35 @@
               <a:buChar char="-"/>
             </a:pPr>
             <a:endParaRPr lang="de-DE" dirty="0"/>
+          </a:p>
+        </p:txBody>
+      </p:sp>
+      <p:sp>
+        <p:nvSpPr>
+          <p:cNvPr id="13" name="Textfeld 12"/>
+          <p:cNvSpPr txBox="1"/>
+          <p:nvPr/>
+        </p:nvSpPr>
+        <p:spPr>
+          <a:xfrm>
+            <a:off x="7157559" y="6107185"/>
+            <a:ext cx="1986441" cy="261610"/>
+          </a:xfrm>
+          <a:prstGeom prst="rect">
+            <a:avLst/>
+          </a:prstGeom>
+          <a:noFill/>
+        </p:spPr>
+        <p:txBody>
+          <a:bodyPr wrap="none" rtlCol="0">
+            <a:spAutoFit/>
+          </a:bodyPr>
+          <a:lstStyle/>
+          <a:p>
+            <a:r>
+              <a:rPr lang="de-DE" sz="1100" dirty="0"/>
+              <a:t>Bilder: www.myhomematic.de/</a:t>
+            </a:r>
           </a:p>
         </p:txBody>
       </p:sp>
@@ -4494,7 +4712,7 @@
         </p:nvSpPr>
         <p:spPr>
           <a:xfrm>
-            <a:off x="3281885" y="695853"/>
+            <a:off x="3625266" y="695853"/>
             <a:ext cx="1893467" cy="584775"/>
           </a:xfrm>
           <a:prstGeom prst="rect">
@@ -4543,7 +4761,7 @@
           </a:bodyPr>
           <a:lstStyle/>
           <a:p>
-            <a:pPr marL="285750" indent="-285750" algn="just">
+            <a:pPr marL="285750" indent="-285750">
               <a:spcAft>
                 <a:spcPts val="0"/>
               </a:spcAft>
@@ -4552,25 +4770,25 @@
             </a:pPr>
             <a:r>
               <a:rPr lang="de-DE" dirty="0">
-                <a:latin typeface="Times New Roman" panose="02020603050405020304" pitchFamily="18" charset="0"/>
+                <a:latin typeface="+mj-lt"/>
                 <a:ea typeface="Calibri" panose="020F0502020204030204" pitchFamily="34" charset="0"/>
               </a:rPr>
               <a:t>Falls Rauchmelder auslösen kann automatisch Licht (auf Fluchtwegen) eingeschaltet werden</a:t>
             </a:r>
           </a:p>
           <a:p>
-            <a:pPr algn="just">
+            <a:pPr>
               <a:spcAft>
                 <a:spcPts val="0"/>
               </a:spcAft>
             </a:pPr>
             <a:endParaRPr lang="de-DE" dirty="0">
-              <a:latin typeface="Times New Roman" panose="02020603050405020304" pitchFamily="18" charset="0"/>
+              <a:latin typeface="+mj-lt"/>
               <a:ea typeface="Calibri" panose="020F0502020204030204" pitchFamily="34" charset="0"/>
             </a:endParaRPr>
           </a:p>
           <a:p>
-            <a:pPr marL="285750" indent="-285750" algn="just">
+            <a:pPr marL="285750" indent="-285750">
               <a:spcAft>
                 <a:spcPts val="0"/>
               </a:spcAft>
@@ -4578,39 +4796,14 @@
               <a:buChar char="•"/>
             </a:pPr>
             <a:r>
-              <a:rPr lang="de-DE" dirty="0"/>
+              <a:rPr lang="de-DE" dirty="0">
+                <a:latin typeface="+mj-lt"/>
+              </a:rPr>
               <a:t>Automatische Türverriegelung/ einschalten der Alarmanlage nach einer bestimmten Uhrzeit</a:t>
             </a:r>
           </a:p>
           <a:p>
-            <a:pPr marL="285750" indent="-285750" algn="just">
-              <a:spcAft>
-                <a:spcPts val="0"/>
-              </a:spcAft>
-              <a:buFont typeface="Arial" panose="020B0604020202020204" pitchFamily="34" charset="0"/>
-              <a:buChar char="•"/>
-            </a:pPr>
-            <a:endParaRPr lang="de-DE" dirty="0"/>
-          </a:p>
-          <a:p>
-            <a:pPr marL="285750" indent="-285750" algn="just">
-              <a:spcAft>
-                <a:spcPts val="0"/>
-              </a:spcAft>
-              <a:buFont typeface="Arial" panose="020B0604020202020204" pitchFamily="34" charset="0"/>
-              <a:buChar char="•"/>
-            </a:pPr>
-            <a:r>
-              <a:rPr lang="de-DE" dirty="0"/>
-              <a:t>Türschlossantrieb sorgt für automatische Türöffnung per Fingerabdruck/Fernbedienung</a:t>
-            </a:r>
-            <a:endParaRPr lang="de-DE" dirty="0">
-              <a:latin typeface="Times New Roman" panose="02020603050405020304" pitchFamily="18" charset="0"/>
-              <a:ea typeface="Calibri" panose="020F0502020204030204" pitchFamily="34" charset="0"/>
-            </a:endParaRPr>
-          </a:p>
-          <a:p>
-            <a:pPr marL="285750" indent="-285750" algn="just">
+            <a:pPr marL="285750" indent="-285750">
               <a:spcAft>
                 <a:spcPts val="0"/>
               </a:spcAft>
@@ -4618,18 +4811,51 @@
               <a:buChar char="•"/>
             </a:pPr>
             <a:endParaRPr lang="de-DE" dirty="0">
-              <a:latin typeface="Times New Roman" panose="02020603050405020304" pitchFamily="18" charset="0"/>
+              <a:latin typeface="+mj-lt"/>
             </a:endParaRPr>
           </a:p>
           <a:p>
-            <a:pPr marL="285750" indent="-285750" algn="just">
+            <a:pPr marL="285750" indent="-285750">
               <a:spcAft>
                 <a:spcPts val="0"/>
               </a:spcAft>
               <a:buFont typeface="Arial" panose="020B0604020202020204" pitchFamily="34" charset="0"/>
               <a:buChar char="•"/>
             </a:pPr>
-            <a:endParaRPr lang="de-DE" dirty="0"/>
+            <a:r>
+              <a:rPr lang="de-DE" dirty="0">
+                <a:latin typeface="+mj-lt"/>
+              </a:rPr>
+              <a:t>Türschlossantrieb sorgt für automatische Türöffnung per Fingerabdruck/Fernbedienung</a:t>
+            </a:r>
+            <a:endParaRPr lang="de-DE" dirty="0">
+              <a:latin typeface="+mj-lt"/>
+              <a:ea typeface="Calibri" panose="020F0502020204030204" pitchFamily="34" charset="0"/>
+            </a:endParaRPr>
+          </a:p>
+          <a:p>
+            <a:pPr marL="285750" indent="-285750">
+              <a:spcAft>
+                <a:spcPts val="0"/>
+              </a:spcAft>
+              <a:buFont typeface="Arial" panose="020B0604020202020204" pitchFamily="34" charset="0"/>
+              <a:buChar char="•"/>
+            </a:pPr>
+            <a:endParaRPr lang="de-DE" dirty="0">
+              <a:latin typeface="+mj-lt"/>
+            </a:endParaRPr>
+          </a:p>
+          <a:p>
+            <a:pPr marL="285750" indent="-285750">
+              <a:spcAft>
+                <a:spcPts val="0"/>
+              </a:spcAft>
+              <a:buFont typeface="Arial" panose="020B0604020202020204" pitchFamily="34" charset="0"/>
+              <a:buChar char="•"/>
+            </a:pPr>
+            <a:endParaRPr lang="de-DE" dirty="0">
+              <a:latin typeface="+mj-lt"/>
+            </a:endParaRPr>
           </a:p>
         </p:txBody>
       </p:sp>
@@ -4648,7 +4874,7 @@
         <p:spPr>
           <a:xfrm>
             <a:off x="6036734" y="3414045"/>
-            <a:ext cx="2827866" cy="338554"/>
+            <a:ext cx="2827866" cy="261610"/>
           </a:xfrm>
           <a:prstGeom prst="rect">
             <a:avLst/>
@@ -4663,21 +4889,13 @@
           <a:p>
             <a:pPr fontAlgn="base"/>
             <a:r>
-              <a:rPr lang="de-DE" sz="800" b="1" dirty="0"/>
+              <a:rPr lang="de-DE" sz="1100" b="1" dirty="0"/>
               <a:t>Abb.5: </a:t>
             </a:r>
             <a:r>
-              <a:rPr lang="de-DE" sz="800" dirty="0" err="1"/>
-              <a:t>HomeMatic</a:t>
-            </a:r>
-            <a:r>
-              <a:rPr lang="de-DE" sz="800" dirty="0"/>
-              <a:t> Funk-Rauchwarnmelder</a:t>
-            </a:r>
-          </a:p>
-          <a:p>
-            <a:pPr fontAlgn="base"/>
-            <a:endParaRPr lang="de-DE" sz="800" dirty="0"/>
+              <a:rPr lang="de-DE" sz="1100" dirty="0"/>
+              <a:t>HomeMatic Funk-Rauchwarnmelder</a:t>
+            </a:r>
           </a:p>
         </p:txBody>
       </p:sp>
@@ -4783,8 +5001,8 @@
         </p:nvSpPr>
         <p:spPr>
           <a:xfrm>
-            <a:off x="6036734" y="5579351"/>
-            <a:ext cx="2827866" cy="338554"/>
+            <a:off x="6036733" y="5530311"/>
+            <a:ext cx="3237895" cy="430887"/>
           </a:xfrm>
           <a:prstGeom prst="rect">
             <a:avLst/>
@@ -4798,21 +5016,21 @@
           <a:lstStyle/>
           <a:p>
             <a:r>
-              <a:rPr lang="de-DE" sz="800" b="1" dirty="0"/>
+              <a:rPr lang="de-DE" sz="1100" b="1" dirty="0"/>
               <a:t>Abb.6: </a:t>
             </a:r>
             <a:r>
-              <a:rPr lang="de-DE" sz="800" dirty="0" err="1"/>
+              <a:rPr lang="de-DE" sz="1100" dirty="0" err="1"/>
               <a:t>HomeMatic</a:t>
             </a:r>
             <a:r>
-              <a:rPr lang="de-DE" sz="800" dirty="0"/>
+              <a:rPr lang="de-DE" sz="1100" dirty="0"/>
               <a:t> Funk- Glasbruchspezialsensor</a:t>
             </a:r>
           </a:p>
           <a:p>
             <a:pPr fontAlgn="base"/>
-            <a:endParaRPr lang="de-DE" sz="800" dirty="0"/>
+            <a:endParaRPr lang="de-DE" sz="1100" dirty="0"/>
           </a:p>
         </p:txBody>
       </p:sp>
@@ -4877,8 +5095,8 @@
         </p:nvSpPr>
         <p:spPr>
           <a:xfrm>
-            <a:off x="1056085" y="5901028"/>
-            <a:ext cx="2827866" cy="461665"/>
+            <a:off x="804407" y="5901028"/>
+            <a:ext cx="3397163" cy="261610"/>
           </a:xfrm>
           <a:prstGeom prst="rect">
             <a:avLst/>
@@ -4892,29 +5110,47 @@
           <a:lstStyle/>
           <a:p>
             <a:r>
-              <a:rPr lang="de-DE" sz="800" b="1" dirty="0"/>
+              <a:rPr lang="de-DE" sz="1100" b="1" dirty="0"/>
               <a:t>Abb.7: </a:t>
             </a:r>
             <a:r>
-              <a:rPr lang="de-DE" sz="800" dirty="0" err="1"/>
-              <a:t>HomeMatic</a:t>
-            </a:r>
-            <a:r>
-              <a:rPr lang="de-DE" sz="800" dirty="0"/>
-              <a:t> Funk-Türschlossantrieb </a:t>
-            </a:r>
-            <a:r>
-              <a:rPr lang="de-DE" sz="800" dirty="0" err="1"/>
+              <a:rPr lang="de-DE" sz="1100" dirty="0"/>
+              <a:t>HomeMatic Funk-Türschlossantrieb </a:t>
+            </a:r>
+            <a:r>
+              <a:rPr lang="de-DE" sz="1100" dirty="0" err="1"/>
               <a:t>KeyMatic</a:t>
             </a:r>
-            <a:endParaRPr lang="de-DE" sz="800" dirty="0"/>
-          </a:p>
-          <a:p>
-            <a:endParaRPr lang="de-DE" sz="800" dirty="0"/>
-          </a:p>
-          <a:p>
-            <a:pPr fontAlgn="base"/>
-            <a:endParaRPr lang="de-DE" sz="800" dirty="0"/>
+            <a:endParaRPr lang="de-DE" sz="1100" dirty="0"/>
+          </a:p>
+        </p:txBody>
+      </p:sp>
+      <p:sp>
+        <p:nvSpPr>
+          <p:cNvPr id="15" name="Textfeld 14"/>
+          <p:cNvSpPr txBox="1"/>
+          <p:nvPr/>
+        </p:nvSpPr>
+        <p:spPr>
+          <a:xfrm>
+            <a:off x="7157559" y="6126287"/>
+            <a:ext cx="1986441" cy="261610"/>
+          </a:xfrm>
+          <a:prstGeom prst="rect">
+            <a:avLst/>
+          </a:prstGeom>
+          <a:noFill/>
+        </p:spPr>
+        <p:txBody>
+          <a:bodyPr wrap="none" rtlCol="0">
+            <a:spAutoFit/>
+          </a:bodyPr>
+          <a:lstStyle/>
+          <a:p>
+            <a:r>
+              <a:rPr lang="de-DE" sz="1100" dirty="0"/>
+              <a:t>Bilder: www.myhomematic.de/</a:t>
+            </a:r>
           </a:p>
         </p:txBody>
       </p:sp>
@@ -5025,7 +5261,7 @@
         </p:nvSpPr>
         <p:spPr>
           <a:xfrm>
-            <a:off x="1322503" y="125722"/>
+            <a:off x="1322503" y="135127"/>
             <a:ext cx="5699189" cy="553998"/>
           </a:xfrm>
           <a:prstGeom prst="rect">
@@ -5060,7 +5296,7 @@
         </p:nvSpPr>
         <p:spPr>
           <a:xfrm>
-            <a:off x="3281885" y="695853"/>
+            <a:off x="3625266" y="686502"/>
             <a:ext cx="1893467" cy="584775"/>
           </a:xfrm>
           <a:prstGeom prst="rect">
@@ -5180,7 +5416,7 @@
           <a:p>
             <a:r>
               <a:rPr lang="de-DE" dirty="0"/>
-              <a:t>- integrierte 10-Jahres-Batterie ist der Melder</a:t>
+              <a:t>- Integrierte 10-Jahres-Batterie ist der Melder</a:t>
             </a:r>
           </a:p>
           <a:p>
@@ -5343,6 +5579,35 @@
             <a:r>
               <a:rPr lang="de-DE" dirty="0"/>
               <a:t>   funktionsfähig</a:t>
+            </a:r>
+          </a:p>
+        </p:txBody>
+      </p:sp>
+      <p:sp>
+        <p:nvSpPr>
+          <p:cNvPr id="12" name="Textfeld 11"/>
+          <p:cNvSpPr txBox="1"/>
+          <p:nvPr/>
+        </p:nvSpPr>
+        <p:spPr>
+          <a:xfrm>
+            <a:off x="7157559" y="6123484"/>
+            <a:ext cx="1986441" cy="261610"/>
+          </a:xfrm>
+          <a:prstGeom prst="rect">
+            <a:avLst/>
+          </a:prstGeom>
+          <a:noFill/>
+        </p:spPr>
+        <p:txBody>
+          <a:bodyPr wrap="none" rtlCol="0">
+            <a:spAutoFit/>
+          </a:bodyPr>
+          <a:lstStyle/>
+          <a:p>
+            <a:r>
+              <a:rPr lang="de-DE" sz="1100" dirty="0"/>
+              <a:t>Bilder: www.myhomematic.de/</a:t>
             </a:r>
           </a:p>
         </p:txBody>
@@ -5610,7 +5875,7 @@
           <p:nvPr>
             <p:extLst>
               <p:ext uri="{D42A27DB-BD31-4B8C-83A1-F6EECF244321}">
-                <p14:modId xmlns:p14="http://schemas.microsoft.com/office/powerpoint/2010/main" val="3620989299"/>
+                <p14:modId xmlns:p14="http://schemas.microsoft.com/office/powerpoint/2010/main" val="3392504767"/>
               </p:ext>
             </p:extLst>
           </p:nvPr>
@@ -5956,16 +6221,8 @@
                     <a:lstStyle/>
                     <a:p>
                       <a:r>
-                        <a:rPr lang="de-DE" sz="2100" dirty="0"/>
-                        <a:t>Einheitliche, Übertragung/ Kom</a:t>
-                      </a:r>
-                      <a:r>
-                        <a:rPr lang="de-DE" sz="2000" dirty="0"/>
-                        <a:t>munik</a:t>
-                      </a:r>
-                      <a:r>
-                        <a:rPr lang="de-DE" sz="2100" dirty="0"/>
-                        <a:t>ation</a:t>
+                        <a:rPr lang="de-DE" sz="2150" dirty="0"/>
+                        <a:t>Einheitliche Übertragung/ Kommunikation</a:t>
                       </a:r>
                     </a:p>
                   </a:txBody>
@@ -6114,8 +6371,12 @@
                     <a:lstStyle/>
                     <a:p>
                       <a:r>
+                        <a:rPr lang="de-DE" sz="2200" b="1" dirty="0"/>
+                        <a:t>4</a:t>
+                      </a:r>
+                      <a:r>
                         <a:rPr lang="de-DE" sz="2200" dirty="0"/>
-                        <a:t>4 Möglichkeiten der Übertragungsverfahren</a:t>
+                        <a:t> Möglichkeiten der Übertragungsverfahren</a:t>
                       </a:r>
                     </a:p>
                   </a:txBody>
@@ -6319,7 +6580,7 @@
                     <a:p>
                       <a:r>
                         <a:rPr lang="de-DE" sz="2200" dirty="0"/>
-                        <a:t>Programme nur über CCU realisierbar</a:t>
+                        <a:t>Komplexe Programme nur über CCU realisierbar</a:t>
                       </a:r>
                     </a:p>
                   </a:txBody>
@@ -6631,10 +6892,7 @@
                     <a:bodyPr/>
                     <a:lstStyle/>
                     <a:p>
-                      <a:r>
-                        <a:rPr lang="de-DE" sz="2200" dirty="0"/>
-                        <a:t>Wenige Bausätze,               kein „Bastelsystem“</a:t>
-                      </a:r>
+                      <a:endParaRPr lang="de-DE" sz="2200" dirty="0"/>
                     </a:p>
                   </a:txBody>
                   <a:tcPr>
@@ -6774,7 +7032,7 @@
           <p:nvPr>
             <p:extLst>
               <p:ext uri="{D42A27DB-BD31-4B8C-83A1-F6EECF244321}">
-                <p14:modId xmlns:p14="http://schemas.microsoft.com/office/powerpoint/2010/main" val="497658419"/>
+                <p14:modId xmlns:p14="http://schemas.microsoft.com/office/powerpoint/2010/main" val="3370337497"/>
               </p:ext>
             </p:extLst>
           </p:nvPr>
@@ -6973,19 +7231,27 @@
                     <a:bodyPr/>
                     <a:lstStyle/>
                     <a:p>
+                      <a:pPr marL="0" marR="0" lvl="0" indent="0" algn="l" defTabSz="457200" rtl="0" eaLnBrk="1" fontAlgn="auto" latinLnBrk="0" hangingPunct="1">
+                        <a:lnSpc>
+                          <a:spcPct val="100000"/>
+                        </a:lnSpc>
+                        <a:spcBef>
+                          <a:spcPts val="0"/>
+                        </a:spcBef>
+                        <a:spcAft>
+                          <a:spcPts val="0"/>
+                        </a:spcAft>
+                        <a:buClrTx/>
+                        <a:buSzTx/>
+                        <a:buFontTx/>
+                        <a:buNone/>
+                        <a:tabLst/>
+                        <a:defRPr/>
+                      </a:pPr>
                       <a:r>
-                        <a:rPr lang="de-DE" sz="2200" kern="1200" dirty="0">
-                          <a:solidFill>
-                            <a:schemeClr val="dk1"/>
-                          </a:solidFill>
-                          <a:effectLst/>
-                          <a:latin typeface="+mn-lt"/>
-                          <a:ea typeface="+mn-ea"/>
-                          <a:cs typeface="+mn-cs"/>
-                        </a:rPr>
-                        <a:t>Über den Web-Browser ‚weltweiter‘ Zugriff auf das System möglich</a:t>
+                        <a:rPr lang="de-DE" sz="2200" dirty="0"/>
+                        <a:t>Übertragungsverfahren kombinierbar</a:t>
                       </a:r>
-                      <a:endParaRPr lang="de-DE" sz="2200" dirty="0"/>
                     </a:p>
                   </a:txBody>
                   <a:tcPr>
@@ -7030,19 +7296,27 @@
                     <a:bodyPr/>
                     <a:lstStyle/>
                     <a:p>
+                      <a:pPr marL="0" marR="0" lvl="0" indent="0" algn="l" defTabSz="457200" rtl="0" eaLnBrk="1" fontAlgn="auto" latinLnBrk="0" hangingPunct="1">
+                        <a:lnSpc>
+                          <a:spcPct val="100000"/>
+                        </a:lnSpc>
+                        <a:spcBef>
+                          <a:spcPts val="0"/>
+                        </a:spcBef>
+                        <a:spcAft>
+                          <a:spcPts val="0"/>
+                        </a:spcAft>
+                        <a:buClrTx/>
+                        <a:buSzTx/>
+                        <a:buFontTx/>
+                        <a:buNone/>
+                        <a:tabLst/>
+                        <a:defRPr/>
+                      </a:pPr>
                       <a:r>
-                        <a:rPr lang="de-DE" sz="2200" kern="1200" dirty="0">
-                          <a:solidFill>
-                            <a:schemeClr val="dk1"/>
-                          </a:solidFill>
-                          <a:effectLst/>
-                          <a:latin typeface="+mn-lt"/>
-                          <a:ea typeface="+mn-ea"/>
-                          <a:cs typeface="+mn-cs"/>
-                        </a:rPr>
-                        <a:t>Komplexe Automation über Direktverbindungen nicht möglich</a:t>
+                        <a:rPr lang="de-DE" sz="2200" dirty="0"/>
+                        <a:t>Wenige Bausätze,               kein „Bastelsystem“</a:t>
                       </a:r>
-                      <a:endParaRPr lang="de-DE" sz="2200" dirty="0"/>
                     </a:p>
                   </a:txBody>
                   <a:tcPr>
@@ -7138,9 +7412,18 @@
                     <a:lstStyle/>
                     <a:p>
                       <a:r>
-                        <a:rPr lang="de-DE" sz="2200" dirty="0"/>
-                        <a:t>Übertragungsverfahren kombinierbar</a:t>
+                        <a:rPr lang="de-DE" sz="2200" kern="1200" dirty="0">
+                          <a:solidFill>
+                            <a:schemeClr val="dk1"/>
+                          </a:solidFill>
+                          <a:effectLst/>
+                          <a:latin typeface="+mn-lt"/>
+                          <a:ea typeface="+mn-ea"/>
+                          <a:cs typeface="+mn-cs"/>
+                        </a:rPr>
+                        <a:t>Über den Web-Browser ‚weltweiter‘ Zugriff auf das System möglich </a:t>
                       </a:r>
+                      <a:endParaRPr lang="de-DE" sz="2200" dirty="0"/>
                     </a:p>
                   </a:txBody>
                   <a:tcPr>
@@ -7187,6 +7470,23 @@
                     <a:bodyPr/>
                     <a:lstStyle/>
                     <a:p>
+                      <a:pPr marL="0" marR="0" lvl="0" indent="0" algn="l" defTabSz="457200" rtl="0" eaLnBrk="1" fontAlgn="auto" latinLnBrk="0" hangingPunct="1">
+                        <a:lnSpc>
+                          <a:spcPct val="100000"/>
+                        </a:lnSpc>
+                        <a:spcBef>
+                          <a:spcPts val="0"/>
+                        </a:spcBef>
+                        <a:spcAft>
+                          <a:spcPts val="0"/>
+                        </a:spcAft>
+                        <a:buClrTx/>
+                        <a:buSzTx/>
+                        <a:buFontTx/>
+                        <a:buNone/>
+                        <a:tabLst/>
+                        <a:defRPr/>
+                      </a:pPr>
                       <a:r>
                         <a:rPr lang="de-DE" sz="2200" dirty="0"/>
                         <a:t>Keine Kompatibilität zu anderen Systemen</a:t>
@@ -9142,41 +9442,6 @@
       </p:sp>
       <p:sp>
         <p:nvSpPr>
-          <p:cNvPr id="4" name="Textfeld 3">
-            <a:extLst>
-              <a:ext uri="{FF2B5EF4-FFF2-40B4-BE49-F238E27FC236}">
-                <a16:creationId xmlns:a16="http://schemas.microsoft.com/office/drawing/2014/main" id="{55D9C205-5A96-4638-BCD5-8E7228FE13BB}"/>
-              </a:ext>
-            </a:extLst>
-          </p:cNvPr>
-          <p:cNvSpPr txBox="1"/>
-          <p:nvPr/>
-        </p:nvSpPr>
-        <p:spPr>
-          <a:xfrm>
-            <a:off x="3397398" y="203200"/>
-            <a:ext cx="1549400" cy="553998"/>
-          </a:xfrm>
-          <a:prstGeom prst="rect">
-            <a:avLst/>
-          </a:prstGeom>
-          <a:noFill/>
-        </p:spPr>
-        <p:txBody>
-          <a:bodyPr wrap="square" rtlCol="0">
-            <a:spAutoFit/>
-          </a:bodyPr>
-          <a:lstStyle/>
-          <a:p>
-            <a:r>
-              <a:rPr lang="de-DE" sz="3000" dirty="0"/>
-              <a:t>Quellen</a:t>
-            </a:r>
-          </a:p>
-        </p:txBody>
-      </p:sp>
-      <p:sp>
-        <p:nvSpPr>
           <p:cNvPr id="5" name="Textfeld 4">
             <a:extLst>
               <a:ext uri="{FF2B5EF4-FFF2-40B4-BE49-F238E27FC236}">
@@ -9189,8 +9454,8 @@
         </p:nvSpPr>
         <p:spPr>
           <a:xfrm>
-            <a:off x="558800" y="948267"/>
-            <a:ext cx="8144933" cy="1869743"/>
+            <a:off x="647998" y="1224296"/>
+            <a:ext cx="8127867" cy="3554819"/>
           </a:xfrm>
           <a:prstGeom prst="rect">
             <a:avLst/>
@@ -9208,20 +9473,20 @@
               <a:buChar char="•"/>
             </a:pPr>
             <a:r>
-              <a:rPr lang="de-DE" sz="1050" b="1" dirty="0"/>
+              <a:rPr lang="de-DE" sz="1500" b="1" dirty="0"/>
               <a:t>Abb.1:</a:t>
             </a:r>
             <a:r>
-              <a:rPr lang="de-DE" sz="1050" dirty="0"/>
+              <a:rPr lang="de-DE" sz="1500" dirty="0"/>
               <a:t> </a:t>
             </a:r>
             <a:r>
-              <a:rPr lang="de-DE" sz="1050" dirty="0">
+              <a:rPr lang="de-DE" sz="1500" dirty="0">
                 <a:hlinkClick r:id="rId2"/>
               </a:rPr>
               <a:t>http://www.myhomematic.de/product_info.php?products_id=210</a:t>
             </a:r>
-            <a:endParaRPr lang="de-DE" sz="1050" dirty="0"/>
+            <a:endParaRPr lang="de-DE" sz="1500" dirty="0"/>
           </a:p>
           <a:p>
             <a:pPr marL="285750" indent="-285750">
@@ -9229,16 +9494,16 @@
               <a:buChar char="•"/>
             </a:pPr>
             <a:r>
-              <a:rPr lang="de-DE" sz="1050" b="1" dirty="0"/>
+              <a:rPr lang="de-DE" sz="1500" b="1" dirty="0"/>
               <a:t>Abb.2: </a:t>
             </a:r>
             <a:r>
-              <a:rPr lang="de-DE" sz="1050" dirty="0">
+              <a:rPr lang="de-DE" sz="1500" dirty="0">
                 <a:hlinkClick r:id="rId3"/>
               </a:rPr>
               <a:t>http://www.myhomematic.de/product_info.php?products_id=565</a:t>
             </a:r>
-            <a:endParaRPr lang="de-DE" sz="1050" dirty="0"/>
+            <a:endParaRPr lang="de-DE" sz="1500" dirty="0"/>
           </a:p>
           <a:p>
             <a:pPr marL="285750" indent="-285750">
@@ -9246,16 +9511,16 @@
               <a:buChar char="•"/>
             </a:pPr>
             <a:r>
-              <a:rPr lang="de-DE" sz="1050" b="1" dirty="0"/>
+              <a:rPr lang="de-DE" sz="1500" b="1" dirty="0"/>
               <a:t>Abb.3: </a:t>
             </a:r>
             <a:r>
-              <a:rPr lang="de-DE" sz="1050" dirty="0">
+              <a:rPr lang="de-DE" sz="1500" dirty="0">
                 <a:hlinkClick r:id="rId4"/>
               </a:rPr>
               <a:t>http://www.myhomematic.de/product_info.php?products_id=582</a:t>
             </a:r>
-            <a:endParaRPr lang="de-DE" sz="1050" dirty="0"/>
+            <a:endParaRPr lang="de-DE" sz="1500" dirty="0"/>
           </a:p>
           <a:p>
             <a:pPr marL="285750" indent="-285750">
@@ -9263,20 +9528,20 @@
               <a:buChar char="•"/>
             </a:pPr>
             <a:r>
-              <a:rPr lang="de-DE" sz="1050" b="1" dirty="0"/>
+              <a:rPr lang="de-DE" sz="1500" b="1" dirty="0"/>
               <a:t>Abb.4:</a:t>
             </a:r>
             <a:r>
-              <a:rPr lang="de-DE" sz="1050" dirty="0"/>
+              <a:rPr lang="de-DE" sz="1500" dirty="0"/>
               <a:t> </a:t>
             </a:r>
             <a:r>
-              <a:rPr lang="de-DE" sz="1050" dirty="0">
+              <a:rPr lang="de-DE" sz="1500" dirty="0">
                 <a:hlinkClick r:id="rId5"/>
               </a:rPr>
               <a:t>http://www.myhomematic.de/product_info.php?products_id=214</a:t>
             </a:r>
-            <a:endParaRPr lang="de-DE" sz="1050" dirty="0"/>
+            <a:endParaRPr lang="de-DE" sz="1500" dirty="0"/>
           </a:p>
           <a:p>
             <a:pPr marL="285750" indent="-285750">
@@ -9284,16 +9549,16 @@
               <a:buChar char="•"/>
             </a:pPr>
             <a:r>
-              <a:rPr lang="de-DE" sz="1050" b="1" dirty="0"/>
+              <a:rPr lang="de-DE" sz="1500" b="1" dirty="0"/>
               <a:t>Abb.5: </a:t>
             </a:r>
             <a:r>
-              <a:rPr lang="de-DE" sz="1050" dirty="0">
+              <a:rPr lang="de-DE" sz="1500" dirty="0">
                 <a:hlinkClick r:id="rId6"/>
               </a:rPr>
               <a:t>http://www.myhomematic.de/product_info.php?products_id=569</a:t>
             </a:r>
-            <a:endParaRPr lang="de-DE" sz="1050" dirty="0"/>
+            <a:endParaRPr lang="de-DE" sz="1500" dirty="0"/>
           </a:p>
           <a:p>
             <a:pPr marL="285750" indent="-285750">
@@ -9301,16 +9566,16 @@
               <a:buChar char="•"/>
             </a:pPr>
             <a:r>
-              <a:rPr lang="de-DE" sz="1050" b="1" dirty="0"/>
+              <a:rPr lang="de-DE" sz="1500" b="1" dirty="0"/>
               <a:t>Abb.6: </a:t>
             </a:r>
             <a:r>
-              <a:rPr lang="de-DE" sz="1050" dirty="0">
+              <a:rPr lang="de-DE" sz="1500" dirty="0">
                 <a:hlinkClick r:id="rId7"/>
               </a:rPr>
               <a:t>http://www.myhomematic.de/product_info.php?products_id=427</a:t>
             </a:r>
-            <a:endParaRPr lang="de-DE" sz="1050" dirty="0"/>
+            <a:endParaRPr lang="de-DE" sz="1500" dirty="0"/>
           </a:p>
           <a:p>
             <a:pPr marL="285750" indent="-285750">
@@ -9318,48 +9583,137 @@
               <a:buChar char="•"/>
             </a:pPr>
             <a:r>
-              <a:rPr lang="de-DE" sz="1050" b="1" dirty="0"/>
+              <a:rPr lang="de-DE" sz="1500" b="1" dirty="0"/>
               <a:t>Abb.7:</a:t>
             </a:r>
             <a:r>
-              <a:rPr lang="de-DE" sz="1050" dirty="0"/>
+              <a:rPr lang="de-DE" sz="1500" dirty="0"/>
               <a:t> </a:t>
             </a:r>
             <a:r>
-              <a:rPr lang="de-DE" sz="1050" dirty="0">
+              <a:rPr lang="de-DE" sz="1500" dirty="0">
                 <a:hlinkClick r:id="rId8"/>
               </a:rPr>
               <a:t>http://www.myhomematic.de/product_info.php?products_id=191</a:t>
             </a:r>
-            <a:endParaRPr lang="de-DE" sz="1050" dirty="0"/>
+            <a:endParaRPr lang="de-DE" sz="1500" dirty="0"/>
           </a:p>
           <a:p>
             <a:pPr marL="285750" indent="-285750">
               <a:buFont typeface="Arial" panose="020B0604020202020204" pitchFamily="34" charset="0"/>
               <a:buChar char="•"/>
             </a:pPr>
-            <a:endParaRPr lang="de-DE" sz="1050" dirty="0"/>
+            <a:r>
+              <a:rPr lang="de-DE" sz="1500" u="sng" dirty="0">
+                <a:hlinkClick r:id="rId9"/>
+              </a:rPr>
+              <a:t>https://www.openhab.org/</a:t>
+            </a:r>
+            <a:r>
+              <a:rPr lang="de-DE" sz="1500" dirty="0"/>
+              <a:t>	20.05.17; 18:21 Uhr</a:t>
+            </a:r>
           </a:p>
           <a:p>
             <a:pPr marL="285750" indent="-285750">
               <a:buFont typeface="Arial" panose="020B0604020202020204" pitchFamily="34" charset="0"/>
               <a:buChar char="•"/>
             </a:pPr>
-            <a:endParaRPr lang="de-DE" sz="1050" dirty="0"/>
+            <a:r>
+              <a:rPr lang="de-DE" sz="1500" u="sng" dirty="0">
+                <a:hlinkClick r:id="rId10"/>
+              </a:rPr>
+              <a:t>http://www.homematic.com/</a:t>
+            </a:r>
+            <a:r>
+              <a:rPr lang="de-DE" sz="1500" dirty="0"/>
+              <a:t>		21.05.17; 07:43 Uhr</a:t>
+            </a:r>
           </a:p>
           <a:p>
             <a:pPr marL="285750" indent="-285750">
               <a:buFont typeface="Arial" panose="020B0604020202020204" pitchFamily="34" charset="0"/>
               <a:buChar char="•"/>
             </a:pPr>
-            <a:endParaRPr lang="de-DE" sz="1050" b="1" dirty="0"/>
+            <a:r>
+              <a:rPr lang="de-DE" sz="1500" u="sng" dirty="0">
+                <a:hlinkClick r:id="rId11"/>
+              </a:rPr>
+              <a:t>http://www.eq-3.de/produkte/homematic.html</a:t>
+            </a:r>
+            <a:r>
+              <a:rPr lang="de-DE" sz="1500" dirty="0"/>
+              <a:t>	 21.05.17; 08:58 Uhr</a:t>
+            </a:r>
           </a:p>
           <a:p>
             <a:pPr marL="285750" indent="-285750">
               <a:buFont typeface="Arial" panose="020B0604020202020204" pitchFamily="34" charset="0"/>
               <a:buChar char="•"/>
             </a:pPr>
-            <a:endParaRPr lang="de-DE" sz="1050" b="1" dirty="0"/>
+            <a:r>
+              <a:rPr lang="de-DE" sz="1500" u="sng" dirty="0">
+                <a:hlinkClick r:id="rId12"/>
+              </a:rPr>
+              <a:t>https://www.homematic-inside.de</a:t>
+            </a:r>
+            <a:r>
+              <a:rPr lang="de-DE" sz="1500" dirty="0"/>
+              <a:t>	 21.05.17; 09:31 Uhr</a:t>
+            </a:r>
+          </a:p>
+          <a:p>
+            <a:endParaRPr lang="de-DE" sz="1500" dirty="0"/>
+          </a:p>
+          <a:p>
+            <a:pPr marL="285750" indent="-285750">
+              <a:buFont typeface="Arial" panose="020B0604020202020204" pitchFamily="34" charset="0"/>
+              <a:buChar char="•"/>
+            </a:pPr>
+            <a:endParaRPr lang="de-DE" sz="1500" dirty="0"/>
+          </a:p>
+          <a:p>
+            <a:pPr marL="285750" indent="-285750">
+              <a:buFont typeface="Arial" panose="020B0604020202020204" pitchFamily="34" charset="0"/>
+              <a:buChar char="•"/>
+            </a:pPr>
+            <a:endParaRPr lang="de-DE" sz="1500" b="1" dirty="0"/>
+          </a:p>
+          <a:p>
+            <a:pPr marL="285750" indent="-285750">
+              <a:buFont typeface="Arial" panose="020B0604020202020204" pitchFamily="34" charset="0"/>
+              <a:buChar char="•"/>
+            </a:pPr>
+            <a:endParaRPr lang="de-DE" sz="1500" b="1" dirty="0"/>
+          </a:p>
+        </p:txBody>
+      </p:sp>
+      <p:sp>
+        <p:nvSpPr>
+          <p:cNvPr id="6" name="Textfeld 5"/>
+          <p:cNvSpPr txBox="1"/>
+          <p:nvPr/>
+        </p:nvSpPr>
+        <p:spPr>
+          <a:xfrm>
+            <a:off x="3869724" y="116300"/>
+            <a:ext cx="1404552" cy="553998"/>
+          </a:xfrm>
+          <a:prstGeom prst="rect">
+            <a:avLst/>
+          </a:prstGeom>
+          <a:noFill/>
+        </p:spPr>
+        <p:txBody>
+          <a:bodyPr wrap="none" rtlCol="0">
+            <a:spAutoFit/>
+          </a:bodyPr>
+          <a:lstStyle/>
+          <a:p>
+            <a:r>
+              <a:rPr lang="de-DE" sz="3000" dirty="0"/>
+              <a:t>Quellen</a:t>
+            </a:r>
           </a:p>
         </p:txBody>
       </p:sp>
@@ -12463,33 +12817,15 @@
                                   </p:childTnLst>
                                 </p:cTn>
                               </p:par>
-                            </p:childTnLst>
-                          </p:cTn>
-                        </p:par>
-                      </p:childTnLst>
-                    </p:cTn>
-                  </p:par>
-                  <p:par>
-                    <p:cTn id="23" fill="hold">
-                      <p:stCondLst>
-                        <p:cond delay="indefinite"/>
-                      </p:stCondLst>
-                      <p:childTnLst>
-                        <p:par>
-                          <p:cTn id="24" fill="hold">
-                            <p:stCondLst>
-                              <p:cond delay="0"/>
-                            </p:stCondLst>
-                            <p:childTnLst>
                               <p:par>
-                                <p:cTn id="25" presetID="1" presetClass="entr" presetSubtype="0" fill="hold" grpId="0" nodeType="clickEffect">
+                                <p:cTn id="23" presetID="1" presetClass="entr" presetSubtype="0" fill="hold" grpId="0" nodeType="withEffect">
                                   <p:stCondLst>
                                     <p:cond delay="0"/>
                                   </p:stCondLst>
                                   <p:childTnLst>
                                     <p:set>
                                       <p:cBhvr>
-                                        <p:cTn id="26" dur="1" fill="hold">
+                                        <p:cTn id="24" dur="1" fill="hold">
                                           <p:stCondLst>
                                             <p:cond delay="0"/>
                                           </p:stCondLst>
@@ -13021,7 +13357,7 @@
                                           </p:stCondLst>
                                         </p:cTn>
                                         <p:tgtEl>
-                                          <p:spTgt spid="11"/>
+                                          <p:spTgt spid="16"/>
                                         </p:tgtEl>
                                         <p:attrNameLst>
                                           <p:attrName>style.visibility</p:attrName>
@@ -13066,34 +13402,7 @@
                                           </p:stCondLst>
                                         </p:cTn>
                                         <p:tgtEl>
-                                          <p:spTgt spid="8"/>
-                                        </p:tgtEl>
-                                        <p:attrNameLst>
-                                          <p:attrName>style.visibility</p:attrName>
-                                        </p:attrNameLst>
-                                      </p:cBhvr>
-                                      <p:to>
-                                        <p:strVal val="visible"/>
-                                      </p:to>
-                                    </p:set>
-                                  </p:childTnLst>
-                                </p:cTn>
-                              </p:par>
-                              <p:par>
-                                <p:cTn id="15" presetID="1" presetClass="entr" presetSubtype="0" fill="hold" grpId="0" nodeType="withEffect">
-                                  <p:stCondLst>
-                                    <p:cond delay="0"/>
-                                  </p:stCondLst>
-                                  <p:childTnLst>
-                                    <p:set>
-                                      <p:cBhvr>
-                                        <p:cTn id="16" dur="1" fill="hold">
-                                          <p:stCondLst>
-                                            <p:cond delay="0"/>
-                                          </p:stCondLst>
-                                        </p:cTn>
-                                        <p:tgtEl>
-                                          <p:spTgt spid="13"/>
+                                          <p:spTgt spid="11"/>
                                         </p:tgtEl>
                                         <p:attrNameLst>
                                           <p:attrName>style.visibility</p:attrName>
@@ -13113,19 +13422,46 @@
                     </p:cTn>
                   </p:par>
                   <p:par>
-                    <p:cTn id="17" fill="hold">
+                    <p:cTn id="15" fill="hold">
                       <p:stCondLst>
                         <p:cond delay="indefinite"/>
                       </p:stCondLst>
                       <p:childTnLst>
                         <p:par>
-                          <p:cTn id="18" fill="hold">
+                          <p:cTn id="16" fill="hold">
                             <p:stCondLst>
                               <p:cond delay="0"/>
                             </p:stCondLst>
                             <p:childTnLst>
                               <p:par>
-                                <p:cTn id="19" presetID="1" presetClass="entr" presetSubtype="0" fill="hold" grpId="0" nodeType="clickEffect">
+                                <p:cTn id="17" presetID="1" presetClass="entr" presetSubtype="0" fill="hold" grpId="0" nodeType="clickEffect">
+                                  <p:stCondLst>
+                                    <p:cond delay="0"/>
+                                  </p:stCondLst>
+                                  <p:childTnLst>
+                                    <p:set>
+                                      <p:cBhvr>
+                                        <p:cTn id="18" dur="1" fill="hold">
+                                          <p:stCondLst>
+                                            <p:cond delay="0"/>
+                                          </p:stCondLst>
+                                        </p:cTn>
+                                        <p:tgtEl>
+                                          <p:spTgt spid="8"/>
+                                        </p:tgtEl>
+                                        <p:attrNameLst>
+                                          <p:attrName>style.visibility</p:attrName>
+                                        </p:attrNameLst>
+                                      </p:cBhvr>
+                                      <p:to>
+                                        <p:strVal val="visible"/>
+                                      </p:to>
+                                    </p:set>
+                                  </p:childTnLst>
+                                </p:cTn>
+                              </p:par>
+                              <p:par>
+                                <p:cTn id="19" presetID="1" presetClass="entr" presetSubtype="0" fill="hold" grpId="0" nodeType="withEffect">
                                   <p:stCondLst>
                                     <p:cond delay="0"/>
                                   </p:stCondLst>
@@ -13138,7 +13474,7 @@
                                           </p:stCondLst>
                                         </p:cTn>
                                         <p:tgtEl>
-                                          <p:spTgt spid="16"/>
+                                          <p:spTgt spid="13"/>
                                         </p:tgtEl>
                                         <p:attrNameLst>
                                           <p:attrName>style.visibility</p:attrName>
@@ -13721,7 +14057,34 @@
                                           </p:stCondLst>
                                         </p:cTn>
                                         <p:tgtEl>
-                                          <p:spTgt spid="7"/>
+                                          <p:spTgt spid="9"/>
+                                        </p:tgtEl>
+                                        <p:attrNameLst>
+                                          <p:attrName>style.visibility</p:attrName>
+                                        </p:attrNameLst>
+                                      </p:cBhvr>
+                                      <p:to>
+                                        <p:strVal val="visible"/>
+                                      </p:to>
+                                    </p:set>
+                                  </p:childTnLst>
+                                </p:cTn>
+                              </p:par>
+                              <p:par>
+                                <p:cTn id="15" presetID="1" presetClass="entr" presetSubtype="0" fill="hold" grpId="0" nodeType="withEffect">
+                                  <p:stCondLst>
+                                    <p:cond delay="0"/>
+                                  </p:stCondLst>
+                                  <p:childTnLst>
+                                    <p:set>
+                                      <p:cBhvr>
+                                        <p:cTn id="16" dur="1" fill="hold">
+                                          <p:stCondLst>
+                                            <p:cond delay="0"/>
+                                          </p:stCondLst>
+                                        </p:cTn>
+                                        <p:tgtEl>
+                                          <p:spTgt spid="10"/>
                                         </p:tgtEl>
                                         <p:attrNameLst>
                                           <p:attrName>style.visibility</p:attrName>
@@ -13741,77 +14104,32 @@
                     </p:cTn>
                   </p:par>
                   <p:par>
-                    <p:cTn id="15" fill="hold">
+                    <p:cTn id="17" fill="hold">
                       <p:stCondLst>
                         <p:cond delay="indefinite"/>
                       </p:stCondLst>
                       <p:childTnLst>
                         <p:par>
-                          <p:cTn id="16" fill="hold">
+                          <p:cTn id="18" fill="hold">
                             <p:stCondLst>
                               <p:cond delay="0"/>
                             </p:stCondLst>
                             <p:childTnLst>
                               <p:par>
-                                <p:cTn id="17" presetID="1" presetClass="entr" presetSubtype="0" fill="hold" grpId="0" nodeType="clickEffect">
+                                <p:cTn id="19" presetID="1" presetClass="entr" presetSubtype="0" fill="hold" grpId="0" nodeType="clickEffect">
                                   <p:stCondLst>
                                     <p:cond delay="0"/>
                                   </p:stCondLst>
                                   <p:childTnLst>
                                     <p:set>
                                       <p:cBhvr>
-                                        <p:cTn id="18" dur="1" fill="hold">
+                                        <p:cTn id="20" dur="1" fill="hold">
                                           <p:stCondLst>
                                             <p:cond delay="0"/>
                                           </p:stCondLst>
                                         </p:cTn>
                                         <p:tgtEl>
-                                          <p:spTgt spid="9"/>
-                                        </p:tgtEl>
-                                        <p:attrNameLst>
-                                          <p:attrName>style.visibility</p:attrName>
-                                        </p:attrNameLst>
-                                      </p:cBhvr>
-                                      <p:to>
-                                        <p:strVal val="visible"/>
-                                      </p:to>
-                                    </p:set>
-                                  </p:childTnLst>
-                                </p:cTn>
-                              </p:par>
-                            </p:childTnLst>
-                          </p:cTn>
-                        </p:par>
-                      </p:childTnLst>
-                    </p:cTn>
-                  </p:par>
-                  <p:par>
-                    <p:cTn id="19" fill="hold">
-                      <p:stCondLst>
-                        <p:cond delay="indefinite"/>
-                      </p:stCondLst>
-                      <p:childTnLst>
-                        <p:par>
-                          <p:cTn id="20" fill="hold">
-                            <p:stCondLst>
-                              <p:cond delay="0"/>
-                            </p:stCondLst>
-                            <p:childTnLst>
-                              <p:par>
-                                <p:cTn id="21" presetID="1" presetClass="entr" presetSubtype="0" fill="hold" grpId="0" nodeType="clickEffect">
-                                  <p:stCondLst>
-                                    <p:cond delay="0"/>
-                                  </p:stCondLst>
-                                  <p:childTnLst>
-                                    <p:set>
-                                      <p:cBhvr>
-                                        <p:cTn id="22" dur="1" fill="hold">
-                                          <p:stCondLst>
-                                            <p:cond delay="0"/>
-                                          </p:stCondLst>
-                                        </p:cTn>
-                                        <p:tgtEl>
-                                          <p:spTgt spid="10"/>
+                                          <p:spTgt spid="7"/>
                                         </p:tgtEl>
                                         <p:attrNameLst>
                                           <p:attrName>style.visibility</p:attrName>

--- a/HSHL_Hausautomationssysteme.potx.pptx
+++ b/HSHL_Hausautomationssysteme.potx.pptx
@@ -13654,7 +13654,12 @@
             <p:ph type="sldNum" sz="quarter" idx="12"/>
           </p:nvPr>
         </p:nvSpPr>
-        <p:spPr/>
+        <p:spPr>
+          <a:xfrm>
+            <a:off x="7072604" y="6492816"/>
+            <a:ext cx="1459395" cy="111955"/>
+          </a:xfrm>
+        </p:spPr>
         <p:txBody>
           <a:bodyPr/>
           <a:lstStyle/>
@@ -13890,16 +13895,40 @@
           </a:p>
         </p:txBody>
       </p:sp>
-      <p:sp>
-        <p:nvSpPr>
-          <p:cNvPr id="11" name="Textfeld 10"/>
+      <p:pic>
+        <p:nvPicPr>
+          <p:cNvPr id="15" name="Grafik 14"/>
+          <p:cNvPicPr>
+            <a:picLocks noChangeAspect="1"/>
+          </p:cNvPicPr>
+          <p:nvPr/>
+        </p:nvPicPr>
+        <p:blipFill>
+          <a:blip r:embed="rId2"/>
+          <a:stretch>
+            <a:fillRect/>
+          </a:stretch>
+        </p:blipFill>
+        <p:spPr>
+          <a:xfrm>
+            <a:off x="811763" y="3548855"/>
+            <a:ext cx="7593280" cy="2906370"/>
+          </a:xfrm>
+          <a:prstGeom prst="rect">
+            <a:avLst/>
+          </a:prstGeom>
+        </p:spPr>
+      </p:pic>
+      <p:sp>
+        <p:nvSpPr>
+          <p:cNvPr id="17" name="Textfeld 16"/>
           <p:cNvSpPr txBox="1"/>
           <p:nvPr/>
         </p:nvSpPr>
         <p:spPr>
           <a:xfrm>
-            <a:off x="2438249" y="4469261"/>
-            <a:ext cx="3339312" cy="553998"/>
+            <a:off x="6367209" y="6432260"/>
+            <a:ext cx="2870184" cy="230832"/>
           </a:xfrm>
           <a:prstGeom prst="rect">
             <a:avLst/>
@@ -13907,18 +13936,14 @@
           <a:noFill/>
         </p:spPr>
         <p:txBody>
-          <a:bodyPr wrap="none" rtlCol="0">
+          <a:bodyPr wrap="square" rtlCol="0">
             <a:spAutoFit/>
           </a:bodyPr>
           <a:lstStyle/>
           <a:p>
             <a:r>
-              <a:rPr lang="de-DE" sz="3000" i="1" dirty="0">
-                <a:solidFill>
-                  <a:srgbClr val="FF0000"/>
-                </a:solidFill>
-              </a:rPr>
-              <a:t>*Bild von der GUI ?*</a:t>
+              <a:rPr lang="de-DE" sz="900" dirty="0"/>
+              <a:t>https://www.mysensors.org</a:t>
             </a:r>
           </a:p>
         </p:txBody>

--- a/HSHL_Hausautomationssysteme.potx.pptx
+++ b/HSHL_Hausautomationssysteme.potx.pptx
@@ -267,7 +267,7 @@
           <a:p>
             <a:fld id="{276817F0-84FC-C145-AFC3-FA42D1D21F8E}" type="datetimeFigureOut">
               <a:rPr lang="de-DE" smtClean="0"/>
-              <a:t>07.06.2017</a:t>
+              <a:t>08.06.2017</a:t>
             </a:fld>
             <a:endParaRPr lang="de-DE"/>
           </a:p>
@@ -436,7 +436,7 @@
           <a:p>
             <a:fld id="{F80FA3C8-DE25-7348-A1F7-D749F91943C8}" type="datetimeFigureOut">
               <a:rPr lang="de-DE" smtClean="0"/>
-              <a:t>07.06.2017</a:t>
+              <a:t>08.06.2017</a:t>
             </a:fld>
             <a:endParaRPr lang="de-DE"/>
           </a:p>
@@ -1124,7 +1124,7 @@
           <a:p>
             <a:fld id="{C916D949-773C-3845-BFBA-C7D9987445EE}" type="datetime1">
               <a:rPr lang="de-DE" smtClean="0"/>
-              <a:t>07.06.2017</a:t>
+              <a:t>08.06.2017</a:t>
             </a:fld>
             <a:endParaRPr lang="de-DE" dirty="0"/>
           </a:p>
@@ -1225,7 +1225,7 @@
             <a:fld id="{A4ECBFB4-2031-A542-A2EF-20BD4D9E5256}" type="datetime1">
               <a:rPr lang="de-DE" smtClean="0"/>
               <a:pPr/>
-              <a:t>07.06.2017</a:t>
+              <a:t>08.06.2017</a:t>
             </a:fld>
             <a:r>
               <a:rPr lang="de-DE" dirty="0"/>
@@ -1510,7 +1510,7 @@
           <a:p>
             <a:fld id="{C916D949-773C-3845-BFBA-C7D9987445EE}" type="datetime1">
               <a:rPr lang="de-DE" smtClean="0"/>
-              <a:t>07.06.2017</a:t>
+              <a:t>08.06.2017</a:t>
             </a:fld>
             <a:endParaRPr lang="de-DE" dirty="0"/>
           </a:p>
@@ -2066,7 +2066,7 @@
             <a:fld id="{A4ECBFB4-2031-A542-A2EF-20BD4D9E5256}" type="datetime1">
               <a:rPr lang="de-DE" smtClean="0"/>
               <a:pPr/>
-              <a:t>07.06.2017</a:t>
+              <a:t>08.06.2017</a:t>
             </a:fld>
             <a:r>
               <a:rPr lang="de-DE"/>
@@ -2797,7 +2797,7 @@
             <a:fld id="{A4ECBFB4-2031-A542-A2EF-20BD4D9E5256}" type="datetime1">
               <a:rPr lang="de-DE" smtClean="0"/>
               <a:pPr/>
-              <a:t>07.06.2017</a:t>
+              <a:t>08.06.2017</a:t>
             </a:fld>
             <a:r>
               <a:rPr lang="de-DE"/>
@@ -3242,7 +3242,7 @@
             <a:fld id="{A4ECBFB4-2031-A542-A2EF-20BD4D9E5256}" type="datetime1">
               <a:rPr lang="de-DE" smtClean="0"/>
               <a:pPr/>
-              <a:t>07.06.2017</a:t>
+              <a:t>08.06.2017</a:t>
             </a:fld>
             <a:r>
               <a:rPr lang="de-DE"/>
@@ -3690,7 +3690,7 @@
             <a:fld id="{A4ECBFB4-2031-A542-A2EF-20BD4D9E5256}" type="datetime1">
               <a:rPr lang="de-DE" smtClean="0"/>
               <a:pPr/>
-              <a:t>07.06.2017</a:t>
+              <a:t>08.06.2017</a:t>
             </a:fld>
             <a:r>
               <a:rPr lang="de-DE"/>
@@ -4153,7 +4153,7 @@
             <a:fld id="{A4ECBFB4-2031-A542-A2EF-20BD4D9E5256}" type="datetime1">
               <a:rPr lang="de-DE" smtClean="0"/>
               <a:pPr/>
-              <a:t>07.06.2017</a:t>
+              <a:t>08.06.2017</a:t>
             </a:fld>
             <a:r>
               <a:rPr lang="de-DE"/>
@@ -4624,7 +4624,7 @@
             <a:fld id="{A4ECBFB4-2031-A542-A2EF-20BD4D9E5256}" type="datetime1">
               <a:rPr lang="de-DE" smtClean="0"/>
               <a:pPr/>
-              <a:t>07.06.2017</a:t>
+              <a:t>08.06.2017</a:t>
             </a:fld>
             <a:r>
               <a:rPr lang="de-DE"/>
@@ -5208,7 +5208,7 @@
             <a:fld id="{A4ECBFB4-2031-A542-A2EF-20BD4D9E5256}" type="datetime1">
               <a:rPr lang="de-DE" smtClean="0"/>
               <a:pPr/>
-              <a:t>07.06.2017</a:t>
+              <a:t>08.06.2017</a:t>
             </a:fld>
             <a:r>
               <a:rPr lang="de-DE"/>
@@ -5660,7 +5660,7 @@
             <a:fld id="{A4ECBFB4-2031-A542-A2EF-20BD4D9E5256}" type="datetime1">
               <a:rPr lang="de-DE" smtClean="0"/>
               <a:pPr/>
-              <a:t>07.06.2017</a:t>
+              <a:t>08.06.2017</a:t>
             </a:fld>
             <a:r>
               <a:rPr lang="de-DE"/>
@@ -5730,8 +5730,8 @@
         </p:nvSpPr>
         <p:spPr>
           <a:xfrm>
-            <a:off x="3469166" y="670298"/>
-            <a:ext cx="2205668" cy="553998"/>
+            <a:off x="858987" y="2836334"/>
+            <a:ext cx="7426026" cy="1200329"/>
           </a:xfrm>
           <a:prstGeom prst="rect">
             <a:avLst/>
@@ -5739,20 +5739,21 @@
           <a:noFill/>
         </p:spPr>
         <p:txBody>
-          <a:bodyPr wrap="none" rtlCol="0">
+          <a:bodyPr wrap="square" rtlCol="0">
             <a:spAutoFit/>
           </a:bodyPr>
           <a:lstStyle/>
           <a:p>
-            <a:r>
-              <a:rPr lang="de-DE" sz="3000" b="1" dirty="0"/>
+            <a:pPr algn="ctr"/>
+            <a:r>
+              <a:rPr lang="de-DE" sz="7200" b="1" dirty="0"/>
               <a:t>Live - </a:t>
             </a:r>
             <a:r>
-              <a:rPr lang="de-DE" sz="3000" b="1" dirty="0" err="1"/>
+              <a:rPr lang="de-DE" sz="7200" b="1" dirty="0" err="1"/>
               <a:t>Coding</a:t>
             </a:r>
-            <a:endParaRPr lang="de-DE" sz="3000" b="1" dirty="0"/>
+            <a:endParaRPr lang="de-DE" sz="7200" b="1" dirty="0"/>
           </a:p>
         </p:txBody>
       </p:sp>
@@ -5804,7 +5805,7 @@
             <a:fld id="{A4ECBFB4-2031-A542-A2EF-20BD4D9E5256}" type="datetime1">
               <a:rPr lang="de-DE" smtClean="0"/>
               <a:pPr/>
-              <a:t>07.06.2017</a:t>
+              <a:t>08.06.2017</a:t>
             </a:fld>
             <a:r>
               <a:rPr lang="de-DE"/>
@@ -6990,7 +6991,7 @@
             <a:fld id="{A4ECBFB4-2031-A542-A2EF-20BD4D9E5256}" type="datetime1">
               <a:rPr lang="de-DE" smtClean="0"/>
               <a:pPr/>
-              <a:t>07.06.2017</a:t>
+              <a:t>08.06.2017</a:t>
             </a:fld>
             <a:r>
               <a:rPr lang="de-DE"/>
@@ -7617,7 +7618,7 @@
             <a:fld id="{A4ECBFB4-2031-A542-A2EF-20BD4D9E5256}" type="datetime1">
               <a:rPr lang="de-DE" smtClean="0"/>
               <a:pPr/>
-              <a:t>07.06.2017</a:t>
+              <a:t>08.06.2017</a:t>
             </a:fld>
             <a:r>
               <a:rPr lang="de-DE"/>
@@ -8464,7 +8465,7 @@
             <a:fld id="{A4ECBFB4-2031-A542-A2EF-20BD4D9E5256}" type="datetime1">
               <a:rPr lang="de-DE" smtClean="0"/>
               <a:pPr/>
-              <a:t>07.06.2017</a:t>
+              <a:t>08.06.2017</a:t>
             </a:fld>
             <a:r>
               <a:rPr lang="de-DE"/>
@@ -9401,7 +9402,7 @@
             <a:fld id="{A4ECBFB4-2031-A542-A2EF-20BD4D9E5256}" type="datetime1">
               <a:rPr lang="de-DE" smtClean="0"/>
               <a:pPr/>
-              <a:t>07.06.2017</a:t>
+              <a:t>08.06.2017</a:t>
             </a:fld>
             <a:r>
               <a:rPr lang="de-DE"/>
@@ -9764,7 +9765,7 @@
           <a:p>
             <a:fld id="{20484179-97E7-4643-B5B7-BA9089E040D3}" type="datetime1">
               <a:rPr lang="de-DE" smtClean="0"/>
-              <a:t>07.06.2017</a:t>
+              <a:t>08.06.2017</a:t>
             </a:fld>
             <a:r>
               <a:rPr lang="de-DE" dirty="0"/>
@@ -10564,7 +10565,7 @@
             <a:fld id="{A4ECBFB4-2031-A542-A2EF-20BD4D9E5256}" type="datetime1">
               <a:rPr lang="de-DE" smtClean="0"/>
               <a:pPr/>
-              <a:t>07.06.2017</a:t>
+              <a:t>08.06.2017</a:t>
             </a:fld>
             <a:r>
               <a:rPr lang="de-DE"/>
@@ -11253,7 +11254,7 @@
             <a:fld id="{A4ECBFB4-2031-A542-A2EF-20BD4D9E5256}" type="datetime1">
               <a:rPr lang="de-DE" smtClean="0"/>
               <a:pPr/>
-              <a:t>07.06.2017</a:t>
+              <a:t>08.06.2017</a:t>
             </a:fld>
             <a:r>
               <a:rPr lang="de-DE"/>
@@ -11633,7 +11634,7 @@
             <a:fld id="{A4ECBFB4-2031-A542-A2EF-20BD4D9E5256}" type="datetime1">
               <a:rPr lang="de-DE" smtClean="0"/>
               <a:pPr/>
-              <a:t>07.06.2017</a:t>
+              <a:t>08.06.2017</a:t>
             </a:fld>
             <a:r>
               <a:rPr lang="de-DE"/>
@@ -12249,7 +12250,7 @@
             <a:fld id="{A4ECBFB4-2031-A542-A2EF-20BD4D9E5256}" type="datetime1">
               <a:rPr lang="de-DE" smtClean="0"/>
               <a:pPr/>
-              <a:t>07.06.2017</a:t>
+              <a:t>08.06.2017</a:t>
             </a:fld>
             <a:r>
               <a:rPr lang="de-DE"/>
@@ -12919,7 +12920,7 @@
             <a:fld id="{A4ECBFB4-2031-A542-A2EF-20BD4D9E5256}" type="datetime1">
               <a:rPr lang="de-DE" smtClean="0"/>
               <a:pPr/>
-              <a:t>07.06.2017</a:t>
+              <a:t>08.06.2017</a:t>
             </a:fld>
             <a:r>
               <a:rPr lang="de-DE"/>
@@ -13634,7 +13635,7 @@
             <a:fld id="{A4ECBFB4-2031-A542-A2EF-20BD4D9E5256}" type="datetime1">
               <a:rPr lang="de-DE" smtClean="0"/>
               <a:pPr/>
-              <a:t>07.06.2017</a:t>
+              <a:t>08.06.2017</a:t>
             </a:fld>
             <a:r>
               <a:rPr lang="de-DE"/>
